--- a/lectures/week_11_model_selection/le111_model_selection.pptx
+++ b/lectures/week_11_model_selection/le111_model_selection.pptx
@@ -5,50 +5,55 @@
     <p:sldMasterId id="2147483660" r:id="rId1"/>
   </p:sldMasterIdLst>
   <p:notesMasterIdLst>
-    <p:notesMasterId r:id="rId43"/>
+    <p:notesMasterId r:id="rId48"/>
   </p:notesMasterIdLst>
   <p:sldIdLst>
     <p:sldId id="256" r:id="rId2"/>
-    <p:sldId id="277" r:id="rId3"/>
-    <p:sldId id="278" r:id="rId4"/>
-    <p:sldId id="290" r:id="rId5"/>
-    <p:sldId id="291" r:id="rId6"/>
-    <p:sldId id="279" r:id="rId7"/>
-    <p:sldId id="261" r:id="rId8"/>
-    <p:sldId id="280" r:id="rId9"/>
-    <p:sldId id="259" r:id="rId10"/>
-    <p:sldId id="282" r:id="rId11"/>
-    <p:sldId id="262" r:id="rId12"/>
-    <p:sldId id="284" r:id="rId13"/>
-    <p:sldId id="283" r:id="rId14"/>
-    <p:sldId id="263" r:id="rId15"/>
-    <p:sldId id="285" r:id="rId16"/>
-    <p:sldId id="269" r:id="rId17"/>
-    <p:sldId id="286" r:id="rId18"/>
-    <p:sldId id="287" r:id="rId19"/>
-    <p:sldId id="288" r:id="rId20"/>
-    <p:sldId id="289" r:id="rId21"/>
-    <p:sldId id="281" r:id="rId22"/>
-    <p:sldId id="292" r:id="rId23"/>
-    <p:sldId id="293" r:id="rId24"/>
-    <p:sldId id="258" r:id="rId25"/>
-    <p:sldId id="294" r:id="rId26"/>
-    <p:sldId id="295" r:id="rId27"/>
-    <p:sldId id="266" r:id="rId28"/>
-    <p:sldId id="296" r:id="rId29"/>
-    <p:sldId id="297" r:id="rId30"/>
-    <p:sldId id="268" r:id="rId31"/>
-    <p:sldId id="267" r:id="rId32"/>
-    <p:sldId id="304" r:id="rId33"/>
-    <p:sldId id="303" r:id="rId34"/>
-    <p:sldId id="299" r:id="rId35"/>
-    <p:sldId id="273" r:id="rId36"/>
-    <p:sldId id="298" r:id="rId37"/>
-    <p:sldId id="265" r:id="rId38"/>
-    <p:sldId id="300" r:id="rId39"/>
-    <p:sldId id="301" r:id="rId40"/>
-    <p:sldId id="274" r:id="rId41"/>
-    <p:sldId id="302" r:id="rId42"/>
+    <p:sldId id="305" r:id="rId3"/>
+    <p:sldId id="306" r:id="rId4"/>
+    <p:sldId id="307" r:id="rId5"/>
+    <p:sldId id="308" r:id="rId6"/>
+    <p:sldId id="309" r:id="rId7"/>
+    <p:sldId id="277" r:id="rId8"/>
+    <p:sldId id="278" r:id="rId9"/>
+    <p:sldId id="290" r:id="rId10"/>
+    <p:sldId id="291" r:id="rId11"/>
+    <p:sldId id="279" r:id="rId12"/>
+    <p:sldId id="261" r:id="rId13"/>
+    <p:sldId id="280" r:id="rId14"/>
+    <p:sldId id="259" r:id="rId15"/>
+    <p:sldId id="282" r:id="rId16"/>
+    <p:sldId id="262" r:id="rId17"/>
+    <p:sldId id="284" r:id="rId18"/>
+    <p:sldId id="283" r:id="rId19"/>
+    <p:sldId id="263" r:id="rId20"/>
+    <p:sldId id="285" r:id="rId21"/>
+    <p:sldId id="269" r:id="rId22"/>
+    <p:sldId id="286" r:id="rId23"/>
+    <p:sldId id="287" r:id="rId24"/>
+    <p:sldId id="288" r:id="rId25"/>
+    <p:sldId id="289" r:id="rId26"/>
+    <p:sldId id="281" r:id="rId27"/>
+    <p:sldId id="292" r:id="rId28"/>
+    <p:sldId id="293" r:id="rId29"/>
+    <p:sldId id="258" r:id="rId30"/>
+    <p:sldId id="294" r:id="rId31"/>
+    <p:sldId id="295" r:id="rId32"/>
+    <p:sldId id="266" r:id="rId33"/>
+    <p:sldId id="296" r:id="rId34"/>
+    <p:sldId id="297" r:id="rId35"/>
+    <p:sldId id="268" r:id="rId36"/>
+    <p:sldId id="267" r:id="rId37"/>
+    <p:sldId id="304" r:id="rId38"/>
+    <p:sldId id="303" r:id="rId39"/>
+    <p:sldId id="299" r:id="rId40"/>
+    <p:sldId id="273" r:id="rId41"/>
+    <p:sldId id="298" r:id="rId42"/>
+    <p:sldId id="265" r:id="rId43"/>
+    <p:sldId id="300" r:id="rId44"/>
+    <p:sldId id="301" r:id="rId45"/>
+    <p:sldId id="274" r:id="rId46"/>
+    <p:sldId id="302" r:id="rId47"/>
   </p:sldIdLst>
   <p:sldSz cx="9144000" cy="6858000" type="screen4x3"/>
   <p:notesSz cx="6858000" cy="9144000"/>
@@ -153,6 +158,11 @@
         <p14:section name="Default Section" id="{E34CF835-B97B-6A40-888F-71289A761740}">
           <p14:sldIdLst>
             <p14:sldId id="256"/>
+            <p14:sldId id="305"/>
+            <p14:sldId id="306"/>
+            <p14:sldId id="307"/>
+            <p14:sldId id="308"/>
+            <p14:sldId id="309"/>
             <p14:sldId id="277"/>
             <p14:sldId id="278"/>
             <p14:sldId id="290"/>
@@ -215,6 +225,18 @@
 </p:presentation>
 </file>
 
+<file path=ppt/commentAuthors.xml><?xml version="1.0" encoding="utf-8"?>
+<p:cmAuthorLst xmlns:a="http://schemas.openxmlformats.org/drawingml/2006/main" xmlns:r="http://schemas.openxmlformats.org/officeDocument/2006/relationships" xmlns:p="http://schemas.openxmlformats.org/presentationml/2006/main">
+  <p:cmAuthor id="1" name="Kate Langwig" initials="KL" lastIdx="1" clrIdx="0">
+    <p:extLst>
+      <p:ext uri="{19B8F6BF-5375-455C-9EA6-DF929625EA0E}">
+        <p15:presenceInfo xmlns:p15="http://schemas.microsoft.com/office/powerpoint/2012/main" userId="Kate Langwig" providerId="None"/>
+      </p:ext>
+    </p:extLst>
+  </p:cmAuthor>
+</p:cmAuthorLst>
+</file>
+
 <file path=ppt/notesMasters/notesMaster1.xml><?xml version="1.0" encoding="utf-8"?>
 <p:notesMaster xmlns:a="http://schemas.openxmlformats.org/drawingml/2006/main" xmlns:r="http://schemas.openxmlformats.org/officeDocument/2006/relationships" xmlns:p="http://schemas.openxmlformats.org/presentationml/2006/main">
   <p:cSld>
@@ -297,7 +319,7 @@
           <a:p>
             <a:fld id="{F00CAE13-515D-42AB-B1C6-C768CFAA9040}" type="datetimeFigureOut">
               <a:rPr lang="en-US" smtClean="0"/>
-              <a:t>4/21/20</a:t>
+              <a:t>3/30/21</a:t>
             </a:fld>
             <a:endParaRPr lang="en-US"/>
           </a:p>
@@ -698,7 +720,7 @@
             <a:fld id="{F16B42BE-E9E8-4C91-8CAE-DCF3A8462AA2}" type="datetimeFigureOut">
               <a:rPr lang="en-US" smtClean="0"/>
               <a:pPr/>
-              <a:t>4/21/20</a:t>
+              <a:t>3/30/21</a:t>
             </a:fld>
             <a:endParaRPr lang="en-US"/>
           </a:p>
@@ -870,7 +892,7 @@
             <a:fld id="{F16B42BE-E9E8-4C91-8CAE-DCF3A8462AA2}" type="datetimeFigureOut">
               <a:rPr lang="en-US" smtClean="0"/>
               <a:pPr/>
-              <a:t>4/21/20</a:t>
+              <a:t>3/30/21</a:t>
             </a:fld>
             <a:endParaRPr lang="en-US"/>
           </a:p>
@@ -1052,7 +1074,7 @@
             <a:fld id="{F16B42BE-E9E8-4C91-8CAE-DCF3A8462AA2}" type="datetimeFigureOut">
               <a:rPr lang="en-US" smtClean="0"/>
               <a:pPr/>
-              <a:t>4/21/20</a:t>
+              <a:t>3/30/21</a:t>
             </a:fld>
             <a:endParaRPr lang="en-US"/>
           </a:p>
@@ -1242,7 +1264,7 @@
             <a:fld id="{F16B42BE-E9E8-4C91-8CAE-DCF3A8462AA2}" type="datetimeFigureOut">
               <a:rPr lang="en-US" smtClean="0"/>
               <a:pPr/>
-              <a:t>4/21/20</a:t>
+              <a:t>3/30/21</a:t>
             </a:fld>
             <a:endParaRPr lang="en-US"/>
           </a:p>
@@ -1488,7 +1510,7 @@
             <a:fld id="{F16B42BE-E9E8-4C91-8CAE-DCF3A8462AA2}" type="datetimeFigureOut">
               <a:rPr lang="en-US" smtClean="0"/>
               <a:pPr/>
-              <a:t>4/21/20</a:t>
+              <a:t>3/30/21</a:t>
             </a:fld>
             <a:endParaRPr lang="en-US"/>
           </a:p>
@@ -1722,7 +1744,7 @@
             <a:fld id="{F16B42BE-E9E8-4C91-8CAE-DCF3A8462AA2}" type="datetimeFigureOut">
               <a:rPr lang="en-US" smtClean="0"/>
               <a:pPr/>
-              <a:t>4/21/20</a:t>
+              <a:t>3/30/21</a:t>
             </a:fld>
             <a:endParaRPr lang="en-US"/>
           </a:p>
@@ -2091,7 +2113,7 @@
             <a:fld id="{F16B42BE-E9E8-4C91-8CAE-DCF3A8462AA2}" type="datetimeFigureOut">
               <a:rPr lang="en-US" smtClean="0"/>
               <a:pPr/>
-              <a:t>4/21/20</a:t>
+              <a:t>3/30/21</a:t>
             </a:fld>
             <a:endParaRPr lang="en-US"/>
           </a:p>
@@ -2211,7 +2233,7 @@
             <a:fld id="{F16B42BE-E9E8-4C91-8CAE-DCF3A8462AA2}" type="datetimeFigureOut">
               <a:rPr lang="en-US" smtClean="0"/>
               <a:pPr/>
-              <a:t>4/21/20</a:t>
+              <a:t>3/30/21</a:t>
             </a:fld>
             <a:endParaRPr lang="en-US"/>
           </a:p>
@@ -2308,7 +2330,7 @@
             <a:fld id="{F16B42BE-E9E8-4C91-8CAE-DCF3A8462AA2}" type="datetimeFigureOut">
               <a:rPr lang="en-US" smtClean="0"/>
               <a:pPr/>
-              <a:t>4/21/20</a:t>
+              <a:t>3/30/21</a:t>
             </a:fld>
             <a:endParaRPr lang="en-US"/>
           </a:p>
@@ -2587,7 +2609,7 @@
             <a:fld id="{F16B42BE-E9E8-4C91-8CAE-DCF3A8462AA2}" type="datetimeFigureOut">
               <a:rPr lang="en-US" smtClean="0"/>
               <a:pPr/>
-              <a:t>4/21/20</a:t>
+              <a:t>3/30/21</a:t>
             </a:fld>
             <a:endParaRPr lang="en-US"/>
           </a:p>
@@ -2846,7 +2868,7 @@
             <a:fld id="{F16B42BE-E9E8-4C91-8CAE-DCF3A8462AA2}" type="datetimeFigureOut">
               <a:rPr lang="en-US" smtClean="0"/>
               <a:pPr/>
-              <a:t>4/21/20</a:t>
+              <a:t>3/30/21</a:t>
             </a:fld>
             <a:endParaRPr lang="en-US"/>
           </a:p>
@@ -3059,7 +3081,7 @@
             <a:fld id="{F16B42BE-E9E8-4C91-8CAE-DCF3A8462AA2}" type="datetimeFigureOut">
               <a:rPr lang="en-US" smtClean="0"/>
               <a:pPr/>
-              <a:t>4/21/20</a:t>
+              <a:t>3/30/21</a:t>
             </a:fld>
             <a:endParaRPr lang="en-US"/>
           </a:p>
@@ -3531,12 +3553,22 @@
         </p:nvSpPr>
         <p:spPr/>
         <p:txBody>
-          <a:bodyPr/>
-          <a:lstStyle/>
-          <a:p>
-            <a:r>
-              <a:rPr lang="en-US" dirty="0"/>
-              <a:t>Stepwise regression</a:t>
+          <a:bodyPr>
+            <a:normAutofit fontScale="90000"/>
+          </a:bodyPr>
+          <a:lstStyle/>
+          <a:p>
+            <a:r>
+              <a:rPr lang="en-US" dirty="0"/>
+              <a:t>Model complexity and prediction </a:t>
+            </a:r>
+            <a:r>
+              <a:rPr lang="mr-IN" dirty="0"/>
+              <a:t>–</a:t>
+            </a:r>
+            <a:r>
+              <a:rPr lang="en-US" dirty="0"/>
+              <a:t> the bias variance tradeoff</a:t>
             </a:r>
           </a:p>
         </p:txBody>
@@ -3553,12 +3585,14 @@
         </p:nvSpPr>
         <p:spPr/>
         <p:txBody>
-          <a:bodyPr/>
-          <a:lstStyle/>
-          <a:p>
-            <a:r>
-              <a:rPr lang="en-US" dirty="0"/>
-              <a:t>There are two major approaches for stepwise regression:</a:t>
+          <a:bodyPr>
+            <a:normAutofit fontScale="77500" lnSpcReduction="20000"/>
+          </a:bodyPr>
+          <a:lstStyle/>
+          <a:p>
+            <a:r>
+              <a:rPr lang="en-US" dirty="0"/>
+              <a:t>As we add more variables to our models, we can get an increasingly accurate fit to the particular data we have observed (e.g. a higher R squared)</a:t>
             </a:r>
           </a:p>
           <a:p>
@@ -3567,7 +3601,25 @@
           <a:p>
             <a:r>
               <a:rPr lang="en-US" dirty="0"/>
-              <a:t>1. Forward stepwise regression</a:t>
+              <a:t>However, the precision of our predictions </a:t>
+            </a:r>
+            <a:r>
+              <a:rPr lang="en-US" u="sng" dirty="0"/>
+              <a:t>decreases </a:t>
+            </a:r>
+            <a:r>
+              <a:rPr lang="en-US" dirty="0"/>
+              <a:t> as we add more variables</a:t>
+            </a:r>
+            <a:endParaRPr lang="en-US" u="sng" dirty="0"/>
+          </a:p>
+          <a:p>
+            <a:endParaRPr lang="en-US" u="sng" dirty="0"/>
+          </a:p>
+          <a:p>
+            <a:r>
+              <a:rPr lang="en-US" dirty="0"/>
+              <a:t>This is because data contain a fixed amount of information and as we add more predictors, we spread the data thinner and thinner</a:t>
             </a:r>
           </a:p>
           <a:p>
@@ -3576,7 +3628,7 @@
           <a:p>
             <a:r>
               <a:rPr lang="en-US" dirty="0"/>
-              <a:t>2. Backward stepwise regression</a:t>
+              <a:t>The gain in accuracy from having more details in the model is outweighed by the loss of precision in estimating the effect of each variable</a:t>
             </a:r>
           </a:p>
         </p:txBody>
@@ -3584,7 +3636,7 @@
     </p:spTree>
     <p:extLst>
       <p:ext uri="{BB962C8B-B14F-4D97-AF65-F5344CB8AC3E}">
-        <p14:creationId xmlns:p14="http://schemas.microsoft.com/office/powerpoint/2010/main" val="178533353"/>
+        <p14:creationId xmlns:p14="http://schemas.microsoft.com/office/powerpoint/2010/main" val="388921712"/>
       </p:ext>
     </p:extLst>
   </p:cSld>
@@ -3628,7 +3680,7 @@
           <a:p>
             <a:r>
               <a:rPr lang="en-US" dirty="0"/>
-              <a:t>Forward Stepwise regression</a:t>
+              <a:t>Model Comparisons</a:t>
             </a:r>
           </a:p>
         </p:txBody>
@@ -3646,53 +3698,51 @@
         <p:spPr/>
         <p:txBody>
           <a:bodyPr>
-            <a:normAutofit/>
+            <a:normAutofit lnSpcReduction="10000"/>
           </a:bodyPr>
           <a:lstStyle/>
           <a:p>
             <a:r>
               <a:rPr lang="en-US" dirty="0"/>
-              <a:t>Procedure</a:t>
+              <a:t>Comparing models might be one of the most deeply divisive issues within quantitative ecology</a:t>
+            </a:r>
+          </a:p>
+          <a:p>
+            <a:endParaRPr lang="en-US" dirty="0"/>
+          </a:p>
+          <a:p>
+            <a:r>
+              <a:rPr lang="en-US" dirty="0"/>
+              <a:t>This is in part because all of the methods </a:t>
+            </a:r>
+            <a:r>
+              <a:rPr lang="en-US" u="sng" dirty="0"/>
+              <a:t>get things wrong</a:t>
+            </a:r>
+            <a:endParaRPr lang="en-US" dirty="0"/>
+          </a:p>
+          <a:p>
+            <a:endParaRPr lang="en-US" dirty="0"/>
+          </a:p>
+          <a:p>
+            <a:r>
+              <a:rPr lang="en-US" dirty="0"/>
+              <a:t>However, in most cases these approaches will give reasonably consistent answers. </a:t>
             </a:r>
           </a:p>
           <a:p>
             <a:pPr lvl="1"/>
             <a:r>
               <a:rPr lang="en-US" dirty="0"/>
-              <a:t>Correlate all predictors with response individually</a:t>
-            </a:r>
-          </a:p>
-          <a:p>
-            <a:pPr lvl="1"/>
-            <a:r>
-              <a:rPr lang="en-US" dirty="0"/>
-              <a:t>Select strongest predictor (by F, t, p-value) to be included in model, assuming it passes threshold (e.g. p&lt;0.05, t&gt;2, F&gt;4)</a:t>
-            </a:r>
-          </a:p>
-          <a:p>
-            <a:pPr lvl="1"/>
-            <a:r>
-              <a:rPr lang="en-US" dirty="0"/>
-              <a:t>Add this predictor to your model, and then correlate the remaining predictors. Select next strongest predictor and add to model and test it against threshold; keep it if it passes</a:t>
-            </a:r>
-          </a:p>
-          <a:p>
-            <a:pPr lvl="1"/>
-            <a:r>
-              <a:rPr lang="en-US" dirty="0"/>
-              <a:t>Repeat until no additional variables are added</a:t>
-            </a:r>
-          </a:p>
-          <a:p>
-            <a:pPr lvl="2"/>
-            <a:endParaRPr lang="en-US" dirty="0"/>
+              <a:t>It is important to watch out for these inconsistencies to avoid wrongness</a:t>
+            </a:r>
           </a:p>
         </p:txBody>
       </p:sp>
     </p:spTree>
     <p:extLst>
       <p:ext uri="{BB962C8B-B14F-4D97-AF65-F5344CB8AC3E}">
-        <p14:creationId xmlns:p14="http://schemas.microsoft.com/office/powerpoint/2010/main" val="2178145160"/>
+        <p14:creationId xmlns:p14="http://schemas.microsoft.com/office/powerpoint/2010/main" val="2072042691"/>
       </p:ext>
     </p:extLst>
   </p:cSld>
@@ -3736,7 +3786,7 @@
           <a:p>
             <a:r>
               <a:rPr lang="en-US" dirty="0"/>
-              <a:t>Forward Stepwise Example</a:t>
+              <a:t>Model Selection Challenges</a:t>
             </a:r>
           </a:p>
         </p:txBody>
@@ -3753,12 +3803,54 @@
         </p:nvSpPr>
         <p:spPr/>
         <p:txBody>
-          <a:bodyPr/>
-          <a:lstStyle/>
-          <a:p>
-            <a:r>
-              <a:rPr lang="en-US" dirty="0"/>
-              <a:t>See R code</a:t>
+          <a:bodyPr>
+            <a:normAutofit lnSpcReduction="10000"/>
+          </a:bodyPr>
+          <a:lstStyle/>
+          <a:p>
+            <a:r>
+              <a:rPr lang="en-US" dirty="0"/>
+              <a:t>In perfectly designed full factorial experiments</a:t>
+            </a:r>
+          </a:p>
+          <a:p>
+            <a:pPr lvl="1"/>
+            <a:r>
+              <a:rPr lang="en-US" dirty="0"/>
+              <a:t>There aren’t many challenges!</a:t>
+            </a:r>
+          </a:p>
+          <a:p>
+            <a:pPr lvl="1"/>
+            <a:r>
+              <a:rPr lang="en-US" dirty="0"/>
+              <a:t>All approaches will produce similar results, because predictors are uncorrelated and hypotheses are clear</a:t>
+            </a:r>
+          </a:p>
+          <a:p>
+            <a:r>
+              <a:rPr lang="en-US" dirty="0"/>
+              <a:t>In the real world in Ecology and Evolution</a:t>
+            </a:r>
+          </a:p>
+          <a:p>
+            <a:pPr lvl="1"/>
+            <a:r>
+              <a:rPr lang="en-US" dirty="0"/>
+              <a:t>Predictor variables are often partially correlated</a:t>
+            </a:r>
+          </a:p>
+          <a:p>
+            <a:pPr lvl="1"/>
+            <a:r>
+              <a:rPr lang="en-US" dirty="0"/>
+              <a:t>A priori hypotheses may be less clear</a:t>
+            </a:r>
+          </a:p>
+          <a:p>
+            <a:r>
+              <a:rPr lang="en-US" dirty="0"/>
+              <a:t>This creates challenges in model fitting, interpretation, and prediction, regardless of statistical approach</a:t>
             </a:r>
           </a:p>
         </p:txBody>
@@ -3766,7 +3858,7 @@
     </p:spTree>
     <p:extLst>
       <p:ext uri="{BB962C8B-B14F-4D97-AF65-F5344CB8AC3E}">
-        <p14:creationId xmlns:p14="http://schemas.microsoft.com/office/powerpoint/2010/main" val="90101926"/>
+        <p14:creationId xmlns:p14="http://schemas.microsoft.com/office/powerpoint/2010/main" val="3169049301"/>
       </p:ext>
     </p:extLst>
   </p:cSld>
@@ -3810,7 +3902,7 @@
           <a:p>
             <a:r>
               <a:rPr lang="en-US" dirty="0"/>
-              <a:t>Forward Stepwise regression challenges</a:t>
+              <a:t>Model Comparison Approaches</a:t>
             </a:r>
           </a:p>
         </p:txBody>
@@ -3830,41 +3922,72 @@
           <a:bodyPr/>
           <a:lstStyle/>
           <a:p>
-            <a:r>
-              <a:rPr lang="en-US" dirty="0"/>
-              <a:t>Major difficulty</a:t>
-            </a:r>
-          </a:p>
-          <a:p>
-            <a:pPr lvl="1"/>
-            <a:r>
-              <a:rPr lang="en-US" dirty="0"/>
-              <a:t>If two predictors are even weakly correlated it is quite possible for neither to be significantly related to response by themselves, but highly significant when in a model together</a:t>
-            </a:r>
-          </a:p>
-          <a:p>
-            <a:pPr lvl="1"/>
+            <a:pPr marL="514350" indent="-514350">
+              <a:buFont typeface="+mj-lt"/>
+              <a:buAutoNum type="arabicPeriod"/>
+            </a:pPr>
+            <a:r>
+              <a:rPr lang="en-US" dirty="0"/>
+              <a:t>Stepwise Approaches</a:t>
+            </a:r>
+          </a:p>
+          <a:p>
+            <a:pPr marL="514350" indent="-514350">
+              <a:buFont typeface="+mj-lt"/>
+              <a:buAutoNum type="arabicPeriod"/>
+            </a:pPr>
             <a:endParaRPr lang="en-US" dirty="0"/>
           </a:p>
           <a:p>
-            <a:r>
-              <a:rPr lang="en-US" dirty="0"/>
-              <a:t>Resolution: </a:t>
-            </a:r>
-            <a:r>
-              <a:rPr lang="en-US" u="sng" dirty="0"/>
-              <a:t>Don’t ever use this version of forward stepwise regression</a:t>
-            </a:r>
-          </a:p>
-          <a:p>
+            <a:pPr marL="514350" indent="-514350">
+              <a:buFont typeface="+mj-lt"/>
+              <a:buAutoNum type="arabicPeriod"/>
+            </a:pPr>
+            <a:r>
+              <a:rPr lang="en-US" dirty="0"/>
+              <a:t>Likelihood Ratio Tests</a:t>
+            </a:r>
+          </a:p>
+          <a:p>
+            <a:pPr marL="514350" indent="-514350">
+              <a:buFont typeface="+mj-lt"/>
+              <a:buAutoNum type="arabicPeriod"/>
+            </a:pPr>
             <a:endParaRPr lang="en-US" dirty="0"/>
+          </a:p>
+          <a:p>
+            <a:pPr marL="514350" indent="-514350">
+              <a:buFont typeface="+mj-lt"/>
+              <a:buAutoNum type="arabicPeriod"/>
+            </a:pPr>
+            <a:r>
+              <a:rPr lang="en-US" dirty="0"/>
+              <a:t>Information Criteria</a:t>
+            </a:r>
+          </a:p>
+          <a:p>
+            <a:pPr marL="514350" indent="-514350">
+              <a:buFont typeface="+mj-lt"/>
+              <a:buAutoNum type="arabicPeriod"/>
+            </a:pPr>
+            <a:endParaRPr lang="en-US" dirty="0"/>
+          </a:p>
+          <a:p>
+            <a:pPr marL="514350" indent="-514350">
+              <a:buFont typeface="+mj-lt"/>
+              <a:buAutoNum type="arabicPeriod"/>
+            </a:pPr>
+            <a:r>
+              <a:rPr lang="en-US" dirty="0"/>
+              <a:t>Bayesian Approaches</a:t>
+            </a:r>
           </a:p>
         </p:txBody>
       </p:sp>
     </p:spTree>
     <p:extLst>
       <p:ext uri="{BB962C8B-B14F-4D97-AF65-F5344CB8AC3E}">
-        <p14:creationId xmlns:p14="http://schemas.microsoft.com/office/powerpoint/2010/main" val="842054382"/>
+        <p14:creationId xmlns:p14="http://schemas.microsoft.com/office/powerpoint/2010/main" val="2003575082"/>
       </p:ext>
     </p:extLst>
   </p:cSld>
@@ -3901,89 +4024,155 @@
             <p:ph type="title"/>
           </p:nvPr>
         </p:nvSpPr>
+        <p:spPr/>
+        <p:txBody>
+          <a:bodyPr/>
+          <a:lstStyle/>
+          <a:p>
+            <a:r>
+              <a:rPr lang="en-US" dirty="0"/>
+              <a:t>The goal of statistics</a:t>
+            </a:r>
+          </a:p>
+        </p:txBody>
+      </p:sp>
+      <p:sp>
+        <p:nvSpPr>
+          <p:cNvPr id="3" name="Content Placeholder 2"/>
+          <p:cNvSpPr>
+            <a:spLocks noGrp="1"/>
+          </p:cNvSpPr>
+          <p:nvPr>
+            <p:ph idx="1"/>
+          </p:nvPr>
+        </p:nvSpPr>
         <p:spPr>
           <a:xfrm>
-            <a:off x="378368" y="365126"/>
-            <a:ext cx="8284122" cy="1325563"/>
+            <a:off x="628650" y="1455756"/>
+            <a:ext cx="7886700" cy="5222445"/>
           </a:xfrm>
         </p:spPr>
         <p:txBody>
-          <a:bodyPr/>
-          <a:lstStyle/>
-          <a:p>
-            <a:r>
-              <a:rPr lang="en-US" dirty="0"/>
-              <a:t>Backwards stepwise regression</a:t>
-            </a:r>
-          </a:p>
-        </p:txBody>
-      </p:sp>
-      <p:sp>
-        <p:nvSpPr>
-          <p:cNvPr id="3" name="Content Placeholder 2"/>
-          <p:cNvSpPr>
-            <a:spLocks noGrp="1"/>
-          </p:cNvSpPr>
-          <p:nvPr>
-            <p:ph idx="1"/>
-          </p:nvPr>
-        </p:nvSpPr>
-        <p:spPr>
-          <a:xfrm>
-            <a:off x="628650" y="1447256"/>
-            <a:ext cx="7886700" cy="5389723"/>
-          </a:xfrm>
-        </p:spPr>
-        <p:txBody>
           <a:bodyPr>
-            <a:normAutofit/>
+            <a:normAutofit fontScale="85000" lnSpcReduction="20000"/>
           </a:bodyPr>
           <a:lstStyle/>
           <a:p>
             <a:r>
               <a:rPr lang="en-US" dirty="0"/>
-              <a:t>Procedure</a:t>
+              <a:t>Try to extract biological insight or make predictions from data by fitting models to data.</a:t>
+            </a:r>
+          </a:p>
+          <a:p>
+            <a:r>
+              <a:rPr lang="en-US" dirty="0"/>
+              <a:t>Univariate analysis: often null hypothesis testing</a:t>
+            </a:r>
+          </a:p>
+          <a:p>
+            <a:r>
+              <a:rPr lang="en-US" dirty="0"/>
+              <a:t>Multivariate analysis: multiple regression</a:t>
+            </a:r>
+          </a:p>
+          <a:p>
+            <a:r>
+              <a:rPr lang="en-US" dirty="0"/>
+              <a:t>In both cases we are usually asking the question: does X</a:t>
+            </a:r>
+            <a:r>
+              <a:rPr lang="en-US" baseline="-25000" dirty="0"/>
+              <a:t>1</a:t>
+            </a:r>
+            <a:r>
+              <a:rPr lang="en-US" dirty="0"/>
+              <a:t> (or X</a:t>
+            </a:r>
+            <a:r>
+              <a:rPr lang="en-US" baseline="-25000" dirty="0"/>
+              <a:t>1</a:t>
+            </a:r>
+            <a:r>
+              <a:rPr lang="en-US" dirty="0"/>
+              <a:t> and/or X</a:t>
+            </a:r>
+            <a:r>
+              <a:rPr lang="en-US" baseline="-25000" dirty="0"/>
+              <a:t>2</a:t>
+            </a:r>
+            <a:r>
+              <a:rPr lang="en-US" dirty="0"/>
+              <a:t>) influence Y, or what is the influence of X on Y?</a:t>
+            </a:r>
+          </a:p>
+          <a:p>
+            <a:r>
+              <a:rPr lang="en-US" dirty="0"/>
+              <a:t>Approaches</a:t>
             </a:r>
           </a:p>
           <a:p>
             <a:pPr lvl="1"/>
             <a:r>
               <a:rPr lang="en-US" dirty="0"/>
-              <a:t>Fit model with all predictors</a:t>
+              <a:t>Fit full model and interpret coefficients</a:t>
+            </a:r>
+          </a:p>
+          <a:p>
+            <a:pPr lvl="2"/>
+            <a:r>
+              <a:rPr lang="en-US" dirty="0"/>
+              <a:t>Challenge: weak “noise” predictors can create bias in other parameter estimates, and result poor predictions (“</a:t>
+            </a:r>
+            <a:r>
+              <a:rPr lang="en-US" dirty="0" err="1"/>
+              <a:t>overfitting</a:t>
+            </a:r>
+            <a:r>
+              <a:rPr lang="en-US" dirty="0"/>
+              <a:t>”)</a:t>
             </a:r>
           </a:p>
           <a:p>
             <a:pPr lvl="1"/>
             <a:r>
               <a:rPr lang="en-US" dirty="0"/>
-              <a:t>Select weakest predictor (by F, t, p-value) and remove it from model unless it passes threshold (e.g. p&lt;0.05)</a:t>
+              <a:t>Stepwise regression</a:t>
+            </a:r>
+          </a:p>
+          <a:p>
+            <a:pPr lvl="2"/>
+            <a:r>
+              <a:rPr lang="en-US" dirty="0"/>
+              <a:t>Forward/Backward/Both with criteria – p-value, F/t-value, AIC</a:t>
             </a:r>
           </a:p>
           <a:p>
             <a:pPr lvl="1"/>
             <a:r>
               <a:rPr lang="en-US" dirty="0"/>
-              <a:t>Repeat until no additional variables are removed</a:t>
-            </a:r>
-          </a:p>
-          <a:p>
-            <a:r>
-              <a:rPr lang="en-US" dirty="0"/>
-              <a:t>Advantages</a:t>
+              <a:t>Likelihood Ratio Test</a:t>
+            </a:r>
+          </a:p>
+          <a:p>
+            <a:pPr lvl="2"/>
+            <a:r>
+              <a:rPr lang="en-US" dirty="0"/>
+              <a:t>Requires that models are nested versions of each other</a:t>
             </a:r>
           </a:p>
           <a:p>
             <a:pPr lvl="1"/>
             <a:r>
               <a:rPr lang="en-US" dirty="0"/>
-              <a:t>Simple, quick, few total models are examined</a:t>
+              <a:t>AIC (or other IC) model comparison of selected models</a:t>
             </a:r>
           </a:p>
           <a:p>
             <a:pPr lvl="1"/>
             <a:r>
               <a:rPr lang="en-US" dirty="0"/>
-              <a:t>Low to moderately correlated “important” variables will be retained, unlike in forward step-wise regression</a:t>
+              <a:t>Bayesian approach</a:t>
             </a:r>
           </a:p>
         </p:txBody>
@@ -3991,7 +4180,7 @@
     </p:spTree>
     <p:extLst>
       <p:ext uri="{BB962C8B-B14F-4D97-AF65-F5344CB8AC3E}">
-        <p14:creationId xmlns:p14="http://schemas.microsoft.com/office/powerpoint/2010/main" val="111592621"/>
+        <p14:creationId xmlns:p14="http://schemas.microsoft.com/office/powerpoint/2010/main" val="2056404739"/>
       </p:ext>
     </p:extLst>
   </p:cSld>
@@ -4035,7 +4224,7 @@
           <a:p>
             <a:r>
               <a:rPr lang="en-US" dirty="0"/>
-              <a:t>Backwards stepwise example</a:t>
+              <a:t>Stepwise regression</a:t>
             </a:r>
           </a:p>
         </p:txBody>
@@ -4055,14 +4244,35 @@
           <a:bodyPr/>
           <a:lstStyle/>
           <a:p>
-            <a:endParaRPr lang="en-US"/>
+            <a:r>
+              <a:rPr lang="en-US" dirty="0"/>
+              <a:t>There are two major approaches for stepwise regression:</a:t>
+            </a:r>
+          </a:p>
+          <a:p>
+            <a:endParaRPr lang="en-US" dirty="0"/>
+          </a:p>
+          <a:p>
+            <a:r>
+              <a:rPr lang="en-US" dirty="0"/>
+              <a:t>1. Forward stepwise regression</a:t>
+            </a:r>
+          </a:p>
+          <a:p>
+            <a:endParaRPr lang="en-US" dirty="0"/>
+          </a:p>
+          <a:p>
+            <a:r>
+              <a:rPr lang="en-US" dirty="0"/>
+              <a:t>2. Backward stepwise regression</a:t>
+            </a:r>
           </a:p>
         </p:txBody>
       </p:sp>
     </p:spTree>
     <p:extLst>
       <p:ext uri="{BB962C8B-B14F-4D97-AF65-F5344CB8AC3E}">
-        <p14:creationId xmlns:p14="http://schemas.microsoft.com/office/powerpoint/2010/main" val="1936253960"/>
+        <p14:creationId xmlns:p14="http://schemas.microsoft.com/office/powerpoint/2010/main" val="178533353"/>
       </p:ext>
     </p:extLst>
   </p:cSld>
@@ -4099,12 +4309,29 @@
             <p:ph type="title"/>
           </p:nvPr>
         </p:nvSpPr>
-        <p:spPr>
-          <a:xfrm>
-            <a:off x="628650" y="149373"/>
-            <a:ext cx="8258872" cy="1021882"/>
-          </a:xfrm>
-        </p:spPr>
+        <p:spPr/>
+        <p:txBody>
+          <a:bodyPr/>
+          <a:lstStyle/>
+          <a:p>
+            <a:r>
+              <a:rPr lang="en-US" dirty="0"/>
+              <a:t>Forward Stepwise regression</a:t>
+            </a:r>
+          </a:p>
+        </p:txBody>
+      </p:sp>
+      <p:sp>
+        <p:nvSpPr>
+          <p:cNvPr id="3" name="Content Placeholder 2"/>
+          <p:cNvSpPr>
+            <a:spLocks noGrp="1"/>
+          </p:cNvSpPr>
+          <p:nvPr>
+            <p:ph idx="1"/>
+          </p:nvPr>
+        </p:nvSpPr>
+        <p:spPr/>
         <p:txBody>
           <a:bodyPr>
             <a:normAutofit/>
@@ -4112,69 +4339,40 @@
           <a:lstStyle/>
           <a:p>
             <a:r>
-              <a:rPr lang="en-US" sz="3300" dirty="0"/>
-              <a:t>Backwards Stepwise Regression - Challenges</a:t>
-            </a:r>
-          </a:p>
-        </p:txBody>
-      </p:sp>
-      <p:sp>
-        <p:nvSpPr>
-          <p:cNvPr id="3" name="Content Placeholder 2"/>
-          <p:cNvSpPr>
-            <a:spLocks noGrp="1"/>
-          </p:cNvSpPr>
-          <p:nvPr>
-            <p:ph idx="1"/>
-          </p:nvPr>
-        </p:nvSpPr>
-        <p:spPr>
-          <a:xfrm>
-            <a:off x="312234" y="1171254"/>
-            <a:ext cx="8203116" cy="5568593"/>
-          </a:xfrm>
-        </p:spPr>
-        <p:txBody>
-          <a:bodyPr>
-            <a:normAutofit lnSpcReduction="10000"/>
-          </a:bodyPr>
-          <a:lstStyle/>
-          <a:p>
-            <a:r>
-              <a:rPr lang="en-US" dirty="0"/>
-              <a:t>If predictors are correlated, the presence of one predictor in the model will always change the coefficient, and sometimes change the significance </a:t>
+              <a:rPr lang="en-US" dirty="0"/>
+              <a:t>Procedure</a:t>
             </a:r>
           </a:p>
           <a:p>
             <a:pPr lvl="1"/>
-            <a:endParaRPr lang="en-US" dirty="0"/>
+            <a:r>
+              <a:rPr lang="en-US" dirty="0"/>
+              <a:t>Correlate all predictors with response individually</a:t>
+            </a:r>
           </a:p>
           <a:p>
             <a:pPr lvl="1"/>
             <a:r>
               <a:rPr lang="en-US" dirty="0"/>
-              <a:t>As a result, the order in which predictors are removed can alter the resulting model</a:t>
+              <a:t>Select strongest predictor (by F, t, p-value) to be included in model, assuming it passes threshold (e.g. p&lt;0.05, t&gt;2, F&gt;4)</a:t>
+            </a:r>
+          </a:p>
+          <a:p>
+            <a:pPr lvl="1"/>
+            <a:r>
+              <a:rPr lang="en-US" dirty="0"/>
+              <a:t>Add this predictor to your model, and then correlate the remaining predictors. Select next strongest predictor and add to model and test it against threshold; keep it if it passes</a:t>
+            </a:r>
+          </a:p>
+          <a:p>
+            <a:pPr lvl="1"/>
+            <a:r>
+              <a:rPr lang="en-US" dirty="0"/>
+              <a:t>Repeat until no additional variables are added</a:t>
             </a:r>
           </a:p>
           <a:p>
             <a:pPr lvl="2"/>
-            <a:r>
-              <a:rPr lang="en-US" dirty="0"/>
-              <a:t>In a model with Y and X1, X2, and X3, X3 may be non-significant with X1 and X2 in the model, but significant with just X1 in the model.</a:t>
-            </a:r>
-          </a:p>
-          <a:p>
-            <a:pPr lvl="1"/>
-            <a:endParaRPr lang="en-US" dirty="0"/>
-          </a:p>
-          <a:p>
-            <a:pPr lvl="1"/>
-            <a:r>
-              <a:rPr lang="en-US" dirty="0"/>
-              <a:t>Eliminating predictors from models based on a threshold can lead to large differences in the final model (i.e. if predictors have p-values just above or below the threshold), and this can lead to a changes in all coefficients in the model</a:t>
-            </a:r>
-          </a:p>
-          <a:p>
             <a:endParaRPr lang="en-US" dirty="0"/>
           </a:p>
         </p:txBody>
@@ -4182,7 +4380,7 @@
     </p:spTree>
     <p:extLst>
       <p:ext uri="{BB962C8B-B14F-4D97-AF65-F5344CB8AC3E}">
-        <p14:creationId xmlns:p14="http://schemas.microsoft.com/office/powerpoint/2010/main" val="3904273153"/>
+        <p14:creationId xmlns:p14="http://schemas.microsoft.com/office/powerpoint/2010/main" val="2178145160"/>
       </p:ext>
     </p:extLst>
   </p:cSld>
@@ -4219,21 +4417,14 @@
             <p:ph type="title"/>
           </p:nvPr>
         </p:nvSpPr>
-        <p:spPr>
-          <a:xfrm>
-            <a:off x="628649" y="365126"/>
-            <a:ext cx="8180813" cy="1325563"/>
-          </a:xfrm>
-        </p:spPr>
-        <p:txBody>
-          <a:bodyPr>
-            <a:normAutofit fontScale="90000"/>
-          </a:bodyPr>
-          <a:lstStyle/>
-          <a:p>
-            <a:r>
-              <a:rPr lang="en-US" dirty="0"/>
-              <a:t>Should we also throw out backwards stepwise regression?</a:t>
+        <p:spPr/>
+        <p:txBody>
+          <a:bodyPr/>
+          <a:lstStyle/>
+          <a:p>
+            <a:r>
+              <a:rPr lang="en-US" dirty="0"/>
+              <a:t>Forward Stepwise Example</a:t>
             </a:r>
           </a:p>
         </p:txBody>
@@ -4248,59 +4439,22 @@
             <p:ph idx="1"/>
           </p:nvPr>
         </p:nvSpPr>
-        <p:spPr>
-          <a:xfrm>
-            <a:off x="468351" y="1825625"/>
-            <a:ext cx="8046999" cy="4708990"/>
-          </a:xfrm>
-        </p:spPr>
-        <p:txBody>
-          <a:bodyPr/>
-          <a:lstStyle/>
-          <a:p>
-            <a:r>
-              <a:rPr lang="en-US" dirty="0"/>
-              <a:t>Some resolution:</a:t>
-            </a:r>
-            <a:endParaRPr lang="en-US" u="sng" dirty="0"/>
-          </a:p>
-          <a:p>
-            <a:pPr lvl="1"/>
-            <a:r>
-              <a:rPr lang="en-US" dirty="0"/>
-              <a:t>To better estimate the effect sizes of removed variables they can be re-added one by one to the reduced model</a:t>
-            </a:r>
-          </a:p>
-          <a:p>
-            <a:pPr lvl="2"/>
-            <a:r>
-              <a:rPr lang="en-US" dirty="0"/>
-              <a:t>This is a good check to make sure the order of removal hasn’t influenced your results</a:t>
-            </a:r>
-          </a:p>
-          <a:p>
-            <a:pPr lvl="1"/>
-            <a:r>
-              <a:rPr lang="en-US" dirty="0"/>
-              <a:t>We can resample from our original data using bootstrapping to make new models to test model performance</a:t>
-            </a:r>
-          </a:p>
-          <a:p>
-            <a:pPr lvl="1"/>
-            <a:r>
-              <a:rPr lang="en-US" dirty="0"/>
-              <a:t>Cross-validation: data-splitting and prediction of outside sample dataset is a great test of model predictive ability (but often requires moderate-large dataset)</a:t>
-            </a:r>
-          </a:p>
-          <a:p>
-            <a:endParaRPr lang="en-US" dirty="0"/>
+        <p:spPr/>
+        <p:txBody>
+          <a:bodyPr/>
+          <a:lstStyle/>
+          <a:p>
+            <a:r>
+              <a:rPr lang="en-US" dirty="0"/>
+              <a:t>See R code</a:t>
+            </a:r>
           </a:p>
         </p:txBody>
       </p:sp>
     </p:spTree>
     <p:extLst>
       <p:ext uri="{BB962C8B-B14F-4D97-AF65-F5344CB8AC3E}">
-        <p14:creationId xmlns:p14="http://schemas.microsoft.com/office/powerpoint/2010/main" val="583929611"/>
+        <p14:creationId xmlns:p14="http://schemas.microsoft.com/office/powerpoint/2010/main" val="90101926"/>
       </p:ext>
     </p:extLst>
   </p:cSld>
@@ -4344,7 +4498,7 @@
           <a:p>
             <a:r>
               <a:rPr lang="en-US" dirty="0"/>
-              <a:t>Bootstrapping Model Validation Approach</a:t>
+              <a:t>Forward Stepwise regression challenges</a:t>
             </a:r>
           </a:p>
         </p:txBody>
@@ -4361,76 +4515,44 @@
         </p:nvSpPr>
         <p:spPr/>
         <p:txBody>
-          <a:bodyPr>
-            <a:normAutofit fontScale="92500" lnSpcReduction="10000"/>
-          </a:bodyPr>
-          <a:lstStyle/>
-          <a:p>
-            <a:pPr marL="514350" indent="-514350">
-              <a:buFont typeface="+mj-lt"/>
-              <a:buAutoNum type="arabicPeriod"/>
-            </a:pPr>
-            <a:r>
-              <a:rPr lang="en-US" dirty="0"/>
-              <a:t>Resample with replacement from the original variables (same number of observations).</a:t>
-            </a:r>
-          </a:p>
-          <a:p>
-            <a:pPr marL="514350" indent="-514350">
-              <a:buFont typeface="+mj-lt"/>
-              <a:buAutoNum type="arabicPeriod"/>
-            </a:pPr>
-            <a:r>
-              <a:rPr lang="en-US" dirty="0"/>
-              <a:t> Apply the model from the original dataset to the resampled dataset</a:t>
-            </a:r>
-          </a:p>
-          <a:p>
-            <a:pPr marL="514350" indent="-514350">
-              <a:buFont typeface="+mj-lt"/>
-              <a:buAutoNum type="arabicPeriod"/>
-            </a:pPr>
-            <a:r>
-              <a:rPr lang="en-US" dirty="0"/>
-              <a:t>Use the updated model to refit to original data and calculate a goodness of fit statistic (e.g. R2)</a:t>
-            </a:r>
-          </a:p>
-          <a:p>
-            <a:pPr marL="514350" indent="-514350">
-              <a:buFont typeface="+mj-lt"/>
-              <a:buAutoNum type="arabicPeriod"/>
-            </a:pPr>
-            <a:r>
-              <a:rPr lang="en-US" dirty="0"/>
-              <a:t>Compare R2 between bootstrapped models and original model</a:t>
-            </a:r>
-          </a:p>
-          <a:p>
-            <a:pPr marL="514350" indent="-514350">
-              <a:buFont typeface="+mj-lt"/>
-              <a:buAutoNum type="arabicPeriod"/>
-            </a:pPr>
-            <a:r>
-              <a:rPr lang="en-US" dirty="0"/>
-              <a:t>See more info here: </a:t>
-            </a:r>
-            <a:r>
-              <a:rPr lang="en-US" dirty="0">
-                <a:hlinkClick r:id="rId2"/>
-              </a:rPr>
-              <a:t>https://www.r-bloggers.com/bootstrap-and-cross-validation-for-evaluating-modelling-strategies/</a:t>
-            </a:r>
-            <a:r>
-              <a:rPr lang="en-US" dirty="0"/>
-              <a:t> </a:t>
-            </a:r>
+          <a:bodyPr/>
+          <a:lstStyle/>
+          <a:p>
+            <a:r>
+              <a:rPr lang="en-US" dirty="0"/>
+              <a:t>Major difficulty</a:t>
+            </a:r>
+          </a:p>
+          <a:p>
+            <a:pPr lvl="1"/>
+            <a:r>
+              <a:rPr lang="en-US" dirty="0"/>
+              <a:t>If two predictors are even weakly correlated it is quite possible for neither to be significantly related to response by themselves, but highly significant when in a model together</a:t>
+            </a:r>
+          </a:p>
+          <a:p>
+            <a:pPr lvl="1"/>
+            <a:endParaRPr lang="en-US" dirty="0"/>
+          </a:p>
+          <a:p>
+            <a:r>
+              <a:rPr lang="en-US" dirty="0"/>
+              <a:t>Resolution: </a:t>
+            </a:r>
+            <a:r>
+              <a:rPr lang="en-US" u="sng" dirty="0"/>
+              <a:t>Don’t ever use this version of forward stepwise regression</a:t>
+            </a:r>
+          </a:p>
+          <a:p>
+            <a:endParaRPr lang="en-US" dirty="0"/>
           </a:p>
         </p:txBody>
       </p:sp>
     </p:spTree>
     <p:extLst>
       <p:ext uri="{BB962C8B-B14F-4D97-AF65-F5344CB8AC3E}">
-        <p14:creationId xmlns:p14="http://schemas.microsoft.com/office/powerpoint/2010/main" val="616000856"/>
+        <p14:creationId xmlns:p14="http://schemas.microsoft.com/office/powerpoint/2010/main" val="842054382"/>
       </p:ext>
     </p:extLst>
   </p:cSld>
@@ -4467,14 +4589,19 @@
             <p:ph type="title"/>
           </p:nvPr>
         </p:nvSpPr>
-        <p:spPr/>
-        <p:txBody>
-          <a:bodyPr/>
-          <a:lstStyle/>
-          <a:p>
-            <a:r>
-              <a:rPr lang="en-US" dirty="0"/>
-              <a:t>Repeated K-fold cross validation</a:t>
+        <p:spPr>
+          <a:xfrm>
+            <a:off x="378368" y="365126"/>
+            <a:ext cx="8284122" cy="1325563"/>
+          </a:xfrm>
+        </p:spPr>
+        <p:txBody>
+          <a:bodyPr/>
+          <a:lstStyle/>
+          <a:p>
+            <a:r>
+              <a:rPr lang="en-US" dirty="0"/>
+              <a:t>Backwards stepwise regression</a:t>
             </a:r>
           </a:p>
         </p:txBody>
@@ -4489,89 +4616,62 @@
             <p:ph idx="1"/>
           </p:nvPr>
         </p:nvSpPr>
-        <p:spPr/>
+        <p:spPr>
+          <a:xfrm>
+            <a:off x="628650" y="1447256"/>
+            <a:ext cx="7886700" cy="5389723"/>
+          </a:xfrm>
+        </p:spPr>
         <p:txBody>
           <a:bodyPr>
-            <a:normAutofit fontScale="92500" lnSpcReduction="20000"/>
+            <a:normAutofit/>
           </a:bodyPr>
           <a:lstStyle/>
           <a:p>
-            <a:pPr marL="514350" indent="-514350">
-              <a:buFont typeface="+mj-lt"/>
-              <a:buAutoNum type="arabicPeriod"/>
-            </a:pPr>
-            <a:r>
-              <a:rPr lang="en-US" dirty="0"/>
-              <a:t>Divide your data into 5-10 (k) parts. </a:t>
-            </a:r>
-          </a:p>
-          <a:p>
-            <a:pPr marL="514350" indent="-514350">
-              <a:buFont typeface="+mj-lt"/>
-              <a:buAutoNum type="arabicPeriod"/>
-            </a:pPr>
-            <a:r>
-              <a:rPr lang="en-US" dirty="0"/>
-              <a:t>Take turns to fit the model on 90% of the data and using that model to predict the remaining 10% </a:t>
-            </a:r>
-          </a:p>
-          <a:p>
-            <a:pPr marL="514350" indent="-514350">
-              <a:buFont typeface="+mj-lt"/>
-              <a:buAutoNum type="arabicPeriod"/>
-            </a:pPr>
-            <a:r>
-              <a:rPr lang="en-US" dirty="0"/>
-              <a:t>The average of the 10 goodness of fit statistics (e.g. </a:t>
-            </a:r>
-            <a:r>
-              <a:rPr lang="en-US" dirty="0" err="1"/>
-              <a:t>Rsquared</a:t>
-            </a:r>
-            <a:r>
-              <a:rPr lang="en-US" dirty="0"/>
-              <a:t>) becomes your estimate of the actual goodness of fit.</a:t>
-            </a:r>
-            <a:br>
-              <a:rPr lang="en-US" dirty="0"/>
-            </a:br>
-            <a:r>
-              <a:rPr lang="en-US" dirty="0"/>
-              <a:t>OR</a:t>
-            </a:r>
-          </a:p>
-          <a:p>
-            <a:pPr marL="514350" indent="-514350">
-              <a:buFont typeface="+mj-lt"/>
-              <a:buAutoNum type="arabicPeriod"/>
-            </a:pPr>
-            <a:r>
-              <a:rPr lang="en-US" dirty="0"/>
-              <a:t>Compare area under the curve across different models. Model with higher AUC is better than smaller.</a:t>
-            </a:r>
-          </a:p>
-          <a:p>
-            <a:pPr marL="971550" lvl="1" indent="-514350">
-              <a:buFont typeface="+mj-lt"/>
-              <a:buAutoNum type="arabicPeriod"/>
-            </a:pPr>
-            <a:endParaRPr lang="en-US" dirty="0"/>
-          </a:p>
-          <a:p>
-            <a:pPr marL="457200" lvl="1" indent="0">
-              <a:buNone/>
-            </a:pPr>
-            <a:r>
-              <a:rPr lang="en-US" dirty="0"/>
-              <a:t> Issue </a:t>
-            </a:r>
-            <a:r>
-              <a:rPr lang="mr-IN" dirty="0"/>
-              <a:t>–</a:t>
-            </a:r>
-            <a:r>
-              <a:rPr lang="en-US" dirty="0"/>
-              <a:t> this is difficult for small datasets!</a:t>
+            <a:r>
+              <a:rPr lang="en-US" dirty="0"/>
+              <a:t>Procedure</a:t>
+            </a:r>
+          </a:p>
+          <a:p>
+            <a:pPr lvl="1"/>
+            <a:r>
+              <a:rPr lang="en-US" dirty="0"/>
+              <a:t>Fit model with all predictors</a:t>
+            </a:r>
+          </a:p>
+          <a:p>
+            <a:pPr lvl="1"/>
+            <a:r>
+              <a:rPr lang="en-US" dirty="0"/>
+              <a:t>Select weakest predictor (by F, t, p-value) and remove it from model unless it passes threshold (e.g. p&lt;0.05)</a:t>
+            </a:r>
+          </a:p>
+          <a:p>
+            <a:pPr lvl="1"/>
+            <a:r>
+              <a:rPr lang="en-US" dirty="0"/>
+              <a:t>Repeat until no additional variables are removed</a:t>
+            </a:r>
+          </a:p>
+          <a:p>
+            <a:r>
+              <a:rPr lang="en-US" dirty="0"/>
+              <a:t>Advantages</a:t>
+            </a:r>
+          </a:p>
+          <a:p>
+            <a:pPr lvl="1"/>
+            <a:r>
+              <a:rPr lang="en-US" dirty="0"/>
+              <a:t>Simple, quick, few total models are examined</a:t>
+            </a:r>
+          </a:p>
+          <a:p>
+            <a:pPr lvl="1"/>
+            <a:r>
+              <a:rPr lang="en-US" dirty="0"/>
+              <a:t>Low to moderately correlated “important” variables will be retained, unlike in forward step-wise regression</a:t>
             </a:r>
           </a:p>
         </p:txBody>
@@ -4579,7 +4679,7 @@
     </p:spTree>
     <p:extLst>
       <p:ext uri="{BB962C8B-B14F-4D97-AF65-F5344CB8AC3E}">
-        <p14:creationId xmlns:p14="http://schemas.microsoft.com/office/powerpoint/2010/main" val="1926052125"/>
+        <p14:creationId xmlns:p14="http://schemas.microsoft.com/office/powerpoint/2010/main" val="111592621"/>
       </p:ext>
     </p:extLst>
   </p:cSld>
@@ -4608,7 +4708,13 @@
       </p:grpSpPr>
       <p:sp>
         <p:nvSpPr>
-          <p:cNvPr id="2" name="Title 1"/>
+          <p:cNvPr id="2" name="Title 1">
+            <a:extLst>
+              <a:ext uri="{FF2B5EF4-FFF2-40B4-BE49-F238E27FC236}">
+                <a16:creationId xmlns:a16="http://schemas.microsoft.com/office/drawing/2014/main" id="{1D52375E-232B-4E48-8373-25E497A7AB53}"/>
+              </a:ext>
+            </a:extLst>
+          </p:cNvPr>
           <p:cNvSpPr>
             <a:spLocks noGrp="1"/>
           </p:cNvSpPr>
@@ -4623,14 +4729,20 @@
           <a:p>
             <a:r>
               <a:rPr lang="en-US" dirty="0"/>
-              <a:t>Goals</a:t>
-            </a:r>
-          </a:p>
-        </p:txBody>
-      </p:sp>
-      <p:sp>
-        <p:nvSpPr>
-          <p:cNvPr id="3" name="Content Placeholder 2"/>
+              <a:t>Housekeeping</a:t>
+            </a:r>
+          </a:p>
+        </p:txBody>
+      </p:sp>
+      <p:sp>
+        <p:nvSpPr>
+          <p:cNvPr id="3" name="Content Placeholder 2">
+            <a:extLst>
+              <a:ext uri="{FF2B5EF4-FFF2-40B4-BE49-F238E27FC236}">
+                <a16:creationId xmlns:a16="http://schemas.microsoft.com/office/drawing/2014/main" id="{8F286F2A-44F1-7246-B602-3DA15E5CD5E3}"/>
+              </a:ext>
+            </a:extLst>
+          </p:cNvPr>
           <p:cNvSpPr>
             <a:spLocks noGrp="1"/>
           </p:cNvSpPr>
@@ -4643,47 +4755,40 @@
           <a:bodyPr/>
           <a:lstStyle/>
           <a:p>
-            <a:pPr marL="514350" indent="-514350">
-              <a:buFont typeface="+mj-lt"/>
-              <a:buAutoNum type="arabicPeriod"/>
-            </a:pPr>
-            <a:r>
-              <a:rPr lang="en-US" dirty="0"/>
-              <a:t>Determine how to distinguish support among multiple different models</a:t>
-            </a:r>
-          </a:p>
-          <a:p>
-            <a:pPr marL="514350" indent="-514350">
-              <a:buFont typeface="+mj-lt"/>
-              <a:buAutoNum type="arabicPeriod"/>
-            </a:pPr>
+            <a:r>
+              <a:rPr lang="en-US" dirty="0"/>
+              <a:t>Next Tues: Spring Break Day!</a:t>
+            </a:r>
+          </a:p>
+          <a:p>
             <a:endParaRPr lang="en-US" dirty="0"/>
           </a:p>
           <a:p>
-            <a:pPr marL="514350" indent="-514350">
-              <a:buFont typeface="+mj-lt"/>
-              <a:buAutoNum type="arabicPeriod"/>
-            </a:pPr>
-            <a:r>
-              <a:rPr lang="en-US" dirty="0"/>
-              <a:t>Understand nested models and null models</a:t>
-            </a:r>
-          </a:p>
-          <a:p>
-            <a:pPr marL="514350" indent="-514350">
-              <a:buFont typeface="+mj-lt"/>
-              <a:buAutoNum type="arabicPeriod"/>
-            </a:pPr>
-            <a:endParaRPr lang="en-US" dirty="0"/>
-          </a:p>
-          <a:p>
-            <a:pPr marL="514350" indent="-514350">
-              <a:buFont typeface="+mj-lt"/>
-              <a:buAutoNum type="arabicPeriod"/>
-            </a:pPr>
-            <a:r>
-              <a:rPr lang="en-US" dirty="0"/>
-              <a:t>Learn model selection philosophy and the strengths and weaknesses of different approaches</a:t>
+            <a:r>
+              <a:rPr lang="en-US" dirty="0"/>
+              <a:t>Next Thursday: </a:t>
+            </a:r>
+          </a:p>
+          <a:p>
+            <a:pPr lvl="1"/>
+            <a:r>
+              <a:rPr lang="en-US" dirty="0"/>
+              <a:t>Discussion, papers posted on Canvas </a:t>
+            </a:r>
+          </a:p>
+          <a:p>
+            <a:pPr lvl="1"/>
+            <a:r>
+              <a:rPr lang="en-US" dirty="0"/>
+              <a:t>Worst </a:t>
+            </a:r>
+            <a:r>
+              <a:rPr lang="en-US" dirty="0" err="1"/>
+              <a:t>ggplots</a:t>
+            </a:r>
+            <a:r>
+              <a:rPr lang="en-US" dirty="0"/>
+              <a:t> contest</a:t>
             </a:r>
           </a:p>
         </p:txBody>
@@ -4691,7 +4796,7 @@
     </p:spTree>
     <p:extLst>
       <p:ext uri="{BB962C8B-B14F-4D97-AF65-F5344CB8AC3E}">
-        <p14:creationId xmlns:p14="http://schemas.microsoft.com/office/powerpoint/2010/main" val="913369630"/>
+        <p14:creationId xmlns:p14="http://schemas.microsoft.com/office/powerpoint/2010/main" val="1087536892"/>
       </p:ext>
     </p:extLst>
   </p:cSld>
@@ -4735,7 +4840,7 @@
           <a:p>
             <a:r>
               <a:rPr lang="en-US" dirty="0"/>
-              <a:t>Likelihood ratio tests</a:t>
+              <a:t>Backwards stepwise example</a:t>
             </a:r>
           </a:p>
         </p:txBody>
@@ -4757,7 +4862,7 @@
           <a:p>
             <a:r>
               <a:rPr lang="en-US" dirty="0"/>
-              <a:t>Statisticians have long used LRTs to compare nested models</a:t>
+              <a:t>See R code</a:t>
             </a:r>
           </a:p>
         </p:txBody>
@@ -4765,7 +4870,7 @@
     </p:spTree>
     <p:extLst>
       <p:ext uri="{BB962C8B-B14F-4D97-AF65-F5344CB8AC3E}">
-        <p14:creationId xmlns:p14="http://schemas.microsoft.com/office/powerpoint/2010/main" val="934849938"/>
+        <p14:creationId xmlns:p14="http://schemas.microsoft.com/office/powerpoint/2010/main" val="1936253960"/>
       </p:ext>
     </p:extLst>
   </p:cSld>
@@ -4802,14 +4907,21 @@
             <p:ph type="title"/>
           </p:nvPr>
         </p:nvSpPr>
-        <p:spPr/>
-        <p:txBody>
-          <a:bodyPr/>
-          <a:lstStyle/>
-          <a:p>
-            <a:r>
-              <a:rPr lang="en-US" dirty="0"/>
-              <a:t>Nested Model</a:t>
+        <p:spPr>
+          <a:xfrm>
+            <a:off x="628650" y="149373"/>
+            <a:ext cx="8258872" cy="1021882"/>
+          </a:xfrm>
+        </p:spPr>
+        <p:txBody>
+          <a:bodyPr>
+            <a:normAutofit/>
+          </a:bodyPr>
+          <a:lstStyle/>
+          <a:p>
+            <a:r>
+              <a:rPr lang="en-US" sz="3300" dirty="0"/>
+              <a:t>Backwards Stepwise Regression - Challenges</a:t>
             </a:r>
           </a:p>
         </p:txBody>
@@ -4824,91 +4936,61 @@
             <p:ph idx="1"/>
           </p:nvPr>
         </p:nvSpPr>
-        <p:spPr/>
-        <p:txBody>
-          <a:bodyPr/>
-          <a:lstStyle/>
-          <a:p>
-            <a:r>
-              <a:rPr lang="en-US" dirty="0"/>
-              <a:t>All the terms in the smaller model occur in the larger model</a:t>
-            </a:r>
-          </a:p>
-          <a:p>
+        <p:spPr>
+          <a:xfrm>
+            <a:off x="312234" y="1171254"/>
+            <a:ext cx="8203116" cy="5568593"/>
+          </a:xfrm>
+        </p:spPr>
+        <p:txBody>
+          <a:bodyPr>
+            <a:normAutofit lnSpcReduction="10000"/>
+          </a:bodyPr>
+          <a:lstStyle/>
+          <a:p>
+            <a:r>
+              <a:rPr lang="en-US" dirty="0"/>
+              <a:t>If predictors are correlated, the presence of one predictor in the model will always change the coefficient, and sometimes change the significance </a:t>
+            </a:r>
+          </a:p>
+          <a:p>
+            <a:pPr lvl="1"/>
             <a:endParaRPr lang="en-US" dirty="0"/>
           </a:p>
           <a:p>
-            <a:r>
-              <a:rPr lang="en-US" dirty="0"/>
-              <a:t>Ex:</a:t>
-            </a:r>
-          </a:p>
-          <a:p>
-            <a:r>
-              <a:rPr lang="en-US" dirty="0" err="1"/>
-              <a:t>glm</a:t>
-            </a:r>
-            <a:r>
-              <a:rPr lang="en-US" dirty="0"/>
-              <a:t>(N ~ light*time)</a:t>
-            </a:r>
-          </a:p>
-          <a:p>
-            <a:r>
-              <a:rPr lang="en-US" dirty="0" err="1"/>
-              <a:t>glm</a:t>
-            </a:r>
-            <a:r>
-              <a:rPr lang="en-US" dirty="0"/>
-              <a:t>(N ~ light + time)</a:t>
-            </a:r>
-          </a:p>
-          <a:p>
-            <a:r>
-              <a:rPr lang="en-US" dirty="0" err="1"/>
-              <a:t>glm</a:t>
-            </a:r>
-            <a:r>
-              <a:rPr lang="en-US" dirty="0"/>
-              <a:t>(</a:t>
-            </a:r>
-            <a:r>
-              <a:rPr lang="en-US" dirty="0" err="1"/>
-              <a:t>N~light</a:t>
-            </a:r>
-            <a:r>
-              <a:rPr lang="en-US" dirty="0"/>
-              <a:t>)</a:t>
-            </a:r>
-          </a:p>
-          <a:p>
-            <a:r>
-              <a:rPr lang="en-US" dirty="0" err="1"/>
-              <a:t>glm</a:t>
-            </a:r>
-            <a:r>
-              <a:rPr lang="en-US" dirty="0"/>
-              <a:t>(N~1) </a:t>
-            </a:r>
-            <a:r>
-              <a:rPr lang="mr-IN" dirty="0"/>
-              <a:t>–</a:t>
-            </a:r>
-            <a:r>
-              <a:rPr lang="en-US" dirty="0"/>
-              <a:t> </a:t>
-            </a:r>
-            <a:r>
-              <a:rPr lang="en-US" b="1" u="sng" dirty="0"/>
-              <a:t>null model</a:t>
-            </a:r>
+            <a:pPr lvl="1"/>
+            <a:r>
+              <a:rPr lang="en-US" dirty="0"/>
+              <a:t>As a result, the order in which predictors are removed can alter the resulting model</a:t>
+            </a:r>
+          </a:p>
+          <a:p>
+            <a:pPr lvl="2"/>
+            <a:r>
+              <a:rPr lang="en-US" dirty="0"/>
+              <a:t>In a model with Y and X1, X2, and X3, X3 may be non-significant with X1 and X2 in the model, but significant with just X1 in the model.</a:t>
+            </a:r>
+          </a:p>
+          <a:p>
+            <a:pPr lvl="1"/>
+            <a:endParaRPr lang="en-US" dirty="0"/>
+          </a:p>
+          <a:p>
+            <a:pPr lvl="1"/>
+            <a:r>
+              <a:rPr lang="en-US" dirty="0"/>
+              <a:t>Eliminating predictors from models based on a threshold can lead to large differences in the final model (i.e. if predictors have p-values just above or below the threshold), and this can lead to a changes in all coefficients in the model</a:t>
+            </a:r>
+          </a:p>
+          <a:p>
+            <a:endParaRPr lang="en-US" dirty="0"/>
           </a:p>
         </p:txBody>
       </p:sp>
     </p:spTree>
     <p:extLst>
       <p:ext uri="{BB962C8B-B14F-4D97-AF65-F5344CB8AC3E}">
-        <p14:creationId xmlns:p14="http://schemas.microsoft.com/office/powerpoint/2010/main" val="109384455"/>
+        <p14:creationId xmlns:p14="http://schemas.microsoft.com/office/powerpoint/2010/main" val="3904273153"/>
       </p:ext>
     </p:extLst>
   </p:cSld>
@@ -4945,14 +5027,21 @@
             <p:ph type="title"/>
           </p:nvPr>
         </p:nvSpPr>
-        <p:spPr/>
-        <p:txBody>
-          <a:bodyPr/>
-          <a:lstStyle/>
-          <a:p>
-            <a:r>
-              <a:rPr lang="en-US" dirty="0"/>
-              <a:t>Are these nested?</a:t>
+        <p:spPr>
+          <a:xfrm>
+            <a:off x="628649" y="365126"/>
+            <a:ext cx="8180813" cy="1325563"/>
+          </a:xfrm>
+        </p:spPr>
+        <p:txBody>
+          <a:bodyPr>
+            <a:normAutofit fontScale="90000"/>
+          </a:bodyPr>
+          <a:lstStyle/>
+          <a:p>
+            <a:r>
+              <a:rPr lang="en-US" dirty="0"/>
+              <a:t>Should we also throw out backwards stepwise regression?</a:t>
             </a:r>
           </a:p>
         </p:txBody>
@@ -4967,22 +5056,51 @@
             <p:ph idx="1"/>
           </p:nvPr>
         </p:nvSpPr>
-        <p:spPr/>
-        <p:txBody>
-          <a:bodyPr/>
-          <a:lstStyle/>
-          <a:p>
-            <a:r>
-              <a:rPr lang="en-US" dirty="0" err="1"/>
-              <a:t>N~light</a:t>
-            </a:r>
-            <a:endParaRPr lang="en-US" dirty="0"/>
-          </a:p>
-          <a:p>
-            <a:r>
-              <a:rPr lang="en-US" dirty="0" err="1"/>
-              <a:t>N~time</a:t>
-            </a:r>
+        <p:spPr>
+          <a:xfrm>
+            <a:off x="468351" y="1825625"/>
+            <a:ext cx="8046999" cy="4708990"/>
+          </a:xfrm>
+        </p:spPr>
+        <p:txBody>
+          <a:bodyPr/>
+          <a:lstStyle/>
+          <a:p>
+            <a:r>
+              <a:rPr lang="en-US" dirty="0"/>
+              <a:t>Some resolution:</a:t>
+            </a:r>
+            <a:endParaRPr lang="en-US" u="sng" dirty="0"/>
+          </a:p>
+          <a:p>
+            <a:pPr lvl="1"/>
+            <a:r>
+              <a:rPr lang="en-US" dirty="0"/>
+              <a:t>To better estimate the effect sizes of removed variables they can be re-added one by one to the reduced model</a:t>
+            </a:r>
+          </a:p>
+          <a:p>
+            <a:pPr lvl="2"/>
+            <a:r>
+              <a:rPr lang="en-US" dirty="0"/>
+              <a:t>This is a good check to make sure the order of removal hasn’t influenced your results</a:t>
+            </a:r>
+          </a:p>
+          <a:p>
+            <a:pPr lvl="1"/>
+            <a:r>
+              <a:rPr lang="en-US" dirty="0"/>
+              <a:t>We can resample from our original data using bootstrapping to make new models to test model performance</a:t>
+            </a:r>
+          </a:p>
+          <a:p>
+            <a:pPr lvl="1"/>
+            <a:r>
+              <a:rPr lang="en-US" dirty="0"/>
+              <a:t>Cross-validation: data-splitting and prediction of outside sample dataset is a great test of model predictive ability (but often requires moderate-large dataset)</a:t>
+            </a:r>
+          </a:p>
+          <a:p>
             <a:endParaRPr lang="en-US" dirty="0"/>
           </a:p>
         </p:txBody>
@@ -4990,7 +5108,7 @@
     </p:spTree>
     <p:extLst>
       <p:ext uri="{BB962C8B-B14F-4D97-AF65-F5344CB8AC3E}">
-        <p14:creationId xmlns:p14="http://schemas.microsoft.com/office/powerpoint/2010/main" val="1522787299"/>
+        <p14:creationId xmlns:p14="http://schemas.microsoft.com/office/powerpoint/2010/main" val="583929611"/>
       </p:ext>
     </p:extLst>
   </p:cSld>
@@ -5034,7 +5152,7 @@
           <a:p>
             <a:r>
               <a:rPr lang="en-US" dirty="0"/>
-              <a:t>Running a LRT on models</a:t>
+              <a:t>Bootstrapping Model Validation Approach</a:t>
             </a:r>
           </a:p>
         </p:txBody>
@@ -5051,57 +5169,76 @@
         </p:nvSpPr>
         <p:spPr/>
         <p:txBody>
-          <a:bodyPr/>
-          <a:lstStyle/>
-          <a:p>
-            <a:r>
-              <a:rPr lang="en-US" dirty="0"/>
-              <a:t>The </a:t>
-            </a:r>
-            <a:r>
-              <a:rPr lang="en-US" dirty="0" err="1"/>
-              <a:t>anova</a:t>
-            </a:r>
-            <a:r>
-              <a:rPr lang="en-US" dirty="0"/>
-              <a:t>() function in R performs LRT on nested model fits (among other tests)</a:t>
-            </a:r>
-          </a:p>
-          <a:p>
-            <a:endParaRPr lang="en-US" dirty="0"/>
-          </a:p>
-          <a:p>
-            <a:r>
-              <a:rPr lang="en-US" dirty="0"/>
-              <a:t>It will automatically calculate the difference in numbers of parameters (e.g. </a:t>
-            </a:r>
-            <a:r>
-              <a:rPr lang="en-US" dirty="0" err="1"/>
-              <a:t>df</a:t>
-            </a:r>
-            <a:r>
-              <a:rPr lang="en-US" dirty="0"/>
-              <a:t>)</a:t>
-            </a:r>
-          </a:p>
-          <a:p>
-            <a:endParaRPr lang="en-US" dirty="0"/>
-          </a:p>
-          <a:p>
-            <a:r>
-              <a:rPr lang="en-US" dirty="0"/>
-              <a:t>This will test whether the extra goodness of fit is worth the additional complexity of adding parameters</a:t>
-            </a:r>
-          </a:p>
-          <a:p>
-            <a:endParaRPr lang="en-US" dirty="0"/>
+          <a:bodyPr>
+            <a:normAutofit fontScale="92500" lnSpcReduction="10000"/>
+          </a:bodyPr>
+          <a:lstStyle/>
+          <a:p>
+            <a:pPr marL="514350" indent="-514350">
+              <a:buFont typeface="+mj-lt"/>
+              <a:buAutoNum type="arabicPeriod"/>
+            </a:pPr>
+            <a:r>
+              <a:rPr lang="en-US" dirty="0"/>
+              <a:t>Resample with replacement from the original variables (same number of observations).</a:t>
+            </a:r>
+          </a:p>
+          <a:p>
+            <a:pPr marL="514350" indent="-514350">
+              <a:buFont typeface="+mj-lt"/>
+              <a:buAutoNum type="arabicPeriod"/>
+            </a:pPr>
+            <a:r>
+              <a:rPr lang="en-US" dirty="0"/>
+              <a:t> Apply the model from the original dataset to the resampled dataset</a:t>
+            </a:r>
+          </a:p>
+          <a:p>
+            <a:pPr marL="514350" indent="-514350">
+              <a:buFont typeface="+mj-lt"/>
+              <a:buAutoNum type="arabicPeriod"/>
+            </a:pPr>
+            <a:r>
+              <a:rPr lang="en-US" dirty="0"/>
+              <a:t>Use the updated model to refit to original data and calculate a goodness of fit statistic (e.g. R2)</a:t>
+            </a:r>
+          </a:p>
+          <a:p>
+            <a:pPr marL="514350" indent="-514350">
+              <a:buFont typeface="+mj-lt"/>
+              <a:buAutoNum type="arabicPeriod"/>
+            </a:pPr>
+            <a:r>
+              <a:rPr lang="en-US" dirty="0"/>
+              <a:t>Compare R2 between bootstrapped models and original model</a:t>
+            </a:r>
+          </a:p>
+          <a:p>
+            <a:pPr marL="514350" indent="-514350">
+              <a:buFont typeface="+mj-lt"/>
+              <a:buAutoNum type="arabicPeriod"/>
+            </a:pPr>
+            <a:r>
+              <a:rPr lang="en-US" dirty="0"/>
+              <a:t>See more info here: </a:t>
+            </a:r>
+            <a:r>
+              <a:rPr lang="en-US" dirty="0">
+                <a:hlinkClick r:id="rId2"/>
+              </a:rPr>
+              <a:t>https://www.r-bloggers.com/bootstrap-and-cross-validation-for-evaluating-modelling-strategies/</a:t>
+            </a:r>
+            <a:r>
+              <a:rPr lang="en-US" dirty="0"/>
+              <a:t> </a:t>
+            </a:r>
           </a:p>
         </p:txBody>
       </p:sp>
     </p:spTree>
     <p:extLst>
       <p:ext uri="{BB962C8B-B14F-4D97-AF65-F5344CB8AC3E}">
-        <p14:creationId xmlns:p14="http://schemas.microsoft.com/office/powerpoint/2010/main" val="1073049035"/>
+        <p14:creationId xmlns:p14="http://schemas.microsoft.com/office/powerpoint/2010/main" val="616000856"/>
       </p:ext>
     </p:extLst>
   </p:cSld>
@@ -5144,8 +5281,8 @@
           <a:lstStyle/>
           <a:p>
             <a:r>
-              <a:rPr lang="en-US" b="1" dirty="0"/>
-              <a:t>Model comparison - LRT</a:t>
+              <a:rPr lang="en-US" dirty="0"/>
+              <a:t>Repeated K-fold cross validation</a:t>
             </a:r>
           </a:p>
         </p:txBody>
@@ -5163,58 +5300,78 @@
         <p:spPr/>
         <p:txBody>
           <a:bodyPr>
-            <a:normAutofit fontScale="77500" lnSpcReduction="20000"/>
+            <a:normAutofit fontScale="92500" lnSpcReduction="20000"/>
           </a:bodyPr>
           <a:lstStyle/>
           <a:p>
-            <a:r>
-              <a:rPr lang="en-US" dirty="0"/>
-              <a:t>When you do an </a:t>
+            <a:pPr marL="514350" indent="-514350">
+              <a:buFont typeface="+mj-lt"/>
+              <a:buAutoNum type="arabicPeriod"/>
+            </a:pPr>
+            <a:r>
+              <a:rPr lang="en-US" dirty="0"/>
+              <a:t>Divide your data into 5-10 (k) parts. </a:t>
+            </a:r>
+          </a:p>
+          <a:p>
+            <a:pPr marL="514350" indent="-514350">
+              <a:buFont typeface="+mj-lt"/>
+              <a:buAutoNum type="arabicPeriod"/>
+            </a:pPr>
+            <a:r>
+              <a:rPr lang="en-US" dirty="0"/>
+              <a:t>Take turns to fit the model on 90% of the data and using that model to predict the remaining 10% </a:t>
+            </a:r>
+          </a:p>
+          <a:p>
+            <a:pPr marL="514350" indent="-514350">
+              <a:buFont typeface="+mj-lt"/>
+              <a:buAutoNum type="arabicPeriod"/>
+            </a:pPr>
+            <a:r>
+              <a:rPr lang="en-US" dirty="0"/>
+              <a:t>The average of the 10 goodness of fit statistics (e.g. </a:t>
             </a:r>
             <a:r>
               <a:rPr lang="en-US" dirty="0" err="1"/>
-              <a:t>anova</a:t>
-            </a:r>
-            <a:r>
-              <a:rPr lang="en-US" dirty="0"/>
-              <a:t>() on a regular lm or </a:t>
-            </a:r>
-            <a:r>
-              <a:rPr lang="en-US" dirty="0" err="1"/>
-              <a:t>glm</a:t>
-            </a:r>
-            <a:r>
-              <a:rPr lang="en-US" dirty="0"/>
-              <a:t> (e.g. Poisson, Gamma, Binomial) you need to list the null model </a:t>
-            </a:r>
-            <a:r>
-              <a:rPr lang="en-US" u="sng" dirty="0"/>
-              <a:t>first</a:t>
-            </a:r>
+              <a:t>Rsquared</a:t>
+            </a:r>
+            <a:r>
+              <a:rPr lang="en-US" dirty="0"/>
+              <a:t>) becomes your estimate of the actual goodness of fit.</a:t>
+            </a:r>
+            <a:br>
+              <a:rPr lang="en-US" dirty="0"/>
+            </a:br>
+            <a:r>
+              <a:rPr lang="en-US" dirty="0"/>
+              <a:t>OR</a:t>
+            </a:r>
+          </a:p>
+          <a:p>
+            <a:pPr marL="514350" indent="-514350">
+              <a:buFont typeface="+mj-lt"/>
+              <a:buAutoNum type="arabicPeriod"/>
+            </a:pPr>
+            <a:r>
+              <a:rPr lang="en-US" dirty="0"/>
+              <a:t>Compare area under the curve across different models. Model with higher AUC is better than smaller.</a:t>
+            </a:r>
+          </a:p>
+          <a:p>
+            <a:pPr marL="971550" lvl="1" indent="-514350">
+              <a:buFont typeface="+mj-lt"/>
+              <a:buAutoNum type="arabicPeriod"/>
+            </a:pPr>
             <a:endParaRPr lang="en-US" dirty="0"/>
           </a:p>
           <a:p>
-            <a:endParaRPr lang="en-US" dirty="0"/>
-          </a:p>
-          <a:p>
-            <a:r>
-              <a:rPr lang="en-US" dirty="0"/>
-              <a:t>The LRT (</a:t>
-            </a:r>
-            <a:r>
-              <a:rPr lang="en-US" dirty="0" err="1"/>
-              <a:t>anova</a:t>
-            </a:r>
-            <a:r>
-              <a:rPr lang="en-US" dirty="0"/>
-              <a:t>()) for these “objects” will always consider the null model as the first argument</a:t>
-            </a:r>
-          </a:p>
-          <a:p>
-            <a:pPr lvl="1"/>
-            <a:r>
-              <a:rPr lang="en-US" dirty="0"/>
-              <a:t>This isn’t the case for all types of objects </a:t>
+            <a:pPr marL="457200" lvl="1" indent="0">
+              <a:buNone/>
+            </a:pPr>
+            <a:r>
+              <a:rPr lang="en-US" dirty="0"/>
+              <a:t> Issue </a:t>
             </a:r>
             <a:r>
               <a:rPr lang="mr-IN" dirty="0"/>
@@ -5222,67 +5379,7 @@
             </a:r>
             <a:r>
               <a:rPr lang="en-US" dirty="0"/>
-              <a:t> hence the confusion</a:t>
-            </a:r>
-          </a:p>
-          <a:p>
-            <a:pPr lvl="1"/>
-            <a:r>
-              <a:rPr lang="en-US" dirty="0"/>
-              <a:t>If you do not list the null model first, you may get wonky output because it is doing the subtraction incorrectly resulting in negative values with no meaning in the chi-squared distribution!</a:t>
-            </a:r>
-          </a:p>
-          <a:p>
-            <a:r>
-              <a:rPr lang="en-US" dirty="0"/>
-              <a:t>I suggest stepping through your models from simplest as null to increasingly more complex</a:t>
-            </a:r>
-          </a:p>
-          <a:p>
-            <a:pPr lvl="1"/>
-            <a:r>
-              <a:rPr lang="en-US" dirty="0"/>
-              <a:t>E.g. N ~ 1 vs </a:t>
-            </a:r>
-            <a:r>
-              <a:rPr lang="en-US" dirty="0" err="1"/>
-              <a:t>N~light</a:t>
-            </a:r>
-            <a:r>
-              <a:rPr lang="en-US" dirty="0"/>
-              <a:t>, then </a:t>
-            </a:r>
-            <a:r>
-              <a:rPr lang="en-US" dirty="0" err="1"/>
-              <a:t>N~light</a:t>
-            </a:r>
-            <a:r>
-              <a:rPr lang="en-US" dirty="0"/>
-              <a:t> vs </a:t>
-            </a:r>
-            <a:r>
-              <a:rPr lang="en-US" dirty="0" err="1"/>
-              <a:t>N~light+time</a:t>
-            </a:r>
-            <a:r>
-              <a:rPr lang="en-US" dirty="0"/>
-              <a:t>, then </a:t>
-            </a:r>
-            <a:r>
-              <a:rPr lang="en-US" dirty="0" err="1"/>
-              <a:t>N~light+time</a:t>
-            </a:r>
-            <a:r>
-              <a:rPr lang="en-US" dirty="0"/>
-              <a:t> vs </a:t>
-            </a:r>
-            <a:r>
-              <a:rPr lang="en-US" dirty="0" err="1"/>
-              <a:t>N~light</a:t>
-            </a:r>
-            <a:r>
-              <a:rPr lang="en-US" dirty="0"/>
-              <a:t>*time</a:t>
+              <a:t> this is difficult for small datasets!</a:t>
             </a:r>
           </a:p>
         </p:txBody>
@@ -5290,7 +5387,7 @@
     </p:spTree>
     <p:extLst>
       <p:ext uri="{BB962C8B-B14F-4D97-AF65-F5344CB8AC3E}">
-        <p14:creationId xmlns:p14="http://schemas.microsoft.com/office/powerpoint/2010/main" val="2508225711"/>
+        <p14:creationId xmlns:p14="http://schemas.microsoft.com/office/powerpoint/2010/main" val="1926052125"/>
       </p:ext>
     </p:extLst>
   </p:cSld>
@@ -5334,7 +5431,7 @@
           <a:p>
             <a:r>
               <a:rPr lang="en-US" dirty="0"/>
-              <a:t>LRT examples</a:t>
+              <a:t>Likelihood ratio tests</a:t>
             </a:r>
           </a:p>
         </p:txBody>
@@ -5354,14 +5451,17 @@
           <a:bodyPr/>
           <a:lstStyle/>
           <a:p>
-            <a:endParaRPr lang="en-US"/>
+            <a:r>
+              <a:rPr lang="en-US" dirty="0"/>
+              <a:t>Statisticians have long used LRTs to compare nested models</a:t>
+            </a:r>
           </a:p>
         </p:txBody>
       </p:sp>
     </p:spTree>
     <p:extLst>
       <p:ext uri="{BB962C8B-B14F-4D97-AF65-F5344CB8AC3E}">
-        <p14:creationId xmlns:p14="http://schemas.microsoft.com/office/powerpoint/2010/main" val="1377046409"/>
+        <p14:creationId xmlns:p14="http://schemas.microsoft.com/office/powerpoint/2010/main" val="934849938"/>
       </p:ext>
     </p:extLst>
   </p:cSld>
@@ -5405,7 +5505,7 @@
           <a:p>
             <a:r>
               <a:rPr lang="en-US" dirty="0"/>
-              <a:t>Information Criteria	</a:t>
+              <a:t>Nested Model</a:t>
             </a:r>
           </a:p>
         </p:txBody>
@@ -5422,14 +5522,12 @@
         </p:nvSpPr>
         <p:spPr/>
         <p:txBody>
-          <a:bodyPr>
-            <a:normAutofit lnSpcReduction="10000"/>
-          </a:bodyPr>
-          <a:lstStyle/>
-          <a:p>
-            <a:r>
-              <a:rPr lang="en-US" dirty="0"/>
-              <a:t>These are also called information theoretic approaches</a:t>
+          <a:bodyPr/>
+          <a:lstStyle/>
+          <a:p>
+            <a:r>
+              <a:rPr lang="en-US" dirty="0"/>
+              <a:t>All the terms in the smaller model occur in the larger model</a:t>
             </a:r>
           </a:p>
           <a:p>
@@ -5438,21 +5536,67 @@
           <a:p>
             <a:r>
               <a:rPr lang="en-US" dirty="0"/>
-              <a:t>These are commonly used, but still have many </a:t>
-            </a:r>
+              <a:t>Ex:</a:t>
+            </a:r>
+          </a:p>
+          <a:p>
             <a:r>
               <a:rPr lang="en-US" dirty="0" err="1"/>
-              <a:t>disadvantanges</a:t>
-            </a:r>
-            <a:endParaRPr lang="en-US" dirty="0"/>
-          </a:p>
-          <a:p>
-            <a:endParaRPr lang="en-US" dirty="0"/>
-          </a:p>
-          <a:p>
-            <a:r>
-              <a:rPr lang="en-US" dirty="0"/>
-              <a:t>IC methods find the model that minimizes some criterion that is based on the likelihood and a penalty term, which is usually based on the number of parameters</a:t>
+              <a:t>glm</a:t>
+            </a:r>
+            <a:r>
+              <a:rPr lang="en-US" dirty="0"/>
+              <a:t>(N ~ light*time)</a:t>
+            </a:r>
+          </a:p>
+          <a:p>
+            <a:r>
+              <a:rPr lang="en-US" dirty="0" err="1"/>
+              <a:t>glm</a:t>
+            </a:r>
+            <a:r>
+              <a:rPr lang="en-US" dirty="0"/>
+              <a:t>(N ~ light + time)</a:t>
+            </a:r>
+          </a:p>
+          <a:p>
+            <a:r>
+              <a:rPr lang="en-US" dirty="0" err="1"/>
+              <a:t>glm</a:t>
+            </a:r>
+            <a:r>
+              <a:rPr lang="en-US" dirty="0"/>
+              <a:t>(</a:t>
+            </a:r>
+            <a:r>
+              <a:rPr lang="en-US" dirty="0" err="1"/>
+              <a:t>N~light</a:t>
+            </a:r>
+            <a:r>
+              <a:rPr lang="en-US" dirty="0"/>
+              <a:t>)</a:t>
+            </a:r>
+          </a:p>
+          <a:p>
+            <a:r>
+              <a:rPr lang="en-US" dirty="0" err="1"/>
+              <a:t>glm</a:t>
+            </a:r>
+            <a:r>
+              <a:rPr lang="en-US" dirty="0"/>
+              <a:t>(N~1) </a:t>
+            </a:r>
+            <a:r>
+              <a:rPr lang="mr-IN" dirty="0"/>
+              <a:t>–</a:t>
+            </a:r>
+            <a:r>
+              <a:rPr lang="en-US" dirty="0"/>
+              <a:t> </a:t>
+            </a:r>
+            <a:r>
+              <a:rPr lang="en-US" b="1" u="sng" dirty="0"/>
+              <a:t>null model</a:t>
             </a:r>
           </a:p>
         </p:txBody>
@@ -5460,7 +5604,7 @@
     </p:spTree>
     <p:extLst>
       <p:ext uri="{BB962C8B-B14F-4D97-AF65-F5344CB8AC3E}">
-        <p14:creationId xmlns:p14="http://schemas.microsoft.com/office/powerpoint/2010/main" val="762809762"/>
+        <p14:creationId xmlns:p14="http://schemas.microsoft.com/office/powerpoint/2010/main" val="109384455"/>
       </p:ext>
     </p:extLst>
   </p:cSld>
@@ -5504,7 +5648,7 @@
           <a:p>
             <a:r>
               <a:rPr lang="en-US" dirty="0"/>
-              <a:t>AIC (BIC, etc.) model selection</a:t>
+              <a:t>Are these nested?</a:t>
             </a:r>
           </a:p>
         </p:txBody>
@@ -5519,65 +5663,30 @@
             <p:ph idx="1"/>
           </p:nvPr>
         </p:nvSpPr>
-        <p:spPr>
-          <a:xfrm>
-            <a:off x="628650" y="1544630"/>
-            <a:ext cx="7886700" cy="5147353"/>
-          </a:xfrm>
-        </p:spPr>
-        <p:txBody>
-          <a:bodyPr>
-            <a:normAutofit/>
-          </a:bodyPr>
-          <a:lstStyle/>
-          <a:p>
-            <a:r>
-              <a:rPr lang="en-US" dirty="0"/>
-              <a:t>Proposed philosophy is inherently different </a:t>
-            </a:r>
-          </a:p>
-          <a:p>
-            <a:pPr lvl="1"/>
-            <a:r>
-              <a:rPr lang="en-US" dirty="0"/>
-              <a:t>but it is often (ab)used to answer the same questions as null hypothesis testing</a:t>
-            </a:r>
-          </a:p>
-          <a:p>
-            <a:pPr lvl="1"/>
+        <p:spPr/>
+        <p:txBody>
+          <a:bodyPr/>
+          <a:lstStyle/>
+          <a:p>
+            <a:r>
+              <a:rPr lang="en-US" dirty="0" err="1"/>
+              <a:t>N~light</a:t>
+            </a:r>
             <a:endParaRPr lang="en-US" dirty="0"/>
           </a:p>
           <a:p>
-            <a:pPr lvl="1"/>
-            <a:r>
-              <a:rPr lang="en-US" dirty="0"/>
-              <a:t>Frequentist/Null hypothesis testing: do predictor variables X1, X2, and/or X3 influence Y?</a:t>
-            </a:r>
-          </a:p>
-          <a:p>
-            <a:pPr lvl="1"/>
+            <a:r>
+              <a:rPr lang="en-US" dirty="0" err="1"/>
+              <a:t>N~time</a:t>
+            </a:r>
             <a:endParaRPr lang="en-US" dirty="0"/>
-          </a:p>
-          <a:p>
-            <a:pPr lvl="1"/>
-            <a:r>
-              <a:rPr lang="en-US" dirty="0"/>
-              <a:t>IC approach: which of the proposed models fit the data best?</a:t>
-            </a:r>
-          </a:p>
-          <a:p>
-            <a:pPr lvl="2"/>
-            <a:r>
-              <a:rPr lang="en-US" dirty="0"/>
-              <a:t>E.g. AIC = 2k - 2ln(L); k = # parameters, L = likelihood</a:t>
-            </a:r>
           </a:p>
         </p:txBody>
       </p:sp>
     </p:spTree>
     <p:extLst>
       <p:ext uri="{BB962C8B-B14F-4D97-AF65-F5344CB8AC3E}">
-        <p14:creationId xmlns:p14="http://schemas.microsoft.com/office/powerpoint/2010/main" val="3829928013"/>
+        <p14:creationId xmlns:p14="http://schemas.microsoft.com/office/powerpoint/2010/main" val="1522787299"/>
       </p:ext>
     </p:extLst>
   </p:cSld>
@@ -5621,7 +5730,7 @@
           <a:p>
             <a:r>
               <a:rPr lang="en-US" dirty="0"/>
-              <a:t>AIC Procedures</a:t>
+              <a:t>Running a LRT on models</a:t>
             </a:r>
           </a:p>
         </p:txBody>
@@ -5638,103 +5747,49 @@
         </p:nvSpPr>
         <p:spPr/>
         <p:txBody>
-          <a:bodyPr>
-            <a:normAutofit fontScale="85000" lnSpcReduction="20000"/>
-          </a:bodyPr>
-          <a:lstStyle/>
-          <a:p>
-            <a:pPr marL="457200" indent="-457200">
-              <a:buFont typeface="+mj-lt"/>
-              <a:buAutoNum type="arabicPeriod"/>
-            </a:pPr>
-            <a:r>
-              <a:rPr lang="en-US" dirty="0"/>
-              <a:t>Build a priori candidate model set</a:t>
-            </a:r>
-          </a:p>
-          <a:p>
-            <a:pPr marL="457200" indent="-457200">
-              <a:buFont typeface="+mj-lt"/>
-              <a:buAutoNum type="arabicPeriod"/>
-            </a:pPr>
+          <a:bodyPr/>
+          <a:lstStyle/>
+          <a:p>
+            <a:r>
+              <a:rPr lang="en-US" dirty="0"/>
+              <a:t>The </a:t>
+            </a:r>
+            <a:r>
+              <a:rPr lang="en-US" dirty="0" err="1"/>
+              <a:t>anova</a:t>
+            </a:r>
+            <a:r>
+              <a:rPr lang="en-US" dirty="0"/>
+              <a:t>() function in R performs LRT on nested model fits (among other tests)</a:t>
+            </a:r>
+          </a:p>
+          <a:p>
             <a:endParaRPr lang="en-US" dirty="0"/>
           </a:p>
           <a:p>
-            <a:pPr marL="457200" indent="-457200">
-              <a:buFont typeface="+mj-lt"/>
-              <a:buAutoNum type="arabicPeriod"/>
-            </a:pPr>
-            <a:r>
-              <a:rPr lang="en-US" dirty="0"/>
-              <a:t>Fit models to data</a:t>
-            </a:r>
-          </a:p>
-          <a:p>
-            <a:pPr marL="457200" indent="-457200">
-              <a:buFont typeface="+mj-lt"/>
-              <a:buAutoNum type="arabicPeriod"/>
-            </a:pPr>
+            <a:r>
+              <a:rPr lang="en-US" dirty="0"/>
+              <a:t>It will automatically calculate the difference in numbers of parameters (e.g. </a:t>
+            </a:r>
+            <a:r>
+              <a:rPr lang="en-US" dirty="0" err="1"/>
+              <a:t>df</a:t>
+            </a:r>
+            <a:r>
+              <a:rPr lang="en-US" dirty="0"/>
+              <a:t>)</a:t>
+            </a:r>
+          </a:p>
+          <a:p>
             <a:endParaRPr lang="en-US" dirty="0"/>
           </a:p>
           <a:p>
-            <a:pPr marL="457200" indent="-457200">
-              <a:buFont typeface="+mj-lt"/>
-              <a:buAutoNum type="arabicPeriod"/>
-            </a:pPr>
-            <a:r>
-              <a:rPr lang="en-US" dirty="0"/>
-              <a:t>Rank by AIC, calculate weights (based on </a:t>
-            </a:r>
-            <a:r>
-              <a:rPr lang="en-US" dirty="0">
-                <a:sym typeface="Symbol" panose="05050102010706020507" pitchFamily="18" charset="2"/>
-              </a:rPr>
-              <a:t>AIC</a:t>
-            </a:r>
-            <a:r>
-              <a:rPr lang="en-US" dirty="0"/>
-              <a:t>)</a:t>
-            </a:r>
-          </a:p>
-          <a:p>
-            <a:pPr marL="457200" indent="-457200">
-              <a:buFont typeface="+mj-lt"/>
-              <a:buAutoNum type="arabicPeriod"/>
-            </a:pPr>
-            <a:endParaRPr lang="en-US" dirty="0"/>
-          </a:p>
-          <a:p>
-            <a:pPr marL="457200" indent="-457200">
-              <a:buFont typeface="+mj-lt"/>
-              <a:buAutoNum type="arabicPeriod"/>
-            </a:pPr>
-            <a:r>
-              <a:rPr lang="en-US" dirty="0"/>
-              <a:t>Can estimate model coefficients and make predictions by model averaging using AIC weights of all models making up X% of weights (e.g. X = 95%)</a:t>
-            </a:r>
-          </a:p>
-          <a:p>
-            <a:pPr marL="457200" indent="-457200">
-              <a:buFont typeface="+mj-lt"/>
-              <a:buAutoNum type="arabicPeriod"/>
-            </a:pPr>
-            <a:endParaRPr lang="en-US" dirty="0"/>
-          </a:p>
-          <a:p>
-            <a:pPr marL="457200" indent="-457200">
-              <a:buFont typeface="+mj-lt"/>
-              <a:buAutoNum type="arabicPeriod"/>
-            </a:pPr>
-            <a:r>
-              <a:rPr lang="en-US" dirty="0"/>
-              <a:t>Can select models with greatest support (must be &gt;2 AIC away)</a:t>
-            </a:r>
-          </a:p>
-          <a:p>
-            <a:pPr marL="514350" indent="-514350">
-              <a:buFont typeface="+mj-lt"/>
-              <a:buAutoNum type="arabicPeriod"/>
-            </a:pPr>
+            <a:r>
+              <a:rPr lang="en-US" dirty="0"/>
+              <a:t>This will test whether the extra goodness of fit is worth the additional complexity of adding parameters</a:t>
+            </a:r>
+          </a:p>
+          <a:p>
             <a:endParaRPr lang="en-US" dirty="0"/>
           </a:p>
         </p:txBody>
@@ -5742,7 +5797,7 @@
     </p:spTree>
     <p:extLst>
       <p:ext uri="{BB962C8B-B14F-4D97-AF65-F5344CB8AC3E}">
-        <p14:creationId xmlns:p14="http://schemas.microsoft.com/office/powerpoint/2010/main" val="1169835076"/>
+        <p14:creationId xmlns:p14="http://schemas.microsoft.com/office/powerpoint/2010/main" val="1073049035"/>
       </p:ext>
     </p:extLst>
   </p:cSld>
@@ -5785,8 +5840,8 @@
           <a:lstStyle/>
           <a:p>
             <a:r>
-              <a:rPr lang="en-US" dirty="0"/>
-              <a:t>AIC Examples</a:t>
+              <a:rPr lang="en-US" b="1" dirty="0"/>
+              <a:t>Model comparison - LRT</a:t>
             </a:r>
           </a:p>
         </p:txBody>
@@ -5803,17 +5858,135 @@
         </p:nvSpPr>
         <p:spPr/>
         <p:txBody>
-          <a:bodyPr/>
-          <a:lstStyle/>
-          <a:p>
-            <a:endParaRPr lang="en-US"/>
+          <a:bodyPr>
+            <a:normAutofit fontScale="77500" lnSpcReduction="20000"/>
+          </a:bodyPr>
+          <a:lstStyle/>
+          <a:p>
+            <a:r>
+              <a:rPr lang="en-US" dirty="0"/>
+              <a:t>When you do an </a:t>
+            </a:r>
+            <a:r>
+              <a:rPr lang="en-US" dirty="0" err="1"/>
+              <a:t>anova</a:t>
+            </a:r>
+            <a:r>
+              <a:rPr lang="en-US" dirty="0"/>
+              <a:t>() on a regular lm or </a:t>
+            </a:r>
+            <a:r>
+              <a:rPr lang="en-US" dirty="0" err="1"/>
+              <a:t>glm</a:t>
+            </a:r>
+            <a:r>
+              <a:rPr lang="en-US" dirty="0"/>
+              <a:t> (e.g. Poisson, Gamma, Binomial) you need to list the null model </a:t>
+            </a:r>
+            <a:r>
+              <a:rPr lang="en-US" u="sng" dirty="0"/>
+              <a:t>first</a:t>
+            </a:r>
+            <a:endParaRPr lang="en-US" dirty="0"/>
+          </a:p>
+          <a:p>
+            <a:endParaRPr lang="en-US" dirty="0"/>
+          </a:p>
+          <a:p>
+            <a:r>
+              <a:rPr lang="en-US" dirty="0"/>
+              <a:t>The LRT (</a:t>
+            </a:r>
+            <a:r>
+              <a:rPr lang="en-US" dirty="0" err="1"/>
+              <a:t>anova</a:t>
+            </a:r>
+            <a:r>
+              <a:rPr lang="en-US" dirty="0"/>
+              <a:t>()) for these “objects” will always consider the null model as the first argument</a:t>
+            </a:r>
+          </a:p>
+          <a:p>
+            <a:pPr lvl="1"/>
+            <a:r>
+              <a:rPr lang="en-US" dirty="0"/>
+              <a:t>This isn’t the case for all types of objects </a:t>
+            </a:r>
+            <a:r>
+              <a:rPr lang="mr-IN" dirty="0"/>
+              <a:t>–</a:t>
+            </a:r>
+            <a:r>
+              <a:rPr lang="en-US" dirty="0"/>
+              <a:t> hence the confusion</a:t>
+            </a:r>
+          </a:p>
+          <a:p>
+            <a:pPr lvl="1"/>
+            <a:r>
+              <a:rPr lang="en-US" dirty="0"/>
+              <a:t>If you do not list the null model first, you may get wonky output because it is doing the subtraction incorrectly resulting in negative values with no meaning in the chi-squared distribution!</a:t>
+            </a:r>
+          </a:p>
+          <a:p>
+            <a:r>
+              <a:rPr lang="en-US" dirty="0"/>
+              <a:t>I suggest stepping through your models from simplest as null to increasingly more complex</a:t>
+            </a:r>
+          </a:p>
+          <a:p>
+            <a:pPr lvl="1"/>
+            <a:r>
+              <a:rPr lang="en-US" dirty="0"/>
+              <a:t>E.g. N ~ 1 vs </a:t>
+            </a:r>
+            <a:r>
+              <a:rPr lang="en-US" dirty="0" err="1"/>
+              <a:t>N~light</a:t>
+            </a:r>
+            <a:r>
+              <a:rPr lang="en-US" dirty="0"/>
+              <a:t>, then </a:t>
+            </a:r>
+            <a:r>
+              <a:rPr lang="en-US" dirty="0" err="1"/>
+              <a:t>N~light</a:t>
+            </a:r>
+            <a:r>
+              <a:rPr lang="en-US" dirty="0"/>
+              <a:t> vs </a:t>
+            </a:r>
+            <a:r>
+              <a:rPr lang="en-US" dirty="0" err="1"/>
+              <a:t>N~light+time</a:t>
+            </a:r>
+            <a:r>
+              <a:rPr lang="en-US" dirty="0"/>
+              <a:t>, then </a:t>
+            </a:r>
+            <a:r>
+              <a:rPr lang="en-US" dirty="0" err="1"/>
+              <a:t>N~light+time</a:t>
+            </a:r>
+            <a:r>
+              <a:rPr lang="en-US" dirty="0"/>
+              <a:t> vs </a:t>
+            </a:r>
+            <a:r>
+              <a:rPr lang="en-US" dirty="0" err="1"/>
+              <a:t>N~light</a:t>
+            </a:r>
+            <a:r>
+              <a:rPr lang="en-US" dirty="0"/>
+              <a:t>*time</a:t>
+            </a:r>
           </a:p>
         </p:txBody>
       </p:sp>
     </p:spTree>
     <p:extLst>
       <p:ext uri="{BB962C8B-B14F-4D97-AF65-F5344CB8AC3E}">
-        <p14:creationId xmlns:p14="http://schemas.microsoft.com/office/powerpoint/2010/main" val="2030345735"/>
+        <p14:creationId xmlns:p14="http://schemas.microsoft.com/office/powerpoint/2010/main" val="2508225711"/>
       </p:ext>
     </p:extLst>
   </p:cSld>
@@ -5842,7 +6015,13 @@
       </p:grpSpPr>
       <p:sp>
         <p:nvSpPr>
-          <p:cNvPr id="2" name="Title 1"/>
+          <p:cNvPr id="2" name="Title 1">
+            <a:extLst>
+              <a:ext uri="{FF2B5EF4-FFF2-40B4-BE49-F238E27FC236}">
+                <a16:creationId xmlns:a16="http://schemas.microsoft.com/office/drawing/2014/main" id="{78FD1F96-71E6-3D49-9270-72069D9207CB}"/>
+              </a:ext>
+            </a:extLst>
+          </p:cNvPr>
           <p:cNvSpPr>
             <a:spLocks noGrp="1"/>
           </p:cNvSpPr>
@@ -5857,14 +6036,20 @@
           <a:p>
             <a:r>
               <a:rPr lang="en-US" dirty="0"/>
-              <a:t>Theory</a:t>
-            </a:r>
-          </a:p>
-        </p:txBody>
-      </p:sp>
-      <p:sp>
-        <p:nvSpPr>
-          <p:cNvPr id="3" name="Content Placeholder 2"/>
+              <a:t>Contest rules</a:t>
+            </a:r>
+          </a:p>
+        </p:txBody>
+      </p:sp>
+      <p:sp>
+        <p:nvSpPr>
+          <p:cNvPr id="3" name="Content Placeholder 2">
+            <a:extLst>
+              <a:ext uri="{FF2B5EF4-FFF2-40B4-BE49-F238E27FC236}">
+                <a16:creationId xmlns:a16="http://schemas.microsoft.com/office/drawing/2014/main" id="{174AD24E-49EB-6A42-A575-DEAFCDB2E24C}"/>
+              </a:ext>
+            </a:extLst>
+          </p:cNvPr>
           <p:cNvSpPr>
             <a:spLocks noGrp="1"/>
           </p:cNvSpPr>
@@ -5874,12 +6059,14 @@
         </p:nvSpPr>
         <p:spPr/>
         <p:txBody>
-          <a:bodyPr/>
-          <a:lstStyle/>
-          <a:p>
-            <a:r>
-              <a:rPr lang="en-US" dirty="0"/>
-              <a:t>We often have multiple hypotheses about which factors are most important in influencing something</a:t>
+          <a:bodyPr>
+            <a:normAutofit fontScale="92500"/>
+          </a:bodyPr>
+          <a:lstStyle/>
+          <a:p>
+            <a:r>
+              <a:rPr lang="en-US" dirty="0"/>
+              <a:t>Entries will receive 5 bonus points on lowest grade</a:t>
             </a:r>
           </a:p>
           <a:p>
@@ -5888,7 +6075,7 @@
           <a:p>
             <a:r>
               <a:rPr lang="en-US" dirty="0"/>
-              <a:t>Related to this, we often have multiple working hypotheses about how things interact</a:t>
+              <a:t>Must use ggplot2</a:t>
             </a:r>
           </a:p>
           <a:p>
@@ -5897,15 +6084,39 @@
           <a:p>
             <a:r>
               <a:rPr lang="en-US" dirty="0"/>
-              <a:t>How do we know which models are best at explaining our data?</a:t>
-            </a:r>
+              <a:t>Can be accidental or on purpose</a:t>
+            </a:r>
+          </a:p>
+          <a:p>
+            <a:endParaRPr lang="en-US" dirty="0"/>
+          </a:p>
+          <a:p>
+            <a:r>
+              <a:rPr lang="en-US" dirty="0"/>
+              <a:t>Send to me on canvas and I will share them</a:t>
+            </a:r>
+          </a:p>
+          <a:p>
+            <a:endParaRPr lang="en-US" dirty="0"/>
+          </a:p>
+          <a:p>
+            <a:r>
+              <a:rPr lang="en-US" dirty="0"/>
+              <a:t>Class will be encouraged to caption them</a:t>
+            </a:r>
+          </a:p>
+          <a:p>
+            <a:pPr marL="0" indent="0">
+              <a:buNone/>
+            </a:pPr>
+            <a:endParaRPr lang="en-US" dirty="0"/>
           </a:p>
         </p:txBody>
       </p:sp>
     </p:spTree>
     <p:extLst>
       <p:ext uri="{BB962C8B-B14F-4D97-AF65-F5344CB8AC3E}">
-        <p14:creationId xmlns:p14="http://schemas.microsoft.com/office/powerpoint/2010/main" val="1101182634"/>
+        <p14:creationId xmlns:p14="http://schemas.microsoft.com/office/powerpoint/2010/main" val="527528186"/>
       </p:ext>
     </p:extLst>
   </p:cSld>
@@ -5949,7 +6160,7 @@
           <a:p>
             <a:r>
               <a:rPr lang="en-US" dirty="0"/>
-              <a:t>AIC advantages</a:t>
+              <a:t>LRT examples</a:t>
             </a:r>
           </a:p>
         </p:txBody>
@@ -5969,38 +6180,14 @@
           <a:bodyPr/>
           <a:lstStyle/>
           <a:p>
-            <a:r>
-              <a:rPr lang="en-US" dirty="0"/>
-              <a:t>Results in 1 or more final models that have “some support” from the data</a:t>
-            </a:r>
-          </a:p>
-          <a:p>
-            <a:endParaRPr lang="en-US" dirty="0"/>
-          </a:p>
-          <a:p>
-            <a:r>
-              <a:rPr lang="en-US" dirty="0"/>
-              <a:t>Comparing non-nested models is easy</a:t>
-            </a:r>
-          </a:p>
-          <a:p>
-            <a:endParaRPr lang="en-US" dirty="0"/>
-          </a:p>
-          <a:p>
-            <a:r>
-              <a:rPr lang="en-US" dirty="0"/>
-              <a:t>Combining results from multiple models is straight forward</a:t>
-            </a:r>
-          </a:p>
-          <a:p>
-            <a:endParaRPr lang="en-US" dirty="0"/>
+            <a:endParaRPr lang="en-US"/>
           </a:p>
         </p:txBody>
       </p:sp>
     </p:spTree>
     <p:extLst>
       <p:ext uri="{BB962C8B-B14F-4D97-AF65-F5344CB8AC3E}">
-        <p14:creationId xmlns:p14="http://schemas.microsoft.com/office/powerpoint/2010/main" val="2185811067"/>
+        <p14:creationId xmlns:p14="http://schemas.microsoft.com/office/powerpoint/2010/main" val="1377046409"/>
       </p:ext>
     </p:extLst>
   </p:cSld>
@@ -6044,7 +6231,7 @@
           <a:p>
             <a:r>
               <a:rPr lang="en-US" dirty="0"/>
-              <a:t>AIC challenges</a:t>
+              <a:t>Information Criteria	</a:t>
             </a:r>
           </a:p>
         </p:txBody>
@@ -6059,21 +6246,16 @@
             <p:ph idx="1"/>
           </p:nvPr>
         </p:nvSpPr>
-        <p:spPr>
-          <a:xfrm>
-            <a:off x="628650" y="1518870"/>
-            <a:ext cx="7886700" cy="5339130"/>
-          </a:xfrm>
-        </p:spPr>
+        <p:spPr/>
         <p:txBody>
           <a:bodyPr>
-            <a:normAutofit fontScale="55000" lnSpcReduction="20000"/>
+            <a:normAutofit lnSpcReduction="10000"/>
           </a:bodyPr>
           <a:lstStyle/>
           <a:p>
             <a:r>
               <a:rPr lang="en-US" dirty="0"/>
-              <a:t>What is the candidate model set?  Omissions or biases in forming model set can result in poor inference/prediction</a:t>
+              <a:t>These are also called information theoretic approaches</a:t>
             </a:r>
           </a:p>
           <a:p>
@@ -6082,71 +6264,29 @@
           <a:p>
             <a:r>
               <a:rPr lang="en-US" dirty="0"/>
-              <a:t>Using “all possible model subsets” can produce an enormous number of models that is difficult to interpret and results in spurious correlations</a:t>
-            </a:r>
-          </a:p>
-          <a:p>
+              <a:t>These are commonly used, but still have many </a:t>
+            </a:r>
+            <a:r>
+              <a:rPr lang="en-US" dirty="0" err="1"/>
+              <a:t>disadvantanges</a:t>
+            </a:r>
             <a:endParaRPr lang="en-US" dirty="0"/>
           </a:p>
           <a:p>
-            <a:r>
-              <a:rPr lang="en-US" dirty="0"/>
-              <a:t>If we fit models with several “versions” of a predictor (e.g. Temp, Temp</a:t>
-            </a:r>
-            <a:r>
-              <a:rPr lang="en-US" baseline="30000" dirty="0"/>
-              <a:t>2</a:t>
-            </a:r>
-            <a:r>
-              <a:rPr lang="en-US" dirty="0"/>
-              <a:t>, Log(Temp)) and only one model without this predictor, we are much more likely to find that this predictor is present in one of the best fitting models.</a:t>
-            </a:r>
-          </a:p>
-          <a:p>
             <a:endParaRPr lang="en-US" dirty="0"/>
           </a:p>
           <a:p>
             <a:r>
               <a:rPr lang="en-US" dirty="0"/>
-              <a:t>AIC will select models as “plausible” (within 2 AIC) that contain non-significant (P&gt;0.05) predictors.</a:t>
-            </a:r>
-          </a:p>
-          <a:p>
-            <a:endParaRPr lang="en-US" dirty="0"/>
-          </a:p>
-          <a:p>
-            <a:r>
-              <a:rPr lang="en-US" dirty="0"/>
-              <a:t>Need to examine “goodness of fit” of best models to avoid selecting the best of a bunch of terrible models</a:t>
-            </a:r>
-          </a:p>
-          <a:p>
-            <a:endParaRPr lang="en-US" dirty="0"/>
-          </a:p>
-          <a:p>
-            <a:r>
-              <a:rPr lang="en-US" dirty="0"/>
-              <a:t>When a predictor makes a model better by AIC, this is equivalent to stepwise regression based on a threshold p-value of 0.157 which is much larger than 0.05. </a:t>
-            </a:r>
-          </a:p>
-          <a:p>
-            <a:endParaRPr lang="en-US" dirty="0"/>
-          </a:p>
-          <a:p>
-            <a:r>
-              <a:rPr lang="en-US" dirty="0"/>
-              <a:t>It is difficult to get prediction error and Cis from model averaged predictions</a:t>
-            </a:r>
-          </a:p>
-          <a:p>
-            <a:endParaRPr lang="en-US" dirty="0"/>
+              <a:t>IC methods find the model that minimizes some criterion that is based on the likelihood and a penalty term, which is usually based on the number of parameters</a:t>
+            </a:r>
           </a:p>
         </p:txBody>
       </p:sp>
     </p:spTree>
     <p:extLst>
       <p:ext uri="{BB962C8B-B14F-4D97-AF65-F5344CB8AC3E}">
-        <p14:creationId xmlns:p14="http://schemas.microsoft.com/office/powerpoint/2010/main" val="3583310291"/>
+        <p14:creationId xmlns:p14="http://schemas.microsoft.com/office/powerpoint/2010/main" val="762809762"/>
       </p:ext>
     </p:extLst>
   </p:cSld>
@@ -6175,13 +6315,7 @@
       </p:grpSpPr>
       <p:sp>
         <p:nvSpPr>
-          <p:cNvPr id="2" name="Title 1">
-            <a:extLst>
-              <a:ext uri="{FF2B5EF4-FFF2-40B4-BE49-F238E27FC236}">
-                <a16:creationId xmlns:a16="http://schemas.microsoft.com/office/drawing/2014/main" id="{7B4FB1DD-BAD1-0640-A1EA-EEF1DD6718DA}"/>
-              </a:ext>
-            </a:extLst>
-          </p:cNvPr>
+          <p:cNvPr id="2" name="Title 1"/>
           <p:cNvSpPr>
             <a:spLocks noGrp="1"/>
           </p:cNvSpPr>
@@ -6196,20 +6330,14 @@
           <a:p>
             <a:r>
               <a:rPr lang="en-US" dirty="0"/>
-              <a:t>Automatic model selection algorithm (dredging)</a:t>
-            </a:r>
-          </a:p>
-        </p:txBody>
-      </p:sp>
-      <p:sp>
-        <p:nvSpPr>
-          <p:cNvPr id="3" name="Content Placeholder 2">
-            <a:extLst>
-              <a:ext uri="{FF2B5EF4-FFF2-40B4-BE49-F238E27FC236}">
-                <a16:creationId xmlns:a16="http://schemas.microsoft.com/office/drawing/2014/main" id="{AA1D0D94-CD12-424C-A240-F039CC11A80F}"/>
-              </a:ext>
-            </a:extLst>
-          </p:cNvPr>
+              <a:t>AIC (BIC, etc.) model selection</a:t>
+            </a:r>
+          </a:p>
+        </p:txBody>
+      </p:sp>
+      <p:sp>
+        <p:nvSpPr>
+          <p:cNvPr id="3" name="Content Placeholder 2"/>
           <p:cNvSpPr>
             <a:spLocks noGrp="1"/>
           </p:cNvSpPr>
@@ -6217,34 +6345,57 @@
             <p:ph idx="1"/>
           </p:nvPr>
         </p:nvSpPr>
-        <p:spPr/>
-        <p:txBody>
-          <a:bodyPr/>
-          <a:lstStyle/>
-          <a:p>
-            <a:pPr marL="0" indent="0">
-              <a:buNone/>
-            </a:pPr>
-            <a:endParaRPr lang="en-US" dirty="0">
-              <a:hlinkClick r:id="rId2"/>
-            </a:endParaRPr>
-          </a:p>
-          <a:p>
-            <a:r>
-              <a:rPr lang="en-US" dirty="0">
-                <a:hlinkClick r:id="rId2"/>
-              </a:rPr>
-              <a:t>https://stats.stackexchange.com/questions/20836/algorithms-for-automatic-model-selection/20856#20856</a:t>
-            </a:r>
+        <p:spPr>
+          <a:xfrm>
+            <a:off x="628650" y="1544630"/>
+            <a:ext cx="7886700" cy="5147353"/>
+          </a:xfrm>
+        </p:spPr>
+        <p:txBody>
+          <a:bodyPr>
+            <a:normAutofit/>
+          </a:bodyPr>
+          <a:lstStyle/>
+          <a:p>
+            <a:r>
+              <a:rPr lang="en-US" dirty="0"/>
+              <a:t>Proposed philosophy is inherently different </a:t>
+            </a:r>
+          </a:p>
+          <a:p>
+            <a:pPr lvl="1"/>
+            <a:r>
+              <a:rPr lang="en-US" dirty="0"/>
+              <a:t>but it is often (ab)used to answer the same questions as null hypothesis testing</a:t>
+            </a:r>
+          </a:p>
+          <a:p>
+            <a:pPr lvl="1"/>
             <a:endParaRPr lang="en-US" dirty="0"/>
           </a:p>
           <a:p>
+            <a:pPr lvl="1"/>
+            <a:r>
+              <a:rPr lang="en-US" dirty="0"/>
+              <a:t>Frequentist/Null hypothesis testing: do predictor variables X1, X2, and/or X3 influence Y?</a:t>
+            </a:r>
+          </a:p>
+          <a:p>
+            <a:pPr lvl="1"/>
             <a:endParaRPr lang="en-US" dirty="0"/>
           </a:p>
           <a:p>
-            <a:r>
-              <a:rPr lang="en-US" dirty="0"/>
-              <a:t>Tip: Don’t do this. </a:t>
+            <a:pPr lvl="1"/>
+            <a:r>
+              <a:rPr lang="en-US" dirty="0"/>
+              <a:t>IC approach: which of the proposed models fit the data best?</a:t>
+            </a:r>
+          </a:p>
+          <a:p>
+            <a:pPr lvl="2"/>
+            <a:r>
+              <a:rPr lang="en-US" dirty="0"/>
+              <a:t>E.g. AIC = 2k - 2ln(L); k = # parameters, L = likelihood</a:t>
             </a:r>
           </a:p>
         </p:txBody>
@@ -6252,7 +6403,7 @@
     </p:spTree>
     <p:extLst>
       <p:ext uri="{BB962C8B-B14F-4D97-AF65-F5344CB8AC3E}">
-        <p14:creationId xmlns:p14="http://schemas.microsoft.com/office/powerpoint/2010/main" val="1703361718"/>
+        <p14:creationId xmlns:p14="http://schemas.microsoft.com/office/powerpoint/2010/main" val="3829928013"/>
       </p:ext>
     </p:extLst>
   </p:cSld>
@@ -6281,13 +6432,7 @@
       </p:grpSpPr>
       <p:sp>
         <p:nvSpPr>
-          <p:cNvPr id="2" name="Title 1">
-            <a:extLst>
-              <a:ext uri="{FF2B5EF4-FFF2-40B4-BE49-F238E27FC236}">
-                <a16:creationId xmlns:a16="http://schemas.microsoft.com/office/drawing/2014/main" id="{8727EE4B-1932-E946-B68B-5D75BF031FC3}"/>
-              </a:ext>
-            </a:extLst>
-          </p:cNvPr>
+          <p:cNvPr id="2" name="Title 1"/>
           <p:cNvSpPr>
             <a:spLocks noGrp="1"/>
           </p:cNvSpPr>
@@ -6302,20 +6447,14 @@
           <a:p>
             <a:r>
               <a:rPr lang="en-US" dirty="0"/>
-              <a:t>Model averaging challenges</a:t>
-            </a:r>
-          </a:p>
-        </p:txBody>
-      </p:sp>
-      <p:sp>
-        <p:nvSpPr>
-          <p:cNvPr id="3" name="Content Placeholder 2">
-            <a:extLst>
-              <a:ext uri="{FF2B5EF4-FFF2-40B4-BE49-F238E27FC236}">
-                <a16:creationId xmlns:a16="http://schemas.microsoft.com/office/drawing/2014/main" id="{0883E609-FCA3-804A-ABE6-8B08E659241F}"/>
-              </a:ext>
-            </a:extLst>
-          </p:cNvPr>
+              <a:t>AIC Procedures</a:t>
+            </a:r>
+          </a:p>
+        </p:txBody>
+      </p:sp>
+      <p:sp>
+        <p:nvSpPr>
+          <p:cNvPr id="3" name="Content Placeholder 2"/>
           <p:cNvSpPr>
             <a:spLocks noGrp="1"/>
           </p:cNvSpPr>
@@ -6325,49 +6464,111 @@
         </p:nvSpPr>
         <p:spPr/>
         <p:txBody>
-          <a:bodyPr/>
-          <a:lstStyle/>
-          <a:p>
+          <a:bodyPr>
+            <a:normAutofit fontScale="85000" lnSpcReduction="20000"/>
+          </a:bodyPr>
+          <a:lstStyle/>
+          <a:p>
+            <a:pPr marL="457200" indent="-457200">
+              <a:buFont typeface="+mj-lt"/>
+              <a:buAutoNum type="arabicPeriod"/>
+            </a:pPr>
+            <a:r>
+              <a:rPr lang="en-US" dirty="0"/>
+              <a:t>Build a priori candidate model set</a:t>
+            </a:r>
+          </a:p>
+          <a:p>
+            <a:pPr marL="457200" indent="-457200">
+              <a:buFont typeface="+mj-lt"/>
+              <a:buAutoNum type="arabicPeriod"/>
+            </a:pPr>
+            <a:endParaRPr lang="en-US" dirty="0"/>
+          </a:p>
+          <a:p>
+            <a:pPr marL="457200" indent="-457200">
+              <a:buFont typeface="+mj-lt"/>
+              <a:buAutoNum type="arabicPeriod"/>
+            </a:pPr>
+            <a:r>
+              <a:rPr lang="en-US" dirty="0"/>
+              <a:t>Fit models to data</a:t>
+            </a:r>
+          </a:p>
+          <a:p>
+            <a:pPr marL="457200" indent="-457200">
+              <a:buFont typeface="+mj-lt"/>
+              <a:buAutoNum type="arabicPeriod"/>
+            </a:pPr>
+            <a:endParaRPr lang="en-US" dirty="0"/>
+          </a:p>
+          <a:p>
+            <a:pPr marL="457200" indent="-457200">
+              <a:buFont typeface="+mj-lt"/>
+              <a:buAutoNum type="arabicPeriod"/>
+            </a:pPr>
+            <a:r>
+              <a:rPr lang="en-US" dirty="0"/>
+              <a:t>Rank by AIC, calculate weights (based on </a:t>
+            </a:r>
             <a:r>
               <a:rPr lang="en-US" dirty="0">
-                <a:hlinkClick r:id="rId2"/>
+                <a:sym typeface="Symbol" panose="05050102010706020507" pitchFamily="18" charset="2"/>
               </a:rPr>
-              <a:t>https://theoreticalecology.wordpress.com/2018/05/14/model-averaging-in-ecology-a-review-of-bayesian-information-theoretic-and-tactical-approaches-for-predictive-inference/</a:t>
-            </a:r>
+              <a:t>AIC</a:t>
+            </a:r>
+            <a:r>
+              <a:rPr lang="en-US" dirty="0"/>
+              <a:t>)</a:t>
+            </a:r>
+          </a:p>
+          <a:p>
+            <a:pPr marL="457200" indent="-457200">
+              <a:buFont typeface="+mj-lt"/>
+              <a:buAutoNum type="arabicPeriod"/>
+            </a:pPr>
             <a:endParaRPr lang="en-US" dirty="0"/>
           </a:p>
           <a:p>
+            <a:pPr marL="457200" indent="-457200">
+              <a:buFont typeface="+mj-lt"/>
+              <a:buAutoNum type="arabicPeriod"/>
+            </a:pPr>
+            <a:r>
+              <a:rPr lang="en-US" dirty="0"/>
+              <a:t>Can estimate model coefficients and make predictions by model averaging using AIC weights of all models making up X% of weights (e.g. X = 95%)</a:t>
+            </a:r>
+          </a:p>
+          <a:p>
+            <a:pPr marL="457200" indent="-457200">
+              <a:buFont typeface="+mj-lt"/>
+              <a:buAutoNum type="arabicPeriod"/>
+            </a:pPr>
             <a:endParaRPr lang="en-US" dirty="0"/>
           </a:p>
           <a:p>
-            <a:r>
-              <a:rPr lang="en-US" dirty="0"/>
-              <a:t>Lots of points here, but model averaging cascades error in bad ways</a:t>
-            </a:r>
-          </a:p>
-          <a:p>
+            <a:pPr marL="457200" indent="-457200">
+              <a:buFont typeface="+mj-lt"/>
+              <a:buAutoNum type="arabicPeriod"/>
+            </a:pPr>
+            <a:r>
+              <a:rPr lang="en-US" dirty="0"/>
+              <a:t>Can select models with greatest support (must be &gt;2 AIC away)</a:t>
+            </a:r>
+          </a:p>
+          <a:p>
+            <a:pPr marL="514350" indent="-514350">
+              <a:buFont typeface="+mj-lt"/>
+              <a:buAutoNum type="arabicPeriod"/>
+            </a:pPr>
             <a:endParaRPr lang="en-US" dirty="0"/>
-          </a:p>
-          <a:p>
-            <a:r>
-              <a:rPr lang="en-US" dirty="0"/>
-              <a:t>And see </a:t>
-            </a:r>
-            <a:r>
-              <a:rPr lang="en-US" dirty="0" err="1"/>
-              <a:t>Bolker</a:t>
-            </a:r>
-            <a:r>
-              <a:rPr lang="en-US" dirty="0"/>
-              <a:t> paper on canvas</a:t>
-            </a:r>
           </a:p>
         </p:txBody>
       </p:sp>
     </p:spTree>
     <p:extLst>
       <p:ext uri="{BB962C8B-B14F-4D97-AF65-F5344CB8AC3E}">
-        <p14:creationId xmlns:p14="http://schemas.microsoft.com/office/powerpoint/2010/main" val="2900490986"/>
+        <p14:creationId xmlns:p14="http://schemas.microsoft.com/office/powerpoint/2010/main" val="1169835076"/>
       </p:ext>
     </p:extLst>
   </p:cSld>
@@ -6411,7 +6612,7 @@
           <a:p>
             <a:r>
               <a:rPr lang="en-US" dirty="0"/>
-              <a:t>Bayesian approaches</a:t>
+              <a:t>AIC Examples</a:t>
             </a:r>
           </a:p>
         </p:txBody>
@@ -6428,52 +6629,17 @@
         </p:nvSpPr>
         <p:spPr/>
         <p:txBody>
-          <a:bodyPr>
-            <a:normAutofit fontScale="85000" lnSpcReduction="20000"/>
-          </a:bodyPr>
-          <a:lstStyle/>
-          <a:p>
-            <a:r>
-              <a:rPr lang="en-US" dirty="0"/>
-              <a:t>Bayesians consider model selection in a very different way. Dropping parameters from a model is the equivalent of saying the value of the parameter is exactly 0</a:t>
-            </a:r>
-          </a:p>
-          <a:p>
-            <a:pPr lvl="1"/>
-            <a:r>
-              <a:rPr lang="en-US" dirty="0"/>
-              <a:t>This isn’t how Bayesians think about the world (an effect centered on 0 with a range and probability distribution)</a:t>
-            </a:r>
-          </a:p>
-          <a:p>
-            <a:pPr lvl="1"/>
-            <a:r>
-              <a:rPr lang="en-US" dirty="0"/>
-              <a:t>Bayesian methods often center priors on 0 anyway so will intentionally hypothesize a 0 effect</a:t>
-            </a:r>
-          </a:p>
-          <a:p>
-            <a:pPr lvl="1"/>
-            <a:endParaRPr lang="en-US" dirty="0"/>
-          </a:p>
-          <a:p>
-            <a:r>
-              <a:rPr lang="en-US" dirty="0"/>
-              <a:t>They do use Bayes factors which is the ratio of the marginal likelihoods, essentially the odds in favor of one model vs another</a:t>
-            </a:r>
-          </a:p>
-          <a:p>
-            <a:r>
-              <a:rPr lang="en-US" dirty="0"/>
-              <a:t>Challenge: the marginal likelihood can be challenging to calculate and Bayesian methods are less approachable to many ecologists</a:t>
-            </a:r>
+          <a:bodyPr/>
+          <a:lstStyle/>
+          <a:p>
+            <a:endParaRPr lang="en-US"/>
           </a:p>
         </p:txBody>
       </p:sp>
     </p:spTree>
     <p:extLst>
       <p:ext uri="{BB962C8B-B14F-4D97-AF65-F5344CB8AC3E}">
-        <p14:creationId xmlns:p14="http://schemas.microsoft.com/office/powerpoint/2010/main" val="1024959077"/>
+        <p14:creationId xmlns:p14="http://schemas.microsoft.com/office/powerpoint/2010/main" val="2030345735"/>
       </p:ext>
     </p:extLst>
   </p:cSld>
@@ -6517,7 +6683,7 @@
           <a:p>
             <a:r>
               <a:rPr lang="en-US" dirty="0"/>
-              <a:t>Challenges for all approaches</a:t>
+              <a:t>AIC advantages</a:t>
             </a:r>
           </a:p>
         </p:txBody>
@@ -6534,41 +6700,41 @@
         </p:nvSpPr>
         <p:spPr/>
         <p:txBody>
-          <a:bodyPr>
-            <a:normAutofit lnSpcReduction="10000"/>
-          </a:bodyPr>
-          <a:lstStyle/>
-          <a:p>
-            <a:r>
-              <a:rPr lang="en-US" dirty="0"/>
-              <a:t>Including a large list of predictor variables will guarantee that your final or best model includes variables that are correlated with the response simply due to chance</a:t>
-            </a:r>
-          </a:p>
-          <a:p>
-            <a:pPr lvl="1"/>
-            <a:r>
-              <a:rPr lang="en-US" dirty="0"/>
-              <a:t> multiple regression is a form of multiple comparisons!</a:t>
-            </a:r>
-          </a:p>
-          <a:p>
-            <a:r>
-              <a:rPr lang="en-US" dirty="0"/>
-              <a:t>Any time there is any correlation among predictors, removing or including a predictor will change the coefficient of other correlated predictors</a:t>
-            </a:r>
-          </a:p>
-          <a:p>
-            <a:r>
-              <a:rPr lang="en-US" dirty="0"/>
-              <a:t>No approach fixes these problems</a:t>
-            </a:r>
+          <a:bodyPr/>
+          <a:lstStyle/>
+          <a:p>
+            <a:r>
+              <a:rPr lang="en-US" dirty="0"/>
+              <a:t>Results in 1 or more final models that have “some support” from the data</a:t>
+            </a:r>
+          </a:p>
+          <a:p>
+            <a:endParaRPr lang="en-US" dirty="0"/>
+          </a:p>
+          <a:p>
+            <a:r>
+              <a:rPr lang="en-US" dirty="0"/>
+              <a:t>Comparing non-nested models is easy</a:t>
+            </a:r>
+          </a:p>
+          <a:p>
+            <a:endParaRPr lang="en-US" dirty="0"/>
+          </a:p>
+          <a:p>
+            <a:r>
+              <a:rPr lang="en-US" dirty="0"/>
+              <a:t>Combining results from multiple models is straight forward</a:t>
+            </a:r>
+          </a:p>
+          <a:p>
+            <a:endParaRPr lang="en-US" dirty="0"/>
           </a:p>
         </p:txBody>
       </p:sp>
     </p:spTree>
     <p:extLst>
       <p:ext uri="{BB962C8B-B14F-4D97-AF65-F5344CB8AC3E}">
-        <p14:creationId xmlns:p14="http://schemas.microsoft.com/office/powerpoint/2010/main" val="4260278004"/>
+        <p14:creationId xmlns:p14="http://schemas.microsoft.com/office/powerpoint/2010/main" val="2185811067"/>
       </p:ext>
     </p:extLst>
   </p:cSld>
@@ -6612,34 +6778,45 @@
           <a:p>
             <a:r>
               <a:rPr lang="en-US" dirty="0"/>
-              <a:t>Everyone’s a critic</a:t>
-            </a:r>
-            <a:r>
-              <a:rPr lang="mr-IN" dirty="0"/>
-              <a:t>…</a:t>
-            </a:r>
+              <a:t>AIC challenges</a:t>
+            </a:r>
+          </a:p>
+        </p:txBody>
+      </p:sp>
+      <p:sp>
+        <p:nvSpPr>
+          <p:cNvPr id="3" name="Content Placeholder 2"/>
+          <p:cNvSpPr>
+            <a:spLocks noGrp="1"/>
+          </p:cNvSpPr>
+          <p:nvPr>
+            <p:ph idx="1"/>
+          </p:nvPr>
+        </p:nvSpPr>
+        <p:spPr>
+          <a:xfrm>
+            <a:off x="628650" y="1518870"/>
+            <a:ext cx="7886700" cy="5339130"/>
+          </a:xfrm>
+        </p:spPr>
+        <p:txBody>
+          <a:bodyPr>
+            <a:normAutofit fontScale="55000" lnSpcReduction="20000"/>
+          </a:bodyPr>
+          <a:lstStyle/>
+          <a:p>
+            <a:r>
+              <a:rPr lang="en-US" dirty="0"/>
+              <a:t>What is the candidate model set?  Omissions or biases in forming model set can result in poor inference/prediction</a:t>
+            </a:r>
+          </a:p>
+          <a:p>
             <a:endParaRPr lang="en-US" dirty="0"/>
           </a:p>
-        </p:txBody>
-      </p:sp>
-      <p:sp>
-        <p:nvSpPr>
-          <p:cNvPr id="3" name="Content Placeholder 2"/>
-          <p:cNvSpPr>
-            <a:spLocks noGrp="1"/>
-          </p:cNvSpPr>
-          <p:nvPr>
-            <p:ph idx="1"/>
-          </p:nvPr>
-        </p:nvSpPr>
-        <p:spPr/>
-        <p:txBody>
-          <a:bodyPr/>
-          <a:lstStyle/>
-          <a:p>
-            <a:r>
-              <a:rPr lang="en-US" dirty="0"/>
-              <a:t>First it was LRT</a:t>
+          <a:p>
+            <a:r>
+              <a:rPr lang="en-US" dirty="0"/>
+              <a:t>Using “all possible model subsets” can produce an enormous number of models that is difficult to interpret and results in spurious correlations</a:t>
             </a:r>
           </a:p>
           <a:p>
@@ -6648,7 +6825,15 @@
           <a:p>
             <a:r>
               <a:rPr lang="en-US" dirty="0"/>
-              <a:t>Then it was stepwise</a:t>
+              <a:t>If we fit models with several “versions” of a predictor (e.g. Temp, Temp</a:t>
+            </a:r>
+            <a:r>
+              <a:rPr lang="en-US" baseline="30000" dirty="0"/>
+              <a:t>2</a:t>
+            </a:r>
+            <a:r>
+              <a:rPr lang="en-US" dirty="0"/>
+              <a:t>, Log(Temp)) and only one model without this predictor, we are much more likely to find that this predictor is present in one of the best fitting models.</a:t>
             </a:r>
           </a:p>
           <a:p>
@@ -6657,7 +6842,7 @@
           <a:p>
             <a:r>
               <a:rPr lang="en-US" dirty="0"/>
-              <a:t>Now it is AIC</a:t>
+              <a:t>AIC will select models as “plausible” (within 2 AIC) that contain non-significant (P&gt;0.05) predictors.</a:t>
             </a:r>
           </a:p>
           <a:p>
@@ -6666,15 +6851,36 @@
           <a:p>
             <a:r>
               <a:rPr lang="en-US" dirty="0"/>
-              <a:t>What should we do??</a:t>
-            </a:r>
+              <a:t>Need to examine “goodness of fit” of best models to avoid selecting the best of a bunch of terrible models</a:t>
+            </a:r>
+          </a:p>
+          <a:p>
+            <a:endParaRPr lang="en-US" dirty="0"/>
+          </a:p>
+          <a:p>
+            <a:r>
+              <a:rPr lang="en-US" dirty="0"/>
+              <a:t>When a predictor makes a model better by AIC, this is equivalent to stepwise regression based on a threshold p-value of 0.157 which is much larger than 0.05. </a:t>
+            </a:r>
+          </a:p>
+          <a:p>
+            <a:endParaRPr lang="en-US" dirty="0"/>
+          </a:p>
+          <a:p>
+            <a:r>
+              <a:rPr lang="en-US" dirty="0"/>
+              <a:t>It is difficult to get prediction error and Cis from model averaged predictions</a:t>
+            </a:r>
+          </a:p>
+          <a:p>
+            <a:endParaRPr lang="en-US" dirty="0"/>
           </a:p>
         </p:txBody>
       </p:sp>
     </p:spTree>
     <p:extLst>
       <p:ext uri="{BB962C8B-B14F-4D97-AF65-F5344CB8AC3E}">
-        <p14:creationId xmlns:p14="http://schemas.microsoft.com/office/powerpoint/2010/main" val="472774089"/>
+        <p14:creationId xmlns:p14="http://schemas.microsoft.com/office/powerpoint/2010/main" val="3583310291"/>
       </p:ext>
     </p:extLst>
   </p:cSld>
@@ -6703,7 +6909,13 @@
       </p:grpSpPr>
       <p:sp>
         <p:nvSpPr>
-          <p:cNvPr id="2" name="Title 1"/>
+          <p:cNvPr id="2" name="Title 1">
+            <a:extLst>
+              <a:ext uri="{FF2B5EF4-FFF2-40B4-BE49-F238E27FC236}">
+                <a16:creationId xmlns:a16="http://schemas.microsoft.com/office/drawing/2014/main" id="{7B4FB1DD-BAD1-0640-A1EA-EEF1DD6718DA}"/>
+              </a:ext>
+            </a:extLst>
+          </p:cNvPr>
           <p:cNvSpPr>
             <a:spLocks noGrp="1"/>
           </p:cNvSpPr>
@@ -6718,14 +6930,20 @@
           <a:p>
             <a:r>
               <a:rPr lang="en-US" dirty="0"/>
-              <a:t>Conclusions</a:t>
-            </a:r>
-          </a:p>
-        </p:txBody>
-      </p:sp>
-      <p:sp>
-        <p:nvSpPr>
-          <p:cNvPr id="3" name="Content Placeholder 2"/>
+              <a:t>Automatic model selection algorithm (dredging)</a:t>
+            </a:r>
+          </a:p>
+        </p:txBody>
+      </p:sp>
+      <p:sp>
+        <p:nvSpPr>
+          <p:cNvPr id="3" name="Content Placeholder 2">
+            <a:extLst>
+              <a:ext uri="{FF2B5EF4-FFF2-40B4-BE49-F238E27FC236}">
+                <a16:creationId xmlns:a16="http://schemas.microsoft.com/office/drawing/2014/main" id="{AA1D0D94-CD12-424C-A240-F039CC11A80F}"/>
+              </a:ext>
+            </a:extLst>
+          </p:cNvPr>
           <p:cNvSpPr>
             <a:spLocks noGrp="1"/>
           </p:cNvSpPr>
@@ -6735,46 +6953,32 @@
         </p:nvSpPr>
         <p:spPr/>
         <p:txBody>
-          <a:bodyPr>
-            <a:normAutofit fontScale="92500" lnSpcReduction="10000"/>
-          </a:bodyPr>
-          <a:lstStyle/>
-          <a:p>
-            <a:r>
-              <a:rPr lang="en-US" dirty="0"/>
-              <a:t>There is no substitute for a priori hypotheses, carefully designed studies or experiments that maximize orthogonality of predictors </a:t>
-            </a:r>
-          </a:p>
-          <a:p>
-            <a:pPr lvl="1"/>
-            <a:r>
-              <a:rPr lang="en-US" dirty="0"/>
-              <a:t>These experiments should have clear-cut hypotheses and measure important variables (consider exclusion of likely “nuisance” variables)</a:t>
-            </a:r>
-          </a:p>
-          <a:p>
-            <a:pPr lvl="1"/>
-            <a:r>
-              <a:rPr lang="en-US" dirty="0"/>
-              <a:t>E.g. Do you need to have soil moisture and daily </a:t>
-            </a:r>
-            <a:r>
-              <a:rPr lang="en-US" dirty="0" err="1"/>
-              <a:t>precip</a:t>
-            </a:r>
-            <a:r>
-              <a:rPr lang="en-US" dirty="0"/>
-              <a:t> in your model? </a:t>
-            </a:r>
-          </a:p>
-          <a:p>
-            <a:pPr lvl="1"/>
+          <a:bodyPr/>
+          <a:lstStyle/>
+          <a:p>
+            <a:pPr marL="0" indent="0">
+              <a:buNone/>
+            </a:pPr>
+            <a:endParaRPr lang="en-US" dirty="0">
+              <a:hlinkClick r:id="rId2"/>
+            </a:endParaRPr>
+          </a:p>
+          <a:p>
+            <a:r>
+              <a:rPr lang="en-US" dirty="0">
+                <a:hlinkClick r:id="rId2"/>
+              </a:rPr>
+              <a:t>https://stats.stackexchange.com/questions/20836/algorithms-for-automatic-model-selection/20856#20856</a:t>
+            </a:r>
             <a:endParaRPr lang="en-US" dirty="0"/>
           </a:p>
           <a:p>
-            <a:r>
-              <a:rPr lang="en-US" dirty="0"/>
-              <a:t>We have to accept that in some cases, the limited (observational) data we have collected simply cannot provide a simple clear cut answer to the questions we are posing.</a:t>
+            <a:endParaRPr lang="en-US" dirty="0"/>
+          </a:p>
+          <a:p>
+            <a:r>
+              <a:rPr lang="en-US" dirty="0"/>
+              <a:t>Tip: Don’t do this. </a:t>
             </a:r>
           </a:p>
         </p:txBody>
@@ -6782,7 +6986,7 @@
     </p:spTree>
     <p:extLst>
       <p:ext uri="{BB962C8B-B14F-4D97-AF65-F5344CB8AC3E}">
-        <p14:creationId xmlns:p14="http://schemas.microsoft.com/office/powerpoint/2010/main" val="3347799417"/>
+        <p14:creationId xmlns:p14="http://schemas.microsoft.com/office/powerpoint/2010/main" val="1703361718"/>
       </p:ext>
     </p:extLst>
   </p:cSld>
@@ -6811,7 +7015,13 @@
       </p:grpSpPr>
       <p:sp>
         <p:nvSpPr>
-          <p:cNvPr id="2" name="Title 1"/>
+          <p:cNvPr id="2" name="Title 1">
+            <a:extLst>
+              <a:ext uri="{FF2B5EF4-FFF2-40B4-BE49-F238E27FC236}">
+                <a16:creationId xmlns:a16="http://schemas.microsoft.com/office/drawing/2014/main" id="{8727EE4B-1932-E946-B68B-5D75BF031FC3}"/>
+              </a:ext>
+            </a:extLst>
+          </p:cNvPr>
           <p:cNvSpPr>
             <a:spLocks noGrp="1"/>
           </p:cNvSpPr>
@@ -6826,14 +7036,20 @@
           <a:p>
             <a:r>
               <a:rPr lang="en-US" dirty="0"/>
-              <a:t>Summary</a:t>
-            </a:r>
-          </a:p>
-        </p:txBody>
-      </p:sp>
-      <p:sp>
-        <p:nvSpPr>
-          <p:cNvPr id="3" name="Content Placeholder 2"/>
+              <a:t>Model averaging challenges</a:t>
+            </a:r>
+          </a:p>
+        </p:txBody>
+      </p:sp>
+      <p:sp>
+        <p:nvSpPr>
+          <p:cNvPr id="3" name="Content Placeholder 2">
+            <a:extLst>
+              <a:ext uri="{FF2B5EF4-FFF2-40B4-BE49-F238E27FC236}">
+                <a16:creationId xmlns:a16="http://schemas.microsoft.com/office/drawing/2014/main" id="{0883E609-FCA3-804A-ABE6-8B08E659241F}"/>
+              </a:ext>
+            </a:extLst>
+          </p:cNvPr>
           <p:cNvSpPr>
             <a:spLocks noGrp="1"/>
           </p:cNvSpPr>
@@ -6841,73 +7057,51 @@
             <p:ph idx="1"/>
           </p:nvPr>
         </p:nvSpPr>
-        <p:spPr>
-          <a:xfrm>
-            <a:off x="628650" y="1572322"/>
-            <a:ext cx="7886700" cy="4604641"/>
-          </a:xfrm>
-        </p:spPr>
-        <p:txBody>
-          <a:bodyPr/>
-          <a:lstStyle/>
-          <a:p>
-            <a:r>
-              <a:rPr lang="en-US" dirty="0"/>
-              <a:t>LRT’s are very useful and well-established, but choosing a path through a complex nest of factors can be challenging</a:t>
-            </a:r>
-          </a:p>
-          <a:p>
-            <a:pPr lvl="1"/>
-            <a:r>
-              <a:rPr lang="en-US" dirty="0"/>
-              <a:t>Things to be concerned about: </a:t>
-            </a:r>
-          </a:p>
-          <a:p>
-            <a:pPr lvl="2"/>
-            <a:r>
-              <a:rPr lang="en-US" dirty="0"/>
-              <a:t>when one factor is significant only when another factor is in the model</a:t>
-            </a:r>
-          </a:p>
-          <a:p>
-            <a:pPr lvl="2"/>
-            <a:r>
-              <a:rPr lang="en-US" dirty="0"/>
-              <a:t>when predictor variables are highly correlated</a:t>
-            </a:r>
-          </a:p>
-          <a:p>
-            <a:pPr lvl="1"/>
-            <a:r>
-              <a:rPr lang="en-US" dirty="0"/>
-              <a:t>What to do:</a:t>
-            </a:r>
-          </a:p>
-          <a:p>
-            <a:pPr lvl="2"/>
-            <a:r>
-              <a:rPr lang="en-US" dirty="0"/>
-              <a:t>What interesting biology might this be explaining?</a:t>
-            </a:r>
-          </a:p>
-          <a:p>
-            <a:pPr lvl="2"/>
-            <a:r>
-              <a:rPr lang="en-US" dirty="0"/>
-              <a:t>Do you need both variables? </a:t>
-            </a:r>
-          </a:p>
-          <a:p>
-            <a:pPr lvl="2"/>
+        <p:spPr/>
+        <p:txBody>
+          <a:bodyPr/>
+          <a:lstStyle/>
+          <a:p>
+            <a:r>
+              <a:rPr lang="en-US" dirty="0">
+                <a:hlinkClick r:id="rId2"/>
+              </a:rPr>
+              <a:t>https://theoreticalecology.wordpress.com/2018/05/14/model-averaging-in-ecology-a-review-of-bayesian-information-theoretic-and-tactical-approaches-for-predictive-inference/</a:t>
+            </a:r>
             <a:endParaRPr lang="en-US" dirty="0"/>
+          </a:p>
+          <a:p>
+            <a:endParaRPr lang="en-US" dirty="0"/>
+          </a:p>
+          <a:p>
+            <a:r>
+              <a:rPr lang="en-US" dirty="0"/>
+              <a:t>Lots of points here, but model averaging cascades error in bad ways</a:t>
+            </a:r>
+          </a:p>
+          <a:p>
+            <a:endParaRPr lang="en-US" dirty="0"/>
+          </a:p>
+          <a:p>
+            <a:r>
+              <a:rPr lang="en-US" dirty="0"/>
+              <a:t>And see </a:t>
+            </a:r>
+            <a:r>
+              <a:rPr lang="en-US" dirty="0" err="1"/>
+              <a:t>Bolker</a:t>
+            </a:r>
+            <a:r>
+              <a:rPr lang="en-US" dirty="0"/>
+              <a:t> paper on canvas (will discuss)</a:t>
+            </a:r>
           </a:p>
         </p:txBody>
       </p:sp>
     </p:spTree>
     <p:extLst>
       <p:ext uri="{BB962C8B-B14F-4D97-AF65-F5344CB8AC3E}">
-        <p14:creationId xmlns:p14="http://schemas.microsoft.com/office/powerpoint/2010/main" val="1730380054"/>
+        <p14:creationId xmlns:p14="http://schemas.microsoft.com/office/powerpoint/2010/main" val="2900490986"/>
       </p:ext>
     </p:extLst>
   </p:cSld>
@@ -6951,7 +7145,7 @@
           <a:p>
             <a:r>
               <a:rPr lang="en-US" dirty="0"/>
-              <a:t>Summary</a:t>
+              <a:t>Bayesian approaches</a:t>
             </a:r>
           </a:p>
         </p:txBody>
@@ -6966,83 +7160,46 @@
             <p:ph idx="1"/>
           </p:nvPr>
         </p:nvSpPr>
-        <p:spPr>
-          <a:xfrm>
-            <a:off x="628650" y="1438507"/>
-            <a:ext cx="7886700" cy="4738456"/>
-          </a:xfrm>
-        </p:spPr>
-        <p:txBody>
-          <a:bodyPr/>
-          <a:lstStyle/>
-          <a:p>
-            <a:r>
-              <a:rPr lang="en-US" dirty="0"/>
-              <a:t>AIC is well-established, very easy to implement, and appeals to our desire to rank things</a:t>
+        <p:spPr/>
+        <p:txBody>
+          <a:bodyPr>
+            <a:normAutofit fontScale="85000" lnSpcReduction="20000"/>
+          </a:bodyPr>
+          <a:lstStyle/>
+          <a:p>
+            <a:r>
+              <a:rPr lang="en-US" dirty="0"/>
+              <a:t>Bayesians consider model selection in a very different way. Dropping parameters from a model is the equivalent of saying the value of the parameter is exactly 0</a:t>
             </a:r>
           </a:p>
           <a:p>
             <a:pPr lvl="1"/>
             <a:r>
               <a:rPr lang="en-US" dirty="0"/>
-              <a:t>Things to be concerned about:</a:t>
-            </a:r>
-          </a:p>
-          <a:p>
-            <a:pPr lvl="2"/>
-            <a:r>
-              <a:rPr lang="en-US" dirty="0"/>
-              <a:t>Data dredging and thoughtless model selection</a:t>
-            </a:r>
-          </a:p>
-          <a:p>
-            <a:pPr lvl="2"/>
-            <a:r>
-              <a:rPr lang="en-US" dirty="0"/>
-              <a:t>Overfitting (adding too many variables)</a:t>
-            </a:r>
-          </a:p>
-          <a:p>
-            <a:pPr lvl="2"/>
-            <a:r>
-              <a:rPr lang="en-US" dirty="0"/>
-              <a:t>Bad candidate model sets</a:t>
-            </a:r>
-          </a:p>
-          <a:p>
-            <a:pPr lvl="2"/>
-            <a:r>
-              <a:rPr lang="en-US" dirty="0"/>
-              <a:t>When AIC tells you remove something you </a:t>
-            </a:r>
-            <a:r>
-              <a:rPr lang="en-US" i="1" dirty="0"/>
-              <a:t>know</a:t>
-            </a:r>
-            <a:r>
-              <a:rPr lang="en-US" dirty="0"/>
-              <a:t> is important</a:t>
+              <a:t>This isn’t how Bayesians think about the world (an effect centered on 0 with a range and probability distribution)</a:t>
             </a:r>
           </a:p>
           <a:p>
             <a:pPr lvl="1"/>
             <a:r>
               <a:rPr lang="en-US" dirty="0"/>
-              <a:t>What to do:</a:t>
-            </a:r>
-          </a:p>
-          <a:p>
-            <a:pPr lvl="2"/>
-            <a:r>
-              <a:rPr lang="en-US" dirty="0"/>
-              <a:t>Use for exploratory analysis, but take results with a big grain of salt</a:t>
-            </a:r>
-          </a:p>
-          <a:p>
-            <a:pPr lvl="2"/>
-            <a:r>
-              <a:rPr lang="en-US" dirty="0"/>
-              <a:t>Use as final results only if it agrees with other methods</a:t>
+              <a:t>Bayesian methods often center priors on 0 anyway so will intentionally hypothesize a 0 effect</a:t>
+            </a:r>
+          </a:p>
+          <a:p>
+            <a:pPr lvl="1"/>
+            <a:endParaRPr lang="en-US" dirty="0"/>
+          </a:p>
+          <a:p>
+            <a:r>
+              <a:rPr lang="en-US" dirty="0"/>
+              <a:t>They do use Bayes factors which is the ratio of the marginal likelihoods, essentially the odds in favor of one model vs another</a:t>
+            </a:r>
+          </a:p>
+          <a:p>
+            <a:r>
+              <a:rPr lang="en-US" dirty="0"/>
+              <a:t>Challenge: the marginal likelihood can be challenging to calculate and Bayesian methods are less approachable to many ecologists</a:t>
             </a:r>
           </a:p>
         </p:txBody>
@@ -7050,7 +7207,7 @@
     </p:spTree>
     <p:extLst>
       <p:ext uri="{BB962C8B-B14F-4D97-AF65-F5344CB8AC3E}">
-        <p14:creationId xmlns:p14="http://schemas.microsoft.com/office/powerpoint/2010/main" val="1933073373"/>
+        <p14:creationId xmlns:p14="http://schemas.microsoft.com/office/powerpoint/2010/main" val="1024959077"/>
       </p:ext>
     </p:extLst>
   </p:cSld>
@@ -7079,7 +7236,13 @@
       </p:grpSpPr>
       <p:sp>
         <p:nvSpPr>
-          <p:cNvPr id="2" name="Title 1"/>
+          <p:cNvPr id="2" name="Title 1">
+            <a:extLst>
+              <a:ext uri="{FF2B5EF4-FFF2-40B4-BE49-F238E27FC236}">
+                <a16:creationId xmlns:a16="http://schemas.microsoft.com/office/drawing/2014/main" id="{B45862AA-B657-154C-A31E-5F351A9D0E3E}"/>
+              </a:ext>
+            </a:extLst>
+          </p:cNvPr>
           <p:cNvSpPr>
             <a:spLocks noGrp="1"/>
           </p:cNvSpPr>
@@ -7094,14 +7257,20 @@
           <a:p>
             <a:r>
               <a:rPr lang="en-US" dirty="0"/>
-              <a:t>Parsimony</a:t>
-            </a:r>
-          </a:p>
-        </p:txBody>
-      </p:sp>
-      <p:sp>
-        <p:nvSpPr>
-          <p:cNvPr id="3" name="Content Placeholder 2"/>
+              <a:t>Examples</a:t>
+            </a:r>
+          </a:p>
+        </p:txBody>
+      </p:sp>
+      <p:sp>
+        <p:nvSpPr>
+          <p:cNvPr id="3" name="Content Placeholder 2">
+            <a:extLst>
+              <a:ext uri="{FF2B5EF4-FFF2-40B4-BE49-F238E27FC236}">
+                <a16:creationId xmlns:a16="http://schemas.microsoft.com/office/drawing/2014/main" id="{59687EC1-554F-1040-A797-18EE9DDEA1C9}"/>
+              </a:ext>
+            </a:extLst>
+          </p:cNvPr>
           <p:cNvSpPr>
             <a:spLocks noGrp="1"/>
           </p:cNvSpPr>
@@ -7111,57 +7280,158 @@
         </p:nvSpPr>
         <p:spPr/>
         <p:txBody>
-          <a:bodyPr>
-            <a:normAutofit lnSpcReduction="10000"/>
+          <a:bodyPr/>
+          <a:lstStyle/>
+          <a:p>
+            <a:endParaRPr lang="en-US"/>
+          </a:p>
+        </p:txBody>
+      </p:sp>
+      <p:pic>
+        <p:nvPicPr>
+          <p:cNvPr id="5" name="Picture 4">
+            <a:extLst>
+              <a:ext uri="{FF2B5EF4-FFF2-40B4-BE49-F238E27FC236}">
+                <a16:creationId xmlns:a16="http://schemas.microsoft.com/office/drawing/2014/main" id="{00D60AE0-B1FA-AD46-9D13-B58BB416763C}"/>
+              </a:ext>
+            </a:extLst>
+          </p:cNvPr>
+          <p:cNvPicPr>
+            <a:picLocks noChangeAspect="1"/>
+          </p:cNvPicPr>
+          <p:nvPr/>
+        </p:nvPicPr>
+        <p:blipFill>
+          <a:blip r:embed="rId2"/>
+          <a:stretch>
+            <a:fillRect/>
+          </a:stretch>
+        </p:blipFill>
+        <p:spPr>
+          <a:xfrm>
+            <a:off x="0" y="1293383"/>
+            <a:ext cx="9144000" cy="5181362"/>
+          </a:xfrm>
+          <a:prstGeom prst="rect">
+            <a:avLst/>
+          </a:prstGeom>
+        </p:spPr>
+      </p:pic>
+      <p:sp>
+        <p:nvSpPr>
+          <p:cNvPr id="6" name="TextBox 5">
+            <a:extLst>
+              <a:ext uri="{FF2B5EF4-FFF2-40B4-BE49-F238E27FC236}">
+                <a16:creationId xmlns:a16="http://schemas.microsoft.com/office/drawing/2014/main" id="{38C478CA-04C7-2744-9D4E-F596C3B12D26}"/>
+              </a:ext>
+            </a:extLst>
+          </p:cNvPr>
+          <p:cNvSpPr txBox="1"/>
+          <p:nvPr/>
+        </p:nvSpPr>
+        <p:spPr>
+          <a:xfrm>
+            <a:off x="3716215" y="2145323"/>
+            <a:ext cx="3945760" cy="369332"/>
+          </a:xfrm>
+          <a:prstGeom prst="rect">
+            <a:avLst/>
+          </a:prstGeom>
+          <a:noFill/>
+        </p:spPr>
+        <p:txBody>
+          <a:bodyPr wrap="none" rtlCol="0">
+            <a:spAutoFit/>
           </a:bodyPr>
           <a:lstStyle/>
           <a:p>
             <a:r>
               <a:rPr lang="en-US" dirty="0"/>
-              <a:t>This is sometimes called </a:t>
-            </a:r>
-            <a:r>
-              <a:rPr lang="en-US" i="1" dirty="0" err="1"/>
-              <a:t>Occams</a:t>
-            </a:r>
-            <a:r>
-              <a:rPr lang="en-US" i="1" dirty="0"/>
-              <a:t> razor</a:t>
-            </a:r>
-            <a:endParaRPr lang="en-US" dirty="0"/>
-          </a:p>
-          <a:p>
-            <a:r>
-              <a:rPr lang="en-US" dirty="0"/>
-              <a:t>This is a general argument for choosing simpler models even though we know the world is complicated</a:t>
-            </a:r>
-          </a:p>
-          <a:p>
-            <a:r>
-              <a:rPr lang="en-US" dirty="0"/>
-              <a:t>Model selection approaches usually go beyond parsimony to try and determine whether a more complex model is better than a simpler one</a:t>
-            </a:r>
-          </a:p>
-          <a:p>
-            <a:r>
-              <a:rPr lang="en-US" dirty="0"/>
-              <a:t>This is usually done by seeing whether there is some threshold of “</a:t>
-            </a:r>
-            <a:r>
-              <a:rPr lang="en-US" dirty="0" err="1"/>
-              <a:t>betterness</a:t>
-            </a:r>
-            <a:r>
-              <a:rPr lang="en-US" dirty="0"/>
-              <a:t>” to be worth the added model complexity</a:t>
-            </a:r>
+              <a:t>Caption: Giant sand worm attacks Dubai</a:t>
+            </a:r>
+          </a:p>
+        </p:txBody>
+      </p:sp>
+      <p:sp>
+        <p:nvSpPr>
+          <p:cNvPr id="7" name="Rectangle 6">
+            <a:extLst>
+              <a:ext uri="{FF2B5EF4-FFF2-40B4-BE49-F238E27FC236}">
+                <a16:creationId xmlns:a16="http://schemas.microsoft.com/office/drawing/2014/main" id="{228FF401-108A-0548-A2AE-54D6AAFC3EC4}"/>
+              </a:ext>
+            </a:extLst>
+          </p:cNvPr>
+          <p:cNvSpPr/>
+          <p:nvPr/>
+        </p:nvSpPr>
+        <p:spPr>
+          <a:xfrm>
+            <a:off x="351693" y="6450637"/>
+            <a:ext cx="7033846" cy="261610"/>
+          </a:xfrm>
+          <a:prstGeom prst="rect">
+            <a:avLst/>
+          </a:prstGeom>
+        </p:spPr>
+        <p:txBody>
+          <a:bodyPr wrap="square">
+            <a:spAutoFit/>
+          </a:bodyPr>
+          <a:lstStyle/>
+          <a:p>
+            <a:r>
+              <a:rPr lang="en-US" sz="1100" dirty="0">
+                <a:solidFill>
+                  <a:srgbClr val="000000"/>
+                </a:solidFill>
+                <a:latin typeface="Times New Roman" panose="02020603050405020304" pitchFamily="18" charset="0"/>
+              </a:rPr>
+              <a:t>https://</a:t>
+            </a:r>
+            <a:r>
+              <a:rPr lang="en-US" sz="1100" dirty="0" err="1">
+                <a:solidFill>
+                  <a:srgbClr val="000000"/>
+                </a:solidFill>
+                <a:latin typeface="Times New Roman" panose="02020603050405020304" pitchFamily="18" charset="0"/>
+              </a:rPr>
+              <a:t>twitter.com</a:t>
+            </a:r>
+            <a:r>
+              <a:rPr lang="en-US" sz="1100" dirty="0">
+                <a:solidFill>
+                  <a:srgbClr val="000000"/>
+                </a:solidFill>
+                <a:latin typeface="Times New Roman" panose="02020603050405020304" pitchFamily="18" charset="0"/>
+              </a:rPr>
+              <a:t>/</a:t>
+            </a:r>
+            <a:r>
+              <a:rPr lang="en-US" sz="1100" dirty="0" err="1">
+                <a:solidFill>
+                  <a:srgbClr val="000000"/>
+                </a:solidFill>
+                <a:latin typeface="Times New Roman" panose="02020603050405020304" pitchFamily="18" charset="0"/>
+              </a:rPr>
+              <a:t>remington_moll</a:t>
+            </a:r>
+            <a:r>
+              <a:rPr lang="en-US" sz="1100" dirty="0">
+                <a:solidFill>
+                  <a:srgbClr val="000000"/>
+                </a:solidFill>
+                <a:latin typeface="Times New Roman" panose="02020603050405020304" pitchFamily="18" charset="0"/>
+              </a:rPr>
+              <a:t>/status/1367524035240759296?s=20</a:t>
+            </a:r>
+            <a:endParaRPr lang="en-US" sz="1100" dirty="0"/>
           </a:p>
         </p:txBody>
       </p:sp>
     </p:spTree>
     <p:extLst>
       <p:ext uri="{BB962C8B-B14F-4D97-AF65-F5344CB8AC3E}">
-        <p14:creationId xmlns:p14="http://schemas.microsoft.com/office/powerpoint/2010/main" val="711464144"/>
+        <p14:creationId xmlns:p14="http://schemas.microsoft.com/office/powerpoint/2010/main" val="3087174945"/>
       </p:ext>
     </p:extLst>
   </p:cSld>
@@ -7198,6 +7468,583 @@
             <p:ph type="title"/>
           </p:nvPr>
         </p:nvSpPr>
+        <p:spPr/>
+        <p:txBody>
+          <a:bodyPr/>
+          <a:lstStyle/>
+          <a:p>
+            <a:r>
+              <a:rPr lang="en-US" dirty="0"/>
+              <a:t>Challenges for all approaches</a:t>
+            </a:r>
+          </a:p>
+        </p:txBody>
+      </p:sp>
+      <p:sp>
+        <p:nvSpPr>
+          <p:cNvPr id="3" name="Content Placeholder 2"/>
+          <p:cNvSpPr>
+            <a:spLocks noGrp="1"/>
+          </p:cNvSpPr>
+          <p:nvPr>
+            <p:ph idx="1"/>
+          </p:nvPr>
+        </p:nvSpPr>
+        <p:spPr/>
+        <p:txBody>
+          <a:bodyPr>
+            <a:normAutofit lnSpcReduction="10000"/>
+          </a:bodyPr>
+          <a:lstStyle/>
+          <a:p>
+            <a:r>
+              <a:rPr lang="en-US" dirty="0"/>
+              <a:t>Including a large list of predictor variables will guarantee that your final or best model includes variables that are correlated with the response simply due to chance</a:t>
+            </a:r>
+          </a:p>
+          <a:p>
+            <a:pPr lvl="1"/>
+            <a:r>
+              <a:rPr lang="en-US" dirty="0"/>
+              <a:t> multiple regression is a form of multiple comparisons!</a:t>
+            </a:r>
+          </a:p>
+          <a:p>
+            <a:r>
+              <a:rPr lang="en-US" dirty="0"/>
+              <a:t>Any time there is any correlation among predictors, removing or including a predictor will change the coefficient of other correlated predictors</a:t>
+            </a:r>
+          </a:p>
+          <a:p>
+            <a:r>
+              <a:rPr lang="en-US" dirty="0"/>
+              <a:t>No approach fixes these problems</a:t>
+            </a:r>
+          </a:p>
+        </p:txBody>
+      </p:sp>
+    </p:spTree>
+    <p:extLst>
+      <p:ext uri="{BB962C8B-B14F-4D97-AF65-F5344CB8AC3E}">
+        <p14:creationId xmlns:p14="http://schemas.microsoft.com/office/powerpoint/2010/main" val="4260278004"/>
+      </p:ext>
+    </p:extLst>
+  </p:cSld>
+  <p:clrMapOvr>
+    <a:masterClrMapping/>
+  </p:clrMapOvr>
+</p:sld>
+</file>
+
+<file path=ppt/slides/slide41.xml><?xml version="1.0" encoding="utf-8"?>
+<p:sld xmlns:a="http://schemas.openxmlformats.org/drawingml/2006/main" xmlns:r="http://schemas.openxmlformats.org/officeDocument/2006/relationships" xmlns:p="http://schemas.openxmlformats.org/presentationml/2006/main">
+  <p:cSld>
+    <p:spTree>
+      <p:nvGrpSpPr>
+        <p:cNvPr id="1" name=""/>
+        <p:cNvGrpSpPr/>
+        <p:nvPr/>
+      </p:nvGrpSpPr>
+      <p:grpSpPr>
+        <a:xfrm>
+          <a:off x="0" y="0"/>
+          <a:ext cx="0" cy="0"/>
+          <a:chOff x="0" y="0"/>
+          <a:chExt cx="0" cy="0"/>
+        </a:xfrm>
+      </p:grpSpPr>
+      <p:sp>
+        <p:nvSpPr>
+          <p:cNvPr id="2" name="Title 1"/>
+          <p:cNvSpPr>
+            <a:spLocks noGrp="1"/>
+          </p:cNvSpPr>
+          <p:nvPr>
+            <p:ph type="title"/>
+          </p:nvPr>
+        </p:nvSpPr>
+        <p:spPr/>
+        <p:txBody>
+          <a:bodyPr/>
+          <a:lstStyle/>
+          <a:p>
+            <a:r>
+              <a:rPr lang="en-US" dirty="0"/>
+              <a:t>Everyone’s a critic</a:t>
+            </a:r>
+            <a:r>
+              <a:rPr lang="mr-IN" dirty="0"/>
+              <a:t>…</a:t>
+            </a:r>
+            <a:endParaRPr lang="en-US" dirty="0"/>
+          </a:p>
+        </p:txBody>
+      </p:sp>
+      <p:sp>
+        <p:nvSpPr>
+          <p:cNvPr id="3" name="Content Placeholder 2"/>
+          <p:cNvSpPr>
+            <a:spLocks noGrp="1"/>
+          </p:cNvSpPr>
+          <p:nvPr>
+            <p:ph idx="1"/>
+          </p:nvPr>
+        </p:nvSpPr>
+        <p:spPr/>
+        <p:txBody>
+          <a:bodyPr/>
+          <a:lstStyle/>
+          <a:p>
+            <a:r>
+              <a:rPr lang="en-US" dirty="0"/>
+              <a:t>First it was LRT</a:t>
+            </a:r>
+          </a:p>
+          <a:p>
+            <a:endParaRPr lang="en-US" dirty="0"/>
+          </a:p>
+          <a:p>
+            <a:r>
+              <a:rPr lang="en-US" dirty="0"/>
+              <a:t>Then it was stepwise</a:t>
+            </a:r>
+          </a:p>
+          <a:p>
+            <a:endParaRPr lang="en-US" dirty="0"/>
+          </a:p>
+          <a:p>
+            <a:r>
+              <a:rPr lang="en-US" dirty="0"/>
+              <a:t>Now it is AIC</a:t>
+            </a:r>
+          </a:p>
+          <a:p>
+            <a:endParaRPr lang="en-US" dirty="0"/>
+          </a:p>
+          <a:p>
+            <a:r>
+              <a:rPr lang="en-US" dirty="0"/>
+              <a:t>What should we do??</a:t>
+            </a:r>
+          </a:p>
+        </p:txBody>
+      </p:sp>
+    </p:spTree>
+    <p:extLst>
+      <p:ext uri="{BB962C8B-B14F-4D97-AF65-F5344CB8AC3E}">
+        <p14:creationId xmlns:p14="http://schemas.microsoft.com/office/powerpoint/2010/main" val="472774089"/>
+      </p:ext>
+    </p:extLst>
+  </p:cSld>
+  <p:clrMapOvr>
+    <a:masterClrMapping/>
+  </p:clrMapOvr>
+</p:sld>
+</file>
+
+<file path=ppt/slides/slide42.xml><?xml version="1.0" encoding="utf-8"?>
+<p:sld xmlns:a="http://schemas.openxmlformats.org/drawingml/2006/main" xmlns:r="http://schemas.openxmlformats.org/officeDocument/2006/relationships" xmlns:p="http://schemas.openxmlformats.org/presentationml/2006/main">
+  <p:cSld>
+    <p:spTree>
+      <p:nvGrpSpPr>
+        <p:cNvPr id="1" name=""/>
+        <p:cNvGrpSpPr/>
+        <p:nvPr/>
+      </p:nvGrpSpPr>
+      <p:grpSpPr>
+        <a:xfrm>
+          <a:off x="0" y="0"/>
+          <a:ext cx="0" cy="0"/>
+          <a:chOff x="0" y="0"/>
+          <a:chExt cx="0" cy="0"/>
+        </a:xfrm>
+      </p:grpSpPr>
+      <p:sp>
+        <p:nvSpPr>
+          <p:cNvPr id="2" name="Title 1"/>
+          <p:cNvSpPr>
+            <a:spLocks noGrp="1"/>
+          </p:cNvSpPr>
+          <p:nvPr>
+            <p:ph type="title"/>
+          </p:nvPr>
+        </p:nvSpPr>
+        <p:spPr/>
+        <p:txBody>
+          <a:bodyPr/>
+          <a:lstStyle/>
+          <a:p>
+            <a:r>
+              <a:rPr lang="en-US" dirty="0"/>
+              <a:t>Conclusions</a:t>
+            </a:r>
+          </a:p>
+        </p:txBody>
+      </p:sp>
+      <p:sp>
+        <p:nvSpPr>
+          <p:cNvPr id="3" name="Content Placeholder 2"/>
+          <p:cNvSpPr>
+            <a:spLocks noGrp="1"/>
+          </p:cNvSpPr>
+          <p:nvPr>
+            <p:ph idx="1"/>
+          </p:nvPr>
+        </p:nvSpPr>
+        <p:spPr/>
+        <p:txBody>
+          <a:bodyPr>
+            <a:normAutofit fontScale="92500" lnSpcReduction="10000"/>
+          </a:bodyPr>
+          <a:lstStyle/>
+          <a:p>
+            <a:r>
+              <a:rPr lang="en-US" dirty="0"/>
+              <a:t>There is no substitute for a priori hypotheses, carefully designed studies or experiments that maximize orthogonality of predictors </a:t>
+            </a:r>
+          </a:p>
+          <a:p>
+            <a:pPr lvl="1"/>
+            <a:r>
+              <a:rPr lang="en-US" dirty="0"/>
+              <a:t>These experiments should have clear-cut hypotheses and measure important variables (consider exclusion of likely “nuisance” variables)</a:t>
+            </a:r>
+          </a:p>
+          <a:p>
+            <a:pPr lvl="1"/>
+            <a:r>
+              <a:rPr lang="en-US" dirty="0"/>
+              <a:t>E.g. Do you need to have soil moisture and daily </a:t>
+            </a:r>
+            <a:r>
+              <a:rPr lang="en-US" dirty="0" err="1"/>
+              <a:t>precip</a:t>
+            </a:r>
+            <a:r>
+              <a:rPr lang="en-US" dirty="0"/>
+              <a:t> in your model? </a:t>
+            </a:r>
+          </a:p>
+          <a:p>
+            <a:pPr lvl="1"/>
+            <a:endParaRPr lang="en-US" dirty="0"/>
+          </a:p>
+          <a:p>
+            <a:r>
+              <a:rPr lang="en-US" dirty="0"/>
+              <a:t>We have to accept that in some cases, the limited (observational) data we have collected simply cannot provide a simple clear cut answer to the questions we are posing.</a:t>
+            </a:r>
+          </a:p>
+        </p:txBody>
+      </p:sp>
+    </p:spTree>
+    <p:extLst>
+      <p:ext uri="{BB962C8B-B14F-4D97-AF65-F5344CB8AC3E}">
+        <p14:creationId xmlns:p14="http://schemas.microsoft.com/office/powerpoint/2010/main" val="3347799417"/>
+      </p:ext>
+    </p:extLst>
+  </p:cSld>
+  <p:clrMapOvr>
+    <a:masterClrMapping/>
+  </p:clrMapOvr>
+</p:sld>
+</file>
+
+<file path=ppt/slides/slide43.xml><?xml version="1.0" encoding="utf-8"?>
+<p:sld xmlns:a="http://schemas.openxmlformats.org/drawingml/2006/main" xmlns:r="http://schemas.openxmlformats.org/officeDocument/2006/relationships" xmlns:p="http://schemas.openxmlformats.org/presentationml/2006/main">
+  <p:cSld>
+    <p:spTree>
+      <p:nvGrpSpPr>
+        <p:cNvPr id="1" name=""/>
+        <p:cNvGrpSpPr/>
+        <p:nvPr/>
+      </p:nvGrpSpPr>
+      <p:grpSpPr>
+        <a:xfrm>
+          <a:off x="0" y="0"/>
+          <a:ext cx="0" cy="0"/>
+          <a:chOff x="0" y="0"/>
+          <a:chExt cx="0" cy="0"/>
+        </a:xfrm>
+      </p:grpSpPr>
+      <p:sp>
+        <p:nvSpPr>
+          <p:cNvPr id="2" name="Title 1"/>
+          <p:cNvSpPr>
+            <a:spLocks noGrp="1"/>
+          </p:cNvSpPr>
+          <p:nvPr>
+            <p:ph type="title"/>
+          </p:nvPr>
+        </p:nvSpPr>
+        <p:spPr/>
+        <p:txBody>
+          <a:bodyPr/>
+          <a:lstStyle/>
+          <a:p>
+            <a:r>
+              <a:rPr lang="en-US" dirty="0"/>
+              <a:t>Summary</a:t>
+            </a:r>
+          </a:p>
+        </p:txBody>
+      </p:sp>
+      <p:sp>
+        <p:nvSpPr>
+          <p:cNvPr id="3" name="Content Placeholder 2"/>
+          <p:cNvSpPr>
+            <a:spLocks noGrp="1"/>
+          </p:cNvSpPr>
+          <p:nvPr>
+            <p:ph idx="1"/>
+          </p:nvPr>
+        </p:nvSpPr>
+        <p:spPr>
+          <a:xfrm>
+            <a:off x="628650" y="1572322"/>
+            <a:ext cx="7886700" cy="4604641"/>
+          </a:xfrm>
+        </p:spPr>
+        <p:txBody>
+          <a:bodyPr/>
+          <a:lstStyle/>
+          <a:p>
+            <a:r>
+              <a:rPr lang="en-US" dirty="0"/>
+              <a:t>LRT’s are very useful and well-established, but choosing a path through a complex nest of factors can be challenging</a:t>
+            </a:r>
+          </a:p>
+          <a:p>
+            <a:pPr lvl="1"/>
+            <a:r>
+              <a:rPr lang="en-US" dirty="0"/>
+              <a:t>Things to be concerned about: </a:t>
+            </a:r>
+          </a:p>
+          <a:p>
+            <a:pPr lvl="2"/>
+            <a:r>
+              <a:rPr lang="en-US" dirty="0"/>
+              <a:t>when one factor is significant only when another factor is in the model</a:t>
+            </a:r>
+          </a:p>
+          <a:p>
+            <a:pPr lvl="2"/>
+            <a:r>
+              <a:rPr lang="en-US" dirty="0"/>
+              <a:t>when predictor variables are highly correlated</a:t>
+            </a:r>
+          </a:p>
+          <a:p>
+            <a:pPr lvl="1"/>
+            <a:r>
+              <a:rPr lang="en-US" dirty="0"/>
+              <a:t>What to do:</a:t>
+            </a:r>
+          </a:p>
+          <a:p>
+            <a:pPr lvl="2"/>
+            <a:r>
+              <a:rPr lang="en-US" dirty="0"/>
+              <a:t>What interesting biology might this be explaining?</a:t>
+            </a:r>
+          </a:p>
+          <a:p>
+            <a:pPr lvl="2"/>
+            <a:r>
+              <a:rPr lang="en-US" dirty="0"/>
+              <a:t>Do you need both variables? </a:t>
+            </a:r>
+          </a:p>
+          <a:p>
+            <a:pPr lvl="2"/>
+            <a:endParaRPr lang="en-US" dirty="0"/>
+          </a:p>
+        </p:txBody>
+      </p:sp>
+    </p:spTree>
+    <p:extLst>
+      <p:ext uri="{BB962C8B-B14F-4D97-AF65-F5344CB8AC3E}">
+        <p14:creationId xmlns:p14="http://schemas.microsoft.com/office/powerpoint/2010/main" val="1730380054"/>
+      </p:ext>
+    </p:extLst>
+  </p:cSld>
+  <p:clrMapOvr>
+    <a:masterClrMapping/>
+  </p:clrMapOvr>
+</p:sld>
+</file>
+
+<file path=ppt/slides/slide44.xml><?xml version="1.0" encoding="utf-8"?>
+<p:sld xmlns:a="http://schemas.openxmlformats.org/drawingml/2006/main" xmlns:r="http://schemas.openxmlformats.org/officeDocument/2006/relationships" xmlns:p="http://schemas.openxmlformats.org/presentationml/2006/main">
+  <p:cSld>
+    <p:spTree>
+      <p:nvGrpSpPr>
+        <p:cNvPr id="1" name=""/>
+        <p:cNvGrpSpPr/>
+        <p:nvPr/>
+      </p:nvGrpSpPr>
+      <p:grpSpPr>
+        <a:xfrm>
+          <a:off x="0" y="0"/>
+          <a:ext cx="0" cy="0"/>
+          <a:chOff x="0" y="0"/>
+          <a:chExt cx="0" cy="0"/>
+        </a:xfrm>
+      </p:grpSpPr>
+      <p:sp>
+        <p:nvSpPr>
+          <p:cNvPr id="2" name="Title 1"/>
+          <p:cNvSpPr>
+            <a:spLocks noGrp="1"/>
+          </p:cNvSpPr>
+          <p:nvPr>
+            <p:ph type="title"/>
+          </p:nvPr>
+        </p:nvSpPr>
+        <p:spPr/>
+        <p:txBody>
+          <a:bodyPr/>
+          <a:lstStyle/>
+          <a:p>
+            <a:r>
+              <a:rPr lang="en-US" dirty="0"/>
+              <a:t>Summary</a:t>
+            </a:r>
+          </a:p>
+        </p:txBody>
+      </p:sp>
+      <p:sp>
+        <p:nvSpPr>
+          <p:cNvPr id="3" name="Content Placeholder 2"/>
+          <p:cNvSpPr>
+            <a:spLocks noGrp="1"/>
+          </p:cNvSpPr>
+          <p:nvPr>
+            <p:ph idx="1"/>
+          </p:nvPr>
+        </p:nvSpPr>
+        <p:spPr>
+          <a:xfrm>
+            <a:off x="628650" y="1438507"/>
+            <a:ext cx="7886700" cy="4738456"/>
+          </a:xfrm>
+        </p:spPr>
+        <p:txBody>
+          <a:bodyPr/>
+          <a:lstStyle/>
+          <a:p>
+            <a:r>
+              <a:rPr lang="en-US" dirty="0"/>
+              <a:t>AIC is well-established, very easy to implement, and appeals to our desire to rank things</a:t>
+            </a:r>
+          </a:p>
+          <a:p>
+            <a:pPr lvl="1"/>
+            <a:r>
+              <a:rPr lang="en-US" dirty="0"/>
+              <a:t>Things to be concerned about:</a:t>
+            </a:r>
+          </a:p>
+          <a:p>
+            <a:pPr lvl="2"/>
+            <a:r>
+              <a:rPr lang="en-US" dirty="0"/>
+              <a:t>Data dredging and thoughtless model selection</a:t>
+            </a:r>
+          </a:p>
+          <a:p>
+            <a:pPr lvl="2"/>
+            <a:r>
+              <a:rPr lang="en-US" dirty="0"/>
+              <a:t>Overfitting (adding too many variables)</a:t>
+            </a:r>
+          </a:p>
+          <a:p>
+            <a:pPr lvl="2"/>
+            <a:r>
+              <a:rPr lang="en-US" dirty="0"/>
+              <a:t>Bad candidate model sets</a:t>
+            </a:r>
+          </a:p>
+          <a:p>
+            <a:pPr lvl="2"/>
+            <a:r>
+              <a:rPr lang="en-US" dirty="0"/>
+              <a:t>When AIC tells you remove something you </a:t>
+            </a:r>
+            <a:r>
+              <a:rPr lang="en-US" i="1" dirty="0"/>
+              <a:t>know</a:t>
+            </a:r>
+            <a:r>
+              <a:rPr lang="en-US" dirty="0"/>
+              <a:t> is important</a:t>
+            </a:r>
+          </a:p>
+          <a:p>
+            <a:pPr lvl="1"/>
+            <a:r>
+              <a:rPr lang="en-US" dirty="0"/>
+              <a:t>What to do:</a:t>
+            </a:r>
+          </a:p>
+          <a:p>
+            <a:pPr lvl="2"/>
+            <a:r>
+              <a:rPr lang="en-US" dirty="0"/>
+              <a:t>Use for exploratory analysis, but take results with a big grain of salt</a:t>
+            </a:r>
+          </a:p>
+          <a:p>
+            <a:pPr lvl="2"/>
+            <a:r>
+              <a:rPr lang="en-US" dirty="0"/>
+              <a:t>Use as final results only if it agrees with other methods</a:t>
+            </a:r>
+          </a:p>
+        </p:txBody>
+      </p:sp>
+    </p:spTree>
+    <p:extLst>
+      <p:ext uri="{BB962C8B-B14F-4D97-AF65-F5344CB8AC3E}">
+        <p14:creationId xmlns:p14="http://schemas.microsoft.com/office/powerpoint/2010/main" val="1933073373"/>
+      </p:ext>
+    </p:extLst>
+  </p:cSld>
+  <p:clrMapOvr>
+    <a:masterClrMapping/>
+  </p:clrMapOvr>
+</p:sld>
+</file>
+
+<file path=ppt/slides/slide45.xml><?xml version="1.0" encoding="utf-8"?>
+<p:sld xmlns:a="http://schemas.openxmlformats.org/drawingml/2006/main" xmlns:r="http://schemas.openxmlformats.org/officeDocument/2006/relationships" xmlns:p="http://schemas.openxmlformats.org/presentationml/2006/main">
+  <p:cSld>
+    <p:spTree>
+      <p:nvGrpSpPr>
+        <p:cNvPr id="1" name=""/>
+        <p:cNvGrpSpPr/>
+        <p:nvPr/>
+      </p:nvGrpSpPr>
+      <p:grpSpPr>
+        <a:xfrm>
+          <a:off x="0" y="0"/>
+          <a:ext cx="0" cy="0"/>
+          <a:chOff x="0" y="0"/>
+          <a:chExt cx="0" cy="0"/>
+        </a:xfrm>
+      </p:grpSpPr>
+      <p:sp>
+        <p:nvSpPr>
+          <p:cNvPr id="2" name="Title 1"/>
+          <p:cNvSpPr>
+            <a:spLocks noGrp="1"/>
+          </p:cNvSpPr>
+          <p:nvPr>
+            <p:ph type="title"/>
+          </p:nvPr>
+        </p:nvSpPr>
         <p:spPr>
           <a:xfrm>
             <a:off x="628650" y="220163"/>
@@ -7314,7 +8161,7 @@
 </p:sld>
 </file>
 
-<file path=ppt/slides/slide41.xml><?xml version="1.0" encoding="utf-8"?>
+<file path=ppt/slides/slide46.xml><?xml version="1.0" encoding="utf-8"?>
 <p:sld xmlns:a="http://schemas.openxmlformats.org/drawingml/2006/main" xmlns:r="http://schemas.openxmlformats.org/officeDocument/2006/relationships" xmlns:p="http://schemas.openxmlformats.org/presentationml/2006/main">
   <p:cSld>
     <p:spTree>
@@ -7513,7 +8360,13 @@
       </p:grpSpPr>
       <p:sp>
         <p:nvSpPr>
-          <p:cNvPr id="2" name="Title 1"/>
+          <p:cNvPr id="2" name="Title 1">
+            <a:extLst>
+              <a:ext uri="{FF2B5EF4-FFF2-40B4-BE49-F238E27FC236}">
+                <a16:creationId xmlns:a16="http://schemas.microsoft.com/office/drawing/2014/main" id="{B7C34AEC-156F-A640-B3B0-C41099CC0C54}"/>
+              </a:ext>
+            </a:extLst>
+          </p:cNvPr>
           <p:cNvSpPr>
             <a:spLocks noGrp="1"/>
           </p:cNvSpPr>
@@ -7523,90 +8376,161 @@
         </p:nvSpPr>
         <p:spPr/>
         <p:txBody>
-          <a:bodyPr>
-            <a:normAutofit fontScale="90000"/>
+          <a:bodyPr/>
+          <a:lstStyle/>
+          <a:p>
+            <a:r>
+              <a:rPr lang="en-US" dirty="0"/>
+              <a:t>Example</a:t>
+            </a:r>
+          </a:p>
+        </p:txBody>
+      </p:sp>
+      <p:pic>
+        <p:nvPicPr>
+          <p:cNvPr id="4" name="Picture 3">
+            <a:extLst>
+              <a:ext uri="{FF2B5EF4-FFF2-40B4-BE49-F238E27FC236}">
+                <a16:creationId xmlns:a16="http://schemas.microsoft.com/office/drawing/2014/main" id="{10F79F44-42FF-3940-A6B9-26EFB2E1C761}"/>
+              </a:ext>
+            </a:extLst>
+          </p:cNvPr>
+          <p:cNvPicPr>
+            <a:picLocks noChangeAspect="1"/>
+          </p:cNvPicPr>
+          <p:nvPr/>
+        </p:nvPicPr>
+        <p:blipFill>
+          <a:blip r:embed="rId2"/>
+          <a:stretch>
+            <a:fillRect/>
+          </a:stretch>
+        </p:blipFill>
+        <p:spPr>
+          <a:xfrm>
+            <a:off x="2991944" y="1430215"/>
+            <a:ext cx="3446527" cy="5122985"/>
+          </a:xfrm>
+          <a:prstGeom prst="rect">
+            <a:avLst/>
+          </a:prstGeom>
+        </p:spPr>
+      </p:pic>
+      <p:sp>
+        <p:nvSpPr>
+          <p:cNvPr id="5" name="TextBox 4">
+            <a:extLst>
+              <a:ext uri="{FF2B5EF4-FFF2-40B4-BE49-F238E27FC236}">
+                <a16:creationId xmlns:a16="http://schemas.microsoft.com/office/drawing/2014/main" id="{88AFBAC1-D851-6045-8778-617B820F08C8}"/>
+              </a:ext>
+            </a:extLst>
+          </p:cNvPr>
+          <p:cNvSpPr txBox="1"/>
+          <p:nvPr/>
+        </p:nvSpPr>
+        <p:spPr>
+          <a:xfrm>
+            <a:off x="626240" y="1690688"/>
+            <a:ext cx="2365704" cy="923330"/>
+          </a:xfrm>
+          <a:prstGeom prst="rect">
+            <a:avLst/>
+          </a:prstGeom>
+          <a:noFill/>
+        </p:spPr>
+        <p:txBody>
+          <a:bodyPr wrap="square" rtlCol="0">
+            <a:spAutoFit/>
           </a:bodyPr>
           <a:lstStyle/>
           <a:p>
             <a:r>
               <a:rPr lang="en-US" dirty="0"/>
-              <a:t>Model complexity and prediction </a:t>
-            </a:r>
-            <a:r>
-              <a:rPr lang="mr-IN" dirty="0"/>
-              <a:t>–</a:t>
-            </a:r>
-            <a:r>
-              <a:rPr lang="en-US" dirty="0"/>
-              <a:t> the bias variance tradeoff</a:t>
-            </a:r>
-          </a:p>
-        </p:txBody>
-      </p:sp>
-      <p:sp>
-        <p:nvSpPr>
-          <p:cNvPr id="3" name="Content Placeholder 2"/>
-          <p:cNvSpPr>
-            <a:spLocks noGrp="1"/>
-          </p:cNvSpPr>
-          <p:nvPr>
-            <p:ph idx="1"/>
-          </p:nvPr>
-        </p:nvSpPr>
-        <p:spPr/>
-        <p:txBody>
-          <a:bodyPr>
-            <a:normAutofit fontScale="77500" lnSpcReduction="20000"/>
+              <a:t>Caption: Tornado attacking giant bowl of skittles</a:t>
+            </a:r>
+          </a:p>
+        </p:txBody>
+      </p:sp>
+      <p:sp>
+        <p:nvSpPr>
+          <p:cNvPr id="7" name="Rectangle 6">
+            <a:extLst>
+              <a:ext uri="{FF2B5EF4-FFF2-40B4-BE49-F238E27FC236}">
+                <a16:creationId xmlns:a16="http://schemas.microsoft.com/office/drawing/2014/main" id="{EDC19983-5A5A-5342-AB4C-13A470F198B2}"/>
+              </a:ext>
+            </a:extLst>
+          </p:cNvPr>
+          <p:cNvSpPr/>
+          <p:nvPr/>
+        </p:nvSpPr>
+        <p:spPr>
+          <a:xfrm>
+            <a:off x="175847" y="6422396"/>
+            <a:ext cx="7033846" cy="261610"/>
+          </a:xfrm>
+          <a:prstGeom prst="rect">
+            <a:avLst/>
+          </a:prstGeom>
+        </p:spPr>
+        <p:txBody>
+          <a:bodyPr wrap="square">
+            <a:spAutoFit/>
           </a:bodyPr>
           <a:lstStyle/>
           <a:p>
             <a:r>
-              <a:rPr lang="en-US" dirty="0"/>
-              <a:t>As we add more variables to our models, we can get an increasingly accurate fit to the particular data we have observed (e.g. a higher R squared)</a:t>
-            </a:r>
-          </a:p>
-          <a:p>
-            <a:endParaRPr lang="en-US" dirty="0"/>
-          </a:p>
-          <a:p>
-            <a:r>
-              <a:rPr lang="en-US" dirty="0"/>
-              <a:t>However, the precision of our predictions </a:t>
-            </a:r>
-            <a:r>
-              <a:rPr lang="en-US" u="sng" dirty="0"/>
-              <a:t>decreases </a:t>
-            </a:r>
-            <a:r>
-              <a:rPr lang="en-US" dirty="0"/>
-              <a:t> as we add more variables</a:t>
-            </a:r>
-            <a:endParaRPr lang="en-US" u="sng" dirty="0"/>
-          </a:p>
-          <a:p>
-            <a:endParaRPr lang="en-US" u="sng" dirty="0"/>
-          </a:p>
-          <a:p>
-            <a:r>
-              <a:rPr lang="en-US" dirty="0"/>
-              <a:t>This is because data contain a fixed amount of information and as we add more predictors, we spread the data thinner and thinner</a:t>
-            </a:r>
-          </a:p>
-          <a:p>
-            <a:endParaRPr lang="en-US" dirty="0"/>
-          </a:p>
-          <a:p>
-            <a:r>
-              <a:rPr lang="en-US" dirty="0"/>
-              <a:t>The gain in accuracy from having more details in the model is outweighed by the loss of precision in estimating the effect of each variable</a:t>
-            </a:r>
+              <a:rPr lang="en-US" sz="1100" dirty="0">
+                <a:solidFill>
+                  <a:srgbClr val="000000"/>
+                </a:solidFill>
+                <a:latin typeface="Times New Roman" panose="02020603050405020304" pitchFamily="18" charset="0"/>
+              </a:rPr>
+              <a:t>https://</a:t>
+            </a:r>
+            <a:r>
+              <a:rPr lang="en-US" sz="1100" dirty="0" err="1">
+                <a:solidFill>
+                  <a:srgbClr val="000000"/>
+                </a:solidFill>
+                <a:latin typeface="Times New Roman" panose="02020603050405020304" pitchFamily="18" charset="0"/>
+              </a:rPr>
+              <a:t>twitter.com</a:t>
+            </a:r>
+            <a:r>
+              <a:rPr lang="en-US" sz="1100" dirty="0">
+                <a:solidFill>
+                  <a:srgbClr val="000000"/>
+                </a:solidFill>
+                <a:latin typeface="Times New Roman" panose="02020603050405020304" pitchFamily="18" charset="0"/>
+              </a:rPr>
+              <a:t>/</a:t>
+            </a:r>
+            <a:r>
+              <a:rPr lang="en-US" sz="1100" dirty="0" err="1">
+                <a:solidFill>
+                  <a:srgbClr val="000000"/>
+                </a:solidFill>
+                <a:latin typeface="Times New Roman" panose="02020603050405020304" pitchFamily="18" charset="0"/>
+              </a:rPr>
+              <a:t>remington_moll</a:t>
+            </a:r>
+            <a:r>
+              <a:rPr lang="en-US" sz="1100" dirty="0">
+                <a:solidFill>
+                  <a:srgbClr val="000000"/>
+                </a:solidFill>
+                <a:latin typeface="Times New Roman" panose="02020603050405020304" pitchFamily="18" charset="0"/>
+              </a:rPr>
+              <a:t>/status/1367524035240759296?s=20</a:t>
+            </a:r>
+            <a:endParaRPr lang="en-US" sz="1100" dirty="0"/>
           </a:p>
         </p:txBody>
       </p:sp>
     </p:spTree>
     <p:extLst>
       <p:ext uri="{BB962C8B-B14F-4D97-AF65-F5344CB8AC3E}">
-        <p14:creationId xmlns:p14="http://schemas.microsoft.com/office/powerpoint/2010/main" val="388921712"/>
+        <p14:creationId xmlns:p14="http://schemas.microsoft.com/office/powerpoint/2010/main" val="2529839193"/>
       </p:ext>
     </p:extLst>
   </p:cSld>
@@ -7635,7 +8559,13 @@
       </p:grpSpPr>
       <p:sp>
         <p:nvSpPr>
-          <p:cNvPr id="2" name="Title 1"/>
+          <p:cNvPr id="2" name="Title 1">
+            <a:extLst>
+              <a:ext uri="{FF2B5EF4-FFF2-40B4-BE49-F238E27FC236}">
+                <a16:creationId xmlns:a16="http://schemas.microsoft.com/office/drawing/2014/main" id="{20BF2B9E-AD07-684A-9337-0FE32D97B367}"/>
+              </a:ext>
+            </a:extLst>
+          </p:cNvPr>
           <p:cNvSpPr>
             <a:spLocks noGrp="1"/>
           </p:cNvSpPr>
@@ -7650,69 +8580,151 @@
           <a:p>
             <a:r>
               <a:rPr lang="en-US" dirty="0"/>
-              <a:t>Model Comparisons</a:t>
-            </a:r>
-          </a:p>
-        </p:txBody>
-      </p:sp>
-      <p:sp>
-        <p:nvSpPr>
-          <p:cNvPr id="3" name="Content Placeholder 2"/>
-          <p:cNvSpPr>
-            <a:spLocks noGrp="1"/>
-          </p:cNvSpPr>
-          <p:nvPr>
-            <p:ph idx="1"/>
-          </p:nvPr>
-        </p:nvSpPr>
-        <p:spPr/>
-        <p:txBody>
-          <a:bodyPr>
-            <a:normAutofit lnSpcReduction="10000"/>
+              <a:t>Example</a:t>
+            </a:r>
+          </a:p>
+        </p:txBody>
+      </p:sp>
+      <p:pic>
+        <p:nvPicPr>
+          <p:cNvPr id="4" name="Picture 3">
+            <a:extLst>
+              <a:ext uri="{FF2B5EF4-FFF2-40B4-BE49-F238E27FC236}">
+                <a16:creationId xmlns:a16="http://schemas.microsoft.com/office/drawing/2014/main" id="{29BFDB95-84C0-E84F-A052-B7F84FA97159}"/>
+              </a:ext>
+            </a:extLst>
+          </p:cNvPr>
+          <p:cNvPicPr>
+            <a:picLocks noChangeAspect="1"/>
+          </p:cNvPicPr>
+          <p:nvPr/>
+        </p:nvPicPr>
+        <p:blipFill>
+          <a:blip r:embed="rId2"/>
+          <a:stretch>
+            <a:fillRect/>
+          </a:stretch>
+        </p:blipFill>
+        <p:spPr>
+          <a:xfrm>
+            <a:off x="1597072" y="1965682"/>
+            <a:ext cx="5425051" cy="4071223"/>
+          </a:xfrm>
+          <a:prstGeom prst="rect">
+            <a:avLst/>
+          </a:prstGeom>
+        </p:spPr>
+      </p:pic>
+      <p:sp>
+        <p:nvSpPr>
+          <p:cNvPr id="5" name="Rectangle 4">
+            <a:extLst>
+              <a:ext uri="{FF2B5EF4-FFF2-40B4-BE49-F238E27FC236}">
+                <a16:creationId xmlns:a16="http://schemas.microsoft.com/office/drawing/2014/main" id="{C72632F4-E2D2-1D4E-89D1-4E14957ED2C2}"/>
+              </a:ext>
+            </a:extLst>
+          </p:cNvPr>
+          <p:cNvSpPr/>
+          <p:nvPr/>
+        </p:nvSpPr>
+        <p:spPr>
+          <a:xfrm>
+            <a:off x="351693" y="6450637"/>
+            <a:ext cx="7033846" cy="261610"/>
+          </a:xfrm>
+          <a:prstGeom prst="rect">
+            <a:avLst/>
+          </a:prstGeom>
+        </p:spPr>
+        <p:txBody>
+          <a:bodyPr wrap="square">
+            <a:spAutoFit/>
           </a:bodyPr>
           <a:lstStyle/>
           <a:p>
             <a:r>
-              <a:rPr lang="en-US" dirty="0"/>
-              <a:t>Comparing models might be one of the most deeply divisive issues within quantitative ecology</a:t>
-            </a:r>
-          </a:p>
-          <a:p>
-            <a:endParaRPr lang="en-US" dirty="0"/>
-          </a:p>
-          <a:p>
-            <a:r>
-              <a:rPr lang="en-US" dirty="0"/>
-              <a:t>This is in part because all of the methods </a:t>
-            </a:r>
-            <a:r>
-              <a:rPr lang="en-US" u="sng" dirty="0"/>
-              <a:t>get things wrong</a:t>
-            </a:r>
-            <a:endParaRPr lang="en-US" dirty="0"/>
-          </a:p>
-          <a:p>
-            <a:endParaRPr lang="en-US" dirty="0"/>
-          </a:p>
-          <a:p>
-            <a:r>
-              <a:rPr lang="en-US" dirty="0"/>
-              <a:t>However, in most cases these approaches will give reasonably consistent answers. </a:t>
-            </a:r>
-          </a:p>
-          <a:p>
-            <a:pPr lvl="1"/>
-            <a:r>
-              <a:rPr lang="en-US" dirty="0"/>
-              <a:t>It is important to watch out for these inconsistencies to avoid wrongness</a:t>
-            </a:r>
-          </a:p>
-        </p:txBody>
-      </p:sp>
+              <a:rPr lang="en-US" sz="1100" dirty="0">
+                <a:solidFill>
+                  <a:srgbClr val="000000"/>
+                </a:solidFill>
+                <a:latin typeface="Times New Roman" panose="02020603050405020304" pitchFamily="18" charset="0"/>
+              </a:rPr>
+              <a:t>https://</a:t>
+            </a:r>
+            <a:r>
+              <a:rPr lang="en-US" sz="1100" dirty="0" err="1">
+                <a:solidFill>
+                  <a:srgbClr val="000000"/>
+                </a:solidFill>
+                <a:latin typeface="Times New Roman" panose="02020603050405020304" pitchFamily="18" charset="0"/>
+              </a:rPr>
+              <a:t>twitter.com</a:t>
+            </a:r>
+            <a:r>
+              <a:rPr lang="en-US" sz="1100" dirty="0">
+                <a:solidFill>
+                  <a:srgbClr val="000000"/>
+                </a:solidFill>
+                <a:latin typeface="Times New Roman" panose="02020603050405020304" pitchFamily="18" charset="0"/>
+              </a:rPr>
+              <a:t>/</a:t>
+            </a:r>
+            <a:r>
+              <a:rPr lang="en-US" sz="1100" dirty="0" err="1">
+                <a:solidFill>
+                  <a:srgbClr val="000000"/>
+                </a:solidFill>
+                <a:latin typeface="Times New Roman" panose="02020603050405020304" pitchFamily="18" charset="0"/>
+              </a:rPr>
+              <a:t>remington_moll</a:t>
+            </a:r>
+            <a:r>
+              <a:rPr lang="en-US" sz="1100" dirty="0">
+                <a:solidFill>
+                  <a:srgbClr val="000000"/>
+                </a:solidFill>
+                <a:latin typeface="Times New Roman" panose="02020603050405020304" pitchFamily="18" charset="0"/>
+              </a:rPr>
+              <a:t>/status/1367524035240759296?s=20</a:t>
+            </a:r>
+            <a:endParaRPr lang="en-US" sz="1100" dirty="0"/>
+          </a:p>
+        </p:txBody>
+      </p:sp>
+      <p:pic>
+        <p:nvPicPr>
+          <p:cNvPr id="6" name="Picture 5">
+            <a:extLst>
+              <a:ext uri="{FF2B5EF4-FFF2-40B4-BE49-F238E27FC236}">
+                <a16:creationId xmlns:a16="http://schemas.microsoft.com/office/drawing/2014/main" id="{712E1E6C-4E13-AB41-B10C-0EF578A8C047}"/>
+              </a:ext>
+            </a:extLst>
+          </p:cNvPr>
+          <p:cNvPicPr>
+            <a:picLocks noChangeAspect="1"/>
+          </p:cNvPicPr>
+          <p:nvPr/>
+        </p:nvPicPr>
+        <p:blipFill>
+          <a:blip r:embed="rId3"/>
+          <a:stretch>
+            <a:fillRect/>
+          </a:stretch>
+        </p:blipFill>
+        <p:spPr>
+          <a:xfrm flipV="1">
+            <a:off x="6718853" y="329835"/>
+            <a:ext cx="2079316" cy="1360854"/>
+          </a:xfrm>
+          <a:prstGeom prst="rect">
+            <a:avLst/>
+          </a:prstGeom>
+        </p:spPr>
+      </p:pic>
     </p:spTree>
     <p:extLst>
       <p:ext uri="{BB962C8B-B14F-4D97-AF65-F5344CB8AC3E}">
-        <p14:creationId xmlns:p14="http://schemas.microsoft.com/office/powerpoint/2010/main" val="2072042691"/>
+        <p14:creationId xmlns:p14="http://schemas.microsoft.com/office/powerpoint/2010/main" val="3146164280"/>
       </p:ext>
     </p:extLst>
   </p:cSld>
@@ -7756,7 +8768,7 @@
           <a:p>
             <a:r>
               <a:rPr lang="en-US" dirty="0"/>
-              <a:t>Model Selection Challenges</a:t>
+              <a:t>Goals</a:t>
             </a:r>
           </a:p>
         </p:txBody>
@@ -7773,54 +8785,50 @@
         </p:nvSpPr>
         <p:spPr/>
         <p:txBody>
-          <a:bodyPr>
-            <a:normAutofit lnSpcReduction="10000"/>
-          </a:bodyPr>
-          <a:lstStyle/>
-          <a:p>
-            <a:r>
-              <a:rPr lang="en-US" dirty="0"/>
-              <a:t>In perfectly designed full factorial experiments</a:t>
-            </a:r>
-          </a:p>
-          <a:p>
-            <a:pPr lvl="1"/>
-            <a:r>
-              <a:rPr lang="en-US" dirty="0"/>
-              <a:t>There aren’t many challenges!</a:t>
-            </a:r>
-          </a:p>
-          <a:p>
-            <a:pPr lvl="1"/>
-            <a:r>
-              <a:rPr lang="en-US" dirty="0"/>
-              <a:t>All approaches will produce similar results, because predictors are uncorrelated and hypotheses are clear</a:t>
-            </a:r>
-          </a:p>
-          <a:p>
-            <a:r>
-              <a:rPr lang="en-US" dirty="0"/>
-              <a:t>In the real world in Ecology and Evolution</a:t>
-            </a:r>
-          </a:p>
-          <a:p>
-            <a:pPr lvl="1"/>
-            <a:r>
-              <a:rPr lang="en-US" dirty="0"/>
-              <a:t>Predictor variables are often partially correlated</a:t>
-            </a:r>
-          </a:p>
-          <a:p>
-            <a:pPr lvl="1"/>
-            <a:r>
-              <a:rPr lang="en-US" dirty="0"/>
-              <a:t>A priori hypotheses may be less clear</a:t>
-            </a:r>
-          </a:p>
-          <a:p>
-            <a:r>
-              <a:rPr lang="en-US" dirty="0"/>
-              <a:t>This creates challenges in model fitting, interpretation, and prediction, regardless of statistical approach</a:t>
+          <a:bodyPr/>
+          <a:lstStyle/>
+          <a:p>
+            <a:pPr marL="514350" indent="-514350">
+              <a:buFont typeface="+mj-lt"/>
+              <a:buAutoNum type="arabicPeriod"/>
+            </a:pPr>
+            <a:r>
+              <a:rPr lang="en-US" dirty="0"/>
+              <a:t>Determine how to distinguish support among multiple different models</a:t>
+            </a:r>
+          </a:p>
+          <a:p>
+            <a:pPr marL="514350" indent="-514350">
+              <a:buFont typeface="+mj-lt"/>
+              <a:buAutoNum type="arabicPeriod"/>
+            </a:pPr>
+            <a:endParaRPr lang="en-US" dirty="0"/>
+          </a:p>
+          <a:p>
+            <a:pPr marL="514350" indent="-514350">
+              <a:buFont typeface="+mj-lt"/>
+              <a:buAutoNum type="arabicPeriod"/>
+            </a:pPr>
+            <a:r>
+              <a:rPr lang="en-US" dirty="0"/>
+              <a:t>Understand nested models and null models</a:t>
+            </a:r>
+          </a:p>
+          <a:p>
+            <a:pPr marL="514350" indent="-514350">
+              <a:buFont typeface="+mj-lt"/>
+              <a:buAutoNum type="arabicPeriod"/>
+            </a:pPr>
+            <a:endParaRPr lang="en-US" dirty="0"/>
+          </a:p>
+          <a:p>
+            <a:pPr marL="514350" indent="-514350">
+              <a:buFont typeface="+mj-lt"/>
+              <a:buAutoNum type="arabicPeriod"/>
+            </a:pPr>
+            <a:r>
+              <a:rPr lang="en-US" dirty="0"/>
+              <a:t>Learn model selection philosophy and the strengths and weaknesses of different approaches</a:t>
             </a:r>
           </a:p>
         </p:txBody>
@@ -7828,7 +8836,7 @@
     </p:spTree>
     <p:extLst>
       <p:ext uri="{BB962C8B-B14F-4D97-AF65-F5344CB8AC3E}">
-        <p14:creationId xmlns:p14="http://schemas.microsoft.com/office/powerpoint/2010/main" val="3169049301"/>
+        <p14:creationId xmlns:p14="http://schemas.microsoft.com/office/powerpoint/2010/main" val="913369630"/>
       </p:ext>
     </p:extLst>
   </p:cSld>
@@ -7872,7 +8880,7 @@
           <a:p>
             <a:r>
               <a:rPr lang="en-US" dirty="0"/>
-              <a:t>Model Comparison Approaches</a:t>
+              <a:t>Theory</a:t>
             </a:r>
           </a:p>
         </p:txBody>
@@ -7892,64 +8900,27 @@
           <a:bodyPr/>
           <a:lstStyle/>
           <a:p>
-            <a:pPr marL="514350" indent="-514350">
-              <a:buFont typeface="+mj-lt"/>
-              <a:buAutoNum type="arabicPeriod"/>
-            </a:pPr>
-            <a:r>
-              <a:rPr lang="en-US" dirty="0"/>
-              <a:t>Stepwise Approaches</a:t>
-            </a:r>
-          </a:p>
-          <a:p>
-            <a:pPr marL="514350" indent="-514350">
-              <a:buFont typeface="+mj-lt"/>
-              <a:buAutoNum type="arabicPeriod"/>
-            </a:pPr>
+            <a:r>
+              <a:rPr lang="en-US" dirty="0"/>
+              <a:t>We often have multiple hypotheses about which factors are most important in influencing something</a:t>
+            </a:r>
+          </a:p>
+          <a:p>
             <a:endParaRPr lang="en-US" dirty="0"/>
           </a:p>
           <a:p>
-            <a:pPr marL="514350" indent="-514350">
-              <a:buFont typeface="+mj-lt"/>
-              <a:buAutoNum type="arabicPeriod"/>
-            </a:pPr>
-            <a:r>
-              <a:rPr lang="en-US" dirty="0"/>
-              <a:t>Likelihood Ratio Tests</a:t>
-            </a:r>
-          </a:p>
-          <a:p>
-            <a:pPr marL="514350" indent="-514350">
-              <a:buFont typeface="+mj-lt"/>
-              <a:buAutoNum type="arabicPeriod"/>
-            </a:pPr>
+            <a:r>
+              <a:rPr lang="en-US" dirty="0"/>
+              <a:t>Related to this, we often have multiple working hypotheses about how things interact</a:t>
+            </a:r>
+          </a:p>
+          <a:p>
             <a:endParaRPr lang="en-US" dirty="0"/>
           </a:p>
           <a:p>
-            <a:pPr marL="514350" indent="-514350">
-              <a:buFont typeface="+mj-lt"/>
-              <a:buAutoNum type="arabicPeriod"/>
-            </a:pPr>
-            <a:r>
-              <a:rPr lang="en-US" dirty="0"/>
-              <a:t>Information Criteria</a:t>
-            </a:r>
-          </a:p>
-          <a:p>
-            <a:pPr marL="514350" indent="-514350">
-              <a:buFont typeface="+mj-lt"/>
-              <a:buAutoNum type="arabicPeriod"/>
-            </a:pPr>
-            <a:endParaRPr lang="en-US" dirty="0"/>
-          </a:p>
-          <a:p>
-            <a:pPr marL="514350" indent="-514350">
-              <a:buFont typeface="+mj-lt"/>
-              <a:buAutoNum type="arabicPeriod"/>
-            </a:pPr>
-            <a:r>
-              <a:rPr lang="en-US" dirty="0"/>
-              <a:t>Bayesian Approaches</a:t>
+            <a:r>
+              <a:rPr lang="en-US" dirty="0"/>
+              <a:t>How do we know which models are best at explaining our data?</a:t>
             </a:r>
           </a:p>
         </p:txBody>
@@ -7957,7 +8928,7 @@
     </p:spTree>
     <p:extLst>
       <p:ext uri="{BB962C8B-B14F-4D97-AF65-F5344CB8AC3E}">
-        <p14:creationId xmlns:p14="http://schemas.microsoft.com/office/powerpoint/2010/main" val="2003575082"/>
+        <p14:creationId xmlns:p14="http://schemas.microsoft.com/office/powerpoint/2010/main" val="1101182634"/>
       </p:ext>
     </p:extLst>
   </p:cSld>
@@ -8001,7 +8972,7 @@
           <a:p>
             <a:r>
               <a:rPr lang="en-US" dirty="0"/>
-              <a:t>The goal of statistics</a:t>
+              <a:t>Parsimony</a:t>
             </a:r>
           </a:p>
         </p:txBody>
@@ -8016,133 +8987,51 @@
             <p:ph idx="1"/>
           </p:nvPr>
         </p:nvSpPr>
-        <p:spPr>
-          <a:xfrm>
-            <a:off x="628650" y="1455756"/>
-            <a:ext cx="7886700" cy="5222445"/>
-          </a:xfrm>
-        </p:spPr>
+        <p:spPr/>
         <p:txBody>
           <a:bodyPr>
-            <a:normAutofit fontScale="85000" lnSpcReduction="20000"/>
+            <a:normAutofit lnSpcReduction="10000"/>
           </a:bodyPr>
           <a:lstStyle/>
           <a:p>
             <a:r>
               <a:rPr lang="en-US" dirty="0"/>
-              <a:t>Try to extract biological insight or make predictions from data by fitting models to data.</a:t>
-            </a:r>
-          </a:p>
-          <a:p>
-            <a:r>
-              <a:rPr lang="en-US" dirty="0"/>
-              <a:t>Univariate analysis: often null hypothesis testing</a:t>
-            </a:r>
-          </a:p>
-          <a:p>
-            <a:r>
-              <a:rPr lang="en-US" dirty="0"/>
-              <a:t>Multivariate analysis: multiple regression</a:t>
-            </a:r>
-          </a:p>
-          <a:p>
-            <a:r>
-              <a:rPr lang="en-US" dirty="0"/>
-              <a:t>In both cases we are usually asking the question: does X</a:t>
-            </a:r>
-            <a:r>
-              <a:rPr lang="en-US" baseline="-25000" dirty="0"/>
-              <a:t>1</a:t>
-            </a:r>
-            <a:r>
-              <a:rPr lang="en-US" dirty="0"/>
-              <a:t> (or X</a:t>
-            </a:r>
-            <a:r>
-              <a:rPr lang="en-US" baseline="-25000" dirty="0"/>
-              <a:t>1</a:t>
-            </a:r>
-            <a:r>
-              <a:rPr lang="en-US" dirty="0"/>
-              <a:t> and/or X</a:t>
-            </a:r>
-            <a:r>
-              <a:rPr lang="en-US" baseline="-25000" dirty="0"/>
-              <a:t>2</a:t>
-            </a:r>
-            <a:r>
-              <a:rPr lang="en-US" dirty="0"/>
-              <a:t>) influence Y, or what is the influence of X on Y?</a:t>
-            </a:r>
-          </a:p>
-          <a:p>
-            <a:r>
-              <a:rPr lang="en-US" dirty="0"/>
-              <a:t>Approaches</a:t>
-            </a:r>
-          </a:p>
-          <a:p>
-            <a:pPr lvl="1"/>
-            <a:r>
-              <a:rPr lang="en-US" dirty="0"/>
-              <a:t>Fit full model and interpret coefficients</a:t>
-            </a:r>
-          </a:p>
-          <a:p>
-            <a:pPr lvl="2"/>
-            <a:r>
-              <a:rPr lang="en-US" dirty="0"/>
-              <a:t>Challenge: weak “noise” predictors can create bias in other parameter estimates, and result poor predictions (“</a:t>
+              <a:t>This is sometimes called </a:t>
+            </a:r>
+            <a:r>
+              <a:rPr lang="en-US" i="1" dirty="0" err="1"/>
+              <a:t>Occams</a:t>
+            </a:r>
+            <a:r>
+              <a:rPr lang="en-US" i="1" dirty="0"/>
+              <a:t> razor</a:t>
+            </a:r>
+            <a:endParaRPr lang="en-US" dirty="0"/>
+          </a:p>
+          <a:p>
+            <a:r>
+              <a:rPr lang="en-US" dirty="0"/>
+              <a:t>This is a general argument for choosing simpler models even though we know the world is complicated</a:t>
+            </a:r>
+          </a:p>
+          <a:p>
+            <a:r>
+              <a:rPr lang="en-US" dirty="0"/>
+              <a:t>Model selection approaches usually go beyond parsimony to try and determine whether a more complex model is better than a simpler one</a:t>
+            </a:r>
+          </a:p>
+          <a:p>
+            <a:r>
+              <a:rPr lang="en-US" dirty="0"/>
+              <a:t>This is usually done by seeing whether there is some threshold of “</a:t>
             </a:r>
             <a:r>
               <a:rPr lang="en-US" dirty="0" err="1"/>
-              <a:t>overfitting</a:t>
-            </a:r>
-            <a:r>
-              <a:rPr lang="en-US" dirty="0"/>
-              <a:t>”)</a:t>
-            </a:r>
-          </a:p>
-          <a:p>
-            <a:pPr lvl="1"/>
-            <a:r>
-              <a:rPr lang="en-US" dirty="0"/>
-              <a:t>Stepwise regression</a:t>
-            </a:r>
-          </a:p>
-          <a:p>
-            <a:pPr lvl="2"/>
-            <a:r>
-              <a:rPr lang="en-US" dirty="0"/>
-              <a:t>Forward/Backward/Both with criteria – p-value, F/t-value, AIC</a:t>
-            </a:r>
-          </a:p>
-          <a:p>
-            <a:pPr lvl="1"/>
-            <a:r>
-              <a:rPr lang="en-US" dirty="0"/>
-              <a:t>Likelihood Ratio Test</a:t>
-            </a:r>
-          </a:p>
-          <a:p>
-            <a:pPr lvl="2"/>
-            <a:r>
-              <a:rPr lang="en-US" dirty="0"/>
-              <a:t>Requires that models are nested versions of each other</a:t>
-            </a:r>
-          </a:p>
-          <a:p>
-            <a:pPr lvl="1"/>
-            <a:r>
-              <a:rPr lang="en-US" dirty="0"/>
-              <a:t>AIC (or other IC) model comparison of selected models</a:t>
-            </a:r>
-          </a:p>
-          <a:p>
-            <a:pPr lvl="1"/>
-            <a:r>
-              <a:rPr lang="en-US" dirty="0"/>
-              <a:t>Bayesian approach</a:t>
+              <a:t>betterness</a:t>
+            </a:r>
+            <a:r>
+              <a:rPr lang="en-US" dirty="0"/>
+              <a:t>” to be worth the added model complexity</a:t>
             </a:r>
           </a:p>
         </p:txBody>
@@ -8150,7 +9039,7 @@
     </p:spTree>
     <p:extLst>
       <p:ext uri="{BB962C8B-B14F-4D97-AF65-F5344CB8AC3E}">
-        <p14:creationId xmlns:p14="http://schemas.microsoft.com/office/powerpoint/2010/main" val="2056404739"/>
+        <p14:creationId xmlns:p14="http://schemas.microsoft.com/office/powerpoint/2010/main" val="711464144"/>
       </p:ext>
     </p:extLst>
   </p:cSld>

--- a/lectures/week_11_model_selection/le111_model_selection.pptx
+++ b/lectures/week_11_model_selection/le111_model_selection.pptx
@@ -5,55 +5,50 @@
     <p:sldMasterId id="2147483660" r:id="rId1"/>
   </p:sldMasterIdLst>
   <p:notesMasterIdLst>
-    <p:notesMasterId r:id="rId48"/>
+    <p:notesMasterId r:id="rId43"/>
   </p:notesMasterIdLst>
   <p:sldIdLst>
     <p:sldId id="256" r:id="rId2"/>
-    <p:sldId id="305" r:id="rId3"/>
-    <p:sldId id="306" r:id="rId4"/>
-    <p:sldId id="307" r:id="rId5"/>
-    <p:sldId id="308" r:id="rId6"/>
-    <p:sldId id="309" r:id="rId7"/>
-    <p:sldId id="277" r:id="rId8"/>
-    <p:sldId id="278" r:id="rId9"/>
-    <p:sldId id="290" r:id="rId10"/>
-    <p:sldId id="291" r:id="rId11"/>
-    <p:sldId id="279" r:id="rId12"/>
-    <p:sldId id="261" r:id="rId13"/>
-    <p:sldId id="280" r:id="rId14"/>
-    <p:sldId id="259" r:id="rId15"/>
-    <p:sldId id="282" r:id="rId16"/>
-    <p:sldId id="262" r:id="rId17"/>
-    <p:sldId id="284" r:id="rId18"/>
-    <p:sldId id="283" r:id="rId19"/>
-    <p:sldId id="263" r:id="rId20"/>
-    <p:sldId id="285" r:id="rId21"/>
-    <p:sldId id="269" r:id="rId22"/>
-    <p:sldId id="286" r:id="rId23"/>
-    <p:sldId id="287" r:id="rId24"/>
-    <p:sldId id="288" r:id="rId25"/>
-    <p:sldId id="289" r:id="rId26"/>
-    <p:sldId id="281" r:id="rId27"/>
-    <p:sldId id="292" r:id="rId28"/>
-    <p:sldId id="293" r:id="rId29"/>
-    <p:sldId id="258" r:id="rId30"/>
-    <p:sldId id="294" r:id="rId31"/>
-    <p:sldId id="295" r:id="rId32"/>
-    <p:sldId id="266" r:id="rId33"/>
-    <p:sldId id="296" r:id="rId34"/>
-    <p:sldId id="297" r:id="rId35"/>
-    <p:sldId id="268" r:id="rId36"/>
-    <p:sldId id="267" r:id="rId37"/>
-    <p:sldId id="304" r:id="rId38"/>
-    <p:sldId id="303" r:id="rId39"/>
-    <p:sldId id="299" r:id="rId40"/>
-    <p:sldId id="273" r:id="rId41"/>
-    <p:sldId id="298" r:id="rId42"/>
-    <p:sldId id="265" r:id="rId43"/>
-    <p:sldId id="300" r:id="rId44"/>
-    <p:sldId id="301" r:id="rId45"/>
-    <p:sldId id="274" r:id="rId46"/>
-    <p:sldId id="302" r:id="rId47"/>
+    <p:sldId id="277" r:id="rId3"/>
+    <p:sldId id="278" r:id="rId4"/>
+    <p:sldId id="290" r:id="rId5"/>
+    <p:sldId id="291" r:id="rId6"/>
+    <p:sldId id="279" r:id="rId7"/>
+    <p:sldId id="261" r:id="rId8"/>
+    <p:sldId id="280" r:id="rId9"/>
+    <p:sldId id="259" r:id="rId10"/>
+    <p:sldId id="282" r:id="rId11"/>
+    <p:sldId id="262" r:id="rId12"/>
+    <p:sldId id="284" r:id="rId13"/>
+    <p:sldId id="283" r:id="rId14"/>
+    <p:sldId id="263" r:id="rId15"/>
+    <p:sldId id="285" r:id="rId16"/>
+    <p:sldId id="269" r:id="rId17"/>
+    <p:sldId id="286" r:id="rId18"/>
+    <p:sldId id="287" r:id="rId19"/>
+    <p:sldId id="288" r:id="rId20"/>
+    <p:sldId id="289" r:id="rId21"/>
+    <p:sldId id="281" r:id="rId22"/>
+    <p:sldId id="292" r:id="rId23"/>
+    <p:sldId id="293" r:id="rId24"/>
+    <p:sldId id="258" r:id="rId25"/>
+    <p:sldId id="294" r:id="rId26"/>
+    <p:sldId id="295" r:id="rId27"/>
+    <p:sldId id="266" r:id="rId28"/>
+    <p:sldId id="296" r:id="rId29"/>
+    <p:sldId id="297" r:id="rId30"/>
+    <p:sldId id="268" r:id="rId31"/>
+    <p:sldId id="267" r:id="rId32"/>
+    <p:sldId id="304" r:id="rId33"/>
+    <p:sldId id="303" r:id="rId34"/>
+    <p:sldId id="299" r:id="rId35"/>
+    <p:sldId id="273" r:id="rId36"/>
+    <p:sldId id="298" r:id="rId37"/>
+    <p:sldId id="265" r:id="rId38"/>
+    <p:sldId id="300" r:id="rId39"/>
+    <p:sldId id="301" r:id="rId40"/>
+    <p:sldId id="274" r:id="rId41"/>
+    <p:sldId id="302" r:id="rId42"/>
   </p:sldIdLst>
   <p:sldSz cx="9144000" cy="6858000" type="screen4x3"/>
   <p:notesSz cx="6858000" cy="9144000"/>
@@ -158,11 +153,6 @@
         <p14:section name="Default Section" id="{E34CF835-B97B-6A40-888F-71289A761740}">
           <p14:sldIdLst>
             <p14:sldId id="256"/>
-            <p14:sldId id="305"/>
-            <p14:sldId id="306"/>
-            <p14:sldId id="307"/>
-            <p14:sldId id="308"/>
-            <p14:sldId id="309"/>
             <p14:sldId id="277"/>
             <p14:sldId id="278"/>
             <p14:sldId id="290"/>
@@ -319,7 +309,7 @@
           <a:p>
             <a:fld id="{F00CAE13-515D-42AB-B1C6-C768CFAA9040}" type="datetimeFigureOut">
               <a:rPr lang="en-US" smtClean="0"/>
-              <a:t>3/30/21</a:t>
+              <a:t>4/5/22</a:t>
             </a:fld>
             <a:endParaRPr lang="en-US"/>
           </a:p>
@@ -720,7 +710,7 @@
             <a:fld id="{F16B42BE-E9E8-4C91-8CAE-DCF3A8462AA2}" type="datetimeFigureOut">
               <a:rPr lang="en-US" smtClean="0"/>
               <a:pPr/>
-              <a:t>3/30/21</a:t>
+              <a:t>4/5/22</a:t>
             </a:fld>
             <a:endParaRPr lang="en-US"/>
           </a:p>
@@ -892,7 +882,7 @@
             <a:fld id="{F16B42BE-E9E8-4C91-8CAE-DCF3A8462AA2}" type="datetimeFigureOut">
               <a:rPr lang="en-US" smtClean="0"/>
               <a:pPr/>
-              <a:t>3/30/21</a:t>
+              <a:t>4/5/22</a:t>
             </a:fld>
             <a:endParaRPr lang="en-US"/>
           </a:p>
@@ -1074,7 +1064,7 @@
             <a:fld id="{F16B42BE-E9E8-4C91-8CAE-DCF3A8462AA2}" type="datetimeFigureOut">
               <a:rPr lang="en-US" smtClean="0"/>
               <a:pPr/>
-              <a:t>3/30/21</a:t>
+              <a:t>4/5/22</a:t>
             </a:fld>
             <a:endParaRPr lang="en-US"/>
           </a:p>
@@ -1264,7 +1254,7 @@
             <a:fld id="{F16B42BE-E9E8-4C91-8CAE-DCF3A8462AA2}" type="datetimeFigureOut">
               <a:rPr lang="en-US" smtClean="0"/>
               <a:pPr/>
-              <a:t>3/30/21</a:t>
+              <a:t>4/5/22</a:t>
             </a:fld>
             <a:endParaRPr lang="en-US"/>
           </a:p>
@@ -1510,7 +1500,7 @@
             <a:fld id="{F16B42BE-E9E8-4C91-8CAE-DCF3A8462AA2}" type="datetimeFigureOut">
               <a:rPr lang="en-US" smtClean="0"/>
               <a:pPr/>
-              <a:t>3/30/21</a:t>
+              <a:t>4/5/22</a:t>
             </a:fld>
             <a:endParaRPr lang="en-US"/>
           </a:p>
@@ -1744,7 +1734,7 @@
             <a:fld id="{F16B42BE-E9E8-4C91-8CAE-DCF3A8462AA2}" type="datetimeFigureOut">
               <a:rPr lang="en-US" smtClean="0"/>
               <a:pPr/>
-              <a:t>3/30/21</a:t>
+              <a:t>4/5/22</a:t>
             </a:fld>
             <a:endParaRPr lang="en-US"/>
           </a:p>
@@ -2113,7 +2103,7 @@
             <a:fld id="{F16B42BE-E9E8-4C91-8CAE-DCF3A8462AA2}" type="datetimeFigureOut">
               <a:rPr lang="en-US" smtClean="0"/>
               <a:pPr/>
-              <a:t>3/30/21</a:t>
+              <a:t>4/5/22</a:t>
             </a:fld>
             <a:endParaRPr lang="en-US"/>
           </a:p>
@@ -2233,7 +2223,7 @@
             <a:fld id="{F16B42BE-E9E8-4C91-8CAE-DCF3A8462AA2}" type="datetimeFigureOut">
               <a:rPr lang="en-US" smtClean="0"/>
               <a:pPr/>
-              <a:t>3/30/21</a:t>
+              <a:t>4/5/22</a:t>
             </a:fld>
             <a:endParaRPr lang="en-US"/>
           </a:p>
@@ -2330,7 +2320,7 @@
             <a:fld id="{F16B42BE-E9E8-4C91-8CAE-DCF3A8462AA2}" type="datetimeFigureOut">
               <a:rPr lang="en-US" smtClean="0"/>
               <a:pPr/>
-              <a:t>3/30/21</a:t>
+              <a:t>4/5/22</a:t>
             </a:fld>
             <a:endParaRPr lang="en-US"/>
           </a:p>
@@ -2609,7 +2599,7 @@
             <a:fld id="{F16B42BE-E9E8-4C91-8CAE-DCF3A8462AA2}" type="datetimeFigureOut">
               <a:rPr lang="en-US" smtClean="0"/>
               <a:pPr/>
-              <a:t>3/30/21</a:t>
+              <a:t>4/5/22</a:t>
             </a:fld>
             <a:endParaRPr lang="en-US"/>
           </a:p>
@@ -2868,7 +2858,7 @@
             <a:fld id="{F16B42BE-E9E8-4C91-8CAE-DCF3A8462AA2}" type="datetimeFigureOut">
               <a:rPr lang="en-US" smtClean="0"/>
               <a:pPr/>
-              <a:t>3/30/21</a:t>
+              <a:t>4/5/22</a:t>
             </a:fld>
             <a:endParaRPr lang="en-US"/>
           </a:p>
@@ -3081,7 +3071,7 @@
             <a:fld id="{F16B42BE-E9E8-4C91-8CAE-DCF3A8462AA2}" type="datetimeFigureOut">
               <a:rPr lang="en-US" smtClean="0"/>
               <a:pPr/>
-              <a:t>3/30/21</a:t>
+              <a:t>4/5/22</a:t>
             </a:fld>
             <a:endParaRPr lang="en-US"/>
           </a:p>
@@ -3553,22 +3543,12 @@
         </p:nvSpPr>
         <p:spPr/>
         <p:txBody>
-          <a:bodyPr>
-            <a:normAutofit fontScale="90000"/>
-          </a:bodyPr>
-          <a:lstStyle/>
-          <a:p>
-            <a:r>
-              <a:rPr lang="en-US" dirty="0"/>
-              <a:t>Model complexity and prediction </a:t>
-            </a:r>
-            <a:r>
-              <a:rPr lang="mr-IN" dirty="0"/>
-              <a:t>–</a:t>
-            </a:r>
-            <a:r>
-              <a:rPr lang="en-US" dirty="0"/>
-              <a:t> the bias variance tradeoff</a:t>
+          <a:bodyPr/>
+          <a:lstStyle/>
+          <a:p>
+            <a:r>
+              <a:rPr lang="en-US" dirty="0"/>
+              <a:t>Stepwise regression</a:t>
             </a:r>
           </a:p>
         </p:txBody>
@@ -3585,14 +3565,12 @@
         </p:nvSpPr>
         <p:spPr/>
         <p:txBody>
-          <a:bodyPr>
-            <a:normAutofit fontScale="77500" lnSpcReduction="20000"/>
-          </a:bodyPr>
-          <a:lstStyle/>
-          <a:p>
-            <a:r>
-              <a:rPr lang="en-US" dirty="0"/>
-              <a:t>As we add more variables to our models, we can get an increasingly accurate fit to the particular data we have observed (e.g. a higher R squared)</a:t>
+          <a:bodyPr/>
+          <a:lstStyle/>
+          <a:p>
+            <a:r>
+              <a:rPr lang="en-US" dirty="0"/>
+              <a:t>There are two major approaches for stepwise regression:</a:t>
             </a:r>
           </a:p>
           <a:p>
@@ -3601,25 +3579,7 @@
           <a:p>
             <a:r>
               <a:rPr lang="en-US" dirty="0"/>
-              <a:t>However, the precision of our predictions </a:t>
-            </a:r>
-            <a:r>
-              <a:rPr lang="en-US" u="sng" dirty="0"/>
-              <a:t>decreases </a:t>
-            </a:r>
-            <a:r>
-              <a:rPr lang="en-US" dirty="0"/>
-              <a:t> as we add more variables</a:t>
-            </a:r>
-            <a:endParaRPr lang="en-US" u="sng" dirty="0"/>
-          </a:p>
-          <a:p>
-            <a:endParaRPr lang="en-US" u="sng" dirty="0"/>
-          </a:p>
-          <a:p>
-            <a:r>
-              <a:rPr lang="en-US" dirty="0"/>
-              <a:t>This is because data contain a fixed amount of information and as we add more predictors, we spread the data thinner and thinner</a:t>
+              <a:t>1. Forward stepwise regression</a:t>
             </a:r>
           </a:p>
           <a:p>
@@ -3628,7 +3588,7 @@
           <a:p>
             <a:r>
               <a:rPr lang="en-US" dirty="0"/>
-              <a:t>The gain in accuracy from having more details in the model is outweighed by the loss of precision in estimating the effect of each variable</a:t>
+              <a:t>2. Backward stepwise regression</a:t>
             </a:r>
           </a:p>
         </p:txBody>
@@ -3636,7 +3596,7 @@
     </p:spTree>
     <p:extLst>
       <p:ext uri="{BB962C8B-B14F-4D97-AF65-F5344CB8AC3E}">
-        <p14:creationId xmlns:p14="http://schemas.microsoft.com/office/powerpoint/2010/main" val="388921712"/>
+        <p14:creationId xmlns:p14="http://schemas.microsoft.com/office/powerpoint/2010/main" val="178533353"/>
       </p:ext>
     </p:extLst>
   </p:cSld>
@@ -3680,7 +3640,7 @@
           <a:p>
             <a:r>
               <a:rPr lang="en-US" dirty="0"/>
-              <a:t>Model Comparisons</a:t>
+              <a:t>Forward Stepwise regression</a:t>
             </a:r>
           </a:p>
         </p:txBody>
@@ -3698,51 +3658,53 @@
         <p:spPr/>
         <p:txBody>
           <a:bodyPr>
-            <a:normAutofit lnSpcReduction="10000"/>
+            <a:normAutofit/>
           </a:bodyPr>
           <a:lstStyle/>
           <a:p>
             <a:r>
               <a:rPr lang="en-US" dirty="0"/>
-              <a:t>Comparing models might be one of the most deeply divisive issues within quantitative ecology</a:t>
-            </a:r>
-          </a:p>
-          <a:p>
+              <a:t>Procedure</a:t>
+            </a:r>
+          </a:p>
+          <a:p>
+            <a:pPr lvl="1"/>
+            <a:r>
+              <a:rPr lang="en-US" dirty="0"/>
+              <a:t>Correlate all predictors with response individually</a:t>
+            </a:r>
+          </a:p>
+          <a:p>
+            <a:pPr lvl="1"/>
+            <a:r>
+              <a:rPr lang="en-US" dirty="0"/>
+              <a:t>Select strongest predictor (by F, t, p-value) to be included in model, assuming it passes threshold (e.g. p&lt;0.05, t&gt;2, F&gt;4)</a:t>
+            </a:r>
+          </a:p>
+          <a:p>
+            <a:pPr lvl="1"/>
+            <a:r>
+              <a:rPr lang="en-US" dirty="0"/>
+              <a:t>Add this predictor to your model, and then correlate the remaining predictors. Select next strongest predictor and add to model and test it against threshold; keep it if it passes</a:t>
+            </a:r>
+          </a:p>
+          <a:p>
+            <a:pPr lvl="1"/>
+            <a:r>
+              <a:rPr lang="en-US" dirty="0"/>
+              <a:t>Repeat until no additional variables are added</a:t>
+            </a:r>
+          </a:p>
+          <a:p>
+            <a:pPr lvl="2"/>
             <a:endParaRPr lang="en-US" dirty="0"/>
-          </a:p>
-          <a:p>
-            <a:r>
-              <a:rPr lang="en-US" dirty="0"/>
-              <a:t>This is in part because all of the methods </a:t>
-            </a:r>
-            <a:r>
-              <a:rPr lang="en-US" u="sng" dirty="0"/>
-              <a:t>get things wrong</a:t>
-            </a:r>
-            <a:endParaRPr lang="en-US" dirty="0"/>
-          </a:p>
-          <a:p>
-            <a:endParaRPr lang="en-US" dirty="0"/>
-          </a:p>
-          <a:p>
-            <a:r>
-              <a:rPr lang="en-US" dirty="0"/>
-              <a:t>However, in most cases these approaches will give reasonably consistent answers. </a:t>
-            </a:r>
-          </a:p>
-          <a:p>
-            <a:pPr lvl="1"/>
-            <a:r>
-              <a:rPr lang="en-US" dirty="0"/>
-              <a:t>It is important to watch out for these inconsistencies to avoid wrongness</a:t>
-            </a:r>
           </a:p>
         </p:txBody>
       </p:sp>
     </p:spTree>
     <p:extLst>
       <p:ext uri="{BB962C8B-B14F-4D97-AF65-F5344CB8AC3E}">
-        <p14:creationId xmlns:p14="http://schemas.microsoft.com/office/powerpoint/2010/main" val="2072042691"/>
+        <p14:creationId xmlns:p14="http://schemas.microsoft.com/office/powerpoint/2010/main" val="2178145160"/>
       </p:ext>
     </p:extLst>
   </p:cSld>
@@ -3786,7 +3748,7 @@
           <a:p>
             <a:r>
               <a:rPr lang="en-US" dirty="0"/>
-              <a:t>Model Selection Challenges</a:t>
+              <a:t>Forward Stepwise Example</a:t>
             </a:r>
           </a:p>
         </p:txBody>
@@ -3803,54 +3765,12 @@
         </p:nvSpPr>
         <p:spPr/>
         <p:txBody>
-          <a:bodyPr>
-            <a:normAutofit lnSpcReduction="10000"/>
-          </a:bodyPr>
-          <a:lstStyle/>
-          <a:p>
-            <a:r>
-              <a:rPr lang="en-US" dirty="0"/>
-              <a:t>In perfectly designed full factorial experiments</a:t>
-            </a:r>
-          </a:p>
-          <a:p>
-            <a:pPr lvl="1"/>
-            <a:r>
-              <a:rPr lang="en-US" dirty="0"/>
-              <a:t>There aren’t many challenges!</a:t>
-            </a:r>
-          </a:p>
-          <a:p>
-            <a:pPr lvl="1"/>
-            <a:r>
-              <a:rPr lang="en-US" dirty="0"/>
-              <a:t>All approaches will produce similar results, because predictors are uncorrelated and hypotheses are clear</a:t>
-            </a:r>
-          </a:p>
-          <a:p>
-            <a:r>
-              <a:rPr lang="en-US" dirty="0"/>
-              <a:t>In the real world in Ecology and Evolution</a:t>
-            </a:r>
-          </a:p>
-          <a:p>
-            <a:pPr lvl="1"/>
-            <a:r>
-              <a:rPr lang="en-US" dirty="0"/>
-              <a:t>Predictor variables are often partially correlated</a:t>
-            </a:r>
-          </a:p>
-          <a:p>
-            <a:pPr lvl="1"/>
-            <a:r>
-              <a:rPr lang="en-US" dirty="0"/>
-              <a:t>A priori hypotheses may be less clear</a:t>
-            </a:r>
-          </a:p>
-          <a:p>
-            <a:r>
-              <a:rPr lang="en-US" dirty="0"/>
-              <a:t>This creates challenges in model fitting, interpretation, and prediction, regardless of statistical approach</a:t>
+          <a:bodyPr/>
+          <a:lstStyle/>
+          <a:p>
+            <a:r>
+              <a:rPr lang="en-US" dirty="0"/>
+              <a:t>See R code</a:t>
             </a:r>
           </a:p>
         </p:txBody>
@@ -3858,7 +3778,7 @@
     </p:spTree>
     <p:extLst>
       <p:ext uri="{BB962C8B-B14F-4D97-AF65-F5344CB8AC3E}">
-        <p14:creationId xmlns:p14="http://schemas.microsoft.com/office/powerpoint/2010/main" val="3169049301"/>
+        <p14:creationId xmlns:p14="http://schemas.microsoft.com/office/powerpoint/2010/main" val="90101926"/>
       </p:ext>
     </p:extLst>
   </p:cSld>
@@ -3902,7 +3822,7 @@
           <a:p>
             <a:r>
               <a:rPr lang="en-US" dirty="0"/>
-              <a:t>Model Comparison Approaches</a:t>
+              <a:t>Forward Stepwise regression challenges</a:t>
             </a:r>
           </a:p>
         </p:txBody>
@@ -3922,72 +3842,41 @@
           <a:bodyPr/>
           <a:lstStyle/>
           <a:p>
-            <a:pPr marL="514350" indent="-514350">
-              <a:buFont typeface="+mj-lt"/>
-              <a:buAutoNum type="arabicPeriod"/>
-            </a:pPr>
-            <a:r>
-              <a:rPr lang="en-US" dirty="0"/>
-              <a:t>Stepwise Approaches</a:t>
-            </a:r>
-          </a:p>
-          <a:p>
-            <a:pPr marL="514350" indent="-514350">
-              <a:buFont typeface="+mj-lt"/>
-              <a:buAutoNum type="arabicPeriod"/>
-            </a:pPr>
+            <a:r>
+              <a:rPr lang="en-US" dirty="0"/>
+              <a:t>Major difficulty</a:t>
+            </a:r>
+          </a:p>
+          <a:p>
+            <a:pPr lvl="1"/>
+            <a:r>
+              <a:rPr lang="en-US" dirty="0"/>
+              <a:t>If two predictors are even weakly correlated it is quite possible for neither to be significantly related to response by themselves, but highly significant when in a model together</a:t>
+            </a:r>
+          </a:p>
+          <a:p>
+            <a:pPr lvl="1"/>
             <a:endParaRPr lang="en-US" dirty="0"/>
           </a:p>
           <a:p>
-            <a:pPr marL="514350" indent="-514350">
-              <a:buFont typeface="+mj-lt"/>
-              <a:buAutoNum type="arabicPeriod"/>
-            </a:pPr>
-            <a:r>
-              <a:rPr lang="en-US" dirty="0"/>
-              <a:t>Likelihood Ratio Tests</a:t>
-            </a:r>
-          </a:p>
-          <a:p>
-            <a:pPr marL="514350" indent="-514350">
-              <a:buFont typeface="+mj-lt"/>
-              <a:buAutoNum type="arabicPeriod"/>
-            </a:pPr>
+            <a:r>
+              <a:rPr lang="en-US" dirty="0"/>
+              <a:t>Resolution: </a:t>
+            </a:r>
+            <a:r>
+              <a:rPr lang="en-US" u="sng" dirty="0"/>
+              <a:t>Don’t ever use this version of forward stepwise regression</a:t>
+            </a:r>
+          </a:p>
+          <a:p>
             <a:endParaRPr lang="en-US" dirty="0"/>
-          </a:p>
-          <a:p>
-            <a:pPr marL="514350" indent="-514350">
-              <a:buFont typeface="+mj-lt"/>
-              <a:buAutoNum type="arabicPeriod"/>
-            </a:pPr>
-            <a:r>
-              <a:rPr lang="en-US" dirty="0"/>
-              <a:t>Information Criteria</a:t>
-            </a:r>
-          </a:p>
-          <a:p>
-            <a:pPr marL="514350" indent="-514350">
-              <a:buFont typeface="+mj-lt"/>
-              <a:buAutoNum type="arabicPeriod"/>
-            </a:pPr>
-            <a:endParaRPr lang="en-US" dirty="0"/>
-          </a:p>
-          <a:p>
-            <a:pPr marL="514350" indent="-514350">
-              <a:buFont typeface="+mj-lt"/>
-              <a:buAutoNum type="arabicPeriod"/>
-            </a:pPr>
-            <a:r>
-              <a:rPr lang="en-US" dirty="0"/>
-              <a:t>Bayesian Approaches</a:t>
-            </a:r>
           </a:p>
         </p:txBody>
       </p:sp>
     </p:spTree>
     <p:extLst>
       <p:ext uri="{BB962C8B-B14F-4D97-AF65-F5344CB8AC3E}">
-        <p14:creationId xmlns:p14="http://schemas.microsoft.com/office/powerpoint/2010/main" val="2003575082"/>
+        <p14:creationId xmlns:p14="http://schemas.microsoft.com/office/powerpoint/2010/main" val="842054382"/>
       </p:ext>
     </p:extLst>
   </p:cSld>
@@ -4024,155 +3913,89 @@
             <p:ph type="title"/>
           </p:nvPr>
         </p:nvSpPr>
-        <p:spPr/>
-        <p:txBody>
-          <a:bodyPr/>
-          <a:lstStyle/>
-          <a:p>
-            <a:r>
-              <a:rPr lang="en-US" dirty="0"/>
-              <a:t>The goal of statistics</a:t>
-            </a:r>
-          </a:p>
-        </p:txBody>
-      </p:sp>
-      <p:sp>
-        <p:nvSpPr>
-          <p:cNvPr id="3" name="Content Placeholder 2"/>
-          <p:cNvSpPr>
-            <a:spLocks noGrp="1"/>
-          </p:cNvSpPr>
-          <p:nvPr>
-            <p:ph idx="1"/>
-          </p:nvPr>
-        </p:nvSpPr>
         <p:spPr>
           <a:xfrm>
-            <a:off x="628650" y="1455756"/>
-            <a:ext cx="7886700" cy="5222445"/>
+            <a:off x="378368" y="365126"/>
+            <a:ext cx="8284122" cy="1325563"/>
           </a:xfrm>
         </p:spPr>
         <p:txBody>
+          <a:bodyPr/>
+          <a:lstStyle/>
+          <a:p>
+            <a:r>
+              <a:rPr lang="en-US" dirty="0"/>
+              <a:t>Backwards stepwise regression</a:t>
+            </a:r>
+          </a:p>
+        </p:txBody>
+      </p:sp>
+      <p:sp>
+        <p:nvSpPr>
+          <p:cNvPr id="3" name="Content Placeholder 2"/>
+          <p:cNvSpPr>
+            <a:spLocks noGrp="1"/>
+          </p:cNvSpPr>
+          <p:nvPr>
+            <p:ph idx="1"/>
+          </p:nvPr>
+        </p:nvSpPr>
+        <p:spPr>
+          <a:xfrm>
+            <a:off x="628650" y="1447256"/>
+            <a:ext cx="7886700" cy="5389723"/>
+          </a:xfrm>
+        </p:spPr>
+        <p:txBody>
           <a:bodyPr>
-            <a:normAutofit fontScale="85000" lnSpcReduction="20000"/>
+            <a:normAutofit/>
           </a:bodyPr>
           <a:lstStyle/>
           <a:p>
             <a:r>
               <a:rPr lang="en-US" dirty="0"/>
-              <a:t>Try to extract biological insight or make predictions from data by fitting models to data.</a:t>
-            </a:r>
-          </a:p>
-          <a:p>
-            <a:r>
-              <a:rPr lang="en-US" dirty="0"/>
-              <a:t>Univariate analysis: often null hypothesis testing</a:t>
-            </a:r>
-          </a:p>
-          <a:p>
-            <a:r>
-              <a:rPr lang="en-US" dirty="0"/>
-              <a:t>Multivariate analysis: multiple regression</a:t>
-            </a:r>
-          </a:p>
-          <a:p>
-            <a:r>
-              <a:rPr lang="en-US" dirty="0"/>
-              <a:t>In both cases we are usually asking the question: does X</a:t>
-            </a:r>
-            <a:r>
-              <a:rPr lang="en-US" baseline="-25000" dirty="0"/>
-              <a:t>1</a:t>
-            </a:r>
-            <a:r>
-              <a:rPr lang="en-US" dirty="0"/>
-              <a:t> (or X</a:t>
-            </a:r>
-            <a:r>
-              <a:rPr lang="en-US" baseline="-25000" dirty="0"/>
-              <a:t>1</a:t>
-            </a:r>
-            <a:r>
-              <a:rPr lang="en-US" dirty="0"/>
-              <a:t> and/or X</a:t>
-            </a:r>
-            <a:r>
-              <a:rPr lang="en-US" baseline="-25000" dirty="0"/>
-              <a:t>2</a:t>
-            </a:r>
-            <a:r>
-              <a:rPr lang="en-US" dirty="0"/>
-              <a:t>) influence Y, or what is the influence of X on Y?</a:t>
-            </a:r>
-          </a:p>
-          <a:p>
-            <a:r>
-              <a:rPr lang="en-US" dirty="0"/>
-              <a:t>Approaches</a:t>
+              <a:t>Procedure</a:t>
             </a:r>
           </a:p>
           <a:p>
             <a:pPr lvl="1"/>
             <a:r>
               <a:rPr lang="en-US" dirty="0"/>
-              <a:t>Fit full model and interpret coefficients</a:t>
-            </a:r>
-          </a:p>
-          <a:p>
-            <a:pPr lvl="2"/>
-            <a:r>
-              <a:rPr lang="en-US" dirty="0"/>
-              <a:t>Challenge: weak “noise” predictors can create bias in other parameter estimates, and result poor predictions (“</a:t>
-            </a:r>
-            <a:r>
-              <a:rPr lang="en-US" dirty="0" err="1"/>
-              <a:t>overfitting</a:t>
-            </a:r>
-            <a:r>
-              <a:rPr lang="en-US" dirty="0"/>
-              <a:t>”)</a:t>
+              <a:t>Fit model with all predictors</a:t>
             </a:r>
           </a:p>
           <a:p>
             <a:pPr lvl="1"/>
             <a:r>
               <a:rPr lang="en-US" dirty="0"/>
-              <a:t>Stepwise regression</a:t>
-            </a:r>
-          </a:p>
-          <a:p>
-            <a:pPr lvl="2"/>
-            <a:r>
-              <a:rPr lang="en-US" dirty="0"/>
-              <a:t>Forward/Backward/Both with criteria – p-value, F/t-value, AIC</a:t>
+              <a:t>Select weakest predictor (by F, t, p-value) and remove it from model unless it passes threshold (e.g. p&lt;0.05)</a:t>
             </a:r>
           </a:p>
           <a:p>
             <a:pPr lvl="1"/>
             <a:r>
               <a:rPr lang="en-US" dirty="0"/>
-              <a:t>Likelihood Ratio Test</a:t>
-            </a:r>
-          </a:p>
-          <a:p>
-            <a:pPr lvl="2"/>
-            <a:r>
-              <a:rPr lang="en-US" dirty="0"/>
-              <a:t>Requires that models are nested versions of each other</a:t>
+              <a:t>Repeat until no additional variables are removed</a:t>
+            </a:r>
+          </a:p>
+          <a:p>
+            <a:r>
+              <a:rPr lang="en-US" dirty="0"/>
+              <a:t>Advantages</a:t>
             </a:r>
           </a:p>
           <a:p>
             <a:pPr lvl="1"/>
             <a:r>
               <a:rPr lang="en-US" dirty="0"/>
-              <a:t>AIC (or other IC) model comparison of selected models</a:t>
+              <a:t>Simple, quick, few total models are examined</a:t>
             </a:r>
           </a:p>
           <a:p>
             <a:pPr lvl="1"/>
             <a:r>
               <a:rPr lang="en-US" dirty="0"/>
-              <a:t>Bayesian approach</a:t>
+              <a:t>Low to moderately correlated “important” variables will be retained, unlike in forward step-wise regression</a:t>
             </a:r>
           </a:p>
         </p:txBody>
@@ -4180,7 +4003,7 @@
     </p:spTree>
     <p:extLst>
       <p:ext uri="{BB962C8B-B14F-4D97-AF65-F5344CB8AC3E}">
-        <p14:creationId xmlns:p14="http://schemas.microsoft.com/office/powerpoint/2010/main" val="2056404739"/>
+        <p14:creationId xmlns:p14="http://schemas.microsoft.com/office/powerpoint/2010/main" val="111592621"/>
       </p:ext>
     </p:extLst>
   </p:cSld>
@@ -4224,7 +4047,7 @@
           <a:p>
             <a:r>
               <a:rPr lang="en-US" dirty="0"/>
-              <a:t>Stepwise regression</a:t>
+              <a:t>Backwards stepwise example</a:t>
             </a:r>
           </a:p>
         </p:txBody>
@@ -4246,25 +4069,7 @@
           <a:p>
             <a:r>
               <a:rPr lang="en-US" dirty="0"/>
-              <a:t>There are two major approaches for stepwise regression:</a:t>
-            </a:r>
-          </a:p>
-          <a:p>
-            <a:endParaRPr lang="en-US" dirty="0"/>
-          </a:p>
-          <a:p>
-            <a:r>
-              <a:rPr lang="en-US" dirty="0"/>
-              <a:t>1. Forward stepwise regression</a:t>
-            </a:r>
-          </a:p>
-          <a:p>
-            <a:endParaRPr lang="en-US" dirty="0"/>
-          </a:p>
-          <a:p>
-            <a:r>
-              <a:rPr lang="en-US" dirty="0"/>
-              <a:t>2. Backward stepwise regression</a:t>
+              <a:t>See R code</a:t>
             </a:r>
           </a:p>
         </p:txBody>
@@ -4272,7 +4077,7 @@
     </p:spTree>
     <p:extLst>
       <p:ext uri="{BB962C8B-B14F-4D97-AF65-F5344CB8AC3E}">
-        <p14:creationId xmlns:p14="http://schemas.microsoft.com/office/powerpoint/2010/main" val="178533353"/>
+        <p14:creationId xmlns:p14="http://schemas.microsoft.com/office/powerpoint/2010/main" val="1936253960"/>
       </p:ext>
     </p:extLst>
   </p:cSld>
@@ -4309,29 +4114,12 @@
             <p:ph type="title"/>
           </p:nvPr>
         </p:nvSpPr>
-        <p:spPr/>
-        <p:txBody>
-          <a:bodyPr/>
-          <a:lstStyle/>
-          <a:p>
-            <a:r>
-              <a:rPr lang="en-US" dirty="0"/>
-              <a:t>Forward Stepwise regression</a:t>
-            </a:r>
-          </a:p>
-        </p:txBody>
-      </p:sp>
-      <p:sp>
-        <p:nvSpPr>
-          <p:cNvPr id="3" name="Content Placeholder 2"/>
-          <p:cNvSpPr>
-            <a:spLocks noGrp="1"/>
-          </p:cNvSpPr>
-          <p:nvPr>
-            <p:ph idx="1"/>
-          </p:nvPr>
-        </p:nvSpPr>
-        <p:spPr/>
+        <p:spPr>
+          <a:xfrm>
+            <a:off x="628650" y="149373"/>
+            <a:ext cx="8258872" cy="1021882"/>
+          </a:xfrm>
+        </p:spPr>
         <p:txBody>
           <a:bodyPr>
             <a:normAutofit/>
@@ -4339,40 +4127,69 @@
           <a:lstStyle/>
           <a:p>
             <a:r>
-              <a:rPr lang="en-US" dirty="0"/>
-              <a:t>Procedure</a:t>
+              <a:rPr lang="en-US" sz="3300" dirty="0"/>
+              <a:t>Backwards Stepwise Regression - Challenges</a:t>
+            </a:r>
+          </a:p>
+        </p:txBody>
+      </p:sp>
+      <p:sp>
+        <p:nvSpPr>
+          <p:cNvPr id="3" name="Content Placeholder 2"/>
+          <p:cNvSpPr>
+            <a:spLocks noGrp="1"/>
+          </p:cNvSpPr>
+          <p:nvPr>
+            <p:ph idx="1"/>
+          </p:nvPr>
+        </p:nvSpPr>
+        <p:spPr>
+          <a:xfrm>
+            <a:off x="312234" y="1171254"/>
+            <a:ext cx="8203116" cy="5568593"/>
+          </a:xfrm>
+        </p:spPr>
+        <p:txBody>
+          <a:bodyPr>
+            <a:normAutofit lnSpcReduction="10000"/>
+          </a:bodyPr>
+          <a:lstStyle/>
+          <a:p>
+            <a:r>
+              <a:rPr lang="en-US" dirty="0"/>
+              <a:t>If predictors are correlated, the presence of one predictor in the model will always change the coefficient, and sometimes change the significance </a:t>
             </a:r>
           </a:p>
           <a:p>
             <a:pPr lvl="1"/>
-            <a:r>
-              <a:rPr lang="en-US" dirty="0"/>
-              <a:t>Correlate all predictors with response individually</a:t>
-            </a:r>
+            <a:endParaRPr lang="en-US" dirty="0"/>
           </a:p>
           <a:p>
             <a:pPr lvl="1"/>
             <a:r>
               <a:rPr lang="en-US" dirty="0"/>
-              <a:t>Select strongest predictor (by F, t, p-value) to be included in model, assuming it passes threshold (e.g. p&lt;0.05, t&gt;2, F&gt;4)</a:t>
+              <a:t>As a result, the order in which predictors are removed can alter the resulting model</a:t>
+            </a:r>
+          </a:p>
+          <a:p>
+            <a:pPr lvl="2"/>
+            <a:r>
+              <a:rPr lang="en-US" dirty="0"/>
+              <a:t>In a model with Y and X1, X2, and X3, X3 may be non-significant with X1 and X2 in the model, but significant with just X1 in the model.</a:t>
             </a:r>
           </a:p>
           <a:p>
             <a:pPr lvl="1"/>
-            <a:r>
-              <a:rPr lang="en-US" dirty="0"/>
-              <a:t>Add this predictor to your model, and then correlate the remaining predictors. Select next strongest predictor and add to model and test it against threshold; keep it if it passes</a:t>
-            </a:r>
+            <a:endParaRPr lang="en-US" dirty="0"/>
           </a:p>
           <a:p>
             <a:pPr lvl="1"/>
             <a:r>
               <a:rPr lang="en-US" dirty="0"/>
-              <a:t>Repeat until no additional variables are added</a:t>
-            </a:r>
-          </a:p>
-          <a:p>
-            <a:pPr lvl="2"/>
+              <a:t>Eliminating predictors from models based on a threshold can lead to large differences in the final model (i.e. if predictors have p-values just above or below the threshold), and this can lead to a changes in all coefficients in the model</a:t>
+            </a:r>
+          </a:p>
+          <a:p>
             <a:endParaRPr lang="en-US" dirty="0"/>
           </a:p>
         </p:txBody>
@@ -4380,7 +4197,7 @@
     </p:spTree>
     <p:extLst>
       <p:ext uri="{BB962C8B-B14F-4D97-AF65-F5344CB8AC3E}">
-        <p14:creationId xmlns:p14="http://schemas.microsoft.com/office/powerpoint/2010/main" val="2178145160"/>
+        <p14:creationId xmlns:p14="http://schemas.microsoft.com/office/powerpoint/2010/main" val="3904273153"/>
       </p:ext>
     </p:extLst>
   </p:cSld>
@@ -4417,14 +4234,21 @@
             <p:ph type="title"/>
           </p:nvPr>
         </p:nvSpPr>
-        <p:spPr/>
-        <p:txBody>
-          <a:bodyPr/>
-          <a:lstStyle/>
-          <a:p>
-            <a:r>
-              <a:rPr lang="en-US" dirty="0"/>
-              <a:t>Forward Stepwise Example</a:t>
+        <p:spPr>
+          <a:xfrm>
+            <a:off x="628649" y="365126"/>
+            <a:ext cx="8180813" cy="1325563"/>
+          </a:xfrm>
+        </p:spPr>
+        <p:txBody>
+          <a:bodyPr>
+            <a:normAutofit fontScale="90000"/>
+          </a:bodyPr>
+          <a:lstStyle/>
+          <a:p>
+            <a:r>
+              <a:rPr lang="en-US" dirty="0"/>
+              <a:t>Should we also throw out backwards stepwise regression?</a:t>
             </a:r>
           </a:p>
         </p:txBody>
@@ -4439,22 +4263,59 @@
             <p:ph idx="1"/>
           </p:nvPr>
         </p:nvSpPr>
-        <p:spPr/>
-        <p:txBody>
-          <a:bodyPr/>
-          <a:lstStyle/>
-          <a:p>
-            <a:r>
-              <a:rPr lang="en-US" dirty="0"/>
-              <a:t>See R code</a:t>
-            </a:r>
+        <p:spPr>
+          <a:xfrm>
+            <a:off x="468351" y="1825625"/>
+            <a:ext cx="8046999" cy="4708990"/>
+          </a:xfrm>
+        </p:spPr>
+        <p:txBody>
+          <a:bodyPr/>
+          <a:lstStyle/>
+          <a:p>
+            <a:r>
+              <a:rPr lang="en-US" dirty="0"/>
+              <a:t>Some resolution:</a:t>
+            </a:r>
+            <a:endParaRPr lang="en-US" u="sng" dirty="0"/>
+          </a:p>
+          <a:p>
+            <a:pPr lvl="1"/>
+            <a:r>
+              <a:rPr lang="en-US" dirty="0"/>
+              <a:t>To better estimate the effect sizes of removed variables they can be re-added one by one to the reduced model</a:t>
+            </a:r>
+          </a:p>
+          <a:p>
+            <a:pPr lvl="2"/>
+            <a:r>
+              <a:rPr lang="en-US" dirty="0"/>
+              <a:t>This is a good check to make sure the order of removal hasn’t influenced your results</a:t>
+            </a:r>
+          </a:p>
+          <a:p>
+            <a:pPr lvl="1"/>
+            <a:r>
+              <a:rPr lang="en-US" dirty="0"/>
+              <a:t>We can resample from our original data using bootstrapping to make new models to test model performance</a:t>
+            </a:r>
+          </a:p>
+          <a:p>
+            <a:pPr lvl="1"/>
+            <a:r>
+              <a:rPr lang="en-US" dirty="0"/>
+              <a:t>Cross-validation: data-splitting and prediction of outside sample dataset is a great test of model predictive ability (but often requires moderate-large dataset)</a:t>
+            </a:r>
+          </a:p>
+          <a:p>
+            <a:endParaRPr lang="en-US" dirty="0"/>
           </a:p>
         </p:txBody>
       </p:sp>
     </p:spTree>
     <p:extLst>
       <p:ext uri="{BB962C8B-B14F-4D97-AF65-F5344CB8AC3E}">
-        <p14:creationId xmlns:p14="http://schemas.microsoft.com/office/powerpoint/2010/main" val="90101926"/>
+        <p14:creationId xmlns:p14="http://schemas.microsoft.com/office/powerpoint/2010/main" val="583929611"/>
       </p:ext>
     </p:extLst>
   </p:cSld>
@@ -4498,7 +4359,7 @@
           <a:p>
             <a:r>
               <a:rPr lang="en-US" dirty="0"/>
-              <a:t>Forward Stepwise regression challenges</a:t>
+              <a:t>Bootstrapping Model Validation Approach</a:t>
             </a:r>
           </a:p>
         </p:txBody>
@@ -4515,44 +4376,76 @@
         </p:nvSpPr>
         <p:spPr/>
         <p:txBody>
-          <a:bodyPr/>
-          <a:lstStyle/>
-          <a:p>
-            <a:r>
-              <a:rPr lang="en-US" dirty="0"/>
-              <a:t>Major difficulty</a:t>
-            </a:r>
-          </a:p>
-          <a:p>
-            <a:pPr lvl="1"/>
-            <a:r>
-              <a:rPr lang="en-US" dirty="0"/>
-              <a:t>If two predictors are even weakly correlated it is quite possible for neither to be significantly related to response by themselves, but highly significant when in a model together</a:t>
-            </a:r>
-          </a:p>
-          <a:p>
-            <a:pPr lvl="1"/>
-            <a:endParaRPr lang="en-US" dirty="0"/>
-          </a:p>
-          <a:p>
-            <a:r>
-              <a:rPr lang="en-US" dirty="0"/>
-              <a:t>Resolution: </a:t>
-            </a:r>
-            <a:r>
-              <a:rPr lang="en-US" u="sng" dirty="0"/>
-              <a:t>Don’t ever use this version of forward stepwise regression</a:t>
-            </a:r>
-          </a:p>
-          <a:p>
-            <a:endParaRPr lang="en-US" dirty="0"/>
+          <a:bodyPr>
+            <a:normAutofit fontScale="92500" lnSpcReduction="10000"/>
+          </a:bodyPr>
+          <a:lstStyle/>
+          <a:p>
+            <a:pPr marL="514350" indent="-514350">
+              <a:buFont typeface="+mj-lt"/>
+              <a:buAutoNum type="arabicPeriod"/>
+            </a:pPr>
+            <a:r>
+              <a:rPr lang="en-US" dirty="0"/>
+              <a:t>Resample with replacement from the original variables (same number of observations).</a:t>
+            </a:r>
+          </a:p>
+          <a:p>
+            <a:pPr marL="514350" indent="-514350">
+              <a:buFont typeface="+mj-lt"/>
+              <a:buAutoNum type="arabicPeriod"/>
+            </a:pPr>
+            <a:r>
+              <a:rPr lang="en-US" dirty="0"/>
+              <a:t> Apply the model from the original dataset to the resampled dataset</a:t>
+            </a:r>
+          </a:p>
+          <a:p>
+            <a:pPr marL="514350" indent="-514350">
+              <a:buFont typeface="+mj-lt"/>
+              <a:buAutoNum type="arabicPeriod"/>
+            </a:pPr>
+            <a:r>
+              <a:rPr lang="en-US" dirty="0"/>
+              <a:t>Use the updated model to refit to original data and calculate a goodness of fit statistic (e.g. R2)</a:t>
+            </a:r>
+          </a:p>
+          <a:p>
+            <a:pPr marL="514350" indent="-514350">
+              <a:buFont typeface="+mj-lt"/>
+              <a:buAutoNum type="arabicPeriod"/>
+            </a:pPr>
+            <a:r>
+              <a:rPr lang="en-US" dirty="0"/>
+              <a:t>Compare R2 between bootstrapped models and original model</a:t>
+            </a:r>
+          </a:p>
+          <a:p>
+            <a:pPr marL="514350" indent="-514350">
+              <a:buFont typeface="+mj-lt"/>
+              <a:buAutoNum type="arabicPeriod"/>
+            </a:pPr>
+            <a:r>
+              <a:rPr lang="en-US" dirty="0"/>
+              <a:t>See more info here: </a:t>
+            </a:r>
+            <a:r>
+              <a:rPr lang="en-US" dirty="0">
+                <a:hlinkClick r:id="rId2"/>
+              </a:rPr>
+              <a:t>https://www.r-bloggers.com/bootstrap-and-cross-validation-for-evaluating-modelling-strategies/</a:t>
+            </a:r>
+            <a:r>
+              <a:rPr lang="en-US" dirty="0"/>
+              <a:t> </a:t>
+            </a:r>
           </a:p>
         </p:txBody>
       </p:sp>
     </p:spTree>
     <p:extLst>
       <p:ext uri="{BB962C8B-B14F-4D97-AF65-F5344CB8AC3E}">
-        <p14:creationId xmlns:p14="http://schemas.microsoft.com/office/powerpoint/2010/main" val="842054382"/>
+        <p14:creationId xmlns:p14="http://schemas.microsoft.com/office/powerpoint/2010/main" val="616000856"/>
       </p:ext>
     </p:extLst>
   </p:cSld>
@@ -4589,19 +4482,14 @@
             <p:ph type="title"/>
           </p:nvPr>
         </p:nvSpPr>
-        <p:spPr>
-          <a:xfrm>
-            <a:off x="378368" y="365126"/>
-            <a:ext cx="8284122" cy="1325563"/>
-          </a:xfrm>
-        </p:spPr>
-        <p:txBody>
-          <a:bodyPr/>
-          <a:lstStyle/>
-          <a:p>
-            <a:r>
-              <a:rPr lang="en-US" dirty="0"/>
-              <a:t>Backwards stepwise regression</a:t>
+        <p:spPr/>
+        <p:txBody>
+          <a:bodyPr/>
+          <a:lstStyle/>
+          <a:p>
+            <a:r>
+              <a:rPr lang="en-US" dirty="0"/>
+              <a:t>Repeated K-fold cross validation</a:t>
             </a:r>
           </a:p>
         </p:txBody>
@@ -4616,62 +4504,89 @@
             <p:ph idx="1"/>
           </p:nvPr>
         </p:nvSpPr>
-        <p:spPr>
-          <a:xfrm>
-            <a:off x="628650" y="1447256"/>
-            <a:ext cx="7886700" cy="5389723"/>
-          </a:xfrm>
-        </p:spPr>
+        <p:spPr/>
         <p:txBody>
           <a:bodyPr>
-            <a:normAutofit/>
+            <a:normAutofit fontScale="92500" lnSpcReduction="20000"/>
           </a:bodyPr>
           <a:lstStyle/>
           <a:p>
-            <a:r>
-              <a:rPr lang="en-US" dirty="0"/>
-              <a:t>Procedure</a:t>
-            </a:r>
-          </a:p>
-          <a:p>
-            <a:pPr lvl="1"/>
-            <a:r>
-              <a:rPr lang="en-US" dirty="0"/>
-              <a:t>Fit model with all predictors</a:t>
-            </a:r>
-          </a:p>
-          <a:p>
-            <a:pPr lvl="1"/>
-            <a:r>
-              <a:rPr lang="en-US" dirty="0"/>
-              <a:t>Select weakest predictor (by F, t, p-value) and remove it from model unless it passes threshold (e.g. p&lt;0.05)</a:t>
-            </a:r>
-          </a:p>
-          <a:p>
-            <a:pPr lvl="1"/>
-            <a:r>
-              <a:rPr lang="en-US" dirty="0"/>
-              <a:t>Repeat until no additional variables are removed</a:t>
-            </a:r>
-          </a:p>
-          <a:p>
-            <a:r>
-              <a:rPr lang="en-US" dirty="0"/>
-              <a:t>Advantages</a:t>
-            </a:r>
-          </a:p>
-          <a:p>
-            <a:pPr lvl="1"/>
-            <a:r>
-              <a:rPr lang="en-US" dirty="0"/>
-              <a:t>Simple, quick, few total models are examined</a:t>
-            </a:r>
-          </a:p>
-          <a:p>
-            <a:pPr lvl="1"/>
-            <a:r>
-              <a:rPr lang="en-US" dirty="0"/>
-              <a:t>Low to moderately correlated “important” variables will be retained, unlike in forward step-wise regression</a:t>
+            <a:pPr marL="514350" indent="-514350">
+              <a:buFont typeface="+mj-lt"/>
+              <a:buAutoNum type="arabicPeriod"/>
+            </a:pPr>
+            <a:r>
+              <a:rPr lang="en-US" dirty="0"/>
+              <a:t>Divide your data into 5-10 (k) parts. </a:t>
+            </a:r>
+          </a:p>
+          <a:p>
+            <a:pPr marL="514350" indent="-514350">
+              <a:buFont typeface="+mj-lt"/>
+              <a:buAutoNum type="arabicPeriod"/>
+            </a:pPr>
+            <a:r>
+              <a:rPr lang="en-US" dirty="0"/>
+              <a:t>Take turns to fit the model on 90% of the data and using that model to predict the remaining 10% </a:t>
+            </a:r>
+          </a:p>
+          <a:p>
+            <a:pPr marL="514350" indent="-514350">
+              <a:buFont typeface="+mj-lt"/>
+              <a:buAutoNum type="arabicPeriod"/>
+            </a:pPr>
+            <a:r>
+              <a:rPr lang="en-US" dirty="0"/>
+              <a:t>The average of the 10 goodness of fit statistics (e.g. </a:t>
+            </a:r>
+            <a:r>
+              <a:rPr lang="en-US" dirty="0" err="1"/>
+              <a:t>Rsquared</a:t>
+            </a:r>
+            <a:r>
+              <a:rPr lang="en-US" dirty="0"/>
+              <a:t>) becomes your estimate of the actual goodness of fit.</a:t>
+            </a:r>
+            <a:br>
+              <a:rPr lang="en-US" dirty="0"/>
+            </a:br>
+            <a:r>
+              <a:rPr lang="en-US" dirty="0"/>
+              <a:t>OR</a:t>
+            </a:r>
+          </a:p>
+          <a:p>
+            <a:pPr marL="514350" indent="-514350">
+              <a:buFont typeface="+mj-lt"/>
+              <a:buAutoNum type="arabicPeriod"/>
+            </a:pPr>
+            <a:r>
+              <a:rPr lang="en-US" dirty="0"/>
+              <a:t>Compare area under the curve across different models. Model with higher AUC is better than smaller.</a:t>
+            </a:r>
+          </a:p>
+          <a:p>
+            <a:pPr marL="971550" lvl="1" indent="-514350">
+              <a:buFont typeface="+mj-lt"/>
+              <a:buAutoNum type="arabicPeriod"/>
+            </a:pPr>
+            <a:endParaRPr lang="en-US" dirty="0"/>
+          </a:p>
+          <a:p>
+            <a:pPr marL="457200" lvl="1" indent="0">
+              <a:buNone/>
+            </a:pPr>
+            <a:r>
+              <a:rPr lang="en-US" dirty="0"/>
+              <a:t> Issue </a:t>
+            </a:r>
+            <a:r>
+              <a:rPr lang="mr-IN" dirty="0"/>
+              <a:t>–</a:t>
+            </a:r>
+            <a:r>
+              <a:rPr lang="en-US" dirty="0"/>
+              <a:t> this is difficult for small datasets!</a:t>
             </a:r>
           </a:p>
         </p:txBody>
@@ -4679,7 +4594,7 @@
     </p:spTree>
     <p:extLst>
       <p:ext uri="{BB962C8B-B14F-4D97-AF65-F5344CB8AC3E}">
-        <p14:creationId xmlns:p14="http://schemas.microsoft.com/office/powerpoint/2010/main" val="111592621"/>
+        <p14:creationId xmlns:p14="http://schemas.microsoft.com/office/powerpoint/2010/main" val="1926052125"/>
       </p:ext>
     </p:extLst>
   </p:cSld>
@@ -4708,13 +4623,7 @@
       </p:grpSpPr>
       <p:sp>
         <p:nvSpPr>
-          <p:cNvPr id="2" name="Title 1">
-            <a:extLst>
-              <a:ext uri="{FF2B5EF4-FFF2-40B4-BE49-F238E27FC236}">
-                <a16:creationId xmlns:a16="http://schemas.microsoft.com/office/drawing/2014/main" id="{1D52375E-232B-4E48-8373-25E497A7AB53}"/>
-              </a:ext>
-            </a:extLst>
-          </p:cNvPr>
+          <p:cNvPr id="2" name="Title 1"/>
           <p:cNvSpPr>
             <a:spLocks noGrp="1"/>
           </p:cNvSpPr>
@@ -4729,20 +4638,14 @@
           <a:p>
             <a:r>
               <a:rPr lang="en-US" dirty="0"/>
-              <a:t>Housekeeping</a:t>
-            </a:r>
-          </a:p>
-        </p:txBody>
-      </p:sp>
-      <p:sp>
-        <p:nvSpPr>
-          <p:cNvPr id="3" name="Content Placeholder 2">
-            <a:extLst>
-              <a:ext uri="{FF2B5EF4-FFF2-40B4-BE49-F238E27FC236}">
-                <a16:creationId xmlns:a16="http://schemas.microsoft.com/office/drawing/2014/main" id="{8F286F2A-44F1-7246-B602-3DA15E5CD5E3}"/>
-              </a:ext>
-            </a:extLst>
-          </p:cNvPr>
+              <a:t>Goals</a:t>
+            </a:r>
+          </a:p>
+        </p:txBody>
+      </p:sp>
+      <p:sp>
+        <p:nvSpPr>
+          <p:cNvPr id="3" name="Content Placeholder 2"/>
           <p:cNvSpPr>
             <a:spLocks noGrp="1"/>
           </p:cNvSpPr>
@@ -4755,40 +4658,47 @@
           <a:bodyPr/>
           <a:lstStyle/>
           <a:p>
-            <a:r>
-              <a:rPr lang="en-US" dirty="0"/>
-              <a:t>Next Tues: Spring Break Day!</a:t>
-            </a:r>
-          </a:p>
-          <a:p>
+            <a:pPr marL="514350" indent="-514350">
+              <a:buFont typeface="+mj-lt"/>
+              <a:buAutoNum type="arabicPeriod"/>
+            </a:pPr>
+            <a:r>
+              <a:rPr lang="en-US" dirty="0"/>
+              <a:t>Determine how to distinguish support among multiple different models</a:t>
+            </a:r>
+          </a:p>
+          <a:p>
+            <a:pPr marL="514350" indent="-514350">
+              <a:buFont typeface="+mj-lt"/>
+              <a:buAutoNum type="arabicPeriod"/>
+            </a:pPr>
             <a:endParaRPr lang="en-US" dirty="0"/>
           </a:p>
           <a:p>
-            <a:r>
-              <a:rPr lang="en-US" dirty="0"/>
-              <a:t>Next Thursday: </a:t>
-            </a:r>
-          </a:p>
-          <a:p>
-            <a:pPr lvl="1"/>
-            <a:r>
-              <a:rPr lang="en-US" dirty="0"/>
-              <a:t>Discussion, papers posted on Canvas </a:t>
-            </a:r>
-          </a:p>
-          <a:p>
-            <a:pPr lvl="1"/>
-            <a:r>
-              <a:rPr lang="en-US" dirty="0"/>
-              <a:t>Worst </a:t>
-            </a:r>
-            <a:r>
-              <a:rPr lang="en-US" dirty="0" err="1"/>
-              <a:t>ggplots</a:t>
-            </a:r>
-            <a:r>
-              <a:rPr lang="en-US" dirty="0"/>
-              <a:t> contest</a:t>
+            <a:pPr marL="514350" indent="-514350">
+              <a:buFont typeface="+mj-lt"/>
+              <a:buAutoNum type="arabicPeriod"/>
+            </a:pPr>
+            <a:r>
+              <a:rPr lang="en-US" dirty="0"/>
+              <a:t>Understand nested models and null models</a:t>
+            </a:r>
+          </a:p>
+          <a:p>
+            <a:pPr marL="514350" indent="-514350">
+              <a:buFont typeface="+mj-lt"/>
+              <a:buAutoNum type="arabicPeriod"/>
+            </a:pPr>
+            <a:endParaRPr lang="en-US" dirty="0"/>
+          </a:p>
+          <a:p>
+            <a:pPr marL="514350" indent="-514350">
+              <a:buFont typeface="+mj-lt"/>
+              <a:buAutoNum type="arabicPeriod"/>
+            </a:pPr>
+            <a:r>
+              <a:rPr lang="en-US" dirty="0"/>
+              <a:t>Learn model selection philosophy and the strengths and weaknesses of different approaches</a:t>
             </a:r>
           </a:p>
         </p:txBody>
@@ -4796,7 +4706,7 @@
     </p:spTree>
     <p:extLst>
       <p:ext uri="{BB962C8B-B14F-4D97-AF65-F5344CB8AC3E}">
-        <p14:creationId xmlns:p14="http://schemas.microsoft.com/office/powerpoint/2010/main" val="1087536892"/>
+        <p14:creationId xmlns:p14="http://schemas.microsoft.com/office/powerpoint/2010/main" val="913369630"/>
       </p:ext>
     </p:extLst>
   </p:cSld>
@@ -4840,7 +4750,7 @@
           <a:p>
             <a:r>
               <a:rPr lang="en-US" dirty="0"/>
-              <a:t>Backwards stepwise example</a:t>
+              <a:t>Likelihood ratio tests</a:t>
             </a:r>
           </a:p>
         </p:txBody>
@@ -4862,7 +4772,7 @@
           <a:p>
             <a:r>
               <a:rPr lang="en-US" dirty="0"/>
-              <a:t>See R code</a:t>
+              <a:t>Statisticians have long used LRTs to compare nested models</a:t>
             </a:r>
           </a:p>
         </p:txBody>
@@ -4870,7 +4780,7 @@
     </p:spTree>
     <p:extLst>
       <p:ext uri="{BB962C8B-B14F-4D97-AF65-F5344CB8AC3E}">
-        <p14:creationId xmlns:p14="http://schemas.microsoft.com/office/powerpoint/2010/main" val="1936253960"/>
+        <p14:creationId xmlns:p14="http://schemas.microsoft.com/office/powerpoint/2010/main" val="934849938"/>
       </p:ext>
     </p:extLst>
   </p:cSld>
@@ -4907,21 +4817,14 @@
             <p:ph type="title"/>
           </p:nvPr>
         </p:nvSpPr>
-        <p:spPr>
-          <a:xfrm>
-            <a:off x="628650" y="149373"/>
-            <a:ext cx="8258872" cy="1021882"/>
-          </a:xfrm>
-        </p:spPr>
-        <p:txBody>
-          <a:bodyPr>
-            <a:normAutofit/>
-          </a:bodyPr>
-          <a:lstStyle/>
-          <a:p>
-            <a:r>
-              <a:rPr lang="en-US" sz="3300" dirty="0"/>
-              <a:t>Backwards Stepwise Regression - Challenges</a:t>
+        <p:spPr/>
+        <p:txBody>
+          <a:bodyPr/>
+          <a:lstStyle/>
+          <a:p>
+            <a:r>
+              <a:rPr lang="en-US" dirty="0"/>
+              <a:t>Nested Model</a:t>
             </a:r>
           </a:p>
         </p:txBody>
@@ -4936,61 +4839,91 @@
             <p:ph idx="1"/>
           </p:nvPr>
         </p:nvSpPr>
-        <p:spPr>
-          <a:xfrm>
-            <a:off x="312234" y="1171254"/>
-            <a:ext cx="8203116" cy="5568593"/>
-          </a:xfrm>
-        </p:spPr>
-        <p:txBody>
-          <a:bodyPr>
-            <a:normAutofit lnSpcReduction="10000"/>
-          </a:bodyPr>
-          <a:lstStyle/>
-          <a:p>
-            <a:r>
-              <a:rPr lang="en-US" dirty="0"/>
-              <a:t>If predictors are correlated, the presence of one predictor in the model will always change the coefficient, and sometimes change the significance </a:t>
-            </a:r>
-          </a:p>
-          <a:p>
-            <a:pPr lvl="1"/>
+        <p:spPr/>
+        <p:txBody>
+          <a:bodyPr/>
+          <a:lstStyle/>
+          <a:p>
+            <a:r>
+              <a:rPr lang="en-US" dirty="0"/>
+              <a:t>All the terms in the smaller model occur in the larger model</a:t>
+            </a:r>
+          </a:p>
+          <a:p>
             <a:endParaRPr lang="en-US" dirty="0"/>
           </a:p>
           <a:p>
-            <a:pPr lvl="1"/>
-            <a:r>
-              <a:rPr lang="en-US" dirty="0"/>
-              <a:t>As a result, the order in which predictors are removed can alter the resulting model</a:t>
-            </a:r>
-          </a:p>
-          <a:p>
-            <a:pPr lvl="2"/>
-            <a:r>
-              <a:rPr lang="en-US" dirty="0"/>
-              <a:t>In a model with Y and X1, X2, and X3, X3 may be non-significant with X1 and X2 in the model, but significant with just X1 in the model.</a:t>
-            </a:r>
-          </a:p>
-          <a:p>
-            <a:pPr lvl="1"/>
-            <a:endParaRPr lang="en-US" dirty="0"/>
-          </a:p>
-          <a:p>
-            <a:pPr lvl="1"/>
-            <a:r>
-              <a:rPr lang="en-US" dirty="0"/>
-              <a:t>Eliminating predictors from models based on a threshold can lead to large differences in the final model (i.e. if predictors have p-values just above or below the threshold), and this can lead to a changes in all coefficients in the model</a:t>
-            </a:r>
-          </a:p>
-          <a:p>
-            <a:endParaRPr lang="en-US" dirty="0"/>
+            <a:r>
+              <a:rPr lang="en-US" dirty="0"/>
+              <a:t>Ex:</a:t>
+            </a:r>
+          </a:p>
+          <a:p>
+            <a:r>
+              <a:rPr lang="en-US" dirty="0" err="1"/>
+              <a:t>glm</a:t>
+            </a:r>
+            <a:r>
+              <a:rPr lang="en-US" dirty="0"/>
+              <a:t>(N ~ light*time)</a:t>
+            </a:r>
+          </a:p>
+          <a:p>
+            <a:r>
+              <a:rPr lang="en-US" dirty="0" err="1"/>
+              <a:t>glm</a:t>
+            </a:r>
+            <a:r>
+              <a:rPr lang="en-US" dirty="0"/>
+              <a:t>(N ~ light + time)</a:t>
+            </a:r>
+          </a:p>
+          <a:p>
+            <a:r>
+              <a:rPr lang="en-US" dirty="0" err="1"/>
+              <a:t>glm</a:t>
+            </a:r>
+            <a:r>
+              <a:rPr lang="en-US" dirty="0"/>
+              <a:t>(</a:t>
+            </a:r>
+            <a:r>
+              <a:rPr lang="en-US" dirty="0" err="1"/>
+              <a:t>N~light</a:t>
+            </a:r>
+            <a:r>
+              <a:rPr lang="en-US" dirty="0"/>
+              <a:t>)</a:t>
+            </a:r>
+          </a:p>
+          <a:p>
+            <a:r>
+              <a:rPr lang="en-US" dirty="0" err="1"/>
+              <a:t>glm</a:t>
+            </a:r>
+            <a:r>
+              <a:rPr lang="en-US" dirty="0"/>
+              <a:t>(N~1) </a:t>
+            </a:r>
+            <a:r>
+              <a:rPr lang="mr-IN" dirty="0"/>
+              <a:t>–</a:t>
+            </a:r>
+            <a:r>
+              <a:rPr lang="en-US" dirty="0"/>
+              <a:t> </a:t>
+            </a:r>
+            <a:r>
+              <a:rPr lang="en-US" b="1" u="sng" dirty="0"/>
+              <a:t>null model</a:t>
+            </a:r>
           </a:p>
         </p:txBody>
       </p:sp>
     </p:spTree>
     <p:extLst>
       <p:ext uri="{BB962C8B-B14F-4D97-AF65-F5344CB8AC3E}">
-        <p14:creationId xmlns:p14="http://schemas.microsoft.com/office/powerpoint/2010/main" val="3904273153"/>
+        <p14:creationId xmlns:p14="http://schemas.microsoft.com/office/powerpoint/2010/main" val="109384455"/>
       </p:ext>
     </p:extLst>
   </p:cSld>
@@ -5027,21 +4960,14 @@
             <p:ph type="title"/>
           </p:nvPr>
         </p:nvSpPr>
-        <p:spPr>
-          <a:xfrm>
-            <a:off x="628649" y="365126"/>
-            <a:ext cx="8180813" cy="1325563"/>
-          </a:xfrm>
-        </p:spPr>
-        <p:txBody>
-          <a:bodyPr>
-            <a:normAutofit fontScale="90000"/>
-          </a:bodyPr>
-          <a:lstStyle/>
-          <a:p>
-            <a:r>
-              <a:rPr lang="en-US" dirty="0"/>
-              <a:t>Should we also throw out backwards stepwise regression?</a:t>
+        <p:spPr/>
+        <p:txBody>
+          <a:bodyPr/>
+          <a:lstStyle/>
+          <a:p>
+            <a:r>
+              <a:rPr lang="en-US" dirty="0"/>
+              <a:t>Are these nested?</a:t>
             </a:r>
           </a:p>
         </p:txBody>
@@ -5056,51 +4982,22 @@
             <p:ph idx="1"/>
           </p:nvPr>
         </p:nvSpPr>
-        <p:spPr>
-          <a:xfrm>
-            <a:off x="468351" y="1825625"/>
-            <a:ext cx="8046999" cy="4708990"/>
-          </a:xfrm>
-        </p:spPr>
-        <p:txBody>
-          <a:bodyPr/>
-          <a:lstStyle/>
-          <a:p>
-            <a:r>
-              <a:rPr lang="en-US" dirty="0"/>
-              <a:t>Some resolution:</a:t>
-            </a:r>
-            <a:endParaRPr lang="en-US" u="sng" dirty="0"/>
-          </a:p>
-          <a:p>
-            <a:pPr lvl="1"/>
-            <a:r>
-              <a:rPr lang="en-US" dirty="0"/>
-              <a:t>To better estimate the effect sizes of removed variables they can be re-added one by one to the reduced model</a:t>
-            </a:r>
-          </a:p>
-          <a:p>
-            <a:pPr lvl="2"/>
-            <a:r>
-              <a:rPr lang="en-US" dirty="0"/>
-              <a:t>This is a good check to make sure the order of removal hasn’t influenced your results</a:t>
-            </a:r>
-          </a:p>
-          <a:p>
-            <a:pPr lvl="1"/>
-            <a:r>
-              <a:rPr lang="en-US" dirty="0"/>
-              <a:t>We can resample from our original data using bootstrapping to make new models to test model performance</a:t>
-            </a:r>
-          </a:p>
-          <a:p>
-            <a:pPr lvl="1"/>
-            <a:r>
-              <a:rPr lang="en-US" dirty="0"/>
-              <a:t>Cross-validation: data-splitting and prediction of outside sample dataset is a great test of model predictive ability (but often requires moderate-large dataset)</a:t>
-            </a:r>
-          </a:p>
-          <a:p>
+        <p:spPr/>
+        <p:txBody>
+          <a:bodyPr/>
+          <a:lstStyle/>
+          <a:p>
+            <a:r>
+              <a:rPr lang="en-US" dirty="0" err="1"/>
+              <a:t>N~light</a:t>
+            </a:r>
+            <a:endParaRPr lang="en-US" dirty="0"/>
+          </a:p>
+          <a:p>
+            <a:r>
+              <a:rPr lang="en-US" dirty="0" err="1"/>
+              <a:t>N~time</a:t>
+            </a:r>
             <a:endParaRPr lang="en-US" dirty="0"/>
           </a:p>
         </p:txBody>
@@ -5108,7 +5005,7 @@
     </p:spTree>
     <p:extLst>
       <p:ext uri="{BB962C8B-B14F-4D97-AF65-F5344CB8AC3E}">
-        <p14:creationId xmlns:p14="http://schemas.microsoft.com/office/powerpoint/2010/main" val="583929611"/>
+        <p14:creationId xmlns:p14="http://schemas.microsoft.com/office/powerpoint/2010/main" val="1522787299"/>
       </p:ext>
     </p:extLst>
   </p:cSld>
@@ -5152,7 +5049,7 @@
           <a:p>
             <a:r>
               <a:rPr lang="en-US" dirty="0"/>
-              <a:t>Bootstrapping Model Validation Approach</a:t>
+              <a:t>Running a LRT on models</a:t>
             </a:r>
           </a:p>
         </p:txBody>
@@ -5169,76 +5066,57 @@
         </p:nvSpPr>
         <p:spPr/>
         <p:txBody>
-          <a:bodyPr>
-            <a:normAutofit fontScale="92500" lnSpcReduction="10000"/>
-          </a:bodyPr>
-          <a:lstStyle/>
-          <a:p>
-            <a:pPr marL="514350" indent="-514350">
-              <a:buFont typeface="+mj-lt"/>
-              <a:buAutoNum type="arabicPeriod"/>
-            </a:pPr>
-            <a:r>
-              <a:rPr lang="en-US" dirty="0"/>
-              <a:t>Resample with replacement from the original variables (same number of observations).</a:t>
-            </a:r>
-          </a:p>
-          <a:p>
-            <a:pPr marL="514350" indent="-514350">
-              <a:buFont typeface="+mj-lt"/>
-              <a:buAutoNum type="arabicPeriod"/>
-            </a:pPr>
-            <a:r>
-              <a:rPr lang="en-US" dirty="0"/>
-              <a:t> Apply the model from the original dataset to the resampled dataset</a:t>
-            </a:r>
-          </a:p>
-          <a:p>
-            <a:pPr marL="514350" indent="-514350">
-              <a:buFont typeface="+mj-lt"/>
-              <a:buAutoNum type="arabicPeriod"/>
-            </a:pPr>
-            <a:r>
-              <a:rPr lang="en-US" dirty="0"/>
-              <a:t>Use the updated model to refit to original data and calculate a goodness of fit statistic (e.g. R2)</a:t>
-            </a:r>
-          </a:p>
-          <a:p>
-            <a:pPr marL="514350" indent="-514350">
-              <a:buFont typeface="+mj-lt"/>
-              <a:buAutoNum type="arabicPeriod"/>
-            </a:pPr>
-            <a:r>
-              <a:rPr lang="en-US" dirty="0"/>
-              <a:t>Compare R2 between bootstrapped models and original model</a:t>
-            </a:r>
-          </a:p>
-          <a:p>
-            <a:pPr marL="514350" indent="-514350">
-              <a:buFont typeface="+mj-lt"/>
-              <a:buAutoNum type="arabicPeriod"/>
-            </a:pPr>
-            <a:r>
-              <a:rPr lang="en-US" dirty="0"/>
-              <a:t>See more info here: </a:t>
-            </a:r>
-            <a:r>
-              <a:rPr lang="en-US" dirty="0">
-                <a:hlinkClick r:id="rId2"/>
-              </a:rPr>
-              <a:t>https://www.r-bloggers.com/bootstrap-and-cross-validation-for-evaluating-modelling-strategies/</a:t>
-            </a:r>
-            <a:r>
-              <a:rPr lang="en-US" dirty="0"/>
-              <a:t> </a:t>
-            </a:r>
+          <a:bodyPr/>
+          <a:lstStyle/>
+          <a:p>
+            <a:r>
+              <a:rPr lang="en-US" dirty="0"/>
+              <a:t>The </a:t>
+            </a:r>
+            <a:r>
+              <a:rPr lang="en-US" dirty="0" err="1"/>
+              <a:t>anova</a:t>
+            </a:r>
+            <a:r>
+              <a:rPr lang="en-US" dirty="0"/>
+              <a:t>() function in R performs LRT on nested model fits (among other tests)</a:t>
+            </a:r>
+          </a:p>
+          <a:p>
+            <a:endParaRPr lang="en-US" dirty="0"/>
+          </a:p>
+          <a:p>
+            <a:r>
+              <a:rPr lang="en-US" dirty="0"/>
+              <a:t>It will automatically calculate the difference in numbers of parameters (e.g. </a:t>
+            </a:r>
+            <a:r>
+              <a:rPr lang="en-US" dirty="0" err="1"/>
+              <a:t>df</a:t>
+            </a:r>
+            <a:r>
+              <a:rPr lang="en-US" dirty="0"/>
+              <a:t>)</a:t>
+            </a:r>
+          </a:p>
+          <a:p>
+            <a:endParaRPr lang="en-US" dirty="0"/>
+          </a:p>
+          <a:p>
+            <a:r>
+              <a:rPr lang="en-US" dirty="0"/>
+              <a:t>This will test whether the extra goodness of fit is worth the additional complexity of adding parameters</a:t>
+            </a:r>
+          </a:p>
+          <a:p>
+            <a:endParaRPr lang="en-US" dirty="0"/>
           </a:p>
         </p:txBody>
       </p:sp>
     </p:spTree>
     <p:extLst>
       <p:ext uri="{BB962C8B-B14F-4D97-AF65-F5344CB8AC3E}">
-        <p14:creationId xmlns:p14="http://schemas.microsoft.com/office/powerpoint/2010/main" val="616000856"/>
+        <p14:creationId xmlns:p14="http://schemas.microsoft.com/office/powerpoint/2010/main" val="1073049035"/>
       </p:ext>
     </p:extLst>
   </p:cSld>
@@ -5281,8 +5159,8 @@
           <a:lstStyle/>
           <a:p>
             <a:r>
-              <a:rPr lang="en-US" dirty="0"/>
-              <a:t>Repeated K-fold cross validation</a:t>
+              <a:rPr lang="en-US" b="1" dirty="0"/>
+              <a:t>Model comparison - LRT</a:t>
             </a:r>
           </a:p>
         </p:txBody>
@@ -5300,78 +5178,58 @@
         <p:spPr/>
         <p:txBody>
           <a:bodyPr>
-            <a:normAutofit fontScale="92500" lnSpcReduction="20000"/>
+            <a:normAutofit fontScale="77500" lnSpcReduction="20000"/>
           </a:bodyPr>
           <a:lstStyle/>
           <a:p>
-            <a:pPr marL="514350" indent="-514350">
-              <a:buFont typeface="+mj-lt"/>
-              <a:buAutoNum type="arabicPeriod"/>
-            </a:pPr>
-            <a:r>
-              <a:rPr lang="en-US" dirty="0"/>
-              <a:t>Divide your data into 5-10 (k) parts. </a:t>
-            </a:r>
-          </a:p>
-          <a:p>
-            <a:pPr marL="514350" indent="-514350">
-              <a:buFont typeface="+mj-lt"/>
-              <a:buAutoNum type="arabicPeriod"/>
-            </a:pPr>
-            <a:r>
-              <a:rPr lang="en-US" dirty="0"/>
-              <a:t>Take turns to fit the model on 90% of the data and using that model to predict the remaining 10% </a:t>
-            </a:r>
-          </a:p>
-          <a:p>
-            <a:pPr marL="514350" indent="-514350">
-              <a:buFont typeface="+mj-lt"/>
-              <a:buAutoNum type="arabicPeriod"/>
-            </a:pPr>
-            <a:r>
-              <a:rPr lang="en-US" dirty="0"/>
-              <a:t>The average of the 10 goodness of fit statistics (e.g. </a:t>
+            <a:r>
+              <a:rPr lang="en-US" dirty="0"/>
+              <a:t>When you do an </a:t>
             </a:r>
             <a:r>
               <a:rPr lang="en-US" dirty="0" err="1"/>
-              <a:t>Rsquared</a:t>
-            </a:r>
-            <a:r>
-              <a:rPr lang="en-US" dirty="0"/>
-              <a:t>) becomes your estimate of the actual goodness of fit.</a:t>
-            </a:r>
-            <a:br>
-              <a:rPr lang="en-US" dirty="0"/>
-            </a:br>
-            <a:r>
-              <a:rPr lang="en-US" dirty="0"/>
-              <a:t>OR</a:t>
-            </a:r>
-          </a:p>
-          <a:p>
-            <a:pPr marL="514350" indent="-514350">
-              <a:buFont typeface="+mj-lt"/>
-              <a:buAutoNum type="arabicPeriod"/>
-            </a:pPr>
-            <a:r>
-              <a:rPr lang="en-US" dirty="0"/>
-              <a:t>Compare area under the curve across different models. Model with higher AUC is better than smaller.</a:t>
-            </a:r>
-          </a:p>
-          <a:p>
-            <a:pPr marL="971550" lvl="1" indent="-514350">
-              <a:buFont typeface="+mj-lt"/>
-              <a:buAutoNum type="arabicPeriod"/>
-            </a:pPr>
+              <a:t>anova</a:t>
+            </a:r>
+            <a:r>
+              <a:rPr lang="en-US" dirty="0"/>
+              <a:t>() on a regular lm or </a:t>
+            </a:r>
+            <a:r>
+              <a:rPr lang="en-US" dirty="0" err="1"/>
+              <a:t>glm</a:t>
+            </a:r>
+            <a:r>
+              <a:rPr lang="en-US" dirty="0"/>
+              <a:t> (e.g. Poisson, Gamma, Binomial) you need to list the null model </a:t>
+            </a:r>
+            <a:r>
+              <a:rPr lang="en-US" u="sng" dirty="0"/>
+              <a:t>first</a:t>
+            </a:r>
             <a:endParaRPr lang="en-US" dirty="0"/>
           </a:p>
           <a:p>
-            <a:pPr marL="457200" lvl="1" indent="0">
-              <a:buNone/>
-            </a:pPr>
-            <a:r>
-              <a:rPr lang="en-US" dirty="0"/>
-              <a:t> Issue </a:t>
+            <a:endParaRPr lang="en-US" dirty="0"/>
+          </a:p>
+          <a:p>
+            <a:r>
+              <a:rPr lang="en-US" dirty="0"/>
+              <a:t>The LRT (</a:t>
+            </a:r>
+            <a:r>
+              <a:rPr lang="en-US" dirty="0" err="1"/>
+              <a:t>anova</a:t>
+            </a:r>
+            <a:r>
+              <a:rPr lang="en-US" dirty="0"/>
+              <a:t>()) for these “objects” will always consider the null model as the first argument</a:t>
+            </a:r>
+          </a:p>
+          <a:p>
+            <a:pPr lvl="1"/>
+            <a:r>
+              <a:rPr lang="en-US" dirty="0"/>
+              <a:t>This isn’t the case for all types of objects </a:t>
             </a:r>
             <a:r>
               <a:rPr lang="mr-IN" dirty="0"/>
@@ -5379,7 +5237,67 @@
             </a:r>
             <a:r>
               <a:rPr lang="en-US" dirty="0"/>
-              <a:t> this is difficult for small datasets!</a:t>
+              <a:t> hence the confusion</a:t>
+            </a:r>
+          </a:p>
+          <a:p>
+            <a:pPr lvl="1"/>
+            <a:r>
+              <a:rPr lang="en-US" dirty="0"/>
+              <a:t>If you do not list the null model first, you may get wonky output because it is doing the subtraction incorrectly resulting in negative values with no meaning in the chi-squared distribution!</a:t>
+            </a:r>
+          </a:p>
+          <a:p>
+            <a:r>
+              <a:rPr lang="en-US" dirty="0"/>
+              <a:t>I suggest stepping through your models from simplest as null to increasingly more complex</a:t>
+            </a:r>
+          </a:p>
+          <a:p>
+            <a:pPr lvl="1"/>
+            <a:r>
+              <a:rPr lang="en-US" dirty="0"/>
+              <a:t>E.g. N ~ 1 vs </a:t>
+            </a:r>
+            <a:r>
+              <a:rPr lang="en-US" dirty="0" err="1"/>
+              <a:t>N~light</a:t>
+            </a:r>
+            <a:r>
+              <a:rPr lang="en-US" dirty="0"/>
+              <a:t>, then </a:t>
+            </a:r>
+            <a:r>
+              <a:rPr lang="en-US" dirty="0" err="1"/>
+              <a:t>N~light</a:t>
+            </a:r>
+            <a:r>
+              <a:rPr lang="en-US" dirty="0"/>
+              <a:t> vs </a:t>
+            </a:r>
+            <a:r>
+              <a:rPr lang="en-US" dirty="0" err="1"/>
+              <a:t>N~light+time</a:t>
+            </a:r>
+            <a:r>
+              <a:rPr lang="en-US" dirty="0"/>
+              <a:t>, then </a:t>
+            </a:r>
+            <a:r>
+              <a:rPr lang="en-US" dirty="0" err="1"/>
+              <a:t>N~light+time</a:t>
+            </a:r>
+            <a:r>
+              <a:rPr lang="en-US" dirty="0"/>
+              <a:t> vs </a:t>
+            </a:r>
+            <a:r>
+              <a:rPr lang="en-US" dirty="0" err="1"/>
+              <a:t>N~light</a:t>
+            </a:r>
+            <a:r>
+              <a:rPr lang="en-US" dirty="0"/>
+              <a:t>*time</a:t>
             </a:r>
           </a:p>
         </p:txBody>
@@ -5387,7 +5305,7 @@
     </p:spTree>
     <p:extLst>
       <p:ext uri="{BB962C8B-B14F-4D97-AF65-F5344CB8AC3E}">
-        <p14:creationId xmlns:p14="http://schemas.microsoft.com/office/powerpoint/2010/main" val="1926052125"/>
+        <p14:creationId xmlns:p14="http://schemas.microsoft.com/office/powerpoint/2010/main" val="2508225711"/>
       </p:ext>
     </p:extLst>
   </p:cSld>
@@ -5431,7 +5349,7 @@
           <a:p>
             <a:r>
               <a:rPr lang="en-US" dirty="0"/>
-              <a:t>Likelihood ratio tests</a:t>
+              <a:t>LRT examples</a:t>
             </a:r>
           </a:p>
         </p:txBody>
@@ -5451,17 +5369,14 @@
           <a:bodyPr/>
           <a:lstStyle/>
           <a:p>
-            <a:r>
-              <a:rPr lang="en-US" dirty="0"/>
-              <a:t>Statisticians have long used LRTs to compare nested models</a:t>
-            </a:r>
+            <a:endParaRPr lang="en-US"/>
           </a:p>
         </p:txBody>
       </p:sp>
     </p:spTree>
     <p:extLst>
       <p:ext uri="{BB962C8B-B14F-4D97-AF65-F5344CB8AC3E}">
-        <p14:creationId xmlns:p14="http://schemas.microsoft.com/office/powerpoint/2010/main" val="934849938"/>
+        <p14:creationId xmlns:p14="http://schemas.microsoft.com/office/powerpoint/2010/main" val="1377046409"/>
       </p:ext>
     </p:extLst>
   </p:cSld>
@@ -5505,7 +5420,7 @@
           <a:p>
             <a:r>
               <a:rPr lang="en-US" dirty="0"/>
-              <a:t>Nested Model</a:t>
+              <a:t>Information Criteria	</a:t>
             </a:r>
           </a:p>
         </p:txBody>
@@ -5522,12 +5437,14 @@
         </p:nvSpPr>
         <p:spPr/>
         <p:txBody>
-          <a:bodyPr/>
-          <a:lstStyle/>
-          <a:p>
-            <a:r>
-              <a:rPr lang="en-US" dirty="0"/>
-              <a:t>All the terms in the smaller model occur in the larger model</a:t>
+          <a:bodyPr>
+            <a:normAutofit lnSpcReduction="10000"/>
+          </a:bodyPr>
+          <a:lstStyle/>
+          <a:p>
+            <a:r>
+              <a:rPr lang="en-US" dirty="0"/>
+              <a:t>These are also called information theoretic approaches</a:t>
             </a:r>
           </a:p>
           <a:p>
@@ -5536,67 +5453,21 @@
           <a:p>
             <a:r>
               <a:rPr lang="en-US" dirty="0"/>
-              <a:t>Ex:</a:t>
-            </a:r>
-          </a:p>
-          <a:p>
+              <a:t>These are commonly used, but still have many </a:t>
+            </a:r>
             <a:r>
               <a:rPr lang="en-US" dirty="0" err="1"/>
-              <a:t>glm</a:t>
-            </a:r>
-            <a:r>
-              <a:rPr lang="en-US" dirty="0"/>
-              <a:t>(N ~ light*time)</a:t>
-            </a:r>
-          </a:p>
-          <a:p>
-            <a:r>
-              <a:rPr lang="en-US" dirty="0" err="1"/>
-              <a:t>glm</a:t>
-            </a:r>
-            <a:r>
-              <a:rPr lang="en-US" dirty="0"/>
-              <a:t>(N ~ light + time)</a:t>
-            </a:r>
-          </a:p>
-          <a:p>
-            <a:r>
-              <a:rPr lang="en-US" dirty="0" err="1"/>
-              <a:t>glm</a:t>
-            </a:r>
-            <a:r>
-              <a:rPr lang="en-US" dirty="0"/>
-              <a:t>(</a:t>
-            </a:r>
-            <a:r>
-              <a:rPr lang="en-US" dirty="0" err="1"/>
-              <a:t>N~light</a:t>
-            </a:r>
-            <a:r>
-              <a:rPr lang="en-US" dirty="0"/>
-              <a:t>)</a:t>
-            </a:r>
-          </a:p>
-          <a:p>
-            <a:r>
-              <a:rPr lang="en-US" dirty="0" err="1"/>
-              <a:t>glm</a:t>
-            </a:r>
-            <a:r>
-              <a:rPr lang="en-US" dirty="0"/>
-              <a:t>(N~1) </a:t>
-            </a:r>
-            <a:r>
-              <a:rPr lang="mr-IN" dirty="0"/>
-              <a:t>–</a:t>
-            </a:r>
-            <a:r>
-              <a:rPr lang="en-US" dirty="0"/>
-              <a:t> </a:t>
-            </a:r>
-            <a:r>
-              <a:rPr lang="en-US" b="1" u="sng" dirty="0"/>
-              <a:t>null model</a:t>
+              <a:t>disadvantanges</a:t>
+            </a:r>
+            <a:endParaRPr lang="en-US" dirty="0"/>
+          </a:p>
+          <a:p>
+            <a:endParaRPr lang="en-US" dirty="0"/>
+          </a:p>
+          <a:p>
+            <a:r>
+              <a:rPr lang="en-US" dirty="0"/>
+              <a:t>IC methods find the model that minimizes some criterion that is based on the likelihood and a penalty term, which is usually based on the number of parameters</a:t>
             </a:r>
           </a:p>
         </p:txBody>
@@ -5604,7 +5475,7 @@
     </p:spTree>
     <p:extLst>
       <p:ext uri="{BB962C8B-B14F-4D97-AF65-F5344CB8AC3E}">
-        <p14:creationId xmlns:p14="http://schemas.microsoft.com/office/powerpoint/2010/main" val="109384455"/>
+        <p14:creationId xmlns:p14="http://schemas.microsoft.com/office/powerpoint/2010/main" val="762809762"/>
       </p:ext>
     </p:extLst>
   </p:cSld>
@@ -5648,7 +5519,7 @@
           <a:p>
             <a:r>
               <a:rPr lang="en-US" dirty="0"/>
-              <a:t>Are these nested?</a:t>
+              <a:t>AIC (BIC, etc.) model selection</a:t>
             </a:r>
           </a:p>
         </p:txBody>
@@ -5663,30 +5534,65 @@
             <p:ph idx="1"/>
           </p:nvPr>
         </p:nvSpPr>
-        <p:spPr/>
-        <p:txBody>
-          <a:bodyPr/>
-          <a:lstStyle/>
-          <a:p>
-            <a:r>
-              <a:rPr lang="en-US" dirty="0" err="1"/>
-              <a:t>N~light</a:t>
-            </a:r>
+        <p:spPr>
+          <a:xfrm>
+            <a:off x="628650" y="1544630"/>
+            <a:ext cx="7886700" cy="5147353"/>
+          </a:xfrm>
+        </p:spPr>
+        <p:txBody>
+          <a:bodyPr>
+            <a:normAutofit/>
+          </a:bodyPr>
+          <a:lstStyle/>
+          <a:p>
+            <a:r>
+              <a:rPr lang="en-US" dirty="0"/>
+              <a:t>Proposed philosophy is inherently different </a:t>
+            </a:r>
+          </a:p>
+          <a:p>
+            <a:pPr lvl="1"/>
+            <a:r>
+              <a:rPr lang="en-US" dirty="0"/>
+              <a:t>but it is often (ab)used to answer the same questions as null hypothesis testing</a:t>
+            </a:r>
+          </a:p>
+          <a:p>
+            <a:pPr lvl="1"/>
             <a:endParaRPr lang="en-US" dirty="0"/>
           </a:p>
           <a:p>
-            <a:r>
-              <a:rPr lang="en-US" dirty="0" err="1"/>
-              <a:t>N~time</a:t>
-            </a:r>
+            <a:pPr lvl="1"/>
+            <a:r>
+              <a:rPr lang="en-US" dirty="0"/>
+              <a:t>Frequentist/Null hypothesis testing: do predictor variables X1, X2, and/or X3 influence Y?</a:t>
+            </a:r>
+          </a:p>
+          <a:p>
+            <a:pPr lvl="1"/>
             <a:endParaRPr lang="en-US" dirty="0"/>
+          </a:p>
+          <a:p>
+            <a:pPr lvl="1"/>
+            <a:r>
+              <a:rPr lang="en-US" dirty="0"/>
+              <a:t>IC approach: which of the proposed models fit the data best?</a:t>
+            </a:r>
+          </a:p>
+          <a:p>
+            <a:pPr lvl="2"/>
+            <a:r>
+              <a:rPr lang="en-US" dirty="0"/>
+              <a:t>E.g. AIC = 2k - 2ln(L); k = # parameters, L = likelihood</a:t>
+            </a:r>
           </a:p>
         </p:txBody>
       </p:sp>
     </p:spTree>
     <p:extLst>
       <p:ext uri="{BB962C8B-B14F-4D97-AF65-F5344CB8AC3E}">
-        <p14:creationId xmlns:p14="http://schemas.microsoft.com/office/powerpoint/2010/main" val="1522787299"/>
+        <p14:creationId xmlns:p14="http://schemas.microsoft.com/office/powerpoint/2010/main" val="3829928013"/>
       </p:ext>
     </p:extLst>
   </p:cSld>
@@ -5730,7 +5636,7 @@
           <a:p>
             <a:r>
               <a:rPr lang="en-US" dirty="0"/>
-              <a:t>Running a LRT on models</a:t>
+              <a:t>AIC Procedures</a:t>
             </a:r>
           </a:p>
         </p:txBody>
@@ -5747,33 +5653,58 @@
         </p:nvSpPr>
         <p:spPr/>
         <p:txBody>
-          <a:bodyPr/>
-          <a:lstStyle/>
-          <a:p>
-            <a:r>
-              <a:rPr lang="en-US" dirty="0"/>
-              <a:t>The </a:t>
-            </a:r>
-            <a:r>
-              <a:rPr lang="en-US" dirty="0" err="1"/>
-              <a:t>anova</a:t>
-            </a:r>
-            <a:r>
-              <a:rPr lang="en-US" dirty="0"/>
-              <a:t>() function in R performs LRT on nested model fits (among other tests)</a:t>
-            </a:r>
-          </a:p>
-          <a:p>
+          <a:bodyPr>
+            <a:normAutofit fontScale="85000" lnSpcReduction="20000"/>
+          </a:bodyPr>
+          <a:lstStyle/>
+          <a:p>
+            <a:pPr marL="457200" indent="-457200">
+              <a:buFont typeface="+mj-lt"/>
+              <a:buAutoNum type="arabicPeriod"/>
+            </a:pPr>
+            <a:r>
+              <a:rPr lang="en-US" dirty="0"/>
+              <a:t>Build a priori candidate model set</a:t>
+            </a:r>
+          </a:p>
+          <a:p>
+            <a:pPr marL="457200" indent="-457200">
+              <a:buFont typeface="+mj-lt"/>
+              <a:buAutoNum type="arabicPeriod"/>
+            </a:pPr>
             <a:endParaRPr lang="en-US" dirty="0"/>
           </a:p>
           <a:p>
-            <a:r>
-              <a:rPr lang="en-US" dirty="0"/>
-              <a:t>It will automatically calculate the difference in numbers of parameters (e.g. </a:t>
-            </a:r>
-            <a:r>
-              <a:rPr lang="en-US" dirty="0" err="1"/>
-              <a:t>df</a:t>
+            <a:pPr marL="457200" indent="-457200">
+              <a:buFont typeface="+mj-lt"/>
+              <a:buAutoNum type="arabicPeriod"/>
+            </a:pPr>
+            <a:r>
+              <a:rPr lang="en-US" dirty="0"/>
+              <a:t>Fit models to data</a:t>
+            </a:r>
+          </a:p>
+          <a:p>
+            <a:pPr marL="457200" indent="-457200">
+              <a:buFont typeface="+mj-lt"/>
+              <a:buAutoNum type="arabicPeriod"/>
+            </a:pPr>
+            <a:endParaRPr lang="en-US" dirty="0"/>
+          </a:p>
+          <a:p>
+            <a:pPr marL="457200" indent="-457200">
+              <a:buFont typeface="+mj-lt"/>
+              <a:buAutoNum type="arabicPeriod"/>
+            </a:pPr>
+            <a:r>
+              <a:rPr lang="en-US" dirty="0"/>
+              <a:t>Rank by AIC, calculate weights (based on </a:t>
+            </a:r>
+            <a:r>
+              <a:rPr lang="en-US" dirty="0">
+                <a:sym typeface="Symbol" panose="05050102010706020507" pitchFamily="18" charset="2"/>
+              </a:rPr>
+              <a:t>AIC</a:t>
             </a:r>
             <a:r>
               <a:rPr lang="en-US" dirty="0"/>
@@ -5781,15 +5712,44 @@
             </a:r>
           </a:p>
           <a:p>
+            <a:pPr marL="457200" indent="-457200">
+              <a:buFont typeface="+mj-lt"/>
+              <a:buAutoNum type="arabicPeriod"/>
+            </a:pPr>
             <a:endParaRPr lang="en-US" dirty="0"/>
           </a:p>
           <a:p>
-            <a:r>
-              <a:rPr lang="en-US" dirty="0"/>
-              <a:t>This will test whether the extra goodness of fit is worth the additional complexity of adding parameters</a:t>
-            </a:r>
-          </a:p>
-          <a:p>
+            <a:pPr marL="457200" indent="-457200">
+              <a:buFont typeface="+mj-lt"/>
+              <a:buAutoNum type="arabicPeriod"/>
+            </a:pPr>
+            <a:r>
+              <a:rPr lang="en-US" dirty="0"/>
+              <a:t>Can estimate model coefficients and make predictions by model averaging using AIC weights of all models making up X% of weights (e.g. X = 95%)</a:t>
+            </a:r>
+          </a:p>
+          <a:p>
+            <a:pPr marL="457200" indent="-457200">
+              <a:buFont typeface="+mj-lt"/>
+              <a:buAutoNum type="arabicPeriod"/>
+            </a:pPr>
+            <a:endParaRPr lang="en-US" dirty="0"/>
+          </a:p>
+          <a:p>
+            <a:pPr marL="457200" indent="-457200">
+              <a:buFont typeface="+mj-lt"/>
+              <a:buAutoNum type="arabicPeriod"/>
+            </a:pPr>
+            <a:r>
+              <a:rPr lang="en-US" dirty="0"/>
+              <a:t>Can select models with greatest support (must be &gt;2 AIC away)</a:t>
+            </a:r>
+          </a:p>
+          <a:p>
+            <a:pPr marL="514350" indent="-514350">
+              <a:buFont typeface="+mj-lt"/>
+              <a:buAutoNum type="arabicPeriod"/>
+            </a:pPr>
             <a:endParaRPr lang="en-US" dirty="0"/>
           </a:p>
         </p:txBody>
@@ -5797,7 +5757,7 @@
     </p:spTree>
     <p:extLst>
       <p:ext uri="{BB962C8B-B14F-4D97-AF65-F5344CB8AC3E}">
-        <p14:creationId xmlns:p14="http://schemas.microsoft.com/office/powerpoint/2010/main" val="1073049035"/>
+        <p14:creationId xmlns:p14="http://schemas.microsoft.com/office/powerpoint/2010/main" val="1169835076"/>
       </p:ext>
     </p:extLst>
   </p:cSld>
@@ -5840,8 +5800,8 @@
           <a:lstStyle/>
           <a:p>
             <a:r>
-              <a:rPr lang="en-US" b="1" dirty="0"/>
-              <a:t>Model comparison - LRT</a:t>
+              <a:rPr lang="en-US" dirty="0"/>
+              <a:t>AIC Examples</a:t>
             </a:r>
           </a:p>
         </p:txBody>
@@ -5858,135 +5818,17 @@
         </p:nvSpPr>
         <p:spPr/>
         <p:txBody>
-          <a:bodyPr>
-            <a:normAutofit fontScale="77500" lnSpcReduction="20000"/>
-          </a:bodyPr>
-          <a:lstStyle/>
-          <a:p>
-            <a:r>
-              <a:rPr lang="en-US" dirty="0"/>
-              <a:t>When you do an </a:t>
-            </a:r>
-            <a:r>
-              <a:rPr lang="en-US" dirty="0" err="1"/>
-              <a:t>anova</a:t>
-            </a:r>
-            <a:r>
-              <a:rPr lang="en-US" dirty="0"/>
-              <a:t>() on a regular lm or </a:t>
-            </a:r>
-            <a:r>
-              <a:rPr lang="en-US" dirty="0" err="1"/>
-              <a:t>glm</a:t>
-            </a:r>
-            <a:r>
-              <a:rPr lang="en-US" dirty="0"/>
-              <a:t> (e.g. Poisson, Gamma, Binomial) you need to list the null model </a:t>
-            </a:r>
-            <a:r>
-              <a:rPr lang="en-US" u="sng" dirty="0"/>
-              <a:t>first</a:t>
-            </a:r>
-            <a:endParaRPr lang="en-US" dirty="0"/>
-          </a:p>
-          <a:p>
-            <a:endParaRPr lang="en-US" dirty="0"/>
-          </a:p>
-          <a:p>
-            <a:r>
-              <a:rPr lang="en-US" dirty="0"/>
-              <a:t>The LRT (</a:t>
-            </a:r>
-            <a:r>
-              <a:rPr lang="en-US" dirty="0" err="1"/>
-              <a:t>anova</a:t>
-            </a:r>
-            <a:r>
-              <a:rPr lang="en-US" dirty="0"/>
-              <a:t>()) for these “objects” will always consider the null model as the first argument</a:t>
-            </a:r>
-          </a:p>
-          <a:p>
-            <a:pPr lvl="1"/>
-            <a:r>
-              <a:rPr lang="en-US" dirty="0"/>
-              <a:t>This isn’t the case for all types of objects </a:t>
-            </a:r>
-            <a:r>
-              <a:rPr lang="mr-IN" dirty="0"/>
-              <a:t>–</a:t>
-            </a:r>
-            <a:r>
-              <a:rPr lang="en-US" dirty="0"/>
-              <a:t> hence the confusion</a:t>
-            </a:r>
-          </a:p>
-          <a:p>
-            <a:pPr lvl="1"/>
-            <a:r>
-              <a:rPr lang="en-US" dirty="0"/>
-              <a:t>If you do not list the null model first, you may get wonky output because it is doing the subtraction incorrectly resulting in negative values with no meaning in the chi-squared distribution!</a:t>
-            </a:r>
-          </a:p>
-          <a:p>
-            <a:r>
-              <a:rPr lang="en-US" dirty="0"/>
-              <a:t>I suggest stepping through your models from simplest as null to increasingly more complex</a:t>
-            </a:r>
-          </a:p>
-          <a:p>
-            <a:pPr lvl="1"/>
-            <a:r>
-              <a:rPr lang="en-US" dirty="0"/>
-              <a:t>E.g. N ~ 1 vs </a:t>
-            </a:r>
-            <a:r>
-              <a:rPr lang="en-US" dirty="0" err="1"/>
-              <a:t>N~light</a:t>
-            </a:r>
-            <a:r>
-              <a:rPr lang="en-US" dirty="0"/>
-              <a:t>, then </a:t>
-            </a:r>
-            <a:r>
-              <a:rPr lang="en-US" dirty="0" err="1"/>
-              <a:t>N~light</a:t>
-            </a:r>
-            <a:r>
-              <a:rPr lang="en-US" dirty="0"/>
-              <a:t> vs </a:t>
-            </a:r>
-            <a:r>
-              <a:rPr lang="en-US" dirty="0" err="1"/>
-              <a:t>N~light+time</a:t>
-            </a:r>
-            <a:r>
-              <a:rPr lang="en-US" dirty="0"/>
-              <a:t>, then </a:t>
-            </a:r>
-            <a:r>
-              <a:rPr lang="en-US" dirty="0" err="1"/>
-              <a:t>N~light+time</a:t>
-            </a:r>
-            <a:r>
-              <a:rPr lang="en-US" dirty="0"/>
-              <a:t> vs </a:t>
-            </a:r>
-            <a:r>
-              <a:rPr lang="en-US" dirty="0" err="1"/>
-              <a:t>N~light</a:t>
-            </a:r>
-            <a:r>
-              <a:rPr lang="en-US" dirty="0"/>
-              <a:t>*time</a:t>
-            </a:r>
+          <a:bodyPr/>
+          <a:lstStyle/>
+          <a:p>
+            <a:endParaRPr lang="en-US"/>
           </a:p>
         </p:txBody>
       </p:sp>
     </p:spTree>
     <p:extLst>
       <p:ext uri="{BB962C8B-B14F-4D97-AF65-F5344CB8AC3E}">
-        <p14:creationId xmlns:p14="http://schemas.microsoft.com/office/powerpoint/2010/main" val="2508225711"/>
+        <p14:creationId xmlns:p14="http://schemas.microsoft.com/office/powerpoint/2010/main" val="2030345735"/>
       </p:ext>
     </p:extLst>
   </p:cSld>
@@ -6015,13 +5857,7 @@
       </p:grpSpPr>
       <p:sp>
         <p:nvSpPr>
-          <p:cNvPr id="2" name="Title 1">
-            <a:extLst>
-              <a:ext uri="{FF2B5EF4-FFF2-40B4-BE49-F238E27FC236}">
-                <a16:creationId xmlns:a16="http://schemas.microsoft.com/office/drawing/2014/main" id="{78FD1F96-71E6-3D49-9270-72069D9207CB}"/>
-              </a:ext>
-            </a:extLst>
-          </p:cNvPr>
+          <p:cNvPr id="2" name="Title 1"/>
           <p:cNvSpPr>
             <a:spLocks noGrp="1"/>
           </p:cNvSpPr>
@@ -6036,20 +5872,14 @@
           <a:p>
             <a:r>
               <a:rPr lang="en-US" dirty="0"/>
-              <a:t>Contest rules</a:t>
-            </a:r>
-          </a:p>
-        </p:txBody>
-      </p:sp>
-      <p:sp>
-        <p:nvSpPr>
-          <p:cNvPr id="3" name="Content Placeholder 2">
-            <a:extLst>
-              <a:ext uri="{FF2B5EF4-FFF2-40B4-BE49-F238E27FC236}">
-                <a16:creationId xmlns:a16="http://schemas.microsoft.com/office/drawing/2014/main" id="{174AD24E-49EB-6A42-A575-DEAFCDB2E24C}"/>
-              </a:ext>
-            </a:extLst>
-          </p:cNvPr>
+              <a:t>Theory</a:t>
+            </a:r>
+          </a:p>
+        </p:txBody>
+      </p:sp>
+      <p:sp>
+        <p:nvSpPr>
+          <p:cNvPr id="3" name="Content Placeholder 2"/>
           <p:cNvSpPr>
             <a:spLocks noGrp="1"/>
           </p:cNvSpPr>
@@ -6059,14 +5889,12 @@
         </p:nvSpPr>
         <p:spPr/>
         <p:txBody>
-          <a:bodyPr>
-            <a:normAutofit fontScale="92500"/>
-          </a:bodyPr>
-          <a:lstStyle/>
-          <a:p>
-            <a:r>
-              <a:rPr lang="en-US" dirty="0"/>
-              <a:t>Entries will receive 5 bonus points on lowest grade</a:t>
+          <a:bodyPr/>
+          <a:lstStyle/>
+          <a:p>
+            <a:r>
+              <a:rPr lang="en-US" dirty="0"/>
+              <a:t>We often have multiple hypotheses about which factors are most important in influencing something</a:t>
             </a:r>
           </a:p>
           <a:p>
@@ -6075,7 +5903,7 @@
           <a:p>
             <a:r>
               <a:rPr lang="en-US" dirty="0"/>
-              <a:t>Must use ggplot2</a:t>
+              <a:t>Related to this, we often have multiple working hypotheses about how things interact</a:t>
             </a:r>
           </a:p>
           <a:p>
@@ -6084,39 +5912,15 @@
           <a:p>
             <a:r>
               <a:rPr lang="en-US" dirty="0"/>
-              <a:t>Can be accidental or on purpose</a:t>
-            </a:r>
-          </a:p>
-          <a:p>
-            <a:endParaRPr lang="en-US" dirty="0"/>
-          </a:p>
-          <a:p>
-            <a:r>
-              <a:rPr lang="en-US" dirty="0"/>
-              <a:t>Send to me on canvas and I will share them</a:t>
-            </a:r>
-          </a:p>
-          <a:p>
-            <a:endParaRPr lang="en-US" dirty="0"/>
-          </a:p>
-          <a:p>
-            <a:r>
-              <a:rPr lang="en-US" dirty="0"/>
-              <a:t>Class will be encouraged to caption them</a:t>
-            </a:r>
-          </a:p>
-          <a:p>
-            <a:pPr marL="0" indent="0">
-              <a:buNone/>
-            </a:pPr>
-            <a:endParaRPr lang="en-US" dirty="0"/>
+              <a:t>How do we know which models are best at explaining our data?</a:t>
+            </a:r>
           </a:p>
         </p:txBody>
       </p:sp>
     </p:spTree>
     <p:extLst>
       <p:ext uri="{BB962C8B-B14F-4D97-AF65-F5344CB8AC3E}">
-        <p14:creationId xmlns:p14="http://schemas.microsoft.com/office/powerpoint/2010/main" val="527528186"/>
+        <p14:creationId xmlns:p14="http://schemas.microsoft.com/office/powerpoint/2010/main" val="1101182634"/>
       </p:ext>
     </p:extLst>
   </p:cSld>
@@ -6160,7 +5964,7 @@
           <a:p>
             <a:r>
               <a:rPr lang="en-US" dirty="0"/>
-              <a:t>LRT examples</a:t>
+              <a:t>AIC advantages</a:t>
             </a:r>
           </a:p>
         </p:txBody>
@@ -6180,14 +5984,38 @@
           <a:bodyPr/>
           <a:lstStyle/>
           <a:p>
-            <a:endParaRPr lang="en-US"/>
+            <a:r>
+              <a:rPr lang="en-US" dirty="0"/>
+              <a:t>Results in 1 or more final models that have “some support” from the data</a:t>
+            </a:r>
+          </a:p>
+          <a:p>
+            <a:endParaRPr lang="en-US" dirty="0"/>
+          </a:p>
+          <a:p>
+            <a:r>
+              <a:rPr lang="en-US" dirty="0"/>
+              <a:t>Comparing non-nested models is easy</a:t>
+            </a:r>
+          </a:p>
+          <a:p>
+            <a:endParaRPr lang="en-US" dirty="0"/>
+          </a:p>
+          <a:p>
+            <a:r>
+              <a:rPr lang="en-US" dirty="0"/>
+              <a:t>Combining results from multiple models is straight forward</a:t>
+            </a:r>
+          </a:p>
+          <a:p>
+            <a:endParaRPr lang="en-US" dirty="0"/>
           </a:p>
         </p:txBody>
       </p:sp>
     </p:spTree>
     <p:extLst>
       <p:ext uri="{BB962C8B-B14F-4D97-AF65-F5344CB8AC3E}">
-        <p14:creationId xmlns:p14="http://schemas.microsoft.com/office/powerpoint/2010/main" val="1377046409"/>
+        <p14:creationId xmlns:p14="http://schemas.microsoft.com/office/powerpoint/2010/main" val="2185811067"/>
       </p:ext>
     </p:extLst>
   </p:cSld>
@@ -6231,7 +6059,7 @@
           <a:p>
             <a:r>
               <a:rPr lang="en-US" dirty="0"/>
-              <a:t>Information Criteria	</a:t>
+              <a:t>AIC challenges</a:t>
             </a:r>
           </a:p>
         </p:txBody>
@@ -6246,16 +6074,21 @@
             <p:ph idx="1"/>
           </p:nvPr>
         </p:nvSpPr>
-        <p:spPr/>
+        <p:spPr>
+          <a:xfrm>
+            <a:off x="628650" y="1518870"/>
+            <a:ext cx="7886700" cy="5339130"/>
+          </a:xfrm>
+        </p:spPr>
         <p:txBody>
           <a:bodyPr>
-            <a:normAutofit lnSpcReduction="10000"/>
+            <a:normAutofit fontScale="55000" lnSpcReduction="20000"/>
           </a:bodyPr>
           <a:lstStyle/>
           <a:p>
             <a:r>
               <a:rPr lang="en-US" dirty="0"/>
-              <a:t>These are also called information theoretic approaches</a:t>
+              <a:t>What is the candidate model set?  Omissions or biases in forming model set can result in poor inference/prediction</a:t>
             </a:r>
           </a:p>
           <a:p>
@@ -6264,29 +6097,71 @@
           <a:p>
             <a:r>
               <a:rPr lang="en-US" dirty="0"/>
-              <a:t>These are commonly used, but still have many </a:t>
-            </a:r>
-            <a:r>
-              <a:rPr lang="en-US" dirty="0" err="1"/>
-              <a:t>disadvantanges</a:t>
-            </a:r>
+              <a:t>Using “all possible model subsets” can produce an enormous number of models that is difficult to interpret and results in spurious correlations</a:t>
+            </a:r>
+          </a:p>
+          <a:p>
             <a:endParaRPr lang="en-US" dirty="0"/>
           </a:p>
           <a:p>
+            <a:r>
+              <a:rPr lang="en-US" dirty="0"/>
+              <a:t>If we fit models with several “versions” of a predictor (e.g. Temp, Temp</a:t>
+            </a:r>
+            <a:r>
+              <a:rPr lang="en-US" baseline="30000" dirty="0"/>
+              <a:t>2</a:t>
+            </a:r>
+            <a:r>
+              <a:rPr lang="en-US" dirty="0"/>
+              <a:t>, Log(Temp)) and only one model without this predictor, we are much more likely to find that this predictor is present in one of the best fitting models.</a:t>
+            </a:r>
+          </a:p>
+          <a:p>
             <a:endParaRPr lang="en-US" dirty="0"/>
           </a:p>
           <a:p>
             <a:r>
               <a:rPr lang="en-US" dirty="0"/>
-              <a:t>IC methods find the model that minimizes some criterion that is based on the likelihood and a penalty term, which is usually based on the number of parameters</a:t>
-            </a:r>
+              <a:t>AIC will select models as “plausible” (within 2 AIC) that contain non-significant (P&gt;0.05) predictors.</a:t>
+            </a:r>
+          </a:p>
+          <a:p>
+            <a:endParaRPr lang="en-US" dirty="0"/>
+          </a:p>
+          <a:p>
+            <a:r>
+              <a:rPr lang="en-US" dirty="0"/>
+              <a:t>Need to examine “goodness of fit” of best models to avoid selecting the best of a bunch of terrible models</a:t>
+            </a:r>
+          </a:p>
+          <a:p>
+            <a:endParaRPr lang="en-US" dirty="0"/>
+          </a:p>
+          <a:p>
+            <a:r>
+              <a:rPr lang="en-US" dirty="0"/>
+              <a:t>When a predictor makes a model better by AIC, this is equivalent to stepwise regression based on a threshold p-value of 0.157 which is much larger than 0.05. </a:t>
+            </a:r>
+          </a:p>
+          <a:p>
+            <a:endParaRPr lang="en-US" dirty="0"/>
+          </a:p>
+          <a:p>
+            <a:r>
+              <a:rPr lang="en-US" dirty="0"/>
+              <a:t>It is difficult to get prediction error and Cis from model averaged predictions</a:t>
+            </a:r>
+          </a:p>
+          <a:p>
+            <a:endParaRPr lang="en-US" dirty="0"/>
           </a:p>
         </p:txBody>
       </p:sp>
     </p:spTree>
     <p:extLst>
       <p:ext uri="{BB962C8B-B14F-4D97-AF65-F5344CB8AC3E}">
-        <p14:creationId xmlns:p14="http://schemas.microsoft.com/office/powerpoint/2010/main" val="762809762"/>
+        <p14:creationId xmlns:p14="http://schemas.microsoft.com/office/powerpoint/2010/main" val="3583310291"/>
       </p:ext>
     </p:extLst>
   </p:cSld>
@@ -6315,7 +6190,13 @@
       </p:grpSpPr>
       <p:sp>
         <p:nvSpPr>
-          <p:cNvPr id="2" name="Title 1"/>
+          <p:cNvPr id="2" name="Title 1">
+            <a:extLst>
+              <a:ext uri="{FF2B5EF4-FFF2-40B4-BE49-F238E27FC236}">
+                <a16:creationId xmlns:a16="http://schemas.microsoft.com/office/drawing/2014/main" id="{7B4FB1DD-BAD1-0640-A1EA-EEF1DD6718DA}"/>
+              </a:ext>
+            </a:extLst>
+          </p:cNvPr>
           <p:cNvSpPr>
             <a:spLocks noGrp="1"/>
           </p:cNvSpPr>
@@ -6330,14 +6211,20 @@
           <a:p>
             <a:r>
               <a:rPr lang="en-US" dirty="0"/>
-              <a:t>AIC (BIC, etc.) model selection</a:t>
-            </a:r>
-          </a:p>
-        </p:txBody>
-      </p:sp>
-      <p:sp>
-        <p:nvSpPr>
-          <p:cNvPr id="3" name="Content Placeholder 2"/>
+              <a:t>Automatic model selection algorithm (dredging)</a:t>
+            </a:r>
+          </a:p>
+        </p:txBody>
+      </p:sp>
+      <p:sp>
+        <p:nvSpPr>
+          <p:cNvPr id="3" name="Content Placeholder 2">
+            <a:extLst>
+              <a:ext uri="{FF2B5EF4-FFF2-40B4-BE49-F238E27FC236}">
+                <a16:creationId xmlns:a16="http://schemas.microsoft.com/office/drawing/2014/main" id="{AA1D0D94-CD12-424C-A240-F039CC11A80F}"/>
+              </a:ext>
+            </a:extLst>
+          </p:cNvPr>
           <p:cNvSpPr>
             <a:spLocks noGrp="1"/>
           </p:cNvSpPr>
@@ -6345,57 +6232,34 @@
             <p:ph idx="1"/>
           </p:nvPr>
         </p:nvSpPr>
-        <p:spPr>
-          <a:xfrm>
-            <a:off x="628650" y="1544630"/>
-            <a:ext cx="7886700" cy="5147353"/>
-          </a:xfrm>
-        </p:spPr>
-        <p:txBody>
-          <a:bodyPr>
-            <a:normAutofit/>
-          </a:bodyPr>
-          <a:lstStyle/>
-          <a:p>
-            <a:r>
-              <a:rPr lang="en-US" dirty="0"/>
-              <a:t>Proposed philosophy is inherently different </a:t>
-            </a:r>
-          </a:p>
-          <a:p>
-            <a:pPr lvl="1"/>
-            <a:r>
-              <a:rPr lang="en-US" dirty="0"/>
-              <a:t>but it is often (ab)used to answer the same questions as null hypothesis testing</a:t>
-            </a:r>
-          </a:p>
-          <a:p>
-            <a:pPr lvl="1"/>
+        <p:spPr/>
+        <p:txBody>
+          <a:bodyPr/>
+          <a:lstStyle/>
+          <a:p>
+            <a:pPr marL="0" indent="0">
+              <a:buNone/>
+            </a:pPr>
+            <a:endParaRPr lang="en-US" dirty="0">
+              <a:hlinkClick r:id="rId2"/>
+            </a:endParaRPr>
+          </a:p>
+          <a:p>
+            <a:r>
+              <a:rPr lang="en-US" dirty="0">
+                <a:hlinkClick r:id="rId2"/>
+              </a:rPr>
+              <a:t>https://stats.stackexchange.com/questions/20836/algorithms-for-automatic-model-selection/20856#20856</a:t>
+            </a:r>
             <a:endParaRPr lang="en-US" dirty="0"/>
           </a:p>
           <a:p>
-            <a:pPr lvl="1"/>
-            <a:r>
-              <a:rPr lang="en-US" dirty="0"/>
-              <a:t>Frequentist/Null hypothesis testing: do predictor variables X1, X2, and/or X3 influence Y?</a:t>
-            </a:r>
-          </a:p>
-          <a:p>
-            <a:pPr lvl="1"/>
             <a:endParaRPr lang="en-US" dirty="0"/>
           </a:p>
           <a:p>
-            <a:pPr lvl="1"/>
-            <a:r>
-              <a:rPr lang="en-US" dirty="0"/>
-              <a:t>IC approach: which of the proposed models fit the data best?</a:t>
-            </a:r>
-          </a:p>
-          <a:p>
-            <a:pPr lvl="2"/>
-            <a:r>
-              <a:rPr lang="en-US" dirty="0"/>
-              <a:t>E.g. AIC = 2k - 2ln(L); k = # parameters, L = likelihood</a:t>
+            <a:r>
+              <a:rPr lang="en-US" dirty="0"/>
+              <a:t>Tip: Don’t do this. </a:t>
             </a:r>
           </a:p>
         </p:txBody>
@@ -6403,7 +6267,7 @@
     </p:spTree>
     <p:extLst>
       <p:ext uri="{BB962C8B-B14F-4D97-AF65-F5344CB8AC3E}">
-        <p14:creationId xmlns:p14="http://schemas.microsoft.com/office/powerpoint/2010/main" val="3829928013"/>
+        <p14:creationId xmlns:p14="http://schemas.microsoft.com/office/powerpoint/2010/main" val="1703361718"/>
       </p:ext>
     </p:extLst>
   </p:cSld>
@@ -6432,7 +6296,13 @@
       </p:grpSpPr>
       <p:sp>
         <p:nvSpPr>
-          <p:cNvPr id="2" name="Title 1"/>
+          <p:cNvPr id="2" name="Title 1">
+            <a:extLst>
+              <a:ext uri="{FF2B5EF4-FFF2-40B4-BE49-F238E27FC236}">
+                <a16:creationId xmlns:a16="http://schemas.microsoft.com/office/drawing/2014/main" id="{8727EE4B-1932-E946-B68B-5D75BF031FC3}"/>
+              </a:ext>
+            </a:extLst>
+          </p:cNvPr>
           <p:cNvSpPr>
             <a:spLocks noGrp="1"/>
           </p:cNvSpPr>
@@ -6447,14 +6317,20 @@
           <a:p>
             <a:r>
               <a:rPr lang="en-US" dirty="0"/>
-              <a:t>AIC Procedures</a:t>
-            </a:r>
-          </a:p>
-        </p:txBody>
-      </p:sp>
-      <p:sp>
-        <p:nvSpPr>
-          <p:cNvPr id="3" name="Content Placeholder 2"/>
+              <a:t>Model averaging challenges</a:t>
+            </a:r>
+          </a:p>
+        </p:txBody>
+      </p:sp>
+      <p:sp>
+        <p:nvSpPr>
+          <p:cNvPr id="3" name="Content Placeholder 2">
+            <a:extLst>
+              <a:ext uri="{FF2B5EF4-FFF2-40B4-BE49-F238E27FC236}">
+                <a16:creationId xmlns:a16="http://schemas.microsoft.com/office/drawing/2014/main" id="{0883E609-FCA3-804A-ABE6-8B08E659241F}"/>
+              </a:ext>
+            </a:extLst>
+          </p:cNvPr>
           <p:cNvSpPr>
             <a:spLocks noGrp="1"/>
           </p:cNvSpPr>
@@ -6464,111 +6340,49 @@
         </p:nvSpPr>
         <p:spPr/>
         <p:txBody>
-          <a:bodyPr>
-            <a:normAutofit fontScale="85000" lnSpcReduction="20000"/>
-          </a:bodyPr>
-          <a:lstStyle/>
-          <a:p>
-            <a:pPr marL="457200" indent="-457200">
-              <a:buFont typeface="+mj-lt"/>
-              <a:buAutoNum type="arabicPeriod"/>
-            </a:pPr>
-            <a:r>
-              <a:rPr lang="en-US" dirty="0"/>
-              <a:t>Build a priori candidate model set</a:t>
-            </a:r>
-          </a:p>
-          <a:p>
-            <a:pPr marL="457200" indent="-457200">
-              <a:buFont typeface="+mj-lt"/>
-              <a:buAutoNum type="arabicPeriod"/>
-            </a:pPr>
+          <a:bodyPr/>
+          <a:lstStyle/>
+          <a:p>
+            <a:r>
+              <a:rPr lang="en-US" dirty="0">
+                <a:hlinkClick r:id="rId2"/>
+              </a:rPr>
+              <a:t>https://theoreticalecology.wordpress.com/2018/05/14/model-averaging-in-ecology-a-review-of-bayesian-information-theoretic-and-tactical-approaches-for-predictive-inference/</a:t>
+            </a:r>
             <a:endParaRPr lang="en-US" dirty="0"/>
           </a:p>
           <a:p>
-            <a:pPr marL="457200" indent="-457200">
-              <a:buFont typeface="+mj-lt"/>
-              <a:buAutoNum type="arabicPeriod"/>
-            </a:pPr>
-            <a:r>
-              <a:rPr lang="en-US" dirty="0"/>
-              <a:t>Fit models to data</a:t>
-            </a:r>
-          </a:p>
-          <a:p>
-            <a:pPr marL="457200" indent="-457200">
-              <a:buFont typeface="+mj-lt"/>
-              <a:buAutoNum type="arabicPeriod"/>
-            </a:pPr>
             <a:endParaRPr lang="en-US" dirty="0"/>
           </a:p>
           <a:p>
-            <a:pPr marL="457200" indent="-457200">
-              <a:buFont typeface="+mj-lt"/>
-              <a:buAutoNum type="arabicPeriod"/>
-            </a:pPr>
-            <a:r>
-              <a:rPr lang="en-US" dirty="0"/>
-              <a:t>Rank by AIC, calculate weights (based on </a:t>
-            </a:r>
-            <a:r>
-              <a:rPr lang="en-US" dirty="0">
-                <a:sym typeface="Symbol" panose="05050102010706020507" pitchFamily="18" charset="2"/>
-              </a:rPr>
-              <a:t>AIC</a:t>
-            </a:r>
-            <a:r>
-              <a:rPr lang="en-US" dirty="0"/>
-              <a:t>)</a:t>
-            </a:r>
-          </a:p>
-          <a:p>
-            <a:pPr marL="457200" indent="-457200">
-              <a:buFont typeface="+mj-lt"/>
-              <a:buAutoNum type="arabicPeriod"/>
-            </a:pPr>
+            <a:r>
+              <a:rPr lang="en-US" dirty="0"/>
+              <a:t>Lots of points here, but model averaging cascades error in bad ways</a:t>
+            </a:r>
+          </a:p>
+          <a:p>
             <a:endParaRPr lang="en-US" dirty="0"/>
           </a:p>
           <a:p>
-            <a:pPr marL="457200" indent="-457200">
-              <a:buFont typeface="+mj-lt"/>
-              <a:buAutoNum type="arabicPeriod"/>
-            </a:pPr>
-            <a:r>
-              <a:rPr lang="en-US" dirty="0"/>
-              <a:t>Can estimate model coefficients and make predictions by model averaging using AIC weights of all models making up X% of weights (e.g. X = 95%)</a:t>
-            </a:r>
-          </a:p>
-          <a:p>
-            <a:pPr marL="457200" indent="-457200">
-              <a:buFont typeface="+mj-lt"/>
-              <a:buAutoNum type="arabicPeriod"/>
-            </a:pPr>
-            <a:endParaRPr lang="en-US" dirty="0"/>
-          </a:p>
-          <a:p>
-            <a:pPr marL="457200" indent="-457200">
-              <a:buFont typeface="+mj-lt"/>
-              <a:buAutoNum type="arabicPeriod"/>
-            </a:pPr>
-            <a:r>
-              <a:rPr lang="en-US" dirty="0"/>
-              <a:t>Can select models with greatest support (must be &gt;2 AIC away)</a:t>
-            </a:r>
-          </a:p>
-          <a:p>
-            <a:pPr marL="514350" indent="-514350">
-              <a:buFont typeface="+mj-lt"/>
-              <a:buAutoNum type="arabicPeriod"/>
-            </a:pPr>
-            <a:endParaRPr lang="en-US" dirty="0"/>
+            <a:r>
+              <a:rPr lang="en-US" dirty="0"/>
+              <a:t>And see </a:t>
+            </a:r>
+            <a:r>
+              <a:rPr lang="en-US" dirty="0" err="1"/>
+              <a:t>Bolker</a:t>
+            </a:r>
+            <a:r>
+              <a:rPr lang="en-US" dirty="0"/>
+              <a:t> paper on canvas</a:t>
+            </a:r>
           </a:p>
         </p:txBody>
       </p:sp>
     </p:spTree>
     <p:extLst>
       <p:ext uri="{BB962C8B-B14F-4D97-AF65-F5344CB8AC3E}">
-        <p14:creationId xmlns:p14="http://schemas.microsoft.com/office/powerpoint/2010/main" val="1169835076"/>
+        <p14:creationId xmlns:p14="http://schemas.microsoft.com/office/powerpoint/2010/main" val="2900490986"/>
       </p:ext>
     </p:extLst>
   </p:cSld>
@@ -6612,7 +6426,7 @@
           <a:p>
             <a:r>
               <a:rPr lang="en-US" dirty="0"/>
-              <a:t>AIC Examples</a:t>
+              <a:t>Bayesian approaches</a:t>
             </a:r>
           </a:p>
         </p:txBody>
@@ -6629,17 +6443,52 @@
         </p:nvSpPr>
         <p:spPr/>
         <p:txBody>
-          <a:bodyPr/>
-          <a:lstStyle/>
-          <a:p>
-            <a:endParaRPr lang="en-US"/>
+          <a:bodyPr>
+            <a:normAutofit fontScale="85000" lnSpcReduction="20000"/>
+          </a:bodyPr>
+          <a:lstStyle/>
+          <a:p>
+            <a:r>
+              <a:rPr lang="en-US" dirty="0"/>
+              <a:t>Bayesians consider model selection in a very different way. Dropping parameters from a model is the equivalent of saying the value of the parameter is exactly 0</a:t>
+            </a:r>
+          </a:p>
+          <a:p>
+            <a:pPr lvl="1"/>
+            <a:r>
+              <a:rPr lang="en-US" dirty="0"/>
+              <a:t>This isn’t how Bayesians think about the world (an effect centered on 0 with a range and probability distribution)</a:t>
+            </a:r>
+          </a:p>
+          <a:p>
+            <a:pPr lvl="1"/>
+            <a:r>
+              <a:rPr lang="en-US" dirty="0"/>
+              <a:t>Bayesian methods often center priors on 0 anyway so will intentionally hypothesize a 0 effect</a:t>
+            </a:r>
+          </a:p>
+          <a:p>
+            <a:pPr lvl="1"/>
+            <a:endParaRPr lang="en-US" dirty="0"/>
+          </a:p>
+          <a:p>
+            <a:r>
+              <a:rPr lang="en-US" dirty="0"/>
+              <a:t>They do use Bayes factors which is the ratio of the marginal likelihoods, essentially the odds in favor of one model vs another</a:t>
+            </a:r>
+          </a:p>
+          <a:p>
+            <a:r>
+              <a:rPr lang="en-US" dirty="0"/>
+              <a:t>Challenge: the marginal likelihood can be challenging to calculate and Bayesian methods are less approachable to many ecologists</a:t>
+            </a:r>
           </a:p>
         </p:txBody>
       </p:sp>
     </p:spTree>
     <p:extLst>
       <p:ext uri="{BB962C8B-B14F-4D97-AF65-F5344CB8AC3E}">
-        <p14:creationId xmlns:p14="http://schemas.microsoft.com/office/powerpoint/2010/main" val="2030345735"/>
+        <p14:creationId xmlns:p14="http://schemas.microsoft.com/office/powerpoint/2010/main" val="1024959077"/>
       </p:ext>
     </p:extLst>
   </p:cSld>
@@ -6683,7 +6532,7 @@
           <a:p>
             <a:r>
               <a:rPr lang="en-US" dirty="0"/>
-              <a:t>AIC advantages</a:t>
+              <a:t>Challenges for all approaches</a:t>
             </a:r>
           </a:p>
         </p:txBody>
@@ -6700,41 +6549,41 @@
         </p:nvSpPr>
         <p:spPr/>
         <p:txBody>
-          <a:bodyPr/>
-          <a:lstStyle/>
-          <a:p>
-            <a:r>
-              <a:rPr lang="en-US" dirty="0"/>
-              <a:t>Results in 1 or more final models that have “some support” from the data</a:t>
-            </a:r>
-          </a:p>
-          <a:p>
-            <a:endParaRPr lang="en-US" dirty="0"/>
-          </a:p>
-          <a:p>
-            <a:r>
-              <a:rPr lang="en-US" dirty="0"/>
-              <a:t>Comparing non-nested models is easy</a:t>
-            </a:r>
-          </a:p>
-          <a:p>
-            <a:endParaRPr lang="en-US" dirty="0"/>
-          </a:p>
-          <a:p>
-            <a:r>
-              <a:rPr lang="en-US" dirty="0"/>
-              <a:t>Combining results from multiple models is straight forward</a:t>
-            </a:r>
-          </a:p>
-          <a:p>
-            <a:endParaRPr lang="en-US" dirty="0"/>
+          <a:bodyPr>
+            <a:normAutofit lnSpcReduction="10000"/>
+          </a:bodyPr>
+          <a:lstStyle/>
+          <a:p>
+            <a:r>
+              <a:rPr lang="en-US" dirty="0"/>
+              <a:t>Including a large list of predictor variables will guarantee that your final or best model includes variables that are correlated with the response simply due to chance</a:t>
+            </a:r>
+          </a:p>
+          <a:p>
+            <a:pPr lvl="1"/>
+            <a:r>
+              <a:rPr lang="en-US" dirty="0"/>
+              <a:t> multiple regression is a form of multiple comparisons!</a:t>
+            </a:r>
+          </a:p>
+          <a:p>
+            <a:r>
+              <a:rPr lang="en-US" dirty="0"/>
+              <a:t>Any time there is any correlation among predictors, removing or including a predictor will change the coefficient of other correlated predictors</a:t>
+            </a:r>
+          </a:p>
+          <a:p>
+            <a:r>
+              <a:rPr lang="en-US" dirty="0"/>
+              <a:t>No approach fixes these problems</a:t>
+            </a:r>
           </a:p>
         </p:txBody>
       </p:sp>
     </p:spTree>
     <p:extLst>
       <p:ext uri="{BB962C8B-B14F-4D97-AF65-F5344CB8AC3E}">
-        <p14:creationId xmlns:p14="http://schemas.microsoft.com/office/powerpoint/2010/main" val="2185811067"/>
+        <p14:creationId xmlns:p14="http://schemas.microsoft.com/office/powerpoint/2010/main" val="4260278004"/>
       </p:ext>
     </p:extLst>
   </p:cSld>
@@ -6778,8 +6627,13 @@
           <a:p>
             <a:r>
               <a:rPr lang="en-US" dirty="0"/>
-              <a:t>AIC challenges</a:t>
-            </a:r>
+              <a:t>Everyone’s a critic</a:t>
+            </a:r>
+            <a:r>
+              <a:rPr lang="mr-IN" dirty="0"/>
+              <a:t>…</a:t>
+            </a:r>
+            <a:endParaRPr lang="en-US" dirty="0"/>
           </a:p>
         </p:txBody>
       </p:sp>
@@ -6793,21 +6647,14 @@
             <p:ph idx="1"/>
           </p:nvPr>
         </p:nvSpPr>
-        <p:spPr>
-          <a:xfrm>
-            <a:off x="628650" y="1518870"/>
-            <a:ext cx="7886700" cy="5339130"/>
-          </a:xfrm>
-        </p:spPr>
-        <p:txBody>
-          <a:bodyPr>
-            <a:normAutofit fontScale="55000" lnSpcReduction="20000"/>
-          </a:bodyPr>
-          <a:lstStyle/>
-          <a:p>
-            <a:r>
-              <a:rPr lang="en-US" dirty="0"/>
-              <a:t>What is the candidate model set?  Omissions or biases in forming model set can result in poor inference/prediction</a:t>
+        <p:spPr/>
+        <p:txBody>
+          <a:bodyPr/>
+          <a:lstStyle/>
+          <a:p>
+            <a:r>
+              <a:rPr lang="en-US" dirty="0"/>
+              <a:t>First it was LRT</a:t>
             </a:r>
           </a:p>
           <a:p>
@@ -6816,7 +6663,7 @@
           <a:p>
             <a:r>
               <a:rPr lang="en-US" dirty="0"/>
-              <a:t>Using “all possible model subsets” can produce an enormous number of models that is difficult to interpret and results in spurious correlations</a:t>
+              <a:t>Then it was stepwise</a:t>
             </a:r>
           </a:p>
           <a:p>
@@ -6825,15 +6672,7 @@
           <a:p>
             <a:r>
               <a:rPr lang="en-US" dirty="0"/>
-              <a:t>If we fit models with several “versions” of a predictor (e.g. Temp, Temp</a:t>
-            </a:r>
-            <a:r>
-              <a:rPr lang="en-US" baseline="30000" dirty="0"/>
-              <a:t>2</a:t>
-            </a:r>
-            <a:r>
-              <a:rPr lang="en-US" dirty="0"/>
-              <a:t>, Log(Temp)) and only one model without this predictor, we are much more likely to find that this predictor is present in one of the best fitting models.</a:t>
+              <a:t>Now it is AIC</a:t>
             </a:r>
           </a:p>
           <a:p>
@@ -6842,45 +6681,15 @@
           <a:p>
             <a:r>
               <a:rPr lang="en-US" dirty="0"/>
-              <a:t>AIC will select models as “plausible” (within 2 AIC) that contain non-significant (P&gt;0.05) predictors.</a:t>
-            </a:r>
-          </a:p>
-          <a:p>
-            <a:endParaRPr lang="en-US" dirty="0"/>
-          </a:p>
-          <a:p>
-            <a:r>
-              <a:rPr lang="en-US" dirty="0"/>
-              <a:t>Need to examine “goodness of fit” of best models to avoid selecting the best of a bunch of terrible models</a:t>
-            </a:r>
-          </a:p>
-          <a:p>
-            <a:endParaRPr lang="en-US" dirty="0"/>
-          </a:p>
-          <a:p>
-            <a:r>
-              <a:rPr lang="en-US" dirty="0"/>
-              <a:t>When a predictor makes a model better by AIC, this is equivalent to stepwise regression based on a threshold p-value of 0.157 which is much larger than 0.05. </a:t>
-            </a:r>
-          </a:p>
-          <a:p>
-            <a:endParaRPr lang="en-US" dirty="0"/>
-          </a:p>
-          <a:p>
-            <a:r>
-              <a:rPr lang="en-US" dirty="0"/>
-              <a:t>It is difficult to get prediction error and Cis from model averaged predictions</a:t>
-            </a:r>
-          </a:p>
-          <a:p>
-            <a:endParaRPr lang="en-US" dirty="0"/>
+              <a:t>What should we do??</a:t>
+            </a:r>
           </a:p>
         </p:txBody>
       </p:sp>
     </p:spTree>
     <p:extLst>
       <p:ext uri="{BB962C8B-B14F-4D97-AF65-F5344CB8AC3E}">
-        <p14:creationId xmlns:p14="http://schemas.microsoft.com/office/powerpoint/2010/main" val="3583310291"/>
+        <p14:creationId xmlns:p14="http://schemas.microsoft.com/office/powerpoint/2010/main" val="472774089"/>
       </p:ext>
     </p:extLst>
   </p:cSld>
@@ -6909,13 +6718,7 @@
       </p:grpSpPr>
       <p:sp>
         <p:nvSpPr>
-          <p:cNvPr id="2" name="Title 1">
-            <a:extLst>
-              <a:ext uri="{FF2B5EF4-FFF2-40B4-BE49-F238E27FC236}">
-                <a16:creationId xmlns:a16="http://schemas.microsoft.com/office/drawing/2014/main" id="{7B4FB1DD-BAD1-0640-A1EA-EEF1DD6718DA}"/>
-              </a:ext>
-            </a:extLst>
-          </p:cNvPr>
+          <p:cNvPr id="2" name="Title 1"/>
           <p:cNvSpPr>
             <a:spLocks noGrp="1"/>
           </p:cNvSpPr>
@@ -6930,20 +6733,14 @@
           <a:p>
             <a:r>
               <a:rPr lang="en-US" dirty="0"/>
-              <a:t>Automatic model selection algorithm (dredging)</a:t>
-            </a:r>
-          </a:p>
-        </p:txBody>
-      </p:sp>
-      <p:sp>
-        <p:nvSpPr>
-          <p:cNvPr id="3" name="Content Placeholder 2">
-            <a:extLst>
-              <a:ext uri="{FF2B5EF4-FFF2-40B4-BE49-F238E27FC236}">
-                <a16:creationId xmlns:a16="http://schemas.microsoft.com/office/drawing/2014/main" id="{AA1D0D94-CD12-424C-A240-F039CC11A80F}"/>
-              </a:ext>
-            </a:extLst>
-          </p:cNvPr>
+              <a:t>Conclusions</a:t>
+            </a:r>
+          </a:p>
+        </p:txBody>
+      </p:sp>
+      <p:sp>
+        <p:nvSpPr>
+          <p:cNvPr id="3" name="Content Placeholder 2"/>
           <p:cNvSpPr>
             <a:spLocks noGrp="1"/>
           </p:cNvSpPr>
@@ -6953,32 +6750,46 @@
         </p:nvSpPr>
         <p:spPr/>
         <p:txBody>
-          <a:bodyPr/>
-          <a:lstStyle/>
-          <a:p>
-            <a:pPr marL="0" indent="0">
-              <a:buNone/>
-            </a:pPr>
-            <a:endParaRPr lang="en-US" dirty="0">
-              <a:hlinkClick r:id="rId2"/>
-            </a:endParaRPr>
-          </a:p>
-          <a:p>
-            <a:r>
-              <a:rPr lang="en-US" dirty="0">
-                <a:hlinkClick r:id="rId2"/>
-              </a:rPr>
-              <a:t>https://stats.stackexchange.com/questions/20836/algorithms-for-automatic-model-selection/20856#20856</a:t>
-            </a:r>
+          <a:bodyPr>
+            <a:normAutofit fontScale="92500" lnSpcReduction="10000"/>
+          </a:bodyPr>
+          <a:lstStyle/>
+          <a:p>
+            <a:r>
+              <a:rPr lang="en-US" dirty="0"/>
+              <a:t>There is no substitute for a priori hypotheses, carefully designed studies or experiments that maximize orthogonality of predictors </a:t>
+            </a:r>
+          </a:p>
+          <a:p>
+            <a:pPr lvl="1"/>
+            <a:r>
+              <a:rPr lang="en-US" dirty="0"/>
+              <a:t>These experiments should have clear-cut hypotheses and measure important variables (consider exclusion of likely “nuisance” variables)</a:t>
+            </a:r>
+          </a:p>
+          <a:p>
+            <a:pPr lvl="1"/>
+            <a:r>
+              <a:rPr lang="en-US" dirty="0"/>
+              <a:t>E.g. Do you need to have soil moisture and daily </a:t>
+            </a:r>
+            <a:r>
+              <a:rPr lang="en-US" dirty="0" err="1"/>
+              <a:t>precip</a:t>
+            </a:r>
+            <a:r>
+              <a:rPr lang="en-US" dirty="0"/>
+              <a:t> in your model? </a:t>
+            </a:r>
+          </a:p>
+          <a:p>
+            <a:pPr lvl="1"/>
             <a:endParaRPr lang="en-US" dirty="0"/>
           </a:p>
           <a:p>
-            <a:endParaRPr lang="en-US" dirty="0"/>
-          </a:p>
-          <a:p>
-            <a:r>
-              <a:rPr lang="en-US" dirty="0"/>
-              <a:t>Tip: Don’t do this. </a:t>
+            <a:r>
+              <a:rPr lang="en-US" dirty="0"/>
+              <a:t>We have to accept that in some cases, the limited (observational) data we have collected simply cannot provide a simple clear cut answer to the questions we are posing.</a:t>
             </a:r>
           </a:p>
         </p:txBody>
@@ -6986,7 +6797,7 @@
     </p:spTree>
     <p:extLst>
       <p:ext uri="{BB962C8B-B14F-4D97-AF65-F5344CB8AC3E}">
-        <p14:creationId xmlns:p14="http://schemas.microsoft.com/office/powerpoint/2010/main" val="1703361718"/>
+        <p14:creationId xmlns:p14="http://schemas.microsoft.com/office/powerpoint/2010/main" val="3347799417"/>
       </p:ext>
     </p:extLst>
   </p:cSld>
@@ -7015,13 +6826,7 @@
       </p:grpSpPr>
       <p:sp>
         <p:nvSpPr>
-          <p:cNvPr id="2" name="Title 1">
-            <a:extLst>
-              <a:ext uri="{FF2B5EF4-FFF2-40B4-BE49-F238E27FC236}">
-                <a16:creationId xmlns:a16="http://schemas.microsoft.com/office/drawing/2014/main" id="{8727EE4B-1932-E946-B68B-5D75BF031FC3}"/>
-              </a:ext>
-            </a:extLst>
-          </p:cNvPr>
+          <p:cNvPr id="2" name="Title 1"/>
           <p:cNvSpPr>
             <a:spLocks noGrp="1"/>
           </p:cNvSpPr>
@@ -7036,20 +6841,14 @@
           <a:p>
             <a:r>
               <a:rPr lang="en-US" dirty="0"/>
-              <a:t>Model averaging challenges</a:t>
-            </a:r>
-          </a:p>
-        </p:txBody>
-      </p:sp>
-      <p:sp>
-        <p:nvSpPr>
-          <p:cNvPr id="3" name="Content Placeholder 2">
-            <a:extLst>
-              <a:ext uri="{FF2B5EF4-FFF2-40B4-BE49-F238E27FC236}">
-                <a16:creationId xmlns:a16="http://schemas.microsoft.com/office/drawing/2014/main" id="{0883E609-FCA3-804A-ABE6-8B08E659241F}"/>
-              </a:ext>
-            </a:extLst>
-          </p:cNvPr>
+              <a:t>Summary</a:t>
+            </a:r>
+          </a:p>
+        </p:txBody>
+      </p:sp>
+      <p:sp>
+        <p:nvSpPr>
+          <p:cNvPr id="3" name="Content Placeholder 2"/>
           <p:cNvSpPr>
             <a:spLocks noGrp="1"/>
           </p:cNvSpPr>
@@ -7057,51 +6856,73 @@
             <p:ph idx="1"/>
           </p:nvPr>
         </p:nvSpPr>
-        <p:spPr/>
-        <p:txBody>
-          <a:bodyPr/>
-          <a:lstStyle/>
-          <a:p>
-            <a:r>
-              <a:rPr lang="en-US" dirty="0">
-                <a:hlinkClick r:id="rId2"/>
-              </a:rPr>
-              <a:t>https://theoreticalecology.wordpress.com/2018/05/14/model-averaging-in-ecology-a-review-of-bayesian-information-theoretic-and-tactical-approaches-for-predictive-inference/</a:t>
-            </a:r>
+        <p:spPr>
+          <a:xfrm>
+            <a:off x="628650" y="1572322"/>
+            <a:ext cx="7886700" cy="4604641"/>
+          </a:xfrm>
+        </p:spPr>
+        <p:txBody>
+          <a:bodyPr/>
+          <a:lstStyle/>
+          <a:p>
+            <a:r>
+              <a:rPr lang="en-US" dirty="0"/>
+              <a:t>LRT’s are very useful and well-established, but choosing a path through a complex nest of factors can be challenging</a:t>
+            </a:r>
+          </a:p>
+          <a:p>
+            <a:pPr lvl="1"/>
+            <a:r>
+              <a:rPr lang="en-US" dirty="0"/>
+              <a:t>Things to be concerned about: </a:t>
+            </a:r>
+          </a:p>
+          <a:p>
+            <a:pPr lvl="2"/>
+            <a:r>
+              <a:rPr lang="en-US" dirty="0"/>
+              <a:t>when one factor is significant only when another factor is in the model</a:t>
+            </a:r>
+          </a:p>
+          <a:p>
+            <a:pPr lvl="2"/>
+            <a:r>
+              <a:rPr lang="en-US" dirty="0"/>
+              <a:t>when predictor variables are highly correlated</a:t>
+            </a:r>
+          </a:p>
+          <a:p>
+            <a:pPr lvl="1"/>
+            <a:r>
+              <a:rPr lang="en-US" dirty="0"/>
+              <a:t>What to do:</a:t>
+            </a:r>
+          </a:p>
+          <a:p>
+            <a:pPr lvl="2"/>
+            <a:r>
+              <a:rPr lang="en-US" dirty="0"/>
+              <a:t>What interesting biology might this be explaining?</a:t>
+            </a:r>
+          </a:p>
+          <a:p>
+            <a:pPr lvl="2"/>
+            <a:r>
+              <a:rPr lang="en-US" dirty="0"/>
+              <a:t>Do you need both variables? </a:t>
+            </a:r>
+          </a:p>
+          <a:p>
+            <a:pPr lvl="2"/>
             <a:endParaRPr lang="en-US" dirty="0"/>
-          </a:p>
-          <a:p>
-            <a:endParaRPr lang="en-US" dirty="0"/>
-          </a:p>
-          <a:p>
-            <a:r>
-              <a:rPr lang="en-US" dirty="0"/>
-              <a:t>Lots of points here, but model averaging cascades error in bad ways</a:t>
-            </a:r>
-          </a:p>
-          <a:p>
-            <a:endParaRPr lang="en-US" dirty="0"/>
-          </a:p>
-          <a:p>
-            <a:r>
-              <a:rPr lang="en-US" dirty="0"/>
-              <a:t>And see </a:t>
-            </a:r>
-            <a:r>
-              <a:rPr lang="en-US" dirty="0" err="1"/>
-              <a:t>Bolker</a:t>
-            </a:r>
-            <a:r>
-              <a:rPr lang="en-US" dirty="0"/>
-              <a:t> paper on canvas (will discuss)</a:t>
-            </a:r>
           </a:p>
         </p:txBody>
       </p:sp>
     </p:spTree>
     <p:extLst>
       <p:ext uri="{BB962C8B-B14F-4D97-AF65-F5344CB8AC3E}">
-        <p14:creationId xmlns:p14="http://schemas.microsoft.com/office/powerpoint/2010/main" val="2900490986"/>
+        <p14:creationId xmlns:p14="http://schemas.microsoft.com/office/powerpoint/2010/main" val="1730380054"/>
       </p:ext>
     </p:extLst>
   </p:cSld>
@@ -7145,7 +6966,7 @@
           <a:p>
             <a:r>
               <a:rPr lang="en-US" dirty="0"/>
-              <a:t>Bayesian approaches</a:t>
+              <a:t>Summary</a:t>
             </a:r>
           </a:p>
         </p:txBody>
@@ -7160,46 +6981,83 @@
             <p:ph idx="1"/>
           </p:nvPr>
         </p:nvSpPr>
-        <p:spPr/>
-        <p:txBody>
-          <a:bodyPr>
-            <a:normAutofit fontScale="85000" lnSpcReduction="20000"/>
-          </a:bodyPr>
-          <a:lstStyle/>
-          <a:p>
-            <a:r>
-              <a:rPr lang="en-US" dirty="0"/>
-              <a:t>Bayesians consider model selection in a very different way. Dropping parameters from a model is the equivalent of saying the value of the parameter is exactly 0</a:t>
+        <p:spPr>
+          <a:xfrm>
+            <a:off x="628650" y="1438507"/>
+            <a:ext cx="7886700" cy="4738456"/>
+          </a:xfrm>
+        </p:spPr>
+        <p:txBody>
+          <a:bodyPr/>
+          <a:lstStyle/>
+          <a:p>
+            <a:r>
+              <a:rPr lang="en-US" dirty="0"/>
+              <a:t>AIC is well-established, very easy to implement, and appeals to our desire to rank things</a:t>
             </a:r>
           </a:p>
           <a:p>
             <a:pPr lvl="1"/>
             <a:r>
               <a:rPr lang="en-US" dirty="0"/>
-              <a:t>This isn’t how Bayesians think about the world (an effect centered on 0 with a range and probability distribution)</a:t>
+              <a:t>Things to be concerned about:</a:t>
+            </a:r>
+          </a:p>
+          <a:p>
+            <a:pPr lvl="2"/>
+            <a:r>
+              <a:rPr lang="en-US" dirty="0"/>
+              <a:t>Data dredging and thoughtless model selection</a:t>
+            </a:r>
+          </a:p>
+          <a:p>
+            <a:pPr lvl="2"/>
+            <a:r>
+              <a:rPr lang="en-US" dirty="0"/>
+              <a:t>Overfitting (adding too many variables)</a:t>
+            </a:r>
+          </a:p>
+          <a:p>
+            <a:pPr lvl="2"/>
+            <a:r>
+              <a:rPr lang="en-US" dirty="0"/>
+              <a:t>Bad candidate model sets</a:t>
+            </a:r>
+          </a:p>
+          <a:p>
+            <a:pPr lvl="2"/>
+            <a:r>
+              <a:rPr lang="en-US" dirty="0"/>
+              <a:t>When AIC tells you remove something you </a:t>
+            </a:r>
+            <a:r>
+              <a:rPr lang="en-US" i="1" dirty="0"/>
+              <a:t>know</a:t>
+            </a:r>
+            <a:r>
+              <a:rPr lang="en-US" dirty="0"/>
+              <a:t> is important</a:t>
             </a:r>
           </a:p>
           <a:p>
             <a:pPr lvl="1"/>
             <a:r>
               <a:rPr lang="en-US" dirty="0"/>
-              <a:t>Bayesian methods often center priors on 0 anyway so will intentionally hypothesize a 0 effect</a:t>
-            </a:r>
-          </a:p>
-          <a:p>
-            <a:pPr lvl="1"/>
-            <a:endParaRPr lang="en-US" dirty="0"/>
-          </a:p>
-          <a:p>
-            <a:r>
-              <a:rPr lang="en-US" dirty="0"/>
-              <a:t>They do use Bayes factors which is the ratio of the marginal likelihoods, essentially the odds in favor of one model vs another</a:t>
-            </a:r>
-          </a:p>
-          <a:p>
-            <a:r>
-              <a:rPr lang="en-US" dirty="0"/>
-              <a:t>Challenge: the marginal likelihood can be challenging to calculate and Bayesian methods are less approachable to many ecologists</a:t>
+              <a:t>What to do:</a:t>
+            </a:r>
+          </a:p>
+          <a:p>
+            <a:pPr lvl="2"/>
+            <a:r>
+              <a:rPr lang="en-US" dirty="0"/>
+              <a:t>Use for exploratory analysis, but take results with a big grain of salt</a:t>
+            </a:r>
+          </a:p>
+          <a:p>
+            <a:pPr lvl="2"/>
+            <a:r>
+              <a:rPr lang="en-US" dirty="0"/>
+              <a:t>Use as final results only if it agrees with other methods</a:t>
             </a:r>
           </a:p>
         </p:txBody>
@@ -7207,7 +7065,7 @@
     </p:spTree>
     <p:extLst>
       <p:ext uri="{BB962C8B-B14F-4D97-AF65-F5344CB8AC3E}">
-        <p14:creationId xmlns:p14="http://schemas.microsoft.com/office/powerpoint/2010/main" val="1024959077"/>
+        <p14:creationId xmlns:p14="http://schemas.microsoft.com/office/powerpoint/2010/main" val="1933073373"/>
       </p:ext>
     </p:extLst>
   </p:cSld>
@@ -7236,13 +7094,7 @@
       </p:grpSpPr>
       <p:sp>
         <p:nvSpPr>
-          <p:cNvPr id="2" name="Title 1">
-            <a:extLst>
-              <a:ext uri="{FF2B5EF4-FFF2-40B4-BE49-F238E27FC236}">
-                <a16:creationId xmlns:a16="http://schemas.microsoft.com/office/drawing/2014/main" id="{B45862AA-B657-154C-A31E-5F351A9D0E3E}"/>
-              </a:ext>
-            </a:extLst>
-          </p:cNvPr>
+          <p:cNvPr id="2" name="Title 1"/>
           <p:cNvSpPr>
             <a:spLocks noGrp="1"/>
           </p:cNvSpPr>
@@ -7257,20 +7109,14 @@
           <a:p>
             <a:r>
               <a:rPr lang="en-US" dirty="0"/>
-              <a:t>Examples</a:t>
-            </a:r>
-          </a:p>
-        </p:txBody>
-      </p:sp>
-      <p:sp>
-        <p:nvSpPr>
-          <p:cNvPr id="3" name="Content Placeholder 2">
-            <a:extLst>
-              <a:ext uri="{FF2B5EF4-FFF2-40B4-BE49-F238E27FC236}">
-                <a16:creationId xmlns:a16="http://schemas.microsoft.com/office/drawing/2014/main" id="{59687EC1-554F-1040-A797-18EE9DDEA1C9}"/>
-              </a:ext>
-            </a:extLst>
-          </p:cNvPr>
+              <a:t>Parsimony</a:t>
+            </a:r>
+          </a:p>
+        </p:txBody>
+      </p:sp>
+      <p:sp>
+        <p:nvSpPr>
+          <p:cNvPr id="3" name="Content Placeholder 2"/>
           <p:cNvSpPr>
             <a:spLocks noGrp="1"/>
           </p:cNvSpPr>
@@ -7280,158 +7126,57 @@
         </p:nvSpPr>
         <p:spPr/>
         <p:txBody>
-          <a:bodyPr/>
-          <a:lstStyle/>
-          <a:p>
-            <a:endParaRPr lang="en-US"/>
-          </a:p>
-        </p:txBody>
-      </p:sp>
-      <p:pic>
-        <p:nvPicPr>
-          <p:cNvPr id="5" name="Picture 4">
-            <a:extLst>
-              <a:ext uri="{FF2B5EF4-FFF2-40B4-BE49-F238E27FC236}">
-                <a16:creationId xmlns:a16="http://schemas.microsoft.com/office/drawing/2014/main" id="{00D60AE0-B1FA-AD46-9D13-B58BB416763C}"/>
-              </a:ext>
-            </a:extLst>
-          </p:cNvPr>
-          <p:cNvPicPr>
-            <a:picLocks noChangeAspect="1"/>
-          </p:cNvPicPr>
-          <p:nvPr/>
-        </p:nvPicPr>
-        <p:blipFill>
-          <a:blip r:embed="rId2"/>
-          <a:stretch>
-            <a:fillRect/>
-          </a:stretch>
-        </p:blipFill>
-        <p:spPr>
-          <a:xfrm>
-            <a:off x="0" y="1293383"/>
-            <a:ext cx="9144000" cy="5181362"/>
-          </a:xfrm>
-          <a:prstGeom prst="rect">
-            <a:avLst/>
-          </a:prstGeom>
-        </p:spPr>
-      </p:pic>
-      <p:sp>
-        <p:nvSpPr>
-          <p:cNvPr id="6" name="TextBox 5">
-            <a:extLst>
-              <a:ext uri="{FF2B5EF4-FFF2-40B4-BE49-F238E27FC236}">
-                <a16:creationId xmlns:a16="http://schemas.microsoft.com/office/drawing/2014/main" id="{38C478CA-04C7-2744-9D4E-F596C3B12D26}"/>
-              </a:ext>
-            </a:extLst>
-          </p:cNvPr>
-          <p:cNvSpPr txBox="1"/>
-          <p:nvPr/>
-        </p:nvSpPr>
-        <p:spPr>
-          <a:xfrm>
-            <a:off x="3716215" y="2145323"/>
-            <a:ext cx="3945760" cy="369332"/>
-          </a:xfrm>
-          <a:prstGeom prst="rect">
-            <a:avLst/>
-          </a:prstGeom>
-          <a:noFill/>
-        </p:spPr>
-        <p:txBody>
-          <a:bodyPr wrap="none" rtlCol="0">
-            <a:spAutoFit/>
+          <a:bodyPr>
+            <a:normAutofit lnSpcReduction="10000"/>
           </a:bodyPr>
           <a:lstStyle/>
           <a:p>
             <a:r>
               <a:rPr lang="en-US" dirty="0"/>
-              <a:t>Caption: Giant sand worm attacks Dubai</a:t>
-            </a:r>
-          </a:p>
-        </p:txBody>
-      </p:sp>
-      <p:sp>
-        <p:nvSpPr>
-          <p:cNvPr id="7" name="Rectangle 6">
-            <a:extLst>
-              <a:ext uri="{FF2B5EF4-FFF2-40B4-BE49-F238E27FC236}">
-                <a16:creationId xmlns:a16="http://schemas.microsoft.com/office/drawing/2014/main" id="{228FF401-108A-0548-A2AE-54D6AAFC3EC4}"/>
-              </a:ext>
-            </a:extLst>
-          </p:cNvPr>
-          <p:cNvSpPr/>
-          <p:nvPr/>
-        </p:nvSpPr>
-        <p:spPr>
-          <a:xfrm>
-            <a:off x="351693" y="6450637"/>
-            <a:ext cx="7033846" cy="261610"/>
-          </a:xfrm>
-          <a:prstGeom prst="rect">
-            <a:avLst/>
-          </a:prstGeom>
-        </p:spPr>
-        <p:txBody>
-          <a:bodyPr wrap="square">
-            <a:spAutoFit/>
-          </a:bodyPr>
-          <a:lstStyle/>
-          <a:p>
-            <a:r>
-              <a:rPr lang="en-US" sz="1100" dirty="0">
-                <a:solidFill>
-                  <a:srgbClr val="000000"/>
-                </a:solidFill>
-                <a:latin typeface="Times New Roman" panose="02020603050405020304" pitchFamily="18" charset="0"/>
-              </a:rPr>
-              <a:t>https://</a:t>
-            </a:r>
-            <a:r>
-              <a:rPr lang="en-US" sz="1100" dirty="0" err="1">
-                <a:solidFill>
-                  <a:srgbClr val="000000"/>
-                </a:solidFill>
-                <a:latin typeface="Times New Roman" panose="02020603050405020304" pitchFamily="18" charset="0"/>
-              </a:rPr>
-              <a:t>twitter.com</a:t>
-            </a:r>
-            <a:r>
-              <a:rPr lang="en-US" sz="1100" dirty="0">
-                <a:solidFill>
-                  <a:srgbClr val="000000"/>
-                </a:solidFill>
-                <a:latin typeface="Times New Roman" panose="02020603050405020304" pitchFamily="18" charset="0"/>
-              </a:rPr>
-              <a:t>/</a:t>
-            </a:r>
-            <a:r>
-              <a:rPr lang="en-US" sz="1100" dirty="0" err="1">
-                <a:solidFill>
-                  <a:srgbClr val="000000"/>
-                </a:solidFill>
-                <a:latin typeface="Times New Roman" panose="02020603050405020304" pitchFamily="18" charset="0"/>
-              </a:rPr>
-              <a:t>remington_moll</a:t>
-            </a:r>
-            <a:r>
-              <a:rPr lang="en-US" sz="1100" dirty="0">
-                <a:solidFill>
-                  <a:srgbClr val="000000"/>
-                </a:solidFill>
-                <a:latin typeface="Times New Roman" panose="02020603050405020304" pitchFamily="18" charset="0"/>
-              </a:rPr>
-              <a:t>/status/1367524035240759296?s=20</a:t>
-            </a:r>
-            <a:endParaRPr lang="en-US" sz="1100" dirty="0"/>
+              <a:t>This is sometimes called </a:t>
+            </a:r>
+            <a:r>
+              <a:rPr lang="en-US" i="1" dirty="0" err="1"/>
+              <a:t>Occams</a:t>
+            </a:r>
+            <a:r>
+              <a:rPr lang="en-US" i="1" dirty="0"/>
+              <a:t> razor</a:t>
+            </a:r>
+            <a:endParaRPr lang="en-US" dirty="0"/>
+          </a:p>
+          <a:p>
+            <a:r>
+              <a:rPr lang="en-US" dirty="0"/>
+              <a:t>This is a general argument for choosing simpler models even though we know the world is complicated</a:t>
+            </a:r>
+          </a:p>
+          <a:p>
+            <a:r>
+              <a:rPr lang="en-US" dirty="0"/>
+              <a:t>Model selection approaches usually go beyond parsimony to try and determine whether a more complex model is better than a simpler one</a:t>
+            </a:r>
+          </a:p>
+          <a:p>
+            <a:r>
+              <a:rPr lang="en-US" dirty="0"/>
+              <a:t>This is usually done by seeing whether there is some threshold of “</a:t>
+            </a:r>
+            <a:r>
+              <a:rPr lang="en-US" dirty="0" err="1"/>
+              <a:t>betterness</a:t>
+            </a:r>
+            <a:r>
+              <a:rPr lang="en-US" dirty="0"/>
+              <a:t>” to be worth the added model complexity</a:t>
+            </a:r>
           </a:p>
         </p:txBody>
       </p:sp>
     </p:spTree>
     <p:extLst>
       <p:ext uri="{BB962C8B-B14F-4D97-AF65-F5344CB8AC3E}">
-        <p14:creationId xmlns:p14="http://schemas.microsoft.com/office/powerpoint/2010/main" val="3087174945"/>
+        <p14:creationId xmlns:p14="http://schemas.microsoft.com/office/powerpoint/2010/main" val="711464144"/>
       </p:ext>
     </p:extLst>
   </p:cSld>
@@ -7468,583 +7213,6 @@
             <p:ph type="title"/>
           </p:nvPr>
         </p:nvSpPr>
-        <p:spPr/>
-        <p:txBody>
-          <a:bodyPr/>
-          <a:lstStyle/>
-          <a:p>
-            <a:r>
-              <a:rPr lang="en-US" dirty="0"/>
-              <a:t>Challenges for all approaches</a:t>
-            </a:r>
-          </a:p>
-        </p:txBody>
-      </p:sp>
-      <p:sp>
-        <p:nvSpPr>
-          <p:cNvPr id="3" name="Content Placeholder 2"/>
-          <p:cNvSpPr>
-            <a:spLocks noGrp="1"/>
-          </p:cNvSpPr>
-          <p:nvPr>
-            <p:ph idx="1"/>
-          </p:nvPr>
-        </p:nvSpPr>
-        <p:spPr/>
-        <p:txBody>
-          <a:bodyPr>
-            <a:normAutofit lnSpcReduction="10000"/>
-          </a:bodyPr>
-          <a:lstStyle/>
-          <a:p>
-            <a:r>
-              <a:rPr lang="en-US" dirty="0"/>
-              <a:t>Including a large list of predictor variables will guarantee that your final or best model includes variables that are correlated with the response simply due to chance</a:t>
-            </a:r>
-          </a:p>
-          <a:p>
-            <a:pPr lvl="1"/>
-            <a:r>
-              <a:rPr lang="en-US" dirty="0"/>
-              <a:t> multiple regression is a form of multiple comparisons!</a:t>
-            </a:r>
-          </a:p>
-          <a:p>
-            <a:r>
-              <a:rPr lang="en-US" dirty="0"/>
-              <a:t>Any time there is any correlation among predictors, removing or including a predictor will change the coefficient of other correlated predictors</a:t>
-            </a:r>
-          </a:p>
-          <a:p>
-            <a:r>
-              <a:rPr lang="en-US" dirty="0"/>
-              <a:t>No approach fixes these problems</a:t>
-            </a:r>
-          </a:p>
-        </p:txBody>
-      </p:sp>
-    </p:spTree>
-    <p:extLst>
-      <p:ext uri="{BB962C8B-B14F-4D97-AF65-F5344CB8AC3E}">
-        <p14:creationId xmlns:p14="http://schemas.microsoft.com/office/powerpoint/2010/main" val="4260278004"/>
-      </p:ext>
-    </p:extLst>
-  </p:cSld>
-  <p:clrMapOvr>
-    <a:masterClrMapping/>
-  </p:clrMapOvr>
-</p:sld>
-</file>
-
-<file path=ppt/slides/slide41.xml><?xml version="1.0" encoding="utf-8"?>
-<p:sld xmlns:a="http://schemas.openxmlformats.org/drawingml/2006/main" xmlns:r="http://schemas.openxmlformats.org/officeDocument/2006/relationships" xmlns:p="http://schemas.openxmlformats.org/presentationml/2006/main">
-  <p:cSld>
-    <p:spTree>
-      <p:nvGrpSpPr>
-        <p:cNvPr id="1" name=""/>
-        <p:cNvGrpSpPr/>
-        <p:nvPr/>
-      </p:nvGrpSpPr>
-      <p:grpSpPr>
-        <a:xfrm>
-          <a:off x="0" y="0"/>
-          <a:ext cx="0" cy="0"/>
-          <a:chOff x="0" y="0"/>
-          <a:chExt cx="0" cy="0"/>
-        </a:xfrm>
-      </p:grpSpPr>
-      <p:sp>
-        <p:nvSpPr>
-          <p:cNvPr id="2" name="Title 1"/>
-          <p:cNvSpPr>
-            <a:spLocks noGrp="1"/>
-          </p:cNvSpPr>
-          <p:nvPr>
-            <p:ph type="title"/>
-          </p:nvPr>
-        </p:nvSpPr>
-        <p:spPr/>
-        <p:txBody>
-          <a:bodyPr/>
-          <a:lstStyle/>
-          <a:p>
-            <a:r>
-              <a:rPr lang="en-US" dirty="0"/>
-              <a:t>Everyone’s a critic</a:t>
-            </a:r>
-            <a:r>
-              <a:rPr lang="mr-IN" dirty="0"/>
-              <a:t>…</a:t>
-            </a:r>
-            <a:endParaRPr lang="en-US" dirty="0"/>
-          </a:p>
-        </p:txBody>
-      </p:sp>
-      <p:sp>
-        <p:nvSpPr>
-          <p:cNvPr id="3" name="Content Placeholder 2"/>
-          <p:cNvSpPr>
-            <a:spLocks noGrp="1"/>
-          </p:cNvSpPr>
-          <p:nvPr>
-            <p:ph idx="1"/>
-          </p:nvPr>
-        </p:nvSpPr>
-        <p:spPr/>
-        <p:txBody>
-          <a:bodyPr/>
-          <a:lstStyle/>
-          <a:p>
-            <a:r>
-              <a:rPr lang="en-US" dirty="0"/>
-              <a:t>First it was LRT</a:t>
-            </a:r>
-          </a:p>
-          <a:p>
-            <a:endParaRPr lang="en-US" dirty="0"/>
-          </a:p>
-          <a:p>
-            <a:r>
-              <a:rPr lang="en-US" dirty="0"/>
-              <a:t>Then it was stepwise</a:t>
-            </a:r>
-          </a:p>
-          <a:p>
-            <a:endParaRPr lang="en-US" dirty="0"/>
-          </a:p>
-          <a:p>
-            <a:r>
-              <a:rPr lang="en-US" dirty="0"/>
-              <a:t>Now it is AIC</a:t>
-            </a:r>
-          </a:p>
-          <a:p>
-            <a:endParaRPr lang="en-US" dirty="0"/>
-          </a:p>
-          <a:p>
-            <a:r>
-              <a:rPr lang="en-US" dirty="0"/>
-              <a:t>What should we do??</a:t>
-            </a:r>
-          </a:p>
-        </p:txBody>
-      </p:sp>
-    </p:spTree>
-    <p:extLst>
-      <p:ext uri="{BB962C8B-B14F-4D97-AF65-F5344CB8AC3E}">
-        <p14:creationId xmlns:p14="http://schemas.microsoft.com/office/powerpoint/2010/main" val="472774089"/>
-      </p:ext>
-    </p:extLst>
-  </p:cSld>
-  <p:clrMapOvr>
-    <a:masterClrMapping/>
-  </p:clrMapOvr>
-</p:sld>
-</file>
-
-<file path=ppt/slides/slide42.xml><?xml version="1.0" encoding="utf-8"?>
-<p:sld xmlns:a="http://schemas.openxmlformats.org/drawingml/2006/main" xmlns:r="http://schemas.openxmlformats.org/officeDocument/2006/relationships" xmlns:p="http://schemas.openxmlformats.org/presentationml/2006/main">
-  <p:cSld>
-    <p:spTree>
-      <p:nvGrpSpPr>
-        <p:cNvPr id="1" name=""/>
-        <p:cNvGrpSpPr/>
-        <p:nvPr/>
-      </p:nvGrpSpPr>
-      <p:grpSpPr>
-        <a:xfrm>
-          <a:off x="0" y="0"/>
-          <a:ext cx="0" cy="0"/>
-          <a:chOff x="0" y="0"/>
-          <a:chExt cx="0" cy="0"/>
-        </a:xfrm>
-      </p:grpSpPr>
-      <p:sp>
-        <p:nvSpPr>
-          <p:cNvPr id="2" name="Title 1"/>
-          <p:cNvSpPr>
-            <a:spLocks noGrp="1"/>
-          </p:cNvSpPr>
-          <p:nvPr>
-            <p:ph type="title"/>
-          </p:nvPr>
-        </p:nvSpPr>
-        <p:spPr/>
-        <p:txBody>
-          <a:bodyPr/>
-          <a:lstStyle/>
-          <a:p>
-            <a:r>
-              <a:rPr lang="en-US" dirty="0"/>
-              <a:t>Conclusions</a:t>
-            </a:r>
-          </a:p>
-        </p:txBody>
-      </p:sp>
-      <p:sp>
-        <p:nvSpPr>
-          <p:cNvPr id="3" name="Content Placeholder 2"/>
-          <p:cNvSpPr>
-            <a:spLocks noGrp="1"/>
-          </p:cNvSpPr>
-          <p:nvPr>
-            <p:ph idx="1"/>
-          </p:nvPr>
-        </p:nvSpPr>
-        <p:spPr/>
-        <p:txBody>
-          <a:bodyPr>
-            <a:normAutofit fontScale="92500" lnSpcReduction="10000"/>
-          </a:bodyPr>
-          <a:lstStyle/>
-          <a:p>
-            <a:r>
-              <a:rPr lang="en-US" dirty="0"/>
-              <a:t>There is no substitute for a priori hypotheses, carefully designed studies or experiments that maximize orthogonality of predictors </a:t>
-            </a:r>
-          </a:p>
-          <a:p>
-            <a:pPr lvl="1"/>
-            <a:r>
-              <a:rPr lang="en-US" dirty="0"/>
-              <a:t>These experiments should have clear-cut hypotheses and measure important variables (consider exclusion of likely “nuisance” variables)</a:t>
-            </a:r>
-          </a:p>
-          <a:p>
-            <a:pPr lvl="1"/>
-            <a:r>
-              <a:rPr lang="en-US" dirty="0"/>
-              <a:t>E.g. Do you need to have soil moisture and daily </a:t>
-            </a:r>
-            <a:r>
-              <a:rPr lang="en-US" dirty="0" err="1"/>
-              <a:t>precip</a:t>
-            </a:r>
-            <a:r>
-              <a:rPr lang="en-US" dirty="0"/>
-              <a:t> in your model? </a:t>
-            </a:r>
-          </a:p>
-          <a:p>
-            <a:pPr lvl="1"/>
-            <a:endParaRPr lang="en-US" dirty="0"/>
-          </a:p>
-          <a:p>
-            <a:r>
-              <a:rPr lang="en-US" dirty="0"/>
-              <a:t>We have to accept that in some cases, the limited (observational) data we have collected simply cannot provide a simple clear cut answer to the questions we are posing.</a:t>
-            </a:r>
-          </a:p>
-        </p:txBody>
-      </p:sp>
-    </p:spTree>
-    <p:extLst>
-      <p:ext uri="{BB962C8B-B14F-4D97-AF65-F5344CB8AC3E}">
-        <p14:creationId xmlns:p14="http://schemas.microsoft.com/office/powerpoint/2010/main" val="3347799417"/>
-      </p:ext>
-    </p:extLst>
-  </p:cSld>
-  <p:clrMapOvr>
-    <a:masterClrMapping/>
-  </p:clrMapOvr>
-</p:sld>
-</file>
-
-<file path=ppt/slides/slide43.xml><?xml version="1.0" encoding="utf-8"?>
-<p:sld xmlns:a="http://schemas.openxmlformats.org/drawingml/2006/main" xmlns:r="http://schemas.openxmlformats.org/officeDocument/2006/relationships" xmlns:p="http://schemas.openxmlformats.org/presentationml/2006/main">
-  <p:cSld>
-    <p:spTree>
-      <p:nvGrpSpPr>
-        <p:cNvPr id="1" name=""/>
-        <p:cNvGrpSpPr/>
-        <p:nvPr/>
-      </p:nvGrpSpPr>
-      <p:grpSpPr>
-        <a:xfrm>
-          <a:off x="0" y="0"/>
-          <a:ext cx="0" cy="0"/>
-          <a:chOff x="0" y="0"/>
-          <a:chExt cx="0" cy="0"/>
-        </a:xfrm>
-      </p:grpSpPr>
-      <p:sp>
-        <p:nvSpPr>
-          <p:cNvPr id="2" name="Title 1"/>
-          <p:cNvSpPr>
-            <a:spLocks noGrp="1"/>
-          </p:cNvSpPr>
-          <p:nvPr>
-            <p:ph type="title"/>
-          </p:nvPr>
-        </p:nvSpPr>
-        <p:spPr/>
-        <p:txBody>
-          <a:bodyPr/>
-          <a:lstStyle/>
-          <a:p>
-            <a:r>
-              <a:rPr lang="en-US" dirty="0"/>
-              <a:t>Summary</a:t>
-            </a:r>
-          </a:p>
-        </p:txBody>
-      </p:sp>
-      <p:sp>
-        <p:nvSpPr>
-          <p:cNvPr id="3" name="Content Placeholder 2"/>
-          <p:cNvSpPr>
-            <a:spLocks noGrp="1"/>
-          </p:cNvSpPr>
-          <p:nvPr>
-            <p:ph idx="1"/>
-          </p:nvPr>
-        </p:nvSpPr>
-        <p:spPr>
-          <a:xfrm>
-            <a:off x="628650" y="1572322"/>
-            <a:ext cx="7886700" cy="4604641"/>
-          </a:xfrm>
-        </p:spPr>
-        <p:txBody>
-          <a:bodyPr/>
-          <a:lstStyle/>
-          <a:p>
-            <a:r>
-              <a:rPr lang="en-US" dirty="0"/>
-              <a:t>LRT’s are very useful and well-established, but choosing a path through a complex nest of factors can be challenging</a:t>
-            </a:r>
-          </a:p>
-          <a:p>
-            <a:pPr lvl="1"/>
-            <a:r>
-              <a:rPr lang="en-US" dirty="0"/>
-              <a:t>Things to be concerned about: </a:t>
-            </a:r>
-          </a:p>
-          <a:p>
-            <a:pPr lvl="2"/>
-            <a:r>
-              <a:rPr lang="en-US" dirty="0"/>
-              <a:t>when one factor is significant only when another factor is in the model</a:t>
-            </a:r>
-          </a:p>
-          <a:p>
-            <a:pPr lvl="2"/>
-            <a:r>
-              <a:rPr lang="en-US" dirty="0"/>
-              <a:t>when predictor variables are highly correlated</a:t>
-            </a:r>
-          </a:p>
-          <a:p>
-            <a:pPr lvl="1"/>
-            <a:r>
-              <a:rPr lang="en-US" dirty="0"/>
-              <a:t>What to do:</a:t>
-            </a:r>
-          </a:p>
-          <a:p>
-            <a:pPr lvl="2"/>
-            <a:r>
-              <a:rPr lang="en-US" dirty="0"/>
-              <a:t>What interesting biology might this be explaining?</a:t>
-            </a:r>
-          </a:p>
-          <a:p>
-            <a:pPr lvl="2"/>
-            <a:r>
-              <a:rPr lang="en-US" dirty="0"/>
-              <a:t>Do you need both variables? </a:t>
-            </a:r>
-          </a:p>
-          <a:p>
-            <a:pPr lvl="2"/>
-            <a:endParaRPr lang="en-US" dirty="0"/>
-          </a:p>
-        </p:txBody>
-      </p:sp>
-    </p:spTree>
-    <p:extLst>
-      <p:ext uri="{BB962C8B-B14F-4D97-AF65-F5344CB8AC3E}">
-        <p14:creationId xmlns:p14="http://schemas.microsoft.com/office/powerpoint/2010/main" val="1730380054"/>
-      </p:ext>
-    </p:extLst>
-  </p:cSld>
-  <p:clrMapOvr>
-    <a:masterClrMapping/>
-  </p:clrMapOvr>
-</p:sld>
-</file>
-
-<file path=ppt/slides/slide44.xml><?xml version="1.0" encoding="utf-8"?>
-<p:sld xmlns:a="http://schemas.openxmlformats.org/drawingml/2006/main" xmlns:r="http://schemas.openxmlformats.org/officeDocument/2006/relationships" xmlns:p="http://schemas.openxmlformats.org/presentationml/2006/main">
-  <p:cSld>
-    <p:spTree>
-      <p:nvGrpSpPr>
-        <p:cNvPr id="1" name=""/>
-        <p:cNvGrpSpPr/>
-        <p:nvPr/>
-      </p:nvGrpSpPr>
-      <p:grpSpPr>
-        <a:xfrm>
-          <a:off x="0" y="0"/>
-          <a:ext cx="0" cy="0"/>
-          <a:chOff x="0" y="0"/>
-          <a:chExt cx="0" cy="0"/>
-        </a:xfrm>
-      </p:grpSpPr>
-      <p:sp>
-        <p:nvSpPr>
-          <p:cNvPr id="2" name="Title 1"/>
-          <p:cNvSpPr>
-            <a:spLocks noGrp="1"/>
-          </p:cNvSpPr>
-          <p:nvPr>
-            <p:ph type="title"/>
-          </p:nvPr>
-        </p:nvSpPr>
-        <p:spPr/>
-        <p:txBody>
-          <a:bodyPr/>
-          <a:lstStyle/>
-          <a:p>
-            <a:r>
-              <a:rPr lang="en-US" dirty="0"/>
-              <a:t>Summary</a:t>
-            </a:r>
-          </a:p>
-        </p:txBody>
-      </p:sp>
-      <p:sp>
-        <p:nvSpPr>
-          <p:cNvPr id="3" name="Content Placeholder 2"/>
-          <p:cNvSpPr>
-            <a:spLocks noGrp="1"/>
-          </p:cNvSpPr>
-          <p:nvPr>
-            <p:ph idx="1"/>
-          </p:nvPr>
-        </p:nvSpPr>
-        <p:spPr>
-          <a:xfrm>
-            <a:off x="628650" y="1438507"/>
-            <a:ext cx="7886700" cy="4738456"/>
-          </a:xfrm>
-        </p:spPr>
-        <p:txBody>
-          <a:bodyPr/>
-          <a:lstStyle/>
-          <a:p>
-            <a:r>
-              <a:rPr lang="en-US" dirty="0"/>
-              <a:t>AIC is well-established, very easy to implement, and appeals to our desire to rank things</a:t>
-            </a:r>
-          </a:p>
-          <a:p>
-            <a:pPr lvl="1"/>
-            <a:r>
-              <a:rPr lang="en-US" dirty="0"/>
-              <a:t>Things to be concerned about:</a:t>
-            </a:r>
-          </a:p>
-          <a:p>
-            <a:pPr lvl="2"/>
-            <a:r>
-              <a:rPr lang="en-US" dirty="0"/>
-              <a:t>Data dredging and thoughtless model selection</a:t>
-            </a:r>
-          </a:p>
-          <a:p>
-            <a:pPr lvl="2"/>
-            <a:r>
-              <a:rPr lang="en-US" dirty="0"/>
-              <a:t>Overfitting (adding too many variables)</a:t>
-            </a:r>
-          </a:p>
-          <a:p>
-            <a:pPr lvl="2"/>
-            <a:r>
-              <a:rPr lang="en-US" dirty="0"/>
-              <a:t>Bad candidate model sets</a:t>
-            </a:r>
-          </a:p>
-          <a:p>
-            <a:pPr lvl="2"/>
-            <a:r>
-              <a:rPr lang="en-US" dirty="0"/>
-              <a:t>When AIC tells you remove something you </a:t>
-            </a:r>
-            <a:r>
-              <a:rPr lang="en-US" i="1" dirty="0"/>
-              <a:t>know</a:t>
-            </a:r>
-            <a:r>
-              <a:rPr lang="en-US" dirty="0"/>
-              <a:t> is important</a:t>
-            </a:r>
-          </a:p>
-          <a:p>
-            <a:pPr lvl="1"/>
-            <a:r>
-              <a:rPr lang="en-US" dirty="0"/>
-              <a:t>What to do:</a:t>
-            </a:r>
-          </a:p>
-          <a:p>
-            <a:pPr lvl="2"/>
-            <a:r>
-              <a:rPr lang="en-US" dirty="0"/>
-              <a:t>Use for exploratory analysis, but take results with a big grain of salt</a:t>
-            </a:r>
-          </a:p>
-          <a:p>
-            <a:pPr lvl="2"/>
-            <a:r>
-              <a:rPr lang="en-US" dirty="0"/>
-              <a:t>Use as final results only if it agrees with other methods</a:t>
-            </a:r>
-          </a:p>
-        </p:txBody>
-      </p:sp>
-    </p:spTree>
-    <p:extLst>
-      <p:ext uri="{BB962C8B-B14F-4D97-AF65-F5344CB8AC3E}">
-        <p14:creationId xmlns:p14="http://schemas.microsoft.com/office/powerpoint/2010/main" val="1933073373"/>
-      </p:ext>
-    </p:extLst>
-  </p:cSld>
-  <p:clrMapOvr>
-    <a:masterClrMapping/>
-  </p:clrMapOvr>
-</p:sld>
-</file>
-
-<file path=ppt/slides/slide45.xml><?xml version="1.0" encoding="utf-8"?>
-<p:sld xmlns:a="http://schemas.openxmlformats.org/drawingml/2006/main" xmlns:r="http://schemas.openxmlformats.org/officeDocument/2006/relationships" xmlns:p="http://schemas.openxmlformats.org/presentationml/2006/main">
-  <p:cSld>
-    <p:spTree>
-      <p:nvGrpSpPr>
-        <p:cNvPr id="1" name=""/>
-        <p:cNvGrpSpPr/>
-        <p:nvPr/>
-      </p:nvGrpSpPr>
-      <p:grpSpPr>
-        <a:xfrm>
-          <a:off x="0" y="0"/>
-          <a:ext cx="0" cy="0"/>
-          <a:chOff x="0" y="0"/>
-          <a:chExt cx="0" cy="0"/>
-        </a:xfrm>
-      </p:grpSpPr>
-      <p:sp>
-        <p:nvSpPr>
-          <p:cNvPr id="2" name="Title 1"/>
-          <p:cNvSpPr>
-            <a:spLocks noGrp="1"/>
-          </p:cNvSpPr>
-          <p:nvPr>
-            <p:ph type="title"/>
-          </p:nvPr>
-        </p:nvSpPr>
         <p:spPr>
           <a:xfrm>
             <a:off x="628650" y="220163"/>
@@ -8161,7 +7329,7 @@
 </p:sld>
 </file>
 
-<file path=ppt/slides/slide46.xml><?xml version="1.0" encoding="utf-8"?>
+<file path=ppt/slides/slide41.xml><?xml version="1.0" encoding="utf-8"?>
 <p:sld xmlns:a="http://schemas.openxmlformats.org/drawingml/2006/main" xmlns:r="http://schemas.openxmlformats.org/officeDocument/2006/relationships" xmlns:p="http://schemas.openxmlformats.org/presentationml/2006/main">
   <p:cSld>
     <p:spTree>
@@ -8360,13 +7528,7 @@
       </p:grpSpPr>
       <p:sp>
         <p:nvSpPr>
-          <p:cNvPr id="2" name="Title 1">
-            <a:extLst>
-              <a:ext uri="{FF2B5EF4-FFF2-40B4-BE49-F238E27FC236}">
-                <a16:creationId xmlns:a16="http://schemas.microsoft.com/office/drawing/2014/main" id="{B7C34AEC-156F-A640-B3B0-C41099CC0C54}"/>
-              </a:ext>
-            </a:extLst>
-          </p:cNvPr>
+          <p:cNvPr id="2" name="Title 1"/>
           <p:cNvSpPr>
             <a:spLocks noGrp="1"/>
           </p:cNvSpPr>
@@ -8376,161 +7538,90 @@
         </p:nvSpPr>
         <p:spPr/>
         <p:txBody>
-          <a:bodyPr/>
-          <a:lstStyle/>
-          <a:p>
-            <a:r>
-              <a:rPr lang="en-US" dirty="0"/>
-              <a:t>Example</a:t>
-            </a:r>
-          </a:p>
-        </p:txBody>
-      </p:sp>
-      <p:pic>
-        <p:nvPicPr>
-          <p:cNvPr id="4" name="Picture 3">
-            <a:extLst>
-              <a:ext uri="{FF2B5EF4-FFF2-40B4-BE49-F238E27FC236}">
-                <a16:creationId xmlns:a16="http://schemas.microsoft.com/office/drawing/2014/main" id="{10F79F44-42FF-3940-A6B9-26EFB2E1C761}"/>
-              </a:ext>
-            </a:extLst>
-          </p:cNvPr>
-          <p:cNvPicPr>
-            <a:picLocks noChangeAspect="1"/>
-          </p:cNvPicPr>
-          <p:nvPr/>
-        </p:nvPicPr>
-        <p:blipFill>
-          <a:blip r:embed="rId2"/>
-          <a:stretch>
-            <a:fillRect/>
-          </a:stretch>
-        </p:blipFill>
-        <p:spPr>
-          <a:xfrm>
-            <a:off x="2991944" y="1430215"/>
-            <a:ext cx="3446527" cy="5122985"/>
-          </a:xfrm>
-          <a:prstGeom prst="rect">
-            <a:avLst/>
-          </a:prstGeom>
-        </p:spPr>
-      </p:pic>
-      <p:sp>
-        <p:nvSpPr>
-          <p:cNvPr id="5" name="TextBox 4">
-            <a:extLst>
-              <a:ext uri="{FF2B5EF4-FFF2-40B4-BE49-F238E27FC236}">
-                <a16:creationId xmlns:a16="http://schemas.microsoft.com/office/drawing/2014/main" id="{88AFBAC1-D851-6045-8778-617B820F08C8}"/>
-              </a:ext>
-            </a:extLst>
-          </p:cNvPr>
-          <p:cNvSpPr txBox="1"/>
-          <p:nvPr/>
-        </p:nvSpPr>
-        <p:spPr>
-          <a:xfrm>
-            <a:off x="626240" y="1690688"/>
-            <a:ext cx="2365704" cy="923330"/>
-          </a:xfrm>
-          <a:prstGeom prst="rect">
-            <a:avLst/>
-          </a:prstGeom>
-          <a:noFill/>
-        </p:spPr>
-        <p:txBody>
-          <a:bodyPr wrap="square" rtlCol="0">
-            <a:spAutoFit/>
+          <a:bodyPr>
+            <a:normAutofit fontScale="90000"/>
           </a:bodyPr>
           <a:lstStyle/>
           <a:p>
             <a:r>
               <a:rPr lang="en-US" dirty="0"/>
-              <a:t>Caption: Tornado attacking giant bowl of skittles</a:t>
-            </a:r>
-          </a:p>
-        </p:txBody>
-      </p:sp>
-      <p:sp>
-        <p:nvSpPr>
-          <p:cNvPr id="7" name="Rectangle 6">
-            <a:extLst>
-              <a:ext uri="{FF2B5EF4-FFF2-40B4-BE49-F238E27FC236}">
-                <a16:creationId xmlns:a16="http://schemas.microsoft.com/office/drawing/2014/main" id="{EDC19983-5A5A-5342-AB4C-13A470F198B2}"/>
-              </a:ext>
-            </a:extLst>
-          </p:cNvPr>
-          <p:cNvSpPr/>
-          <p:nvPr/>
-        </p:nvSpPr>
-        <p:spPr>
-          <a:xfrm>
-            <a:off x="175847" y="6422396"/>
-            <a:ext cx="7033846" cy="261610"/>
-          </a:xfrm>
-          <a:prstGeom prst="rect">
-            <a:avLst/>
-          </a:prstGeom>
-        </p:spPr>
-        <p:txBody>
-          <a:bodyPr wrap="square">
-            <a:spAutoFit/>
+              <a:t>Model complexity and prediction </a:t>
+            </a:r>
+            <a:r>
+              <a:rPr lang="mr-IN" dirty="0"/>
+              <a:t>–</a:t>
+            </a:r>
+            <a:r>
+              <a:rPr lang="en-US" dirty="0"/>
+              <a:t> the bias variance tradeoff</a:t>
+            </a:r>
+          </a:p>
+        </p:txBody>
+      </p:sp>
+      <p:sp>
+        <p:nvSpPr>
+          <p:cNvPr id="3" name="Content Placeholder 2"/>
+          <p:cNvSpPr>
+            <a:spLocks noGrp="1"/>
+          </p:cNvSpPr>
+          <p:nvPr>
+            <p:ph idx="1"/>
+          </p:nvPr>
+        </p:nvSpPr>
+        <p:spPr/>
+        <p:txBody>
+          <a:bodyPr>
+            <a:normAutofit fontScale="77500" lnSpcReduction="20000"/>
           </a:bodyPr>
           <a:lstStyle/>
           <a:p>
             <a:r>
-              <a:rPr lang="en-US" sz="1100" dirty="0">
-                <a:solidFill>
-                  <a:srgbClr val="000000"/>
-                </a:solidFill>
-                <a:latin typeface="Times New Roman" panose="02020603050405020304" pitchFamily="18" charset="0"/>
-              </a:rPr>
-              <a:t>https://</a:t>
-            </a:r>
-            <a:r>
-              <a:rPr lang="en-US" sz="1100" dirty="0" err="1">
-                <a:solidFill>
-                  <a:srgbClr val="000000"/>
-                </a:solidFill>
-                <a:latin typeface="Times New Roman" panose="02020603050405020304" pitchFamily="18" charset="0"/>
-              </a:rPr>
-              <a:t>twitter.com</a:t>
-            </a:r>
-            <a:r>
-              <a:rPr lang="en-US" sz="1100" dirty="0">
-                <a:solidFill>
-                  <a:srgbClr val="000000"/>
-                </a:solidFill>
-                <a:latin typeface="Times New Roman" panose="02020603050405020304" pitchFamily="18" charset="0"/>
-              </a:rPr>
-              <a:t>/</a:t>
-            </a:r>
-            <a:r>
-              <a:rPr lang="en-US" sz="1100" dirty="0" err="1">
-                <a:solidFill>
-                  <a:srgbClr val="000000"/>
-                </a:solidFill>
-                <a:latin typeface="Times New Roman" panose="02020603050405020304" pitchFamily="18" charset="0"/>
-              </a:rPr>
-              <a:t>remington_moll</a:t>
-            </a:r>
-            <a:r>
-              <a:rPr lang="en-US" sz="1100" dirty="0">
-                <a:solidFill>
-                  <a:srgbClr val="000000"/>
-                </a:solidFill>
-                <a:latin typeface="Times New Roman" panose="02020603050405020304" pitchFamily="18" charset="0"/>
-              </a:rPr>
-              <a:t>/status/1367524035240759296?s=20</a:t>
-            </a:r>
-            <a:endParaRPr lang="en-US" sz="1100" dirty="0"/>
+              <a:rPr lang="en-US" dirty="0"/>
+              <a:t>As we add more variables to our models, we can get an increasingly accurate fit to the particular data we have observed (e.g. a higher R squared)</a:t>
+            </a:r>
+          </a:p>
+          <a:p>
+            <a:endParaRPr lang="en-US" dirty="0"/>
+          </a:p>
+          <a:p>
+            <a:r>
+              <a:rPr lang="en-US" dirty="0"/>
+              <a:t>However, the precision of our predictions </a:t>
+            </a:r>
+            <a:r>
+              <a:rPr lang="en-US" u="sng" dirty="0"/>
+              <a:t>decreases </a:t>
+            </a:r>
+            <a:r>
+              <a:rPr lang="en-US" dirty="0"/>
+              <a:t> as we add more variables</a:t>
+            </a:r>
+            <a:endParaRPr lang="en-US" u="sng" dirty="0"/>
+          </a:p>
+          <a:p>
+            <a:endParaRPr lang="en-US" u="sng" dirty="0"/>
+          </a:p>
+          <a:p>
+            <a:r>
+              <a:rPr lang="en-US" dirty="0"/>
+              <a:t>This is because data contain a fixed amount of information and as we add more predictors, we spread the data thinner and thinner</a:t>
+            </a:r>
+          </a:p>
+          <a:p>
+            <a:endParaRPr lang="en-US" dirty="0"/>
+          </a:p>
+          <a:p>
+            <a:r>
+              <a:rPr lang="en-US" dirty="0"/>
+              <a:t>The gain in accuracy from having more details in the model is outweighed by the loss of precision in estimating the effect of each variable</a:t>
+            </a:r>
           </a:p>
         </p:txBody>
       </p:sp>
     </p:spTree>
     <p:extLst>
       <p:ext uri="{BB962C8B-B14F-4D97-AF65-F5344CB8AC3E}">
-        <p14:creationId xmlns:p14="http://schemas.microsoft.com/office/powerpoint/2010/main" val="2529839193"/>
+        <p14:creationId xmlns:p14="http://schemas.microsoft.com/office/powerpoint/2010/main" val="388921712"/>
       </p:ext>
     </p:extLst>
   </p:cSld>
@@ -8559,13 +7650,7 @@
       </p:grpSpPr>
       <p:sp>
         <p:nvSpPr>
-          <p:cNvPr id="2" name="Title 1">
-            <a:extLst>
-              <a:ext uri="{FF2B5EF4-FFF2-40B4-BE49-F238E27FC236}">
-                <a16:creationId xmlns:a16="http://schemas.microsoft.com/office/drawing/2014/main" id="{20BF2B9E-AD07-684A-9337-0FE32D97B367}"/>
-              </a:ext>
-            </a:extLst>
-          </p:cNvPr>
+          <p:cNvPr id="2" name="Title 1"/>
           <p:cNvSpPr>
             <a:spLocks noGrp="1"/>
           </p:cNvSpPr>
@@ -8580,151 +7665,69 @@
           <a:p>
             <a:r>
               <a:rPr lang="en-US" dirty="0"/>
-              <a:t>Example</a:t>
-            </a:r>
-          </a:p>
-        </p:txBody>
-      </p:sp>
-      <p:pic>
-        <p:nvPicPr>
-          <p:cNvPr id="4" name="Picture 3">
-            <a:extLst>
-              <a:ext uri="{FF2B5EF4-FFF2-40B4-BE49-F238E27FC236}">
-                <a16:creationId xmlns:a16="http://schemas.microsoft.com/office/drawing/2014/main" id="{29BFDB95-84C0-E84F-A052-B7F84FA97159}"/>
-              </a:ext>
-            </a:extLst>
-          </p:cNvPr>
-          <p:cNvPicPr>
-            <a:picLocks noChangeAspect="1"/>
-          </p:cNvPicPr>
-          <p:nvPr/>
-        </p:nvPicPr>
-        <p:blipFill>
-          <a:blip r:embed="rId2"/>
-          <a:stretch>
-            <a:fillRect/>
-          </a:stretch>
-        </p:blipFill>
-        <p:spPr>
-          <a:xfrm>
-            <a:off x="1597072" y="1965682"/>
-            <a:ext cx="5425051" cy="4071223"/>
-          </a:xfrm>
-          <a:prstGeom prst="rect">
-            <a:avLst/>
-          </a:prstGeom>
-        </p:spPr>
-      </p:pic>
-      <p:sp>
-        <p:nvSpPr>
-          <p:cNvPr id="5" name="Rectangle 4">
-            <a:extLst>
-              <a:ext uri="{FF2B5EF4-FFF2-40B4-BE49-F238E27FC236}">
-                <a16:creationId xmlns:a16="http://schemas.microsoft.com/office/drawing/2014/main" id="{C72632F4-E2D2-1D4E-89D1-4E14957ED2C2}"/>
-              </a:ext>
-            </a:extLst>
-          </p:cNvPr>
-          <p:cNvSpPr/>
-          <p:nvPr/>
-        </p:nvSpPr>
-        <p:spPr>
-          <a:xfrm>
-            <a:off x="351693" y="6450637"/>
-            <a:ext cx="7033846" cy="261610"/>
-          </a:xfrm>
-          <a:prstGeom prst="rect">
-            <a:avLst/>
-          </a:prstGeom>
-        </p:spPr>
-        <p:txBody>
-          <a:bodyPr wrap="square">
-            <a:spAutoFit/>
+              <a:t>Model Comparisons</a:t>
+            </a:r>
+          </a:p>
+        </p:txBody>
+      </p:sp>
+      <p:sp>
+        <p:nvSpPr>
+          <p:cNvPr id="3" name="Content Placeholder 2"/>
+          <p:cNvSpPr>
+            <a:spLocks noGrp="1"/>
+          </p:cNvSpPr>
+          <p:nvPr>
+            <p:ph idx="1"/>
+          </p:nvPr>
+        </p:nvSpPr>
+        <p:spPr/>
+        <p:txBody>
+          <a:bodyPr>
+            <a:normAutofit lnSpcReduction="10000"/>
           </a:bodyPr>
           <a:lstStyle/>
           <a:p>
             <a:r>
-              <a:rPr lang="en-US" sz="1100" dirty="0">
-                <a:solidFill>
-                  <a:srgbClr val="000000"/>
-                </a:solidFill>
-                <a:latin typeface="Times New Roman" panose="02020603050405020304" pitchFamily="18" charset="0"/>
-              </a:rPr>
-              <a:t>https://</a:t>
-            </a:r>
-            <a:r>
-              <a:rPr lang="en-US" sz="1100" dirty="0" err="1">
-                <a:solidFill>
-                  <a:srgbClr val="000000"/>
-                </a:solidFill>
-                <a:latin typeface="Times New Roman" panose="02020603050405020304" pitchFamily="18" charset="0"/>
-              </a:rPr>
-              <a:t>twitter.com</a:t>
-            </a:r>
-            <a:r>
-              <a:rPr lang="en-US" sz="1100" dirty="0">
-                <a:solidFill>
-                  <a:srgbClr val="000000"/>
-                </a:solidFill>
-                <a:latin typeface="Times New Roman" panose="02020603050405020304" pitchFamily="18" charset="0"/>
-              </a:rPr>
-              <a:t>/</a:t>
-            </a:r>
-            <a:r>
-              <a:rPr lang="en-US" sz="1100" dirty="0" err="1">
-                <a:solidFill>
-                  <a:srgbClr val="000000"/>
-                </a:solidFill>
-                <a:latin typeface="Times New Roman" panose="02020603050405020304" pitchFamily="18" charset="0"/>
-              </a:rPr>
-              <a:t>remington_moll</a:t>
-            </a:r>
-            <a:r>
-              <a:rPr lang="en-US" sz="1100" dirty="0">
-                <a:solidFill>
-                  <a:srgbClr val="000000"/>
-                </a:solidFill>
-                <a:latin typeface="Times New Roman" panose="02020603050405020304" pitchFamily="18" charset="0"/>
-              </a:rPr>
-              <a:t>/status/1367524035240759296?s=20</a:t>
-            </a:r>
-            <a:endParaRPr lang="en-US" sz="1100" dirty="0"/>
-          </a:p>
-        </p:txBody>
-      </p:sp>
-      <p:pic>
-        <p:nvPicPr>
-          <p:cNvPr id="6" name="Picture 5">
-            <a:extLst>
-              <a:ext uri="{FF2B5EF4-FFF2-40B4-BE49-F238E27FC236}">
-                <a16:creationId xmlns:a16="http://schemas.microsoft.com/office/drawing/2014/main" id="{712E1E6C-4E13-AB41-B10C-0EF578A8C047}"/>
-              </a:ext>
-            </a:extLst>
-          </p:cNvPr>
-          <p:cNvPicPr>
-            <a:picLocks noChangeAspect="1"/>
-          </p:cNvPicPr>
-          <p:nvPr/>
-        </p:nvPicPr>
-        <p:blipFill>
-          <a:blip r:embed="rId3"/>
-          <a:stretch>
-            <a:fillRect/>
-          </a:stretch>
-        </p:blipFill>
-        <p:spPr>
-          <a:xfrm flipV="1">
-            <a:off x="6718853" y="329835"/>
-            <a:ext cx="2079316" cy="1360854"/>
-          </a:xfrm>
-          <a:prstGeom prst="rect">
-            <a:avLst/>
-          </a:prstGeom>
-        </p:spPr>
-      </p:pic>
+              <a:rPr lang="en-US" dirty="0"/>
+              <a:t>Comparing models might be one of the most deeply divisive issues within quantitative ecology</a:t>
+            </a:r>
+          </a:p>
+          <a:p>
+            <a:endParaRPr lang="en-US" dirty="0"/>
+          </a:p>
+          <a:p>
+            <a:r>
+              <a:rPr lang="en-US" dirty="0"/>
+              <a:t>This is in part because all of the methods </a:t>
+            </a:r>
+            <a:r>
+              <a:rPr lang="en-US" u="sng" dirty="0"/>
+              <a:t>get things wrong</a:t>
+            </a:r>
+            <a:endParaRPr lang="en-US" dirty="0"/>
+          </a:p>
+          <a:p>
+            <a:endParaRPr lang="en-US" dirty="0"/>
+          </a:p>
+          <a:p>
+            <a:r>
+              <a:rPr lang="en-US" dirty="0"/>
+              <a:t>However, in most cases these approaches will give reasonably consistent answers. </a:t>
+            </a:r>
+          </a:p>
+          <a:p>
+            <a:pPr lvl="1"/>
+            <a:r>
+              <a:rPr lang="en-US" dirty="0"/>
+              <a:t>It is important to watch out for these inconsistencies to avoid wrongness</a:t>
+            </a:r>
+          </a:p>
+        </p:txBody>
+      </p:sp>
     </p:spTree>
     <p:extLst>
       <p:ext uri="{BB962C8B-B14F-4D97-AF65-F5344CB8AC3E}">
-        <p14:creationId xmlns:p14="http://schemas.microsoft.com/office/powerpoint/2010/main" val="3146164280"/>
+        <p14:creationId xmlns:p14="http://schemas.microsoft.com/office/powerpoint/2010/main" val="2072042691"/>
       </p:ext>
     </p:extLst>
   </p:cSld>
@@ -8768,7 +7771,7 @@
           <a:p>
             <a:r>
               <a:rPr lang="en-US" dirty="0"/>
-              <a:t>Goals</a:t>
+              <a:t>Model Selection Challenges</a:t>
             </a:r>
           </a:p>
         </p:txBody>
@@ -8785,50 +7788,54 @@
         </p:nvSpPr>
         <p:spPr/>
         <p:txBody>
-          <a:bodyPr/>
-          <a:lstStyle/>
-          <a:p>
-            <a:pPr marL="514350" indent="-514350">
-              <a:buFont typeface="+mj-lt"/>
-              <a:buAutoNum type="arabicPeriod"/>
-            </a:pPr>
-            <a:r>
-              <a:rPr lang="en-US" dirty="0"/>
-              <a:t>Determine how to distinguish support among multiple different models</a:t>
-            </a:r>
-          </a:p>
-          <a:p>
-            <a:pPr marL="514350" indent="-514350">
-              <a:buFont typeface="+mj-lt"/>
-              <a:buAutoNum type="arabicPeriod"/>
-            </a:pPr>
-            <a:endParaRPr lang="en-US" dirty="0"/>
-          </a:p>
-          <a:p>
-            <a:pPr marL="514350" indent="-514350">
-              <a:buFont typeface="+mj-lt"/>
-              <a:buAutoNum type="arabicPeriod"/>
-            </a:pPr>
-            <a:r>
-              <a:rPr lang="en-US" dirty="0"/>
-              <a:t>Understand nested models and null models</a:t>
-            </a:r>
-          </a:p>
-          <a:p>
-            <a:pPr marL="514350" indent="-514350">
-              <a:buFont typeface="+mj-lt"/>
-              <a:buAutoNum type="arabicPeriod"/>
-            </a:pPr>
-            <a:endParaRPr lang="en-US" dirty="0"/>
-          </a:p>
-          <a:p>
-            <a:pPr marL="514350" indent="-514350">
-              <a:buFont typeface="+mj-lt"/>
-              <a:buAutoNum type="arabicPeriod"/>
-            </a:pPr>
-            <a:r>
-              <a:rPr lang="en-US" dirty="0"/>
-              <a:t>Learn model selection philosophy and the strengths and weaknesses of different approaches</a:t>
+          <a:bodyPr>
+            <a:normAutofit lnSpcReduction="10000"/>
+          </a:bodyPr>
+          <a:lstStyle/>
+          <a:p>
+            <a:r>
+              <a:rPr lang="en-US" dirty="0"/>
+              <a:t>In perfectly designed full factorial experiments</a:t>
+            </a:r>
+          </a:p>
+          <a:p>
+            <a:pPr lvl="1"/>
+            <a:r>
+              <a:rPr lang="en-US" dirty="0"/>
+              <a:t>There aren’t many challenges!</a:t>
+            </a:r>
+          </a:p>
+          <a:p>
+            <a:pPr lvl="1"/>
+            <a:r>
+              <a:rPr lang="en-US" dirty="0"/>
+              <a:t>All approaches will produce similar results, because predictors are uncorrelated and hypotheses are clear</a:t>
+            </a:r>
+          </a:p>
+          <a:p>
+            <a:r>
+              <a:rPr lang="en-US" dirty="0"/>
+              <a:t>In the real world in Ecology and Evolution</a:t>
+            </a:r>
+          </a:p>
+          <a:p>
+            <a:pPr lvl="1"/>
+            <a:r>
+              <a:rPr lang="en-US" dirty="0"/>
+              <a:t>Predictor variables are often partially correlated</a:t>
+            </a:r>
+          </a:p>
+          <a:p>
+            <a:pPr lvl="1"/>
+            <a:r>
+              <a:rPr lang="en-US" dirty="0"/>
+              <a:t>A priori hypotheses may be less clear</a:t>
+            </a:r>
+          </a:p>
+          <a:p>
+            <a:r>
+              <a:rPr lang="en-US" dirty="0"/>
+              <a:t>This creates challenges in model fitting, interpretation, and prediction, regardless of statistical approach</a:t>
             </a:r>
           </a:p>
         </p:txBody>
@@ -8836,7 +7843,7 @@
     </p:spTree>
     <p:extLst>
       <p:ext uri="{BB962C8B-B14F-4D97-AF65-F5344CB8AC3E}">
-        <p14:creationId xmlns:p14="http://schemas.microsoft.com/office/powerpoint/2010/main" val="913369630"/>
+        <p14:creationId xmlns:p14="http://schemas.microsoft.com/office/powerpoint/2010/main" val="3169049301"/>
       </p:ext>
     </p:extLst>
   </p:cSld>
@@ -8880,7 +7887,7 @@
           <a:p>
             <a:r>
               <a:rPr lang="en-US" dirty="0"/>
-              <a:t>Theory</a:t>
+              <a:t>Model Comparison Approaches</a:t>
             </a:r>
           </a:p>
         </p:txBody>
@@ -8900,27 +7907,64 @@
           <a:bodyPr/>
           <a:lstStyle/>
           <a:p>
-            <a:r>
-              <a:rPr lang="en-US" dirty="0"/>
-              <a:t>We often have multiple hypotheses about which factors are most important in influencing something</a:t>
-            </a:r>
-          </a:p>
-          <a:p>
+            <a:pPr marL="514350" indent="-514350">
+              <a:buFont typeface="+mj-lt"/>
+              <a:buAutoNum type="arabicPeriod"/>
+            </a:pPr>
+            <a:r>
+              <a:rPr lang="en-US" dirty="0"/>
+              <a:t>Stepwise Approaches</a:t>
+            </a:r>
+          </a:p>
+          <a:p>
+            <a:pPr marL="514350" indent="-514350">
+              <a:buFont typeface="+mj-lt"/>
+              <a:buAutoNum type="arabicPeriod"/>
+            </a:pPr>
             <a:endParaRPr lang="en-US" dirty="0"/>
           </a:p>
           <a:p>
-            <a:r>
-              <a:rPr lang="en-US" dirty="0"/>
-              <a:t>Related to this, we often have multiple working hypotheses about how things interact</a:t>
-            </a:r>
-          </a:p>
-          <a:p>
+            <a:pPr marL="514350" indent="-514350">
+              <a:buFont typeface="+mj-lt"/>
+              <a:buAutoNum type="arabicPeriod"/>
+            </a:pPr>
+            <a:r>
+              <a:rPr lang="en-US" dirty="0"/>
+              <a:t>Likelihood Ratio Tests</a:t>
+            </a:r>
+          </a:p>
+          <a:p>
+            <a:pPr marL="514350" indent="-514350">
+              <a:buFont typeface="+mj-lt"/>
+              <a:buAutoNum type="arabicPeriod"/>
+            </a:pPr>
             <a:endParaRPr lang="en-US" dirty="0"/>
           </a:p>
           <a:p>
-            <a:r>
-              <a:rPr lang="en-US" dirty="0"/>
-              <a:t>How do we know which models are best at explaining our data?</a:t>
+            <a:pPr marL="514350" indent="-514350">
+              <a:buFont typeface="+mj-lt"/>
+              <a:buAutoNum type="arabicPeriod"/>
+            </a:pPr>
+            <a:r>
+              <a:rPr lang="en-US" dirty="0"/>
+              <a:t>Information Criteria</a:t>
+            </a:r>
+          </a:p>
+          <a:p>
+            <a:pPr marL="514350" indent="-514350">
+              <a:buFont typeface="+mj-lt"/>
+              <a:buAutoNum type="arabicPeriod"/>
+            </a:pPr>
+            <a:endParaRPr lang="en-US" dirty="0"/>
+          </a:p>
+          <a:p>
+            <a:pPr marL="514350" indent="-514350">
+              <a:buFont typeface="+mj-lt"/>
+              <a:buAutoNum type="arabicPeriod"/>
+            </a:pPr>
+            <a:r>
+              <a:rPr lang="en-US" dirty="0"/>
+              <a:t>Bayesian Approaches</a:t>
             </a:r>
           </a:p>
         </p:txBody>
@@ -8928,7 +7972,7 @@
     </p:spTree>
     <p:extLst>
       <p:ext uri="{BB962C8B-B14F-4D97-AF65-F5344CB8AC3E}">
-        <p14:creationId xmlns:p14="http://schemas.microsoft.com/office/powerpoint/2010/main" val="1101182634"/>
+        <p14:creationId xmlns:p14="http://schemas.microsoft.com/office/powerpoint/2010/main" val="2003575082"/>
       </p:ext>
     </p:extLst>
   </p:cSld>
@@ -8972,7 +8016,7 @@
           <a:p>
             <a:r>
               <a:rPr lang="en-US" dirty="0"/>
-              <a:t>Parsimony</a:t>
+              <a:t>The goal of statistics</a:t>
             </a:r>
           </a:p>
         </p:txBody>
@@ -8987,51 +8031,133 @@
             <p:ph idx="1"/>
           </p:nvPr>
         </p:nvSpPr>
-        <p:spPr/>
+        <p:spPr>
+          <a:xfrm>
+            <a:off x="628650" y="1455756"/>
+            <a:ext cx="7886700" cy="5222445"/>
+          </a:xfrm>
+        </p:spPr>
         <p:txBody>
           <a:bodyPr>
-            <a:normAutofit lnSpcReduction="10000"/>
+            <a:normAutofit fontScale="85000" lnSpcReduction="20000"/>
           </a:bodyPr>
           <a:lstStyle/>
           <a:p>
             <a:r>
               <a:rPr lang="en-US" dirty="0"/>
-              <a:t>This is sometimes called </a:t>
-            </a:r>
-            <a:r>
-              <a:rPr lang="en-US" i="1" dirty="0" err="1"/>
-              <a:t>Occams</a:t>
-            </a:r>
-            <a:r>
-              <a:rPr lang="en-US" i="1" dirty="0"/>
-              <a:t> razor</a:t>
-            </a:r>
-            <a:endParaRPr lang="en-US" dirty="0"/>
-          </a:p>
-          <a:p>
-            <a:r>
-              <a:rPr lang="en-US" dirty="0"/>
-              <a:t>This is a general argument for choosing simpler models even though we know the world is complicated</a:t>
-            </a:r>
-          </a:p>
-          <a:p>
-            <a:r>
-              <a:rPr lang="en-US" dirty="0"/>
-              <a:t>Model selection approaches usually go beyond parsimony to try and determine whether a more complex model is better than a simpler one</a:t>
-            </a:r>
-          </a:p>
-          <a:p>
-            <a:r>
-              <a:rPr lang="en-US" dirty="0"/>
-              <a:t>This is usually done by seeing whether there is some threshold of “</a:t>
+              <a:t>Try to extract biological insight or make predictions from data by fitting models to data.</a:t>
+            </a:r>
+          </a:p>
+          <a:p>
+            <a:r>
+              <a:rPr lang="en-US" dirty="0"/>
+              <a:t>Univariate analysis: often null hypothesis testing</a:t>
+            </a:r>
+          </a:p>
+          <a:p>
+            <a:r>
+              <a:rPr lang="en-US" dirty="0"/>
+              <a:t>Multivariate analysis: multiple regression</a:t>
+            </a:r>
+          </a:p>
+          <a:p>
+            <a:r>
+              <a:rPr lang="en-US" dirty="0"/>
+              <a:t>In both cases we are usually asking the question: does X</a:t>
+            </a:r>
+            <a:r>
+              <a:rPr lang="en-US" baseline="-25000" dirty="0"/>
+              <a:t>1</a:t>
+            </a:r>
+            <a:r>
+              <a:rPr lang="en-US" dirty="0"/>
+              <a:t> (or X</a:t>
+            </a:r>
+            <a:r>
+              <a:rPr lang="en-US" baseline="-25000" dirty="0"/>
+              <a:t>1</a:t>
+            </a:r>
+            <a:r>
+              <a:rPr lang="en-US" dirty="0"/>
+              <a:t> and/or X</a:t>
+            </a:r>
+            <a:r>
+              <a:rPr lang="en-US" baseline="-25000" dirty="0"/>
+              <a:t>2</a:t>
+            </a:r>
+            <a:r>
+              <a:rPr lang="en-US" dirty="0"/>
+              <a:t>) influence Y, or what is the influence of X on Y?</a:t>
+            </a:r>
+          </a:p>
+          <a:p>
+            <a:r>
+              <a:rPr lang="en-US" dirty="0"/>
+              <a:t>Approaches</a:t>
+            </a:r>
+          </a:p>
+          <a:p>
+            <a:pPr lvl="1"/>
+            <a:r>
+              <a:rPr lang="en-US" dirty="0"/>
+              <a:t>Fit full model and interpret coefficients</a:t>
+            </a:r>
+          </a:p>
+          <a:p>
+            <a:pPr lvl="2"/>
+            <a:r>
+              <a:rPr lang="en-US" dirty="0"/>
+              <a:t>Challenge: weak “noise” predictors can create bias in other parameter estimates, and result poor predictions (“</a:t>
             </a:r>
             <a:r>
               <a:rPr lang="en-US" dirty="0" err="1"/>
-              <a:t>betterness</a:t>
-            </a:r>
-            <a:r>
-              <a:rPr lang="en-US" dirty="0"/>
-              <a:t>” to be worth the added model complexity</a:t>
+              <a:t>overfitting</a:t>
+            </a:r>
+            <a:r>
+              <a:rPr lang="en-US" dirty="0"/>
+              <a:t>”)</a:t>
+            </a:r>
+          </a:p>
+          <a:p>
+            <a:pPr lvl="1"/>
+            <a:r>
+              <a:rPr lang="en-US" dirty="0"/>
+              <a:t>Stepwise regression</a:t>
+            </a:r>
+          </a:p>
+          <a:p>
+            <a:pPr lvl="2"/>
+            <a:r>
+              <a:rPr lang="en-US" dirty="0"/>
+              <a:t>Forward/Backward/Both with criteria – p-value, F/t-value, AIC</a:t>
+            </a:r>
+          </a:p>
+          <a:p>
+            <a:pPr lvl="1"/>
+            <a:r>
+              <a:rPr lang="en-US" dirty="0"/>
+              <a:t>Likelihood Ratio Test</a:t>
+            </a:r>
+          </a:p>
+          <a:p>
+            <a:pPr lvl="2"/>
+            <a:r>
+              <a:rPr lang="en-US" dirty="0"/>
+              <a:t>Requires that models are nested versions of each other</a:t>
+            </a:r>
+          </a:p>
+          <a:p>
+            <a:pPr lvl="1"/>
+            <a:r>
+              <a:rPr lang="en-US" dirty="0"/>
+              <a:t>AIC (or other IC) model comparison of selected models</a:t>
+            </a:r>
+          </a:p>
+          <a:p>
+            <a:pPr lvl="1"/>
+            <a:r>
+              <a:rPr lang="en-US" dirty="0"/>
+              <a:t>Bayesian approach</a:t>
             </a:r>
           </a:p>
         </p:txBody>
@@ -9039,7 +8165,7 @@
     </p:spTree>
     <p:extLst>
       <p:ext uri="{BB962C8B-B14F-4D97-AF65-F5344CB8AC3E}">
-        <p14:creationId xmlns:p14="http://schemas.microsoft.com/office/powerpoint/2010/main" val="711464144"/>
+        <p14:creationId xmlns:p14="http://schemas.microsoft.com/office/powerpoint/2010/main" val="2056404739"/>
       </p:ext>
     </p:extLst>
   </p:cSld>

--- a/lectures/week_11_model_selection/le111_model_selection.pptx
+++ b/lectures/week_11_model_selection/le111_model_selection.pptx
@@ -309,7 +309,7 @@
           <a:p>
             <a:fld id="{F00CAE13-515D-42AB-B1C6-C768CFAA9040}" type="datetimeFigureOut">
               <a:rPr lang="en-US" smtClean="0"/>
-              <a:t>4/5/22</a:t>
+              <a:t>4/4/23</a:t>
             </a:fld>
             <a:endParaRPr lang="en-US"/>
           </a:p>
@@ -710,7 +710,7 @@
             <a:fld id="{F16B42BE-E9E8-4C91-8CAE-DCF3A8462AA2}" type="datetimeFigureOut">
               <a:rPr lang="en-US" smtClean="0"/>
               <a:pPr/>
-              <a:t>4/5/22</a:t>
+              <a:t>4/4/23</a:t>
             </a:fld>
             <a:endParaRPr lang="en-US"/>
           </a:p>
@@ -882,7 +882,7 @@
             <a:fld id="{F16B42BE-E9E8-4C91-8CAE-DCF3A8462AA2}" type="datetimeFigureOut">
               <a:rPr lang="en-US" smtClean="0"/>
               <a:pPr/>
-              <a:t>4/5/22</a:t>
+              <a:t>4/4/23</a:t>
             </a:fld>
             <a:endParaRPr lang="en-US"/>
           </a:p>
@@ -1064,7 +1064,7 @@
             <a:fld id="{F16B42BE-E9E8-4C91-8CAE-DCF3A8462AA2}" type="datetimeFigureOut">
               <a:rPr lang="en-US" smtClean="0"/>
               <a:pPr/>
-              <a:t>4/5/22</a:t>
+              <a:t>4/4/23</a:t>
             </a:fld>
             <a:endParaRPr lang="en-US"/>
           </a:p>
@@ -1254,7 +1254,7 @@
             <a:fld id="{F16B42BE-E9E8-4C91-8CAE-DCF3A8462AA2}" type="datetimeFigureOut">
               <a:rPr lang="en-US" smtClean="0"/>
               <a:pPr/>
-              <a:t>4/5/22</a:t>
+              <a:t>4/4/23</a:t>
             </a:fld>
             <a:endParaRPr lang="en-US"/>
           </a:p>
@@ -1500,7 +1500,7 @@
             <a:fld id="{F16B42BE-E9E8-4C91-8CAE-DCF3A8462AA2}" type="datetimeFigureOut">
               <a:rPr lang="en-US" smtClean="0"/>
               <a:pPr/>
-              <a:t>4/5/22</a:t>
+              <a:t>4/4/23</a:t>
             </a:fld>
             <a:endParaRPr lang="en-US"/>
           </a:p>
@@ -1734,7 +1734,7 @@
             <a:fld id="{F16B42BE-E9E8-4C91-8CAE-DCF3A8462AA2}" type="datetimeFigureOut">
               <a:rPr lang="en-US" smtClean="0"/>
               <a:pPr/>
-              <a:t>4/5/22</a:t>
+              <a:t>4/4/23</a:t>
             </a:fld>
             <a:endParaRPr lang="en-US"/>
           </a:p>
@@ -2103,7 +2103,7 @@
             <a:fld id="{F16B42BE-E9E8-4C91-8CAE-DCF3A8462AA2}" type="datetimeFigureOut">
               <a:rPr lang="en-US" smtClean="0"/>
               <a:pPr/>
-              <a:t>4/5/22</a:t>
+              <a:t>4/4/23</a:t>
             </a:fld>
             <a:endParaRPr lang="en-US"/>
           </a:p>
@@ -2223,7 +2223,7 @@
             <a:fld id="{F16B42BE-E9E8-4C91-8CAE-DCF3A8462AA2}" type="datetimeFigureOut">
               <a:rPr lang="en-US" smtClean="0"/>
               <a:pPr/>
-              <a:t>4/5/22</a:t>
+              <a:t>4/4/23</a:t>
             </a:fld>
             <a:endParaRPr lang="en-US"/>
           </a:p>
@@ -2320,7 +2320,7 @@
             <a:fld id="{F16B42BE-E9E8-4C91-8CAE-DCF3A8462AA2}" type="datetimeFigureOut">
               <a:rPr lang="en-US" smtClean="0"/>
               <a:pPr/>
-              <a:t>4/5/22</a:t>
+              <a:t>4/4/23</a:t>
             </a:fld>
             <a:endParaRPr lang="en-US"/>
           </a:p>
@@ -2599,7 +2599,7 @@
             <a:fld id="{F16B42BE-E9E8-4C91-8CAE-DCF3A8462AA2}" type="datetimeFigureOut">
               <a:rPr lang="en-US" smtClean="0"/>
               <a:pPr/>
-              <a:t>4/5/22</a:t>
+              <a:t>4/4/23</a:t>
             </a:fld>
             <a:endParaRPr lang="en-US"/>
           </a:p>
@@ -2858,7 +2858,7 @@
             <a:fld id="{F16B42BE-E9E8-4C91-8CAE-DCF3A8462AA2}" type="datetimeFigureOut">
               <a:rPr lang="en-US" smtClean="0"/>
               <a:pPr/>
-              <a:t>4/5/22</a:t>
+              <a:t>4/4/23</a:t>
             </a:fld>
             <a:endParaRPr lang="en-US"/>
           </a:p>
@@ -3071,7 +3071,7 @@
             <a:fld id="{F16B42BE-E9E8-4C91-8CAE-DCF3A8462AA2}" type="datetimeFigureOut">
               <a:rPr lang="en-US" smtClean="0"/>
               <a:pPr/>
-              <a:t>4/5/22</a:t>
+              <a:t>4/4/23</a:t>
             </a:fld>
             <a:endParaRPr lang="en-US"/>
           </a:p>

--- a/lectures/week_11_model_selection/le111_model_selection.pptx
+++ b/lectures/week_11_model_selection/le111_model_selection.pptx
@@ -5,7 +5,7 @@
     <p:sldMasterId id="2147483660" r:id="rId1"/>
   </p:sldMasterIdLst>
   <p:notesMasterIdLst>
-    <p:notesMasterId r:id="rId43"/>
+    <p:notesMasterId r:id="rId45"/>
   </p:notesMasterIdLst>
   <p:sldIdLst>
     <p:sldId id="256" r:id="rId2"/>
@@ -39,16 +39,18 @@
     <p:sldId id="297" r:id="rId30"/>
     <p:sldId id="268" r:id="rId31"/>
     <p:sldId id="267" r:id="rId32"/>
-    <p:sldId id="304" r:id="rId33"/>
-    <p:sldId id="303" r:id="rId34"/>
-    <p:sldId id="299" r:id="rId35"/>
-    <p:sldId id="273" r:id="rId36"/>
-    <p:sldId id="298" r:id="rId37"/>
-    <p:sldId id="265" r:id="rId38"/>
-    <p:sldId id="300" r:id="rId39"/>
-    <p:sldId id="301" r:id="rId40"/>
-    <p:sldId id="274" r:id="rId41"/>
-    <p:sldId id="302" r:id="rId42"/>
+    <p:sldId id="305" r:id="rId33"/>
+    <p:sldId id="306" r:id="rId34"/>
+    <p:sldId id="304" r:id="rId35"/>
+    <p:sldId id="303" r:id="rId36"/>
+    <p:sldId id="299" r:id="rId37"/>
+    <p:sldId id="273" r:id="rId38"/>
+    <p:sldId id="298" r:id="rId39"/>
+    <p:sldId id="265" r:id="rId40"/>
+    <p:sldId id="300" r:id="rId41"/>
+    <p:sldId id="301" r:id="rId42"/>
+    <p:sldId id="274" r:id="rId43"/>
+    <p:sldId id="302" r:id="rId44"/>
   </p:sldIdLst>
   <p:sldSz cx="9144000" cy="6858000" type="screen4x3"/>
   <p:notesSz cx="6858000" cy="9144000"/>
@@ -183,6 +185,8 @@
             <p14:sldId id="297"/>
             <p14:sldId id="268"/>
             <p14:sldId id="267"/>
+            <p14:sldId id="305"/>
+            <p14:sldId id="306"/>
             <p14:sldId id="304"/>
             <p14:sldId id="303"/>
             <p14:sldId id="299"/>
@@ -309,7 +313,7 @@
           <a:p>
             <a:fld id="{F00CAE13-515D-42AB-B1C6-C768CFAA9040}" type="datetimeFigureOut">
               <a:rPr lang="en-US" smtClean="0"/>
-              <a:t>4/4/23</a:t>
+              <a:t>4/25/23</a:t>
             </a:fld>
             <a:endParaRPr lang="en-US"/>
           </a:p>
@@ -710,7 +714,7 @@
             <a:fld id="{F16B42BE-E9E8-4C91-8CAE-DCF3A8462AA2}" type="datetimeFigureOut">
               <a:rPr lang="en-US" smtClean="0"/>
               <a:pPr/>
-              <a:t>4/4/23</a:t>
+              <a:t>4/25/23</a:t>
             </a:fld>
             <a:endParaRPr lang="en-US"/>
           </a:p>
@@ -882,7 +886,7 @@
             <a:fld id="{F16B42BE-E9E8-4C91-8CAE-DCF3A8462AA2}" type="datetimeFigureOut">
               <a:rPr lang="en-US" smtClean="0"/>
               <a:pPr/>
-              <a:t>4/4/23</a:t>
+              <a:t>4/25/23</a:t>
             </a:fld>
             <a:endParaRPr lang="en-US"/>
           </a:p>
@@ -1064,7 +1068,7 @@
             <a:fld id="{F16B42BE-E9E8-4C91-8CAE-DCF3A8462AA2}" type="datetimeFigureOut">
               <a:rPr lang="en-US" smtClean="0"/>
               <a:pPr/>
-              <a:t>4/4/23</a:t>
+              <a:t>4/25/23</a:t>
             </a:fld>
             <a:endParaRPr lang="en-US"/>
           </a:p>
@@ -1254,7 +1258,7 @@
             <a:fld id="{F16B42BE-E9E8-4C91-8CAE-DCF3A8462AA2}" type="datetimeFigureOut">
               <a:rPr lang="en-US" smtClean="0"/>
               <a:pPr/>
-              <a:t>4/4/23</a:t>
+              <a:t>4/25/23</a:t>
             </a:fld>
             <a:endParaRPr lang="en-US"/>
           </a:p>
@@ -1500,7 +1504,7 @@
             <a:fld id="{F16B42BE-E9E8-4C91-8CAE-DCF3A8462AA2}" type="datetimeFigureOut">
               <a:rPr lang="en-US" smtClean="0"/>
               <a:pPr/>
-              <a:t>4/4/23</a:t>
+              <a:t>4/25/23</a:t>
             </a:fld>
             <a:endParaRPr lang="en-US"/>
           </a:p>
@@ -1734,7 +1738,7 @@
             <a:fld id="{F16B42BE-E9E8-4C91-8CAE-DCF3A8462AA2}" type="datetimeFigureOut">
               <a:rPr lang="en-US" smtClean="0"/>
               <a:pPr/>
-              <a:t>4/4/23</a:t>
+              <a:t>4/25/23</a:t>
             </a:fld>
             <a:endParaRPr lang="en-US"/>
           </a:p>
@@ -2103,7 +2107,7 @@
             <a:fld id="{F16B42BE-E9E8-4C91-8CAE-DCF3A8462AA2}" type="datetimeFigureOut">
               <a:rPr lang="en-US" smtClean="0"/>
               <a:pPr/>
-              <a:t>4/4/23</a:t>
+              <a:t>4/25/23</a:t>
             </a:fld>
             <a:endParaRPr lang="en-US"/>
           </a:p>
@@ -2223,7 +2227,7 @@
             <a:fld id="{F16B42BE-E9E8-4C91-8CAE-DCF3A8462AA2}" type="datetimeFigureOut">
               <a:rPr lang="en-US" smtClean="0"/>
               <a:pPr/>
-              <a:t>4/4/23</a:t>
+              <a:t>4/25/23</a:t>
             </a:fld>
             <a:endParaRPr lang="en-US"/>
           </a:p>
@@ -2320,7 +2324,7 @@
             <a:fld id="{F16B42BE-E9E8-4C91-8CAE-DCF3A8462AA2}" type="datetimeFigureOut">
               <a:rPr lang="en-US" smtClean="0"/>
               <a:pPr/>
-              <a:t>4/4/23</a:t>
+              <a:t>4/25/23</a:t>
             </a:fld>
             <a:endParaRPr lang="en-US"/>
           </a:p>
@@ -2599,7 +2603,7 @@
             <a:fld id="{F16B42BE-E9E8-4C91-8CAE-DCF3A8462AA2}" type="datetimeFigureOut">
               <a:rPr lang="en-US" smtClean="0"/>
               <a:pPr/>
-              <a:t>4/4/23</a:t>
+              <a:t>4/25/23</a:t>
             </a:fld>
             <a:endParaRPr lang="en-US"/>
           </a:p>
@@ -2858,7 +2862,7 @@
             <a:fld id="{F16B42BE-E9E8-4C91-8CAE-DCF3A8462AA2}" type="datetimeFigureOut">
               <a:rPr lang="en-US" smtClean="0"/>
               <a:pPr/>
-              <a:t>4/4/23</a:t>
+              <a:t>4/25/23</a:t>
             </a:fld>
             <a:endParaRPr lang="en-US"/>
           </a:p>
@@ -3071,7 +3075,7 @@
             <a:fld id="{F16B42BE-E9E8-4C91-8CAE-DCF3A8462AA2}" type="datetimeFigureOut">
               <a:rPr lang="en-US" smtClean="0"/>
               <a:pPr/>
-              <a:t>4/4/23</a:t>
+              <a:t>4/25/23</a:t>
             </a:fld>
             <a:endParaRPr lang="en-US"/>
           </a:p>
@@ -6190,13 +6194,7 @@
       </p:grpSpPr>
       <p:sp>
         <p:nvSpPr>
-          <p:cNvPr id="2" name="Title 1">
-            <a:extLst>
-              <a:ext uri="{FF2B5EF4-FFF2-40B4-BE49-F238E27FC236}">
-                <a16:creationId xmlns:a16="http://schemas.microsoft.com/office/drawing/2014/main" id="{7B4FB1DD-BAD1-0640-A1EA-EEF1DD6718DA}"/>
-              </a:ext>
-            </a:extLst>
-          </p:cNvPr>
+          <p:cNvPr id="2" name="Title 1"/>
           <p:cNvSpPr>
             <a:spLocks noGrp="1"/>
           </p:cNvSpPr>
@@ -6211,20 +6209,14 @@
           <a:p>
             <a:r>
               <a:rPr lang="en-US" dirty="0"/>
-              <a:t>Automatic model selection algorithm (dredging)</a:t>
-            </a:r>
-          </a:p>
-        </p:txBody>
-      </p:sp>
-      <p:sp>
-        <p:nvSpPr>
-          <p:cNvPr id="3" name="Content Placeholder 2">
-            <a:extLst>
-              <a:ext uri="{FF2B5EF4-FFF2-40B4-BE49-F238E27FC236}">
-                <a16:creationId xmlns:a16="http://schemas.microsoft.com/office/drawing/2014/main" id="{AA1D0D94-CD12-424C-A240-F039CC11A80F}"/>
-              </a:ext>
-            </a:extLst>
-          </p:cNvPr>
+              <a:t>An important point about model comparison!</a:t>
+            </a:r>
+          </a:p>
+        </p:txBody>
+      </p:sp>
+      <p:sp>
+        <p:nvSpPr>
+          <p:cNvPr id="3" name="Content Placeholder 2"/>
           <p:cNvSpPr>
             <a:spLocks noGrp="1"/>
           </p:cNvSpPr>
@@ -6234,32 +6226,50 @@
         </p:nvSpPr>
         <p:spPr/>
         <p:txBody>
-          <a:bodyPr/>
-          <a:lstStyle/>
-          <a:p>
-            <a:pPr marL="0" indent="0">
-              <a:buNone/>
-            </a:pPr>
-            <a:endParaRPr lang="en-US" dirty="0">
-              <a:hlinkClick r:id="rId2"/>
-            </a:endParaRPr>
-          </a:p>
-          <a:p>
-            <a:r>
-              <a:rPr lang="en-US" dirty="0">
-                <a:hlinkClick r:id="rId2"/>
-              </a:rPr>
-              <a:t>https://stats.stackexchange.com/questions/20836/algorithms-for-automatic-model-selection/20856#20856</a:t>
-            </a:r>
+          <a:bodyPr>
+            <a:normAutofit fontScale="92500" lnSpcReduction="10000"/>
+          </a:bodyPr>
+          <a:lstStyle/>
+          <a:p>
+            <a:r>
+              <a:rPr lang="en-US" dirty="0"/>
+              <a:t>When you compare models, it is very, very important to compare models that all have the same number of observations!!!!</a:t>
+            </a:r>
+          </a:p>
+          <a:p>
             <a:endParaRPr lang="en-US" dirty="0"/>
           </a:p>
           <a:p>
+            <a:r>
+              <a:rPr lang="en-US" dirty="0"/>
+              <a:t>For example, if you want to predict bat infection by species and temperature.</a:t>
+            </a:r>
+          </a:p>
+          <a:p>
+            <a:pPr lvl="1"/>
+            <a:r>
+              <a:rPr lang="en-US" dirty="0"/>
+              <a:t>Your models look like this: </a:t>
+            </a:r>
+            <a:r>
+              <a:rPr lang="en-US" dirty="0" err="1"/>
+              <a:t>infection~temp+species</a:t>
+            </a:r>
+            <a:r>
+              <a:rPr lang="en-US" dirty="0"/>
+              <a:t>, </a:t>
+            </a:r>
+            <a:r>
+              <a:rPr lang="en-US" dirty="0" err="1"/>
+              <a:t>infection~species</a:t>
+            </a:r>
             <a:endParaRPr lang="en-US" dirty="0"/>
           </a:p>
           <a:p>
-            <a:r>
-              <a:rPr lang="en-US" dirty="0"/>
-              <a:t>Tip: Don’t do this. </a:t>
+            <a:pPr lvl="1"/>
+            <a:r>
+              <a:rPr lang="en-US" dirty="0"/>
+              <a:t>You might have forgotten to take a temperature from every individual (but you always recorded species). You will need to drop all measurements where you don’t have temperature to compare models USING ANY METHOD.</a:t>
             </a:r>
           </a:p>
         </p:txBody>
@@ -6267,7 +6277,7 @@
     </p:spTree>
     <p:extLst>
       <p:ext uri="{BB962C8B-B14F-4D97-AF65-F5344CB8AC3E}">
-        <p14:creationId xmlns:p14="http://schemas.microsoft.com/office/powerpoint/2010/main" val="1703361718"/>
+        <p14:creationId xmlns:p14="http://schemas.microsoft.com/office/powerpoint/2010/main" val="302205479"/>
       </p:ext>
     </p:extLst>
   </p:cSld>
@@ -6296,13 +6306,7 @@
       </p:grpSpPr>
       <p:sp>
         <p:nvSpPr>
-          <p:cNvPr id="2" name="Title 1">
-            <a:extLst>
-              <a:ext uri="{FF2B5EF4-FFF2-40B4-BE49-F238E27FC236}">
-                <a16:creationId xmlns:a16="http://schemas.microsoft.com/office/drawing/2014/main" id="{8727EE4B-1932-E946-B68B-5D75BF031FC3}"/>
-              </a:ext>
-            </a:extLst>
-          </p:cNvPr>
+          <p:cNvPr id="2" name="Title 1"/>
           <p:cNvSpPr>
             <a:spLocks noGrp="1"/>
           </p:cNvSpPr>
@@ -6315,74 +6319,100 @@
           <a:bodyPr/>
           <a:lstStyle/>
           <a:p>
-            <a:r>
-              <a:rPr lang="en-US" dirty="0"/>
-              <a:t>Model averaging challenges</a:t>
-            </a:r>
-          </a:p>
-        </p:txBody>
-      </p:sp>
-      <p:sp>
-        <p:nvSpPr>
-          <p:cNvPr id="3" name="Content Placeholder 2">
-            <a:extLst>
-              <a:ext uri="{FF2B5EF4-FFF2-40B4-BE49-F238E27FC236}">
-                <a16:creationId xmlns:a16="http://schemas.microsoft.com/office/drawing/2014/main" id="{0883E609-FCA3-804A-ABE6-8B08E659241F}"/>
-              </a:ext>
-            </a:extLst>
-          </p:cNvPr>
-          <p:cNvSpPr>
-            <a:spLocks noGrp="1"/>
-          </p:cNvSpPr>
-          <p:nvPr>
-            <p:ph idx="1"/>
-          </p:nvPr>
-        </p:nvSpPr>
-        <p:spPr/>
-        <p:txBody>
-          <a:bodyPr/>
-          <a:lstStyle/>
-          <a:p>
-            <a:r>
-              <a:rPr lang="en-US" dirty="0">
-                <a:hlinkClick r:id="rId2"/>
-              </a:rPr>
-              <a:t>https://theoreticalecology.wordpress.com/2018/05/14/model-averaging-in-ecology-a-review-of-bayesian-information-theoretic-and-tactical-approaches-for-predictive-inference/</a:t>
-            </a:r>
-            <a:endParaRPr lang="en-US" dirty="0"/>
-          </a:p>
-          <a:p>
-            <a:endParaRPr lang="en-US" dirty="0"/>
-          </a:p>
-          <a:p>
-            <a:r>
-              <a:rPr lang="en-US" dirty="0"/>
-              <a:t>Lots of points here, but model averaging cascades error in bad ways</a:t>
-            </a:r>
-          </a:p>
-          <a:p>
-            <a:endParaRPr lang="en-US" dirty="0"/>
-          </a:p>
-          <a:p>
-            <a:r>
-              <a:rPr lang="en-US" dirty="0"/>
-              <a:t>And see </a:t>
-            </a:r>
-            <a:r>
-              <a:rPr lang="en-US" dirty="0" err="1"/>
-              <a:t>Bolker</a:t>
-            </a:r>
-            <a:r>
-              <a:rPr lang="en-US" dirty="0"/>
-              <a:t> paper on canvas</a:t>
-            </a:r>
+            <a:endParaRPr lang="en-US"/>
+          </a:p>
+        </p:txBody>
+      </p:sp>
+      <p:pic>
+        <p:nvPicPr>
+          <p:cNvPr id="5" name="Picture 4"/>
+          <p:cNvPicPr>
+            <a:picLocks noChangeAspect="1"/>
+          </p:cNvPicPr>
+          <p:nvPr/>
+        </p:nvPicPr>
+        <p:blipFill>
+          <a:blip r:embed="rId2"/>
+          <a:stretch>
+            <a:fillRect/>
+          </a:stretch>
+        </p:blipFill>
+        <p:spPr>
+          <a:xfrm>
+            <a:off x="1236195" y="989498"/>
+            <a:ext cx="4083600" cy="4704447"/>
+          </a:xfrm>
+          <a:prstGeom prst="rect">
+            <a:avLst/>
+          </a:prstGeom>
+        </p:spPr>
+      </p:pic>
+      <p:sp>
+        <p:nvSpPr>
+          <p:cNvPr id="6" name="TextBox 5"/>
+          <p:cNvSpPr txBox="1"/>
+          <p:nvPr/>
+        </p:nvSpPr>
+        <p:spPr>
+          <a:xfrm>
+            <a:off x="5493620" y="2358789"/>
+            <a:ext cx="4259180" cy="1338828"/>
+          </a:xfrm>
+          <a:prstGeom prst="rect">
+            <a:avLst/>
+          </a:prstGeom>
+          <a:noFill/>
+        </p:spPr>
+        <p:txBody>
+          <a:bodyPr wrap="square" rtlCol="0">
+            <a:spAutoFit/>
+          </a:bodyPr>
+          <a:lstStyle/>
+          <a:p>
+            <a:r>
+              <a:rPr lang="en-US" sz="1350" dirty="0"/>
+              <a:t>If we fit the models, </a:t>
+            </a:r>
+            <a:br>
+              <a:rPr lang="en-US" sz="1350" dirty="0"/>
+            </a:br>
+            <a:r>
+              <a:rPr lang="en-US" sz="1350" dirty="0" err="1"/>
+              <a:t>infection~species</a:t>
+            </a:r>
+            <a:r>
+              <a:rPr lang="en-US" sz="1350" dirty="0"/>
+              <a:t>, we would have 16 observations</a:t>
+            </a:r>
+          </a:p>
+          <a:p>
+            <a:r>
+              <a:rPr lang="en-US" sz="1350" dirty="0" err="1"/>
+              <a:t>Infection~species+temp</a:t>
+            </a:r>
+            <a:r>
+              <a:rPr lang="en-US" sz="1350" dirty="0"/>
+              <a:t>, we have 15 observations</a:t>
+            </a:r>
+          </a:p>
+          <a:p>
+            <a:endParaRPr lang="en-US" sz="1350" dirty="0"/>
+          </a:p>
+          <a:p>
+            <a:r>
+              <a:rPr lang="en-US" sz="1350" dirty="0"/>
+              <a:t>We can not validly compare these models. </a:t>
+            </a:r>
+          </a:p>
+          <a:p>
+            <a:endParaRPr lang="en-US" sz="1350" dirty="0"/>
           </a:p>
         </p:txBody>
       </p:sp>
     </p:spTree>
     <p:extLst>
       <p:ext uri="{BB962C8B-B14F-4D97-AF65-F5344CB8AC3E}">
-        <p14:creationId xmlns:p14="http://schemas.microsoft.com/office/powerpoint/2010/main" val="2900490986"/>
+        <p14:creationId xmlns:p14="http://schemas.microsoft.com/office/powerpoint/2010/main" val="1653146170"/>
       </p:ext>
     </p:extLst>
   </p:cSld>
@@ -6411,7 +6441,13 @@
       </p:grpSpPr>
       <p:sp>
         <p:nvSpPr>
-          <p:cNvPr id="2" name="Title 1"/>
+          <p:cNvPr id="2" name="Title 1">
+            <a:extLst>
+              <a:ext uri="{FF2B5EF4-FFF2-40B4-BE49-F238E27FC236}">
+                <a16:creationId xmlns:a16="http://schemas.microsoft.com/office/drawing/2014/main" id="{7B4FB1DD-BAD1-0640-A1EA-EEF1DD6718DA}"/>
+              </a:ext>
+            </a:extLst>
+          </p:cNvPr>
           <p:cNvSpPr>
             <a:spLocks noGrp="1"/>
           </p:cNvSpPr>
@@ -6426,14 +6462,20 @@
           <a:p>
             <a:r>
               <a:rPr lang="en-US" dirty="0"/>
-              <a:t>Bayesian approaches</a:t>
-            </a:r>
-          </a:p>
-        </p:txBody>
-      </p:sp>
-      <p:sp>
-        <p:nvSpPr>
-          <p:cNvPr id="3" name="Content Placeholder 2"/>
+              <a:t>Automatic model selection algorithm (dredging)</a:t>
+            </a:r>
+          </a:p>
+        </p:txBody>
+      </p:sp>
+      <p:sp>
+        <p:nvSpPr>
+          <p:cNvPr id="3" name="Content Placeholder 2">
+            <a:extLst>
+              <a:ext uri="{FF2B5EF4-FFF2-40B4-BE49-F238E27FC236}">
+                <a16:creationId xmlns:a16="http://schemas.microsoft.com/office/drawing/2014/main" id="{AA1D0D94-CD12-424C-A240-F039CC11A80F}"/>
+              </a:ext>
+            </a:extLst>
+          </p:cNvPr>
           <p:cNvSpPr>
             <a:spLocks noGrp="1"/>
           </p:cNvSpPr>
@@ -6443,44 +6485,32 @@
         </p:nvSpPr>
         <p:spPr/>
         <p:txBody>
-          <a:bodyPr>
-            <a:normAutofit fontScale="85000" lnSpcReduction="20000"/>
-          </a:bodyPr>
-          <a:lstStyle/>
-          <a:p>
-            <a:r>
-              <a:rPr lang="en-US" dirty="0"/>
-              <a:t>Bayesians consider model selection in a very different way. Dropping parameters from a model is the equivalent of saying the value of the parameter is exactly 0</a:t>
-            </a:r>
-          </a:p>
-          <a:p>
-            <a:pPr lvl="1"/>
-            <a:r>
-              <a:rPr lang="en-US" dirty="0"/>
-              <a:t>This isn’t how Bayesians think about the world (an effect centered on 0 with a range and probability distribution)</a:t>
-            </a:r>
-          </a:p>
-          <a:p>
-            <a:pPr lvl="1"/>
-            <a:r>
-              <a:rPr lang="en-US" dirty="0"/>
-              <a:t>Bayesian methods often center priors on 0 anyway so will intentionally hypothesize a 0 effect</a:t>
-            </a:r>
-          </a:p>
-          <a:p>
-            <a:pPr lvl="1"/>
+          <a:bodyPr/>
+          <a:lstStyle/>
+          <a:p>
+            <a:pPr marL="0" indent="0">
+              <a:buNone/>
+            </a:pPr>
+            <a:endParaRPr lang="en-US" dirty="0">
+              <a:hlinkClick r:id="rId2"/>
+            </a:endParaRPr>
+          </a:p>
+          <a:p>
+            <a:r>
+              <a:rPr lang="en-US" dirty="0">
+                <a:hlinkClick r:id="rId2"/>
+              </a:rPr>
+              <a:t>https://stats.stackexchange.com/questions/20836/algorithms-for-automatic-model-selection/20856#20856</a:t>
+            </a:r>
             <a:endParaRPr lang="en-US" dirty="0"/>
           </a:p>
           <a:p>
-            <a:r>
-              <a:rPr lang="en-US" dirty="0"/>
-              <a:t>They do use Bayes factors which is the ratio of the marginal likelihoods, essentially the odds in favor of one model vs another</a:t>
-            </a:r>
-          </a:p>
-          <a:p>
-            <a:r>
-              <a:rPr lang="en-US" dirty="0"/>
-              <a:t>Challenge: the marginal likelihood can be challenging to calculate and Bayesian methods are less approachable to many ecologists</a:t>
+            <a:endParaRPr lang="en-US" dirty="0"/>
+          </a:p>
+          <a:p>
+            <a:r>
+              <a:rPr lang="en-US" dirty="0"/>
+              <a:t>Tip: Don’t do this. </a:t>
             </a:r>
           </a:p>
         </p:txBody>
@@ -6488,7 +6518,7 @@
     </p:spTree>
     <p:extLst>
       <p:ext uri="{BB962C8B-B14F-4D97-AF65-F5344CB8AC3E}">
-        <p14:creationId xmlns:p14="http://schemas.microsoft.com/office/powerpoint/2010/main" val="1024959077"/>
+        <p14:creationId xmlns:p14="http://schemas.microsoft.com/office/powerpoint/2010/main" val="1703361718"/>
       </p:ext>
     </p:extLst>
   </p:cSld>
@@ -6517,7 +6547,13 @@
       </p:grpSpPr>
       <p:sp>
         <p:nvSpPr>
-          <p:cNvPr id="2" name="Title 1"/>
+          <p:cNvPr id="2" name="Title 1">
+            <a:extLst>
+              <a:ext uri="{FF2B5EF4-FFF2-40B4-BE49-F238E27FC236}">
+                <a16:creationId xmlns:a16="http://schemas.microsoft.com/office/drawing/2014/main" id="{8727EE4B-1932-E946-B68B-5D75BF031FC3}"/>
+              </a:ext>
+            </a:extLst>
+          </p:cNvPr>
           <p:cNvSpPr>
             <a:spLocks noGrp="1"/>
           </p:cNvSpPr>
@@ -6532,14 +6568,20 @@
           <a:p>
             <a:r>
               <a:rPr lang="en-US" dirty="0"/>
-              <a:t>Challenges for all approaches</a:t>
-            </a:r>
-          </a:p>
-        </p:txBody>
-      </p:sp>
-      <p:sp>
-        <p:nvSpPr>
-          <p:cNvPr id="3" name="Content Placeholder 2"/>
+              <a:t>Model averaging challenges</a:t>
+            </a:r>
+          </a:p>
+        </p:txBody>
+      </p:sp>
+      <p:sp>
+        <p:nvSpPr>
+          <p:cNvPr id="3" name="Content Placeholder 2">
+            <a:extLst>
+              <a:ext uri="{FF2B5EF4-FFF2-40B4-BE49-F238E27FC236}">
+                <a16:creationId xmlns:a16="http://schemas.microsoft.com/office/drawing/2014/main" id="{0883E609-FCA3-804A-ABE6-8B08E659241F}"/>
+              </a:ext>
+            </a:extLst>
+          </p:cNvPr>
           <p:cNvSpPr>
             <a:spLocks noGrp="1"/>
           </p:cNvSpPr>
@@ -6549,33 +6591,41 @@
         </p:nvSpPr>
         <p:spPr/>
         <p:txBody>
-          <a:bodyPr>
-            <a:normAutofit lnSpcReduction="10000"/>
-          </a:bodyPr>
-          <a:lstStyle/>
-          <a:p>
-            <a:r>
-              <a:rPr lang="en-US" dirty="0"/>
-              <a:t>Including a large list of predictor variables will guarantee that your final or best model includes variables that are correlated with the response simply due to chance</a:t>
-            </a:r>
-          </a:p>
-          <a:p>
-            <a:pPr lvl="1"/>
-            <a:r>
-              <a:rPr lang="en-US" dirty="0"/>
-              <a:t> multiple regression is a form of multiple comparisons!</a:t>
-            </a:r>
-          </a:p>
-          <a:p>
-            <a:r>
-              <a:rPr lang="en-US" dirty="0"/>
-              <a:t>Any time there is any correlation among predictors, removing or including a predictor will change the coefficient of other correlated predictors</a:t>
-            </a:r>
-          </a:p>
-          <a:p>
-            <a:r>
-              <a:rPr lang="en-US" dirty="0"/>
-              <a:t>No approach fixes these problems</a:t>
+          <a:bodyPr/>
+          <a:lstStyle/>
+          <a:p>
+            <a:r>
+              <a:rPr lang="en-US" dirty="0">
+                <a:hlinkClick r:id="rId2"/>
+              </a:rPr>
+              <a:t>https://theoreticalecology.wordpress.com/2018/05/14/model-averaging-in-ecology-a-review-of-bayesian-information-theoretic-and-tactical-approaches-for-predictive-inference/</a:t>
+            </a:r>
+            <a:endParaRPr lang="en-US" dirty="0"/>
+          </a:p>
+          <a:p>
+            <a:endParaRPr lang="en-US" dirty="0"/>
+          </a:p>
+          <a:p>
+            <a:r>
+              <a:rPr lang="en-US" dirty="0"/>
+              <a:t>Lots of points here, but model averaging cascades error in bad ways</a:t>
+            </a:r>
+          </a:p>
+          <a:p>
+            <a:endParaRPr lang="en-US" dirty="0"/>
+          </a:p>
+          <a:p>
+            <a:r>
+              <a:rPr lang="en-US" dirty="0"/>
+              <a:t>And see </a:t>
+            </a:r>
+            <a:r>
+              <a:rPr lang="en-US" dirty="0" err="1"/>
+              <a:t>Bolker</a:t>
+            </a:r>
+            <a:r>
+              <a:rPr lang="en-US" dirty="0"/>
+              <a:t> paper on canvas</a:t>
             </a:r>
           </a:p>
         </p:txBody>
@@ -6583,7 +6633,7 @@
     </p:spTree>
     <p:extLst>
       <p:ext uri="{BB962C8B-B14F-4D97-AF65-F5344CB8AC3E}">
-        <p14:creationId xmlns:p14="http://schemas.microsoft.com/office/powerpoint/2010/main" val="4260278004"/>
+        <p14:creationId xmlns:p14="http://schemas.microsoft.com/office/powerpoint/2010/main" val="2900490986"/>
       </p:ext>
     </p:extLst>
   </p:cSld>
@@ -6627,61 +6677,61 @@
           <a:p>
             <a:r>
               <a:rPr lang="en-US" dirty="0"/>
-              <a:t>Everyone’s a critic</a:t>
-            </a:r>
-            <a:r>
-              <a:rPr lang="mr-IN" dirty="0"/>
-              <a:t>…</a:t>
-            </a:r>
+              <a:t>Bayesian approaches</a:t>
+            </a:r>
+          </a:p>
+        </p:txBody>
+      </p:sp>
+      <p:sp>
+        <p:nvSpPr>
+          <p:cNvPr id="3" name="Content Placeholder 2"/>
+          <p:cNvSpPr>
+            <a:spLocks noGrp="1"/>
+          </p:cNvSpPr>
+          <p:nvPr>
+            <p:ph idx="1"/>
+          </p:nvPr>
+        </p:nvSpPr>
+        <p:spPr/>
+        <p:txBody>
+          <a:bodyPr>
+            <a:normAutofit fontScale="85000" lnSpcReduction="20000"/>
+          </a:bodyPr>
+          <a:lstStyle/>
+          <a:p>
+            <a:r>
+              <a:rPr lang="en-US" dirty="0"/>
+              <a:t>Bayesians consider model selection in a very different way. Dropping parameters from a model is the equivalent of saying the value of the parameter is exactly 0</a:t>
+            </a:r>
+          </a:p>
+          <a:p>
+            <a:pPr lvl="1"/>
+            <a:r>
+              <a:rPr lang="en-US" dirty="0"/>
+              <a:t>This isn’t how Bayesians think about the world (an effect centered on 0 with a range and probability distribution)</a:t>
+            </a:r>
+          </a:p>
+          <a:p>
+            <a:pPr lvl="1"/>
+            <a:r>
+              <a:rPr lang="en-US" dirty="0"/>
+              <a:t>Bayesian methods often center priors on 0 anyway so will intentionally hypothesize a 0 effect</a:t>
+            </a:r>
+          </a:p>
+          <a:p>
+            <a:pPr lvl="1"/>
             <a:endParaRPr lang="en-US" dirty="0"/>
           </a:p>
-        </p:txBody>
-      </p:sp>
-      <p:sp>
-        <p:nvSpPr>
-          <p:cNvPr id="3" name="Content Placeholder 2"/>
-          <p:cNvSpPr>
-            <a:spLocks noGrp="1"/>
-          </p:cNvSpPr>
-          <p:nvPr>
-            <p:ph idx="1"/>
-          </p:nvPr>
-        </p:nvSpPr>
-        <p:spPr/>
-        <p:txBody>
-          <a:bodyPr/>
-          <a:lstStyle/>
-          <a:p>
-            <a:r>
-              <a:rPr lang="en-US" dirty="0"/>
-              <a:t>First it was LRT</a:t>
-            </a:r>
-          </a:p>
-          <a:p>
-            <a:endParaRPr lang="en-US" dirty="0"/>
-          </a:p>
-          <a:p>
-            <a:r>
-              <a:rPr lang="en-US" dirty="0"/>
-              <a:t>Then it was stepwise</a:t>
-            </a:r>
-          </a:p>
-          <a:p>
-            <a:endParaRPr lang="en-US" dirty="0"/>
-          </a:p>
-          <a:p>
-            <a:r>
-              <a:rPr lang="en-US" dirty="0"/>
-              <a:t>Now it is AIC</a:t>
-            </a:r>
-          </a:p>
-          <a:p>
-            <a:endParaRPr lang="en-US" dirty="0"/>
-          </a:p>
-          <a:p>
-            <a:r>
-              <a:rPr lang="en-US" dirty="0"/>
-              <a:t>What should we do??</a:t>
+          <a:p>
+            <a:r>
+              <a:rPr lang="en-US" dirty="0"/>
+              <a:t>They do use Bayes factors which is the ratio of the marginal likelihoods, essentially the odds in favor of one model vs another</a:t>
+            </a:r>
+          </a:p>
+          <a:p>
+            <a:r>
+              <a:rPr lang="en-US" dirty="0"/>
+              <a:t>Challenge: the marginal likelihood can be challenging to calculate and Bayesian methods are less approachable to many ecologists</a:t>
             </a:r>
           </a:p>
         </p:txBody>
@@ -6689,7 +6739,7 @@
     </p:spTree>
     <p:extLst>
       <p:ext uri="{BB962C8B-B14F-4D97-AF65-F5344CB8AC3E}">
-        <p14:creationId xmlns:p14="http://schemas.microsoft.com/office/powerpoint/2010/main" val="472774089"/>
+        <p14:creationId xmlns:p14="http://schemas.microsoft.com/office/powerpoint/2010/main" val="1024959077"/>
       </p:ext>
     </p:extLst>
   </p:cSld>
@@ -6733,7 +6783,7 @@
           <a:p>
             <a:r>
               <a:rPr lang="en-US" dirty="0"/>
-              <a:t>Conclusions</a:t>
+              <a:t>Challenges for all approaches</a:t>
             </a:r>
           </a:p>
         </p:txBody>
@@ -6751,45 +6801,32 @@
         <p:spPr/>
         <p:txBody>
           <a:bodyPr>
-            <a:normAutofit fontScale="92500" lnSpcReduction="10000"/>
+            <a:normAutofit lnSpcReduction="10000"/>
           </a:bodyPr>
           <a:lstStyle/>
           <a:p>
             <a:r>
               <a:rPr lang="en-US" dirty="0"/>
-              <a:t>There is no substitute for a priori hypotheses, carefully designed studies or experiments that maximize orthogonality of predictors </a:t>
+              <a:t>Including a large list of predictor variables will guarantee that your final or best model includes variables that are correlated with the response simply due to chance</a:t>
             </a:r>
           </a:p>
           <a:p>
             <a:pPr lvl="1"/>
             <a:r>
               <a:rPr lang="en-US" dirty="0"/>
-              <a:t>These experiments should have clear-cut hypotheses and measure important variables (consider exclusion of likely “nuisance” variables)</a:t>
-            </a:r>
-          </a:p>
-          <a:p>
-            <a:pPr lvl="1"/>
-            <a:r>
-              <a:rPr lang="en-US" dirty="0"/>
-              <a:t>E.g. Do you need to have soil moisture and daily </a:t>
-            </a:r>
-            <a:r>
-              <a:rPr lang="en-US" dirty="0" err="1"/>
-              <a:t>precip</a:t>
-            </a:r>
-            <a:r>
-              <a:rPr lang="en-US" dirty="0"/>
-              <a:t> in your model? </a:t>
-            </a:r>
-          </a:p>
-          <a:p>
-            <a:pPr lvl="1"/>
-            <a:endParaRPr lang="en-US" dirty="0"/>
-          </a:p>
-          <a:p>
-            <a:r>
-              <a:rPr lang="en-US" dirty="0"/>
-              <a:t>We have to accept that in some cases, the limited (observational) data we have collected simply cannot provide a simple clear cut answer to the questions we are posing.</a:t>
+              <a:t> multiple regression is a form of multiple comparisons!</a:t>
+            </a:r>
+          </a:p>
+          <a:p>
+            <a:r>
+              <a:rPr lang="en-US" dirty="0"/>
+              <a:t>Any time there is any correlation among predictors, removing or including a predictor will change the coefficient of other correlated predictors</a:t>
+            </a:r>
+          </a:p>
+          <a:p>
+            <a:r>
+              <a:rPr lang="en-US" dirty="0"/>
+              <a:t>No approach fixes these problems</a:t>
             </a:r>
           </a:p>
         </p:txBody>
@@ -6797,7 +6834,7 @@
     </p:spTree>
     <p:extLst>
       <p:ext uri="{BB962C8B-B14F-4D97-AF65-F5344CB8AC3E}">
-        <p14:creationId xmlns:p14="http://schemas.microsoft.com/office/powerpoint/2010/main" val="3347799417"/>
+        <p14:creationId xmlns:p14="http://schemas.microsoft.com/office/powerpoint/2010/main" val="4260278004"/>
       </p:ext>
     </p:extLst>
   </p:cSld>
@@ -6841,8 +6878,13 @@
           <a:p>
             <a:r>
               <a:rPr lang="en-US" dirty="0"/>
-              <a:t>Summary</a:t>
-            </a:r>
+              <a:t>Everyone’s a critic</a:t>
+            </a:r>
+            <a:r>
+              <a:rPr lang="mr-IN" dirty="0"/>
+              <a:t>…</a:t>
+            </a:r>
+            <a:endParaRPr lang="en-US" dirty="0"/>
           </a:p>
         </p:txBody>
       </p:sp>
@@ -6856,73 +6898,49 @@
             <p:ph idx="1"/>
           </p:nvPr>
         </p:nvSpPr>
-        <p:spPr>
-          <a:xfrm>
-            <a:off x="628650" y="1572322"/>
-            <a:ext cx="7886700" cy="4604641"/>
-          </a:xfrm>
-        </p:spPr>
-        <p:txBody>
-          <a:bodyPr/>
-          <a:lstStyle/>
-          <a:p>
-            <a:r>
-              <a:rPr lang="en-US" dirty="0"/>
-              <a:t>LRT’s are very useful and well-established, but choosing a path through a complex nest of factors can be challenging</a:t>
-            </a:r>
-          </a:p>
-          <a:p>
-            <a:pPr lvl="1"/>
-            <a:r>
-              <a:rPr lang="en-US" dirty="0"/>
-              <a:t>Things to be concerned about: </a:t>
-            </a:r>
-          </a:p>
-          <a:p>
-            <a:pPr lvl="2"/>
-            <a:r>
-              <a:rPr lang="en-US" dirty="0"/>
-              <a:t>when one factor is significant only when another factor is in the model</a:t>
-            </a:r>
-          </a:p>
-          <a:p>
-            <a:pPr lvl="2"/>
-            <a:r>
-              <a:rPr lang="en-US" dirty="0"/>
-              <a:t>when predictor variables are highly correlated</a:t>
-            </a:r>
-          </a:p>
-          <a:p>
-            <a:pPr lvl="1"/>
-            <a:r>
-              <a:rPr lang="en-US" dirty="0"/>
-              <a:t>What to do:</a:t>
-            </a:r>
-          </a:p>
-          <a:p>
-            <a:pPr lvl="2"/>
-            <a:r>
-              <a:rPr lang="en-US" dirty="0"/>
-              <a:t>What interesting biology might this be explaining?</a:t>
-            </a:r>
-          </a:p>
-          <a:p>
-            <a:pPr lvl="2"/>
-            <a:r>
-              <a:rPr lang="en-US" dirty="0"/>
-              <a:t>Do you need both variables? </a:t>
-            </a:r>
-          </a:p>
-          <a:p>
-            <a:pPr lvl="2"/>
+        <p:spPr/>
+        <p:txBody>
+          <a:bodyPr/>
+          <a:lstStyle/>
+          <a:p>
+            <a:r>
+              <a:rPr lang="en-US" dirty="0"/>
+              <a:t>First it was LRT</a:t>
+            </a:r>
+          </a:p>
+          <a:p>
             <a:endParaRPr lang="en-US" dirty="0"/>
+          </a:p>
+          <a:p>
+            <a:r>
+              <a:rPr lang="en-US" dirty="0"/>
+              <a:t>Then it was stepwise</a:t>
+            </a:r>
+          </a:p>
+          <a:p>
+            <a:endParaRPr lang="en-US" dirty="0"/>
+          </a:p>
+          <a:p>
+            <a:r>
+              <a:rPr lang="en-US" dirty="0"/>
+              <a:t>Now it is AIC</a:t>
+            </a:r>
+          </a:p>
+          <a:p>
+            <a:endParaRPr lang="en-US" dirty="0"/>
+          </a:p>
+          <a:p>
+            <a:r>
+              <a:rPr lang="en-US" dirty="0"/>
+              <a:t>What should we do??</a:t>
+            </a:r>
           </a:p>
         </p:txBody>
       </p:sp>
     </p:spTree>
     <p:extLst>
       <p:ext uri="{BB962C8B-B14F-4D97-AF65-F5344CB8AC3E}">
-        <p14:creationId xmlns:p14="http://schemas.microsoft.com/office/powerpoint/2010/main" val="1730380054"/>
+        <p14:creationId xmlns:p14="http://schemas.microsoft.com/office/powerpoint/2010/main" val="472774089"/>
       </p:ext>
     </p:extLst>
   </p:cSld>
@@ -6966,7 +6984,7 @@
           <a:p>
             <a:r>
               <a:rPr lang="en-US" dirty="0"/>
-              <a:t>Summary</a:t>
+              <a:t>Conclusions</a:t>
             </a:r>
           </a:p>
         </p:txBody>
@@ -6981,83 +6999,48 @@
             <p:ph idx="1"/>
           </p:nvPr>
         </p:nvSpPr>
-        <p:spPr>
-          <a:xfrm>
-            <a:off x="628650" y="1438507"/>
-            <a:ext cx="7886700" cy="4738456"/>
-          </a:xfrm>
-        </p:spPr>
-        <p:txBody>
-          <a:bodyPr/>
-          <a:lstStyle/>
-          <a:p>
-            <a:r>
-              <a:rPr lang="en-US" dirty="0"/>
-              <a:t>AIC is well-established, very easy to implement, and appeals to our desire to rank things</a:t>
+        <p:spPr/>
+        <p:txBody>
+          <a:bodyPr>
+            <a:normAutofit fontScale="92500" lnSpcReduction="10000"/>
+          </a:bodyPr>
+          <a:lstStyle/>
+          <a:p>
+            <a:r>
+              <a:rPr lang="en-US" dirty="0"/>
+              <a:t>There is no substitute for a priori hypotheses, carefully designed studies or experiments that maximize orthogonality of predictors </a:t>
             </a:r>
           </a:p>
           <a:p>
             <a:pPr lvl="1"/>
             <a:r>
               <a:rPr lang="en-US" dirty="0"/>
-              <a:t>Things to be concerned about:</a:t>
-            </a:r>
-          </a:p>
-          <a:p>
-            <a:pPr lvl="2"/>
-            <a:r>
-              <a:rPr lang="en-US" dirty="0"/>
-              <a:t>Data dredging and thoughtless model selection</a:t>
-            </a:r>
-          </a:p>
-          <a:p>
-            <a:pPr lvl="2"/>
-            <a:r>
-              <a:rPr lang="en-US" dirty="0"/>
-              <a:t>Overfitting (adding too many variables)</a:t>
-            </a:r>
-          </a:p>
-          <a:p>
-            <a:pPr lvl="2"/>
-            <a:r>
-              <a:rPr lang="en-US" dirty="0"/>
-              <a:t>Bad candidate model sets</a:t>
-            </a:r>
-          </a:p>
-          <a:p>
-            <a:pPr lvl="2"/>
-            <a:r>
-              <a:rPr lang="en-US" dirty="0"/>
-              <a:t>When AIC tells you remove something you </a:t>
-            </a:r>
-            <a:r>
-              <a:rPr lang="en-US" i="1" dirty="0"/>
-              <a:t>know</a:t>
-            </a:r>
-            <a:r>
-              <a:rPr lang="en-US" dirty="0"/>
-              <a:t> is important</a:t>
+              <a:t>These experiments should have clear-cut hypotheses and measure important variables (consider exclusion of likely “nuisance” variables)</a:t>
             </a:r>
           </a:p>
           <a:p>
             <a:pPr lvl="1"/>
             <a:r>
               <a:rPr lang="en-US" dirty="0"/>
-              <a:t>What to do:</a:t>
-            </a:r>
-          </a:p>
-          <a:p>
-            <a:pPr lvl="2"/>
-            <a:r>
-              <a:rPr lang="en-US" dirty="0"/>
-              <a:t>Use for exploratory analysis, but take results with a big grain of salt</a:t>
-            </a:r>
-          </a:p>
-          <a:p>
-            <a:pPr lvl="2"/>
-            <a:r>
-              <a:rPr lang="en-US" dirty="0"/>
-              <a:t>Use as final results only if it agrees with other methods</a:t>
+              <a:t>E.g. Do you need to have soil moisture and daily </a:t>
+            </a:r>
+            <a:r>
+              <a:rPr lang="en-US" dirty="0" err="1"/>
+              <a:t>precip</a:t>
+            </a:r>
+            <a:r>
+              <a:rPr lang="en-US" dirty="0"/>
+              <a:t> in your model? </a:t>
+            </a:r>
+          </a:p>
+          <a:p>
+            <a:pPr lvl="1"/>
+            <a:endParaRPr lang="en-US" dirty="0"/>
+          </a:p>
+          <a:p>
+            <a:r>
+              <a:rPr lang="en-US" dirty="0"/>
+              <a:t>We have to accept that in some cases, the limited (observational) data we have collected simply cannot provide a simple clear cut answer to the questions we are posing.</a:t>
             </a:r>
           </a:p>
         </p:txBody>
@@ -7065,7 +7048,7 @@
     </p:spTree>
     <p:extLst>
       <p:ext uri="{BB962C8B-B14F-4D97-AF65-F5344CB8AC3E}">
-        <p14:creationId xmlns:p14="http://schemas.microsoft.com/office/powerpoint/2010/main" val="1933073373"/>
+        <p14:creationId xmlns:p14="http://schemas.microsoft.com/office/powerpoint/2010/main" val="3347799417"/>
       </p:ext>
     </p:extLst>
   </p:cSld>
@@ -7213,6 +7196,274 @@
             <p:ph type="title"/>
           </p:nvPr>
         </p:nvSpPr>
+        <p:spPr/>
+        <p:txBody>
+          <a:bodyPr/>
+          <a:lstStyle/>
+          <a:p>
+            <a:r>
+              <a:rPr lang="en-US" dirty="0"/>
+              <a:t>Summary</a:t>
+            </a:r>
+          </a:p>
+        </p:txBody>
+      </p:sp>
+      <p:sp>
+        <p:nvSpPr>
+          <p:cNvPr id="3" name="Content Placeholder 2"/>
+          <p:cNvSpPr>
+            <a:spLocks noGrp="1"/>
+          </p:cNvSpPr>
+          <p:nvPr>
+            <p:ph idx="1"/>
+          </p:nvPr>
+        </p:nvSpPr>
+        <p:spPr>
+          <a:xfrm>
+            <a:off x="628650" y="1572322"/>
+            <a:ext cx="7886700" cy="4604641"/>
+          </a:xfrm>
+        </p:spPr>
+        <p:txBody>
+          <a:bodyPr/>
+          <a:lstStyle/>
+          <a:p>
+            <a:r>
+              <a:rPr lang="en-US" dirty="0"/>
+              <a:t>LRT’s are very useful and well-established, but choosing a path through a complex nest of factors can be challenging</a:t>
+            </a:r>
+          </a:p>
+          <a:p>
+            <a:pPr lvl="1"/>
+            <a:r>
+              <a:rPr lang="en-US" dirty="0"/>
+              <a:t>Things to be concerned about: </a:t>
+            </a:r>
+          </a:p>
+          <a:p>
+            <a:pPr lvl="2"/>
+            <a:r>
+              <a:rPr lang="en-US" dirty="0"/>
+              <a:t>when one factor is significant only when another factor is in the model</a:t>
+            </a:r>
+          </a:p>
+          <a:p>
+            <a:pPr lvl="2"/>
+            <a:r>
+              <a:rPr lang="en-US" dirty="0"/>
+              <a:t>when predictor variables are highly correlated</a:t>
+            </a:r>
+          </a:p>
+          <a:p>
+            <a:pPr lvl="1"/>
+            <a:r>
+              <a:rPr lang="en-US" dirty="0"/>
+              <a:t>What to do:</a:t>
+            </a:r>
+          </a:p>
+          <a:p>
+            <a:pPr lvl="2"/>
+            <a:r>
+              <a:rPr lang="en-US" dirty="0"/>
+              <a:t>What interesting biology might this be explaining?</a:t>
+            </a:r>
+          </a:p>
+          <a:p>
+            <a:pPr lvl="2"/>
+            <a:r>
+              <a:rPr lang="en-US" dirty="0"/>
+              <a:t>Do you need both variables? </a:t>
+            </a:r>
+          </a:p>
+          <a:p>
+            <a:pPr lvl="2"/>
+            <a:endParaRPr lang="en-US" dirty="0"/>
+          </a:p>
+        </p:txBody>
+      </p:sp>
+    </p:spTree>
+    <p:extLst>
+      <p:ext uri="{BB962C8B-B14F-4D97-AF65-F5344CB8AC3E}">
+        <p14:creationId xmlns:p14="http://schemas.microsoft.com/office/powerpoint/2010/main" val="1730380054"/>
+      </p:ext>
+    </p:extLst>
+  </p:cSld>
+  <p:clrMapOvr>
+    <a:masterClrMapping/>
+  </p:clrMapOvr>
+</p:sld>
+</file>
+
+<file path=ppt/slides/slide41.xml><?xml version="1.0" encoding="utf-8"?>
+<p:sld xmlns:a="http://schemas.openxmlformats.org/drawingml/2006/main" xmlns:r="http://schemas.openxmlformats.org/officeDocument/2006/relationships" xmlns:p="http://schemas.openxmlformats.org/presentationml/2006/main">
+  <p:cSld>
+    <p:spTree>
+      <p:nvGrpSpPr>
+        <p:cNvPr id="1" name=""/>
+        <p:cNvGrpSpPr/>
+        <p:nvPr/>
+      </p:nvGrpSpPr>
+      <p:grpSpPr>
+        <a:xfrm>
+          <a:off x="0" y="0"/>
+          <a:ext cx="0" cy="0"/>
+          <a:chOff x="0" y="0"/>
+          <a:chExt cx="0" cy="0"/>
+        </a:xfrm>
+      </p:grpSpPr>
+      <p:sp>
+        <p:nvSpPr>
+          <p:cNvPr id="2" name="Title 1"/>
+          <p:cNvSpPr>
+            <a:spLocks noGrp="1"/>
+          </p:cNvSpPr>
+          <p:nvPr>
+            <p:ph type="title"/>
+          </p:nvPr>
+        </p:nvSpPr>
+        <p:spPr/>
+        <p:txBody>
+          <a:bodyPr/>
+          <a:lstStyle/>
+          <a:p>
+            <a:r>
+              <a:rPr lang="en-US" dirty="0"/>
+              <a:t>Summary</a:t>
+            </a:r>
+          </a:p>
+        </p:txBody>
+      </p:sp>
+      <p:sp>
+        <p:nvSpPr>
+          <p:cNvPr id="3" name="Content Placeholder 2"/>
+          <p:cNvSpPr>
+            <a:spLocks noGrp="1"/>
+          </p:cNvSpPr>
+          <p:nvPr>
+            <p:ph idx="1"/>
+          </p:nvPr>
+        </p:nvSpPr>
+        <p:spPr>
+          <a:xfrm>
+            <a:off x="628650" y="1438507"/>
+            <a:ext cx="7886700" cy="4738456"/>
+          </a:xfrm>
+        </p:spPr>
+        <p:txBody>
+          <a:bodyPr/>
+          <a:lstStyle/>
+          <a:p>
+            <a:r>
+              <a:rPr lang="en-US" dirty="0"/>
+              <a:t>AIC is well-established, very easy to implement, and appeals to our desire to rank things</a:t>
+            </a:r>
+          </a:p>
+          <a:p>
+            <a:pPr lvl="1"/>
+            <a:r>
+              <a:rPr lang="en-US" dirty="0"/>
+              <a:t>Things to be concerned about:</a:t>
+            </a:r>
+          </a:p>
+          <a:p>
+            <a:pPr lvl="2"/>
+            <a:r>
+              <a:rPr lang="en-US" dirty="0"/>
+              <a:t>Data dredging and thoughtless model selection</a:t>
+            </a:r>
+          </a:p>
+          <a:p>
+            <a:pPr lvl="2"/>
+            <a:r>
+              <a:rPr lang="en-US" dirty="0"/>
+              <a:t>Overfitting (adding too many variables)</a:t>
+            </a:r>
+          </a:p>
+          <a:p>
+            <a:pPr lvl="2"/>
+            <a:r>
+              <a:rPr lang="en-US" dirty="0"/>
+              <a:t>Bad candidate model sets</a:t>
+            </a:r>
+          </a:p>
+          <a:p>
+            <a:pPr lvl="2"/>
+            <a:r>
+              <a:rPr lang="en-US" dirty="0"/>
+              <a:t>When AIC tells you remove something you </a:t>
+            </a:r>
+            <a:r>
+              <a:rPr lang="en-US" i="1" dirty="0"/>
+              <a:t>know</a:t>
+            </a:r>
+            <a:r>
+              <a:rPr lang="en-US" dirty="0"/>
+              <a:t> is important</a:t>
+            </a:r>
+          </a:p>
+          <a:p>
+            <a:pPr lvl="1"/>
+            <a:r>
+              <a:rPr lang="en-US" dirty="0"/>
+              <a:t>What to do:</a:t>
+            </a:r>
+          </a:p>
+          <a:p>
+            <a:pPr lvl="2"/>
+            <a:r>
+              <a:rPr lang="en-US" dirty="0"/>
+              <a:t>Use for exploratory analysis, but take results with a big grain of salt</a:t>
+            </a:r>
+          </a:p>
+          <a:p>
+            <a:pPr lvl="2"/>
+            <a:r>
+              <a:rPr lang="en-US" dirty="0"/>
+              <a:t>Use as final results only if it agrees with other methods</a:t>
+            </a:r>
+          </a:p>
+        </p:txBody>
+      </p:sp>
+    </p:spTree>
+    <p:extLst>
+      <p:ext uri="{BB962C8B-B14F-4D97-AF65-F5344CB8AC3E}">
+        <p14:creationId xmlns:p14="http://schemas.microsoft.com/office/powerpoint/2010/main" val="1933073373"/>
+      </p:ext>
+    </p:extLst>
+  </p:cSld>
+  <p:clrMapOvr>
+    <a:masterClrMapping/>
+  </p:clrMapOvr>
+</p:sld>
+</file>
+
+<file path=ppt/slides/slide42.xml><?xml version="1.0" encoding="utf-8"?>
+<p:sld xmlns:a="http://schemas.openxmlformats.org/drawingml/2006/main" xmlns:r="http://schemas.openxmlformats.org/officeDocument/2006/relationships" xmlns:p="http://schemas.openxmlformats.org/presentationml/2006/main">
+  <p:cSld>
+    <p:spTree>
+      <p:nvGrpSpPr>
+        <p:cNvPr id="1" name=""/>
+        <p:cNvGrpSpPr/>
+        <p:nvPr/>
+      </p:nvGrpSpPr>
+      <p:grpSpPr>
+        <a:xfrm>
+          <a:off x="0" y="0"/>
+          <a:ext cx="0" cy="0"/>
+          <a:chOff x="0" y="0"/>
+          <a:chExt cx="0" cy="0"/>
+        </a:xfrm>
+      </p:grpSpPr>
+      <p:sp>
+        <p:nvSpPr>
+          <p:cNvPr id="2" name="Title 1"/>
+          <p:cNvSpPr>
+            <a:spLocks noGrp="1"/>
+          </p:cNvSpPr>
+          <p:nvPr>
+            <p:ph type="title"/>
+          </p:nvPr>
+        </p:nvSpPr>
         <p:spPr>
           <a:xfrm>
             <a:off x="628650" y="220163"/>
@@ -7329,7 +7580,7 @@
 </p:sld>
 </file>
 
-<file path=ppt/slides/slide41.xml><?xml version="1.0" encoding="utf-8"?>
+<file path=ppt/slides/slide43.xml><?xml version="1.0" encoding="utf-8"?>
 <p:sld xmlns:a="http://schemas.openxmlformats.org/drawingml/2006/main" xmlns:r="http://schemas.openxmlformats.org/officeDocument/2006/relationships" xmlns:p="http://schemas.openxmlformats.org/presentationml/2006/main">
   <p:cSld>
     <p:spTree>

--- a/lectures/week_11_model_selection/le111_model_selection.pptx
+++ b/lectures/week_11_model_selection/le111_model_selection.pptx
@@ -313,7 +313,7 @@
           <a:p>
             <a:fld id="{F00CAE13-515D-42AB-B1C6-C768CFAA9040}" type="datetimeFigureOut">
               <a:rPr lang="en-US" smtClean="0"/>
-              <a:t>4/25/23</a:t>
+              <a:t>4/1/24</a:t>
             </a:fld>
             <a:endParaRPr lang="en-US"/>
           </a:p>
@@ -714,7 +714,7 @@
             <a:fld id="{F16B42BE-E9E8-4C91-8CAE-DCF3A8462AA2}" type="datetimeFigureOut">
               <a:rPr lang="en-US" smtClean="0"/>
               <a:pPr/>
-              <a:t>4/25/23</a:t>
+              <a:t>4/1/24</a:t>
             </a:fld>
             <a:endParaRPr lang="en-US"/>
           </a:p>
@@ -886,7 +886,7 @@
             <a:fld id="{F16B42BE-E9E8-4C91-8CAE-DCF3A8462AA2}" type="datetimeFigureOut">
               <a:rPr lang="en-US" smtClean="0"/>
               <a:pPr/>
-              <a:t>4/25/23</a:t>
+              <a:t>4/1/24</a:t>
             </a:fld>
             <a:endParaRPr lang="en-US"/>
           </a:p>
@@ -1068,7 +1068,7 @@
             <a:fld id="{F16B42BE-E9E8-4C91-8CAE-DCF3A8462AA2}" type="datetimeFigureOut">
               <a:rPr lang="en-US" smtClean="0"/>
               <a:pPr/>
-              <a:t>4/25/23</a:t>
+              <a:t>4/1/24</a:t>
             </a:fld>
             <a:endParaRPr lang="en-US"/>
           </a:p>
@@ -1258,7 +1258,7 @@
             <a:fld id="{F16B42BE-E9E8-4C91-8CAE-DCF3A8462AA2}" type="datetimeFigureOut">
               <a:rPr lang="en-US" smtClean="0"/>
               <a:pPr/>
-              <a:t>4/25/23</a:t>
+              <a:t>4/1/24</a:t>
             </a:fld>
             <a:endParaRPr lang="en-US"/>
           </a:p>
@@ -1504,7 +1504,7 @@
             <a:fld id="{F16B42BE-E9E8-4C91-8CAE-DCF3A8462AA2}" type="datetimeFigureOut">
               <a:rPr lang="en-US" smtClean="0"/>
               <a:pPr/>
-              <a:t>4/25/23</a:t>
+              <a:t>4/1/24</a:t>
             </a:fld>
             <a:endParaRPr lang="en-US"/>
           </a:p>
@@ -1738,7 +1738,7 @@
             <a:fld id="{F16B42BE-E9E8-4C91-8CAE-DCF3A8462AA2}" type="datetimeFigureOut">
               <a:rPr lang="en-US" smtClean="0"/>
               <a:pPr/>
-              <a:t>4/25/23</a:t>
+              <a:t>4/1/24</a:t>
             </a:fld>
             <a:endParaRPr lang="en-US"/>
           </a:p>
@@ -2107,7 +2107,7 @@
             <a:fld id="{F16B42BE-E9E8-4C91-8CAE-DCF3A8462AA2}" type="datetimeFigureOut">
               <a:rPr lang="en-US" smtClean="0"/>
               <a:pPr/>
-              <a:t>4/25/23</a:t>
+              <a:t>4/1/24</a:t>
             </a:fld>
             <a:endParaRPr lang="en-US"/>
           </a:p>
@@ -2227,7 +2227,7 @@
             <a:fld id="{F16B42BE-E9E8-4C91-8CAE-DCF3A8462AA2}" type="datetimeFigureOut">
               <a:rPr lang="en-US" smtClean="0"/>
               <a:pPr/>
-              <a:t>4/25/23</a:t>
+              <a:t>4/1/24</a:t>
             </a:fld>
             <a:endParaRPr lang="en-US"/>
           </a:p>
@@ -2324,7 +2324,7 @@
             <a:fld id="{F16B42BE-E9E8-4C91-8CAE-DCF3A8462AA2}" type="datetimeFigureOut">
               <a:rPr lang="en-US" smtClean="0"/>
               <a:pPr/>
-              <a:t>4/25/23</a:t>
+              <a:t>4/1/24</a:t>
             </a:fld>
             <a:endParaRPr lang="en-US"/>
           </a:p>
@@ -2603,7 +2603,7 @@
             <a:fld id="{F16B42BE-E9E8-4C91-8CAE-DCF3A8462AA2}" type="datetimeFigureOut">
               <a:rPr lang="en-US" smtClean="0"/>
               <a:pPr/>
-              <a:t>4/25/23</a:t>
+              <a:t>4/1/24</a:t>
             </a:fld>
             <a:endParaRPr lang="en-US"/>
           </a:p>
@@ -2862,7 +2862,7 @@
             <a:fld id="{F16B42BE-E9E8-4C91-8CAE-DCF3A8462AA2}" type="datetimeFigureOut">
               <a:rPr lang="en-US" smtClean="0"/>
               <a:pPr/>
-              <a:t>4/25/23</a:t>
+              <a:t>4/1/24</a:t>
             </a:fld>
             <a:endParaRPr lang="en-US"/>
           </a:p>
@@ -3075,7 +3075,7 @@
             <a:fld id="{F16B42BE-E9E8-4C91-8CAE-DCF3A8462AA2}" type="datetimeFigureOut">
               <a:rPr lang="en-US" smtClean="0"/>
               <a:pPr/>
-              <a:t>4/25/23</a:t>
+              <a:t>4/1/24</a:t>
             </a:fld>
             <a:endParaRPr lang="en-US"/>
           </a:p>
